--- a/分享/设计模式/前端之设计模式.pptx
+++ b/分享/设计模式/前端之设计模式.pptx
@@ -8,30 +8,27 @@
     <p:sldId id="256" r:id="rId2"/>
     <p:sldId id="257" r:id="rId3"/>
     <p:sldId id="262" r:id="rId4"/>
-    <p:sldId id="264" r:id="rId5"/>
-    <p:sldId id="265" r:id="rId6"/>
-    <p:sldId id="266" r:id="rId7"/>
-    <p:sldId id="267" r:id="rId8"/>
-    <p:sldId id="268" r:id="rId9"/>
-    <p:sldId id="274" r:id="rId10"/>
-    <p:sldId id="269" r:id="rId11"/>
-    <p:sldId id="270" r:id="rId12"/>
-    <p:sldId id="271" r:id="rId13"/>
-    <p:sldId id="273" r:id="rId14"/>
-    <p:sldId id="275" r:id="rId15"/>
-    <p:sldId id="276" r:id="rId16"/>
-    <p:sldId id="277" r:id="rId17"/>
-    <p:sldId id="278" r:id="rId18"/>
-    <p:sldId id="279" r:id="rId19"/>
-    <p:sldId id="280" r:id="rId20"/>
-    <p:sldId id="281" r:id="rId21"/>
-    <p:sldId id="282" r:id="rId22"/>
-    <p:sldId id="283" r:id="rId23"/>
-    <p:sldId id="284" r:id="rId24"/>
-    <p:sldId id="285" r:id="rId25"/>
-    <p:sldId id="286" r:id="rId26"/>
-    <p:sldId id="287" r:id="rId27"/>
-    <p:sldId id="261" r:id="rId28"/>
+    <p:sldId id="275" r:id="rId5"/>
+    <p:sldId id="276" r:id="rId6"/>
+    <p:sldId id="267" r:id="rId7"/>
+    <p:sldId id="268" r:id="rId8"/>
+    <p:sldId id="264" r:id="rId9"/>
+    <p:sldId id="265" r:id="rId10"/>
+    <p:sldId id="266" r:id="rId11"/>
+    <p:sldId id="269" r:id="rId12"/>
+    <p:sldId id="270" r:id="rId13"/>
+    <p:sldId id="271" r:id="rId14"/>
+    <p:sldId id="273" r:id="rId15"/>
+    <p:sldId id="277" r:id="rId16"/>
+    <p:sldId id="278" r:id="rId17"/>
+    <p:sldId id="281" r:id="rId18"/>
+    <p:sldId id="280" r:id="rId19"/>
+    <p:sldId id="283" r:id="rId20"/>
+    <p:sldId id="284" r:id="rId21"/>
+    <p:sldId id="285" r:id="rId22"/>
+    <p:sldId id="286" r:id="rId23"/>
+    <p:sldId id="287" r:id="rId24"/>
+    <p:sldId id="261" r:id="rId25"/>
   </p:sldIdLst>
   <p:sldSz cx="12192000" cy="6858000"/>
   <p:notesSz cx="6858000" cy="9144000"/>
@@ -132,7 +129,7 @@
   </p:defaultTextStyle>
   <p:extLst>
     <p:ext uri="{EFAFB233-063F-42B5-8137-9DF3F51BA10A}">
-      <p15:sldGuideLst xmlns:p15="http://schemas.microsoft.com/office/powerpoint/2012/main" xmlns="">
+      <p15:sldGuideLst xmlns="" xmlns:p15="http://schemas.microsoft.com/office/powerpoint/2012/main">
         <p15:guide id="1" orient="horz" pos="2160">
           <p15:clr>
             <a:srgbClr val="A4A3A4"/>
@@ -2058,7 +2055,7 @@
   </p:timing>
   <p:extLst mod="1">
     <p:ext uri="{DCECCB84-F9BA-43D5-87BE-67443E8EF086}">
-      <p15:sldGuideLst xmlns:p15="http://schemas.microsoft.com/office/powerpoint/2012/main" xmlns="">
+      <p15:sldGuideLst xmlns="" xmlns:p15="http://schemas.microsoft.com/office/powerpoint/2012/main">
         <p15:guide id="1" orient="horz" pos="690">
           <p15:clr>
             <a:srgbClr val="FBAE40"/>
@@ -7501,26 +7498,13 @@
         </p:nvSpPr>
         <p:spPr/>
         <p:txBody>
-          <a:bodyPr>
-            <a:normAutofit fontScale="90000"/>
-          </a:bodyPr>
+          <a:bodyPr/>
           <a:lstStyle/>
           <a:p>
             <a:r>
-              <a:rPr lang="zh-CN" altLang="en-US" sz="2700" b="0" dirty="0" smtClean="0"/>
-              <a:t>工厂</a:t>
-            </a:r>
-            <a:r>
-              <a:rPr lang="zh-CN" altLang="en-US" sz="2700" b="0" dirty="0"/>
-              <a:t>模式    </a:t>
-            </a:r>
-            <a:r>
-              <a:rPr lang="en-US" altLang="zh-CN" sz="2400" dirty="0"/>
-              <a:t/>
-            </a:r>
-            <a:br>
-              <a:rPr lang="en-US" altLang="zh-CN" sz="2400" dirty="0"/>
-            </a:br>
+              <a:rPr lang="zh-CN" altLang="en-US" sz="2400" b="0" dirty="0"/>
+              <a:t>创建型</a:t>
+            </a:r>
             <a:r>
               <a:rPr lang="zh-CN" altLang="en-US" dirty="0"/>
               <a:t/>
@@ -7550,34 +7534,20 @@
           <a:lstStyle/>
           <a:p>
             <a:r>
-              <a:rPr lang="zh-CN" altLang="en-US" sz="1600" dirty="0" smtClean="0"/>
-              <a:t>目的</a:t>
-            </a:r>
-            <a:r>
-              <a:rPr lang="zh-CN" altLang="en-US" sz="1600" dirty="0"/>
-              <a:t>：方便我们大量创建对象    </a:t>
-            </a:r>
-            <a:endParaRPr lang="en-US" altLang="zh-CN" sz="1600" dirty="0"/>
-          </a:p>
-          <a:p>
-            <a:r>
-              <a:rPr lang="zh-CN" altLang="en-US" sz="1600" dirty="0" smtClean="0"/>
-              <a:t>应用</a:t>
-            </a:r>
-            <a:r>
-              <a:rPr lang="zh-CN" altLang="en-US" sz="1600" dirty="0"/>
-              <a:t>场景：当某一个对象需要经常创建的时候、如分页对象的获取    </a:t>
-            </a:r>
-            <a:endParaRPr lang="en-US" altLang="zh-CN" sz="1600" dirty="0"/>
-          </a:p>
-          <a:p>
-            <a:r>
-              <a:rPr lang="zh-CN" altLang="en-US" sz="1600" dirty="0" smtClean="0"/>
-              <a:t>基本结构</a:t>
-            </a:r>
-            <a:r>
-              <a:rPr lang="zh-CN" altLang="en-US" sz="1600" dirty="0"/>
-              <a:t>：写一个方法，只需要调用这个方法，就能拿到你要的</a:t>
+              <a:rPr lang="en-US" altLang="zh-CN" sz="1600" dirty="0"/>
+              <a:t>1. </a:t>
+            </a:r>
+            <a:r>
+              <a:rPr lang="zh-CN" altLang="en-US" sz="1600" dirty="0"/>
+              <a:t>工厂模式 </a:t>
+            </a:r>
+            <a:r>
+              <a:rPr lang="en-US" altLang="zh-CN" sz="1600" dirty="0"/>
+              <a:t>-- </a:t>
+            </a:r>
+            <a:r>
+              <a:rPr lang="zh-CN" altLang="en-US" sz="1600" dirty="0"/>
+              <a:t>大量创建</a:t>
             </a:r>
             <a:r>
               <a:rPr lang="zh-CN" altLang="en-US" sz="1600" dirty="0" smtClean="0"/>
@@ -7586,71 +7556,83 @@
             <a:endParaRPr lang="en-US" altLang="zh-CN" sz="1600" dirty="0" smtClean="0"/>
           </a:p>
           <a:p>
+            <a:r>
+              <a:rPr lang="en-US" altLang="zh-CN" sz="1600" dirty="0" smtClean="0"/>
+              <a:t>2</a:t>
+            </a:r>
+            <a:r>
+              <a:rPr lang="en-US" altLang="zh-CN" sz="1600" dirty="0"/>
+              <a:t>. </a:t>
+            </a:r>
+            <a:r>
+              <a:rPr lang="zh-CN" altLang="en-US" sz="1600" dirty="0"/>
+              <a:t>单例模式 </a:t>
+            </a:r>
+            <a:r>
+              <a:rPr lang="en-US" altLang="zh-CN" sz="1600" dirty="0"/>
+              <a:t>-- </a:t>
+            </a:r>
+            <a:r>
+              <a:rPr lang="zh-CN" altLang="en-US" sz="1600" dirty="0"/>
+              <a:t>全局只能有我一</a:t>
+            </a:r>
+            <a:r>
+              <a:rPr lang="zh-CN" altLang="en-US" sz="1600" dirty="0" smtClean="0"/>
+              <a:t>个</a:t>
+            </a:r>
             <a:endParaRPr lang="en-US" altLang="zh-CN" sz="1600" dirty="0" smtClean="0"/>
           </a:p>
           <a:p>
             <a:r>
+              <a:rPr lang="en-US" altLang="zh-CN" sz="1600" dirty="0" smtClean="0"/>
+              <a:t>3</a:t>
+            </a:r>
+            <a:r>
+              <a:rPr lang="en-US" altLang="zh-CN" sz="1600" dirty="0"/>
+              <a:t>. </a:t>
+            </a:r>
+            <a:r>
+              <a:rPr lang="zh-CN" altLang="en-US" sz="1600" dirty="0"/>
+              <a:t>建造者模式 </a:t>
+            </a:r>
+            <a:r>
+              <a:rPr lang="en-US" altLang="zh-CN" sz="1600" dirty="0"/>
+              <a:t>-- </a:t>
+            </a:r>
+            <a:r>
+              <a:rPr lang="zh-CN" altLang="en-US" sz="1600" dirty="0"/>
+              <a:t>精细化组合</a:t>
+            </a:r>
+            <a:r>
               <a:rPr lang="zh-CN" altLang="en-US" sz="1600" dirty="0" smtClean="0"/>
-              <a:t>示例</a:t>
-            </a:r>
-            <a:r>
-              <a:rPr lang="zh-CN" altLang="en-US" sz="1600" dirty="0"/>
-              <a:t>：多彩的弹窗（需求：项目有一个弹窗需求，弹窗有多种，他们之间存在内容和颜色上的差异</a:t>
-            </a:r>
-            <a:r>
-              <a:rPr lang="zh-CN" altLang="en-US" sz="1600" dirty="0" smtClean="0"/>
-              <a:t>）</a:t>
+              <a:t>对象</a:t>
             </a:r>
             <a:endParaRPr lang="en-US" altLang="zh-CN" sz="1600" dirty="0" smtClean="0"/>
           </a:p>
           <a:p>
             <a:r>
-              <a:rPr lang="zh-CN" altLang="en-US" sz="1600" dirty="0"/>
-              <a:t>源码示例：</a:t>
+              <a:rPr lang="en-US" altLang="zh-CN" sz="1600" dirty="0" smtClean="0"/>
+              <a:t>4</a:t>
+            </a:r>
+            <a:r>
+              <a:rPr lang="en-US" altLang="zh-CN" sz="1600" dirty="0"/>
+              <a:t>. </a:t>
+            </a:r>
+            <a:r>
+              <a:rPr lang="zh-CN" altLang="en-US" sz="1600" dirty="0"/>
+              <a:t>原型模式 </a:t>
+            </a:r>
+            <a:r>
+              <a:rPr lang="en-US" altLang="zh-CN" sz="1600" dirty="0"/>
+              <a:t>-- </a:t>
             </a:r>
             <a:r>
               <a:rPr lang="en-US" altLang="zh-CN" sz="1600" dirty="0" err="1"/>
-              <a:t>jquery</a:t>
-            </a:r>
-            <a:r>
-              <a:rPr lang="en-US" altLang="zh-CN" sz="1600" dirty="0"/>
-              <a:t> </a:t>
-            </a:r>
-            <a:r>
-              <a:rPr lang="zh-CN" altLang="en-US" sz="1600" dirty="0"/>
-              <a:t>（需求：</a:t>
-            </a:r>
-            <a:r>
-              <a:rPr lang="en-US" altLang="zh-CN" sz="1600" dirty="0" err="1"/>
-              <a:t>jQuery</a:t>
-            </a:r>
-            <a:r>
-              <a:rPr lang="zh-CN" altLang="en-US" sz="1600" dirty="0"/>
-              <a:t>需要操作</a:t>
-            </a:r>
-            <a:r>
-              <a:rPr lang="en-US" altLang="zh-CN" sz="1600" dirty="0" err="1"/>
-              <a:t>dom</a:t>
-            </a:r>
-            <a:r>
-              <a:rPr lang="zh-CN" altLang="en-US" sz="1600" dirty="0"/>
-              <a:t>，每一个</a:t>
-            </a:r>
-            <a:r>
-              <a:rPr lang="en-US" altLang="zh-CN" sz="1600" dirty="0" err="1"/>
-              <a:t>dom</a:t>
-            </a:r>
-            <a:r>
-              <a:rPr lang="zh-CN" altLang="en-US" sz="1600" dirty="0"/>
-              <a:t>都是一个</a:t>
-            </a:r>
-            <a:r>
-              <a:rPr lang="en-US" altLang="zh-CN" sz="1600" dirty="0" err="1"/>
-              <a:t>jquery</a:t>
-            </a:r>
-            <a:r>
-              <a:rPr lang="zh-CN" altLang="en-US" sz="1600" dirty="0"/>
-              <a:t>对象）</a:t>
+              <a:t>Javascript</a:t>
+            </a:r>
+            <a:r>
+              <a:rPr lang="zh-CN" altLang="en-US" sz="1600" dirty="0"/>
+              <a:t>的灵魂</a:t>
             </a:r>
           </a:p>
         </p:txBody>
@@ -7704,13 +7686,26 @@
         </p:nvSpPr>
         <p:spPr/>
         <p:txBody>
-          <a:bodyPr/>
+          <a:bodyPr>
+            <a:normAutofit fontScale="90000"/>
+          </a:bodyPr>
           <a:lstStyle/>
           <a:p>
             <a:r>
-              <a:rPr lang="zh-CN" altLang="en-US" sz="2400" b="0" dirty="0"/>
-              <a:t>建造者模式</a:t>
-            </a:r>
+              <a:rPr lang="zh-CN" altLang="en-US" sz="2700" b="0" dirty="0" smtClean="0"/>
+              <a:t>工厂</a:t>
+            </a:r>
+            <a:r>
+              <a:rPr lang="zh-CN" altLang="en-US" sz="2700" b="0" dirty="0"/>
+              <a:t>模式    </a:t>
+            </a:r>
+            <a:r>
+              <a:rPr lang="en-US" altLang="zh-CN" sz="2400" dirty="0"/>
+              <a:t/>
+            </a:r>
+            <a:br>
+              <a:rPr lang="en-US" altLang="zh-CN" sz="2400" dirty="0"/>
+            </a:br>
             <a:r>
               <a:rPr lang="zh-CN" altLang="en-US" dirty="0"/>
               <a:t/>
@@ -7745,7 +7740,7 @@
             </a:r>
             <a:r>
               <a:rPr lang="zh-CN" altLang="en-US" sz="1600" dirty="0"/>
-              <a:t>：需要组合出一个全局对象    </a:t>
+              <a:t>：方便我们大量创建对象    </a:t>
             </a:r>
             <a:endParaRPr lang="en-US" altLang="zh-CN" sz="1600" dirty="0"/>
           </a:p>
@@ -7756,37 +7751,36 @@
             </a:r>
             <a:r>
               <a:rPr lang="zh-CN" altLang="en-US" sz="1600" dirty="0"/>
-              <a:t>场景：当要创建单个、庞大的组合对象时，如轮播图的实现    </a:t>
+              <a:t>场景：当某一个对象需要经常创建的时候、如分页对象的获取    </a:t>
             </a:r>
             <a:endParaRPr lang="en-US" altLang="zh-CN" sz="1600" dirty="0"/>
           </a:p>
           <a:p>
             <a:r>
               <a:rPr lang="zh-CN" altLang="en-US" sz="1600" dirty="0" smtClean="0"/>
-              <a:t>基本</a:t>
-            </a:r>
-            <a:r>
-              <a:rPr lang="zh-CN" altLang="en-US" sz="1600" dirty="0"/>
-              <a:t>结构：把一个复杂的类各个部分，拆分成独立的类，然后再在最终类里组合到一块，</a:t>
-            </a:r>
-            <a:r>
-              <a:rPr lang="en-US" altLang="zh-CN" sz="1600" dirty="0"/>
-              <a:t>final</a:t>
-            </a:r>
-            <a:r>
-              <a:rPr lang="zh-CN" altLang="en-US" sz="1600" dirty="0"/>
-              <a:t>为最终给出去的</a:t>
+              <a:t>基本结构</a:t>
+            </a:r>
+            <a:r>
+              <a:rPr lang="zh-CN" altLang="en-US" sz="1600" dirty="0"/>
+              <a:t>：写一个方法，只需要调用这个方法，就能拿到你要的</a:t>
             </a:r>
             <a:r>
               <a:rPr lang="zh-CN" altLang="en-US" sz="1600" dirty="0" smtClean="0"/>
-              <a:t>类</a:t>
+              <a:t>对象</a:t>
             </a:r>
             <a:endParaRPr lang="en-US" altLang="zh-CN" sz="1600" dirty="0" smtClean="0"/>
           </a:p>
           <a:p>
-            <a:r>
-              <a:rPr lang="zh-CN" altLang="en-US" sz="1600" dirty="0"/>
-              <a:t>示例：编写一个编辑器插件（需求：有一个编辑器插件，初始化的时候需要配置大量的参数，而且内部功能很多</a:t>
+            <a:endParaRPr lang="en-US" altLang="zh-CN" sz="1600" dirty="0" smtClean="0"/>
+          </a:p>
+          <a:p>
+            <a:r>
+              <a:rPr lang="zh-CN" altLang="en-US" sz="1600" dirty="0" smtClean="0"/>
+              <a:t>示例</a:t>
+            </a:r>
+            <a:r>
+              <a:rPr lang="zh-CN" altLang="en-US" sz="1600" dirty="0"/>
+              <a:t>：多彩的弹窗（需求：项目有一个弹窗需求，弹窗有多种，他们之间存在内容和颜色上的差异</a:t>
             </a:r>
             <a:r>
               <a:rPr lang="zh-CN" altLang="en-US" sz="1600" dirty="0" smtClean="0"/>
@@ -7797,23 +7791,51 @@
           <a:p>
             <a:r>
               <a:rPr lang="zh-CN" altLang="en-US" sz="1600" dirty="0"/>
-              <a:t>源码实例：</a:t>
+              <a:t>源码示例：</a:t>
             </a:r>
             <a:r>
               <a:rPr lang="en-US" altLang="zh-CN" sz="1600" dirty="0" err="1"/>
-              <a:t>Vue</a:t>
-            </a:r>
-            <a:r>
-              <a:rPr lang="zh-CN" altLang="en-US" sz="1600" dirty="0"/>
-              <a:t>的初始化（</a:t>
+              <a:t>jquery</a:t>
+            </a:r>
+            <a:r>
+              <a:rPr lang="en-US" altLang="zh-CN" sz="1600" dirty="0"/>
+              <a:t> </a:t>
+            </a:r>
+            <a:r>
+              <a:rPr lang="zh-CN" altLang="en-US" sz="1600" dirty="0"/>
+              <a:t>（需求：</a:t>
             </a:r>
             <a:r>
               <a:rPr lang="en-US" altLang="zh-CN" sz="1600" dirty="0" err="1"/>
-              <a:t>vue</a:t>
-            </a:r>
-            <a:r>
-              <a:rPr lang="zh-CN" altLang="en-US" sz="1600" dirty="0"/>
-              <a:t>内部众多模块，而且过程复杂）</a:t>
+              <a:t>jQuery</a:t>
+            </a:r>
+            <a:r>
+              <a:rPr lang="zh-CN" altLang="en-US" sz="1600" dirty="0"/>
+              <a:t>需要操作</a:t>
+            </a:r>
+            <a:r>
+              <a:rPr lang="en-US" altLang="zh-CN" sz="1600" dirty="0" err="1"/>
+              <a:t>dom</a:t>
+            </a:r>
+            <a:r>
+              <a:rPr lang="zh-CN" altLang="en-US" sz="1600" dirty="0"/>
+              <a:t>，每一个</a:t>
+            </a:r>
+            <a:r>
+              <a:rPr lang="en-US" altLang="zh-CN" sz="1600" dirty="0" err="1"/>
+              <a:t>dom</a:t>
+            </a:r>
+            <a:r>
+              <a:rPr lang="zh-CN" altLang="en-US" sz="1600" dirty="0"/>
+              <a:t>都是一个</a:t>
+            </a:r>
+            <a:r>
+              <a:rPr lang="en-US" altLang="zh-CN" sz="1600" dirty="0" err="1"/>
+              <a:t>jquery</a:t>
+            </a:r>
+            <a:r>
+              <a:rPr lang="zh-CN" altLang="en-US" sz="1600" dirty="0"/>
+              <a:t>对象）</a:t>
             </a:r>
           </a:p>
         </p:txBody>
@@ -7872,7 +7894,7 @@
           <a:p>
             <a:r>
               <a:rPr lang="zh-CN" altLang="en-US" sz="2400" b="0" dirty="0"/>
-              <a:t>单例模式</a:t>
+              <a:t>建造者模式</a:t>
             </a:r>
             <a:r>
               <a:rPr lang="zh-CN" altLang="en-US" dirty="0"/>
@@ -7908,9 +7930,9 @@
             </a:r>
             <a:r>
               <a:rPr lang="zh-CN" altLang="en-US" sz="1600" dirty="0"/>
-              <a:t>：需要确保全局只有一个对象    </a:t>
-            </a:r>
-            <a:endParaRPr lang="en-US" altLang="zh-CN" sz="1600" dirty="0" smtClean="0"/>
+              <a:t>：需要组合出一个全局对象    </a:t>
+            </a:r>
+            <a:endParaRPr lang="en-US" altLang="zh-CN" sz="1600" dirty="0"/>
           </a:p>
           <a:p>
             <a:r>
@@ -7919,9 +7941,9 @@
             </a:r>
             <a:r>
               <a:rPr lang="zh-CN" altLang="en-US" sz="1600" dirty="0"/>
-              <a:t>场景：为了避免重复创建，避免多个对象存在互相干扰    </a:t>
-            </a:r>
-            <a:endParaRPr lang="en-US" altLang="zh-CN" sz="1600" dirty="0" smtClean="0"/>
+              <a:t>场景：当要创建单个、庞大的组合对象时，如轮播图的实现    </a:t>
+            </a:r>
+            <a:endParaRPr lang="en-US" altLang="zh-CN" sz="1600" dirty="0"/>
           </a:p>
           <a:p>
             <a:r>
@@ -7930,18 +7952,26 @@
             </a:r>
             <a:r>
               <a:rPr lang="zh-CN" altLang="en-US" sz="1600" dirty="0"/>
-              <a:t>结构：通过定义一个方法，使用时只允许通过此方法拿到存在内部的同一实例化</a:t>
+              <a:t>结构：把一个复杂的类各个部分，拆分成独立的类，然后再在最终类里组合到一块，</a:t>
+            </a:r>
+            <a:r>
+              <a:rPr lang="en-US" altLang="zh-CN" sz="1600" dirty="0"/>
+              <a:t>final</a:t>
+            </a:r>
+            <a:r>
+              <a:rPr lang="zh-CN" altLang="en-US" sz="1600" dirty="0"/>
+              <a:t>为最终给出去的</a:t>
             </a:r>
             <a:r>
               <a:rPr lang="zh-CN" altLang="en-US" sz="1600" dirty="0" smtClean="0"/>
-              <a:t>对象</a:t>
+              <a:t>类</a:t>
             </a:r>
             <a:endParaRPr lang="en-US" altLang="zh-CN" sz="1600" dirty="0" smtClean="0"/>
           </a:p>
           <a:p>
             <a:r>
               <a:rPr lang="zh-CN" altLang="en-US" sz="1600" dirty="0"/>
-              <a:t>示例：全局的数据存储对象（需求：项目中有一个全局的数据存储者，这个存储者只能有一个，不然会需要进行同步，增加复杂度</a:t>
+              <a:t>示例：编写一个编辑器插件（需求：有一个编辑器插件，初始化的时候需要配置大量的参数，而且内部功能很多</a:t>
             </a:r>
             <a:r>
               <a:rPr lang="zh-CN" altLang="en-US" sz="1600" dirty="0" smtClean="0"/>
@@ -7956,27 +7986,19 @@
             </a:r>
             <a:r>
               <a:rPr lang="en-US" altLang="zh-CN" sz="1600" dirty="0" err="1"/>
-              <a:t>vue</a:t>
-            </a:r>
-            <a:r>
-              <a:rPr lang="en-US" altLang="zh-CN" sz="1600" dirty="0"/>
-              <a:t>-router</a:t>
-            </a:r>
-            <a:r>
-              <a:rPr lang="zh-CN" altLang="en-US" sz="1600" dirty="0"/>
-              <a:t>（</a:t>
+              <a:t>Vue</a:t>
+            </a:r>
+            <a:r>
+              <a:rPr lang="zh-CN" altLang="en-US" sz="1600" dirty="0"/>
+              <a:t>的初始化（</a:t>
             </a:r>
             <a:r>
               <a:rPr lang="en-US" altLang="zh-CN" sz="1600" dirty="0" err="1"/>
               <a:t>vue</a:t>
             </a:r>
             <a:r>
-              <a:rPr lang="en-US" altLang="zh-CN" sz="1600" dirty="0"/>
-              <a:t>-router</a:t>
-            </a:r>
-            <a:r>
-              <a:rPr lang="zh-CN" altLang="en-US" sz="1600" dirty="0"/>
-              <a:t>必须保障全局有且只有一个，否则的话会错乱）</a:t>
+              <a:rPr lang="zh-CN" altLang="en-US" sz="1600" dirty="0"/>
+              <a:t>内部众多模块，而且过程复杂）</a:t>
             </a:r>
           </a:p>
         </p:txBody>
@@ -8035,7 +8057,7 @@
           <a:p>
             <a:r>
               <a:rPr lang="zh-CN" altLang="en-US" sz="2400" b="0" dirty="0"/>
-              <a:t>结构型</a:t>
+              <a:t>单例模式</a:t>
             </a:r>
             <a:r>
               <a:rPr lang="zh-CN" altLang="en-US" dirty="0"/>
@@ -8066,128 +8088,80 @@
           <a:lstStyle/>
           <a:p>
             <a:r>
+              <a:rPr lang="zh-CN" altLang="en-US" sz="1600" dirty="0" smtClean="0"/>
+              <a:t>目的</a:t>
+            </a:r>
+            <a:r>
+              <a:rPr lang="zh-CN" altLang="en-US" sz="1600" dirty="0"/>
+              <a:t>：需要确保全局只有一个对象    </a:t>
+            </a:r>
+            <a:endParaRPr lang="en-US" altLang="zh-CN" sz="1600" dirty="0" smtClean="0"/>
+          </a:p>
+          <a:p>
+            <a:r>
+              <a:rPr lang="zh-CN" altLang="en-US" sz="1600" dirty="0" smtClean="0"/>
+              <a:t>应用</a:t>
+            </a:r>
+            <a:r>
+              <a:rPr lang="zh-CN" altLang="en-US" sz="1600" dirty="0"/>
+              <a:t>场景：为了避免重复创建，避免多个对象存在互相干扰    </a:t>
+            </a:r>
+            <a:endParaRPr lang="en-US" altLang="zh-CN" sz="1600" dirty="0" smtClean="0"/>
+          </a:p>
+          <a:p>
+            <a:r>
+              <a:rPr lang="zh-CN" altLang="en-US" sz="1600" dirty="0" smtClean="0"/>
+              <a:t>基本</a:t>
+            </a:r>
+            <a:r>
+              <a:rPr lang="zh-CN" altLang="en-US" sz="1600" dirty="0"/>
+              <a:t>结构：通过定义一个方法，使用时只允许通过此方法拿到存在内部的同一实例化</a:t>
+            </a:r>
+            <a:r>
+              <a:rPr lang="zh-CN" altLang="en-US" sz="1600" dirty="0" smtClean="0"/>
+              <a:t>对象</a:t>
+            </a:r>
+            <a:endParaRPr lang="en-US" altLang="zh-CN" sz="1600" dirty="0" smtClean="0"/>
+          </a:p>
+          <a:p>
+            <a:r>
+              <a:rPr lang="zh-CN" altLang="en-US" sz="1600" dirty="0"/>
+              <a:t>示例：全局的数据存储对象（需求：项目中有一个全局的数据存储者，这个存储者只能有一个，不然会需要进行同步，增加复杂度</a:t>
+            </a:r>
+            <a:r>
+              <a:rPr lang="zh-CN" altLang="en-US" sz="1600" dirty="0" smtClean="0"/>
+              <a:t>）</a:t>
+            </a:r>
+            <a:endParaRPr lang="en-US" altLang="zh-CN" sz="1600" dirty="0" smtClean="0"/>
+          </a:p>
+          <a:p>
+            <a:r>
+              <a:rPr lang="zh-CN" altLang="en-US" sz="1600" dirty="0"/>
+              <a:t>源码实例：</a:t>
+            </a:r>
+            <a:r>
+              <a:rPr lang="en-US" altLang="zh-CN" sz="1600" dirty="0" err="1"/>
+              <a:t>vue</a:t>
+            </a:r>
+            <a:r>
               <a:rPr lang="en-US" altLang="zh-CN" sz="1600" dirty="0"/>
-              <a:t>1. </a:t>
-            </a:r>
-            <a:r>
-              <a:rPr lang="zh-CN" altLang="en-US" sz="1600" dirty="0"/>
-              <a:t>外观模式 </a:t>
+              <a:t>-router</a:t>
+            </a:r>
+            <a:r>
+              <a:rPr lang="zh-CN" altLang="en-US" sz="1600" dirty="0"/>
+              <a:t>（</a:t>
+            </a:r>
+            <a:r>
+              <a:rPr lang="en-US" altLang="zh-CN" sz="1600" dirty="0" err="1"/>
+              <a:t>vue</a:t>
             </a:r>
             <a:r>
               <a:rPr lang="en-US" altLang="zh-CN" sz="1600" dirty="0"/>
-              <a:t>-- </a:t>
-            </a:r>
-            <a:r>
-              <a:rPr lang="zh-CN" altLang="en-US" sz="1600" dirty="0"/>
-              <a:t>给你的一个</a:t>
-            </a:r>
-            <a:r>
-              <a:rPr lang="zh-CN" altLang="en-US" sz="1600" dirty="0" smtClean="0"/>
-              <a:t>套餐</a:t>
-            </a:r>
-            <a:endParaRPr lang="en-US" altLang="zh-CN" sz="1600" dirty="0" smtClean="0"/>
-          </a:p>
-          <a:p>
-            <a:r>
-              <a:rPr lang="en-US" altLang="zh-CN" sz="1600" dirty="0" smtClean="0"/>
-              <a:t>2</a:t>
-            </a:r>
-            <a:r>
-              <a:rPr lang="en-US" altLang="zh-CN" sz="1600" dirty="0"/>
-              <a:t>. </a:t>
-            </a:r>
-            <a:r>
-              <a:rPr lang="zh-CN" altLang="en-US" sz="1600" dirty="0"/>
-              <a:t>享元模式 </a:t>
-            </a:r>
-            <a:r>
-              <a:rPr lang="en-US" altLang="zh-CN" sz="1600" dirty="0"/>
-              <a:t>-- </a:t>
-            </a:r>
-            <a:r>
-              <a:rPr lang="zh-CN" altLang="en-US" sz="1600" dirty="0"/>
-              <a:t>共享来减少</a:t>
-            </a:r>
-            <a:r>
-              <a:rPr lang="zh-CN" altLang="en-US" sz="1600" dirty="0" smtClean="0"/>
-              <a:t>数量</a:t>
-            </a:r>
-            <a:endParaRPr lang="en-US" altLang="zh-CN" sz="1600" dirty="0" smtClean="0"/>
-          </a:p>
-          <a:p>
-            <a:r>
-              <a:rPr lang="en-US" altLang="zh-CN" sz="1600" dirty="0" smtClean="0"/>
-              <a:t>3</a:t>
-            </a:r>
-            <a:r>
-              <a:rPr lang="en-US" altLang="zh-CN" sz="1600" dirty="0"/>
-              <a:t>. </a:t>
-            </a:r>
-            <a:r>
-              <a:rPr lang="zh-CN" altLang="en-US" sz="1600" dirty="0"/>
-              <a:t>适配器模式 </a:t>
-            </a:r>
-            <a:r>
-              <a:rPr lang="en-US" altLang="zh-CN" sz="1600" dirty="0"/>
-              <a:t>-- </a:t>
-            </a:r>
-            <a:r>
-              <a:rPr lang="zh-CN" altLang="en-US" sz="1600" dirty="0"/>
-              <a:t>用适配代替</a:t>
-            </a:r>
-            <a:r>
-              <a:rPr lang="zh-CN" altLang="en-US" sz="1600" dirty="0" smtClean="0"/>
-              <a:t>更改</a:t>
-            </a:r>
-            <a:endParaRPr lang="en-US" altLang="zh-CN" sz="1600" dirty="0" smtClean="0"/>
-          </a:p>
-          <a:p>
-            <a:r>
-              <a:rPr lang="en-US" altLang="zh-CN" sz="1600" dirty="0" smtClean="0"/>
-              <a:t>4</a:t>
-            </a:r>
-            <a:r>
-              <a:rPr lang="en-US" altLang="zh-CN" sz="1600" dirty="0"/>
-              <a:t>. </a:t>
-            </a:r>
-            <a:r>
-              <a:rPr lang="zh-CN" altLang="en-US" sz="1600" dirty="0"/>
-              <a:t>桥接模式 </a:t>
-            </a:r>
-            <a:r>
-              <a:rPr lang="en-US" altLang="zh-CN" sz="1600" dirty="0"/>
-              <a:t>-- </a:t>
-            </a:r>
-            <a:r>
-              <a:rPr lang="zh-CN" altLang="en-US" sz="1600" dirty="0"/>
-              <a:t>独立出来，然后再对接</a:t>
-            </a:r>
-            <a:r>
-              <a:rPr lang="zh-CN" altLang="en-US" sz="1600" dirty="0" smtClean="0"/>
-              <a:t>过去</a:t>
-            </a:r>
-            <a:endParaRPr lang="en-US" altLang="zh-CN" sz="1600" dirty="0" smtClean="0"/>
-          </a:p>
-          <a:p>
-            <a:r>
-              <a:rPr lang="en-US" altLang="zh-CN" sz="1600" dirty="0" smtClean="0"/>
-              <a:t>5</a:t>
-            </a:r>
-            <a:r>
-              <a:rPr lang="en-US" altLang="zh-CN" sz="1600" dirty="0"/>
-              <a:t>. </a:t>
-            </a:r>
-            <a:r>
-              <a:rPr lang="zh-CN" altLang="en-US" sz="1600" dirty="0"/>
-              <a:t>装饰者模式 </a:t>
-            </a:r>
-            <a:r>
-              <a:rPr lang="en-US" altLang="zh-CN" sz="1600" dirty="0"/>
-              <a:t>-- </a:t>
-            </a:r>
-            <a:r>
-              <a:rPr lang="zh-CN" altLang="en-US" sz="1600" dirty="0"/>
-              <a:t>更优雅地扩展需求</a:t>
+              <a:t>-router</a:t>
+            </a:r>
+            <a:r>
+              <a:rPr lang="zh-CN" altLang="en-US" sz="1600" dirty="0"/>
+              <a:t>必须保障全局有且只有一个，否则的话会错乱）</a:t>
             </a:r>
           </a:p>
         </p:txBody>
@@ -8241,15 +8215,21 @@
         </p:nvSpPr>
         <p:spPr/>
         <p:txBody>
-          <a:bodyPr>
-            <a:normAutofit/>
-          </a:bodyPr>
+          <a:bodyPr/>
           <a:lstStyle/>
           <a:p>
             <a:r>
               <a:rPr lang="zh-CN" altLang="en-US" sz="2400" b="0" dirty="0"/>
-              <a:t>提高可扩展性的目的</a:t>
-            </a:r>
+              <a:t>结构型</a:t>
+            </a:r>
+            <a:r>
+              <a:rPr lang="zh-CN" altLang="en-US" dirty="0"/>
+              <a:t/>
+            </a:r>
+            <a:br>
+              <a:rPr lang="zh-CN" altLang="en-US" dirty="0"/>
+            </a:br>
+            <a:endParaRPr lang="zh-CN" altLang="en-US" dirty="0"/>
           </a:p>
         </p:txBody>
       </p:sp>
@@ -8276,11 +8256,19 @@
             </a:r>
             <a:r>
               <a:rPr lang="zh-CN" altLang="en-US" sz="1600" dirty="0"/>
-              <a:t>面对需求变更，方便需求更改</a:t>
+              <a:t>外观模式 </a:t>
+            </a:r>
+            <a:r>
+              <a:rPr lang="en-US" altLang="zh-CN" sz="1600" dirty="0"/>
+              <a:t>-- </a:t>
+            </a:r>
+            <a:r>
+              <a:rPr lang="zh-CN" altLang="en-US" sz="1600" dirty="0"/>
+              <a:t>给你的一个</a:t>
             </a:r>
             <a:r>
               <a:rPr lang="zh-CN" altLang="en-US" sz="1600" dirty="0" smtClean="0"/>
-              <a:t>；</a:t>
+              <a:t>套餐</a:t>
             </a:r>
             <a:endParaRPr lang="en-US" altLang="zh-CN" sz="1600" dirty="0" smtClean="0"/>
           </a:p>
@@ -8295,7 +8283,96 @@
             </a:r>
             <a:r>
               <a:rPr lang="zh-CN" altLang="en-US" sz="1600" dirty="0"/>
-              <a:t>减少代码修改的难度；</a:t>
+              <a:t>享元模式 </a:t>
+            </a:r>
+            <a:r>
+              <a:rPr lang="en-US" altLang="zh-CN" sz="1600" dirty="0"/>
+              <a:t>-- </a:t>
+            </a:r>
+            <a:r>
+              <a:rPr lang="zh-CN" altLang="en-US" sz="1600" dirty="0"/>
+              <a:t>共享来减少</a:t>
+            </a:r>
+            <a:r>
+              <a:rPr lang="zh-CN" altLang="en-US" sz="1600" dirty="0" smtClean="0"/>
+              <a:t>数量</a:t>
+            </a:r>
+            <a:endParaRPr lang="en-US" altLang="zh-CN" sz="1600" dirty="0" smtClean="0"/>
+          </a:p>
+          <a:p>
+            <a:r>
+              <a:rPr lang="en-US" altLang="zh-CN" sz="1600" dirty="0" smtClean="0"/>
+              <a:t>3</a:t>
+            </a:r>
+            <a:r>
+              <a:rPr lang="en-US" altLang="zh-CN" sz="1600" dirty="0"/>
+              <a:t>. </a:t>
+            </a:r>
+            <a:r>
+              <a:rPr lang="zh-CN" altLang="en-US" sz="1600" dirty="0"/>
+              <a:t>适配器模式 </a:t>
+            </a:r>
+            <a:r>
+              <a:rPr lang="en-US" altLang="zh-CN" sz="1600" dirty="0"/>
+              <a:t>-- </a:t>
+            </a:r>
+            <a:r>
+              <a:rPr lang="zh-CN" altLang="en-US" sz="1600" dirty="0"/>
+              <a:t>用适配代替</a:t>
+            </a:r>
+            <a:r>
+              <a:rPr lang="zh-CN" altLang="en-US" sz="1600" dirty="0" smtClean="0"/>
+              <a:t>更改</a:t>
+            </a:r>
+            <a:endParaRPr lang="en-US" altLang="zh-CN" sz="1600" dirty="0" smtClean="0"/>
+          </a:p>
+          <a:p>
+            <a:r>
+              <a:rPr lang="en-US" altLang="zh-CN" sz="1600" dirty="0" smtClean="0"/>
+              <a:t>4</a:t>
+            </a:r>
+            <a:r>
+              <a:rPr lang="en-US" altLang="zh-CN" sz="1600" dirty="0"/>
+              <a:t>. </a:t>
+            </a:r>
+            <a:r>
+              <a:rPr lang="zh-CN" altLang="en-US" sz="1600" dirty="0"/>
+              <a:t>桥接模式 </a:t>
+            </a:r>
+            <a:r>
+              <a:rPr lang="en-US" altLang="zh-CN" sz="1600" dirty="0"/>
+              <a:t>-- </a:t>
+            </a:r>
+            <a:r>
+              <a:rPr lang="zh-CN" altLang="en-US" sz="1600" dirty="0"/>
+              <a:t>独立出来，然后再对接</a:t>
+            </a:r>
+            <a:r>
+              <a:rPr lang="zh-CN" altLang="en-US" sz="1600" dirty="0" smtClean="0"/>
+              <a:t>过去</a:t>
+            </a:r>
+            <a:endParaRPr lang="en-US" altLang="zh-CN" sz="1600" dirty="0" smtClean="0"/>
+          </a:p>
+          <a:p>
+            <a:r>
+              <a:rPr lang="en-US" altLang="zh-CN" sz="1600" dirty="0" smtClean="0"/>
+              <a:t>5</a:t>
+            </a:r>
+            <a:r>
+              <a:rPr lang="en-US" altLang="zh-CN" sz="1600" dirty="0"/>
+              <a:t>. </a:t>
+            </a:r>
+            <a:r>
+              <a:rPr lang="zh-CN" altLang="en-US" sz="1600" dirty="0"/>
+              <a:t>装饰者模式 </a:t>
+            </a:r>
+            <a:r>
+              <a:rPr lang="en-US" altLang="zh-CN" sz="1600" dirty="0"/>
+              <a:t>-- </a:t>
+            </a:r>
+            <a:r>
+              <a:rPr lang="zh-CN" altLang="en-US" sz="1600" dirty="0"/>
+              <a:t>更优雅地扩展需求</a:t>
             </a:r>
           </a:p>
         </p:txBody>
@@ -8303,7 +8380,7 @@
     </p:spTree>
     <p:extLst>
       <p:ext uri="{BB962C8B-B14F-4D97-AF65-F5344CB8AC3E}">
-        <p14:creationId xmlns:p14="http://schemas.microsoft.com/office/powerpoint/2010/main" val="324889481"/>
+        <p14:creationId xmlns:p14="http://schemas.microsoft.com/office/powerpoint/2010/main" val="2339154929"/>
       </p:ext>
     </p:extLst>
   </p:cSld>
@@ -8355,8 +8432,12 @@
           <a:lstStyle/>
           <a:p>
             <a:r>
+              <a:rPr lang="zh-CN" altLang="en-US" sz="2400" b="0" dirty="0" smtClean="0"/>
+              <a:t>适配器</a:t>
+            </a:r>
+            <a:r>
               <a:rPr lang="zh-CN" altLang="en-US" sz="2400" b="0" dirty="0"/>
-              <a:t>什么是好的可扩展性</a:t>
+              <a:t>模式</a:t>
             </a:r>
           </a:p>
         </p:txBody>
@@ -8379,50 +8460,83 @@
           <a:lstStyle/>
           <a:p>
             <a:r>
+              <a:rPr lang="zh-CN" altLang="en-US" sz="1600" dirty="0" smtClean="0"/>
+              <a:t>目标</a:t>
+            </a:r>
+            <a:r>
+              <a:rPr lang="zh-CN" altLang="en-US" sz="1600" dirty="0"/>
+              <a:t>：接口    </a:t>
+            </a:r>
+            <a:endParaRPr lang="en-US" altLang="zh-CN" sz="1600" dirty="0" smtClean="0"/>
+          </a:p>
+          <a:p>
+            <a:r>
+              <a:rPr lang="zh-CN" altLang="en-US" sz="1600" dirty="0" smtClean="0"/>
+              <a:t>目的</a:t>
+            </a:r>
+            <a:r>
+              <a:rPr lang="zh-CN" altLang="en-US" sz="1600" dirty="0"/>
+              <a:t>：通过写一个适配器，来代替替换    </a:t>
+            </a:r>
+            <a:endParaRPr lang="en-US" altLang="zh-CN" sz="1600" dirty="0" smtClean="0"/>
+          </a:p>
+          <a:p>
+            <a:r>
+              <a:rPr lang="zh-CN" altLang="en-US" sz="1600" dirty="0" smtClean="0"/>
+              <a:t>应用</a:t>
+            </a:r>
+            <a:r>
+              <a:rPr lang="zh-CN" altLang="en-US" sz="1600" dirty="0"/>
+              <a:t>场景：面临接口不通用的问题    </a:t>
+            </a:r>
+            <a:endParaRPr lang="en-US" altLang="zh-CN" sz="1600" dirty="0" smtClean="0"/>
+          </a:p>
+          <a:p>
+            <a:r>
+              <a:rPr lang="zh-CN" altLang="en-US" sz="1600" dirty="0" smtClean="0"/>
+              <a:t>基本结构</a:t>
+            </a:r>
+            <a:endParaRPr lang="en-US" altLang="zh-CN" sz="1600" dirty="0" smtClean="0"/>
+          </a:p>
+          <a:p>
+            <a:r>
+              <a:rPr lang="zh-CN" altLang="en-US" sz="1600" dirty="0" smtClean="0"/>
+              <a:t>示例</a:t>
+            </a:r>
+            <a:r>
+              <a:rPr lang="zh-CN" altLang="en-US" sz="1600" dirty="0"/>
+              <a:t>：框架的变更（需求：目前项目使用的</a:t>
+            </a:r>
+            <a:r>
               <a:rPr lang="en-US" altLang="zh-CN" sz="1600" dirty="0"/>
-              <a:t>1. </a:t>
-            </a:r>
-            <a:r>
-              <a:rPr lang="zh-CN" altLang="en-US" sz="1600" dirty="0"/>
-              <a:t>需求的变更，不需要重写</a:t>
+              <a:t>A</a:t>
+            </a:r>
+            <a:r>
+              <a:rPr lang="zh-CN" altLang="en-US" sz="1600" dirty="0"/>
+              <a:t>框架，现在改成了</a:t>
+            </a:r>
+            <a:r>
+              <a:rPr lang="en-US" altLang="zh-CN" sz="1600" dirty="0"/>
+              <a:t>B</a:t>
+            </a:r>
+            <a:r>
+              <a:rPr lang="zh-CN" altLang="en-US" sz="1600" dirty="0"/>
+              <a:t>，两个框架十分类似，但是有少数几个方法不同</a:t>
             </a:r>
             <a:r>
               <a:rPr lang="zh-CN" altLang="en-US" sz="1600" dirty="0" smtClean="0"/>
-              <a:t>；</a:t>
+              <a:t>）</a:t>
             </a:r>
             <a:endParaRPr lang="en-US" altLang="zh-CN" sz="1600" dirty="0" smtClean="0"/>
           </a:p>
           <a:p>
             <a:r>
-              <a:rPr lang="en-US" altLang="zh-CN" sz="1600" dirty="0" smtClean="0"/>
-              <a:t>2</a:t>
-            </a:r>
-            <a:r>
-              <a:rPr lang="en-US" altLang="zh-CN" sz="1600" dirty="0"/>
-              <a:t>. </a:t>
-            </a:r>
-            <a:r>
-              <a:rPr lang="zh-CN" altLang="en-US" sz="1600" dirty="0"/>
-              <a:t>代码修改不会引起大规模变动</a:t>
-            </a:r>
-            <a:r>
               <a:rPr lang="zh-CN" altLang="en-US" sz="1600" dirty="0" smtClean="0"/>
-              <a:t>；</a:t>
-            </a:r>
-            <a:endParaRPr lang="en-US" altLang="zh-CN" sz="1600" dirty="0" smtClean="0"/>
-          </a:p>
-          <a:p>
-            <a:r>
-              <a:rPr lang="en-US" altLang="zh-CN" sz="1600" dirty="0" smtClean="0"/>
-              <a:t>3</a:t>
-            </a:r>
-            <a:r>
-              <a:rPr lang="en-US" altLang="zh-CN" sz="1600" dirty="0"/>
-              <a:t>. </a:t>
-            </a:r>
-            <a:r>
-              <a:rPr lang="zh-CN" altLang="en-US" sz="1600" dirty="0"/>
-              <a:t>方便加入新模块；</a:t>
+              <a:t>示例</a:t>
+            </a:r>
+            <a:r>
+              <a:rPr lang="zh-CN" altLang="en-US" sz="1600" dirty="0"/>
+              <a:t>：参数适配（需求：为了避免参数不适配产生问题，很多框架会有一个参数适配操作）</a:t>
             </a:r>
           </a:p>
         </p:txBody>
@@ -8430,7 +8544,7 @@
     </p:spTree>
     <p:extLst>
       <p:ext uri="{BB962C8B-B14F-4D97-AF65-F5344CB8AC3E}">
-        <p14:creationId xmlns:p14="http://schemas.microsoft.com/office/powerpoint/2010/main" val="4042562617"/>
+        <p14:creationId xmlns:p14="http://schemas.microsoft.com/office/powerpoint/2010/main" val="1500364436"/>
       </p:ext>
     </p:extLst>
   </p:cSld>
@@ -8482,12 +8596,8 @@
           <a:lstStyle/>
           <a:p>
             <a:r>
-              <a:rPr lang="zh-CN" altLang="en-US" sz="2400" b="0" dirty="0" smtClean="0"/>
-              <a:t>适配器</a:t>
-            </a:r>
-            <a:r>
               <a:rPr lang="zh-CN" altLang="en-US" sz="2400" b="0" dirty="0"/>
-              <a:t>模式</a:t>
+              <a:t>装饰者模式</a:t>
             </a:r>
           </a:p>
         </p:txBody>
@@ -8515,9 +8625,9 @@
             </a:r>
             <a:r>
               <a:rPr lang="zh-CN" altLang="en-US" sz="1600" dirty="0"/>
-              <a:t>：接口    </a:t>
-            </a:r>
-            <a:endParaRPr lang="en-US" altLang="zh-CN" sz="1600" dirty="0" smtClean="0"/>
+              <a:t>：方法作用    </a:t>
+            </a:r>
+            <a:endParaRPr lang="en-US" altLang="zh-CN" sz="1600" dirty="0"/>
           </a:p>
           <a:p>
             <a:r>
@@ -8526,9 +8636,9 @@
             </a:r>
             <a:r>
               <a:rPr lang="zh-CN" altLang="en-US" sz="1600" dirty="0"/>
-              <a:t>：通过写一个适配器，来代替替换    </a:t>
-            </a:r>
-            <a:endParaRPr lang="en-US" altLang="zh-CN" sz="1600" dirty="0" smtClean="0"/>
+              <a:t>：不重写方法的扩展方法    </a:t>
+            </a:r>
+            <a:endParaRPr lang="en-US" altLang="zh-CN" sz="1600" dirty="0"/>
           </a:p>
           <a:p>
             <a:r>
@@ -8537,9 +8647,9 @@
             </a:r>
             <a:r>
               <a:rPr lang="zh-CN" altLang="en-US" sz="1600" dirty="0"/>
-              <a:t>场景：面临接口不通用的问题    </a:t>
-            </a:r>
-            <a:endParaRPr lang="en-US" altLang="zh-CN" sz="1600" dirty="0" smtClean="0"/>
+              <a:t>场景：当一个方法需要扩展，但是又不好去修改方法    </a:t>
+            </a:r>
+            <a:endParaRPr lang="en-US" altLang="zh-CN" sz="1600" dirty="0"/>
           </a:p>
           <a:p>
             <a:r>
@@ -8550,28 +8660,16 @@
           </a:p>
           <a:p>
             <a:r>
-              <a:rPr lang="zh-CN" altLang="en-US" sz="1600" dirty="0" smtClean="0"/>
-              <a:t>示例</a:t>
-            </a:r>
-            <a:r>
-              <a:rPr lang="zh-CN" altLang="en-US" sz="1600" dirty="0"/>
-              <a:t>：框架的变更（需求：目前项目使用的</a:t>
+              <a:rPr lang="zh-CN" altLang="en-US" sz="1600" dirty="0"/>
+              <a:t>示例：扩展你的已有事件绑定（需求：现在项目改造，需要给</a:t>
             </a:r>
             <a:r>
               <a:rPr lang="en-US" altLang="zh-CN" sz="1600" dirty="0"/>
-              <a:t>A</a:t>
-            </a:r>
-            <a:r>
-              <a:rPr lang="zh-CN" altLang="en-US" sz="1600" dirty="0"/>
-              <a:t>框架，现在改成了</a:t>
-            </a:r>
-            <a:r>
-              <a:rPr lang="en-US" altLang="zh-CN" sz="1600" dirty="0"/>
-              <a:t>B</a:t>
-            </a:r>
-            <a:r>
-              <a:rPr lang="zh-CN" altLang="en-US" sz="1600" dirty="0"/>
-              <a:t>，两个框架十分类似，但是有少数几个方法不同</a:t>
+              <a:t>input</a:t>
+            </a:r>
+            <a:r>
+              <a:rPr lang="zh-CN" altLang="en-US" sz="1600" dirty="0"/>
+              <a:t>标签已经有的事件，增加一些操作</a:t>
             </a:r>
             <a:r>
               <a:rPr lang="zh-CN" altLang="en-US" sz="1600" dirty="0" smtClean="0"/>
@@ -8581,12 +8679,32 @@
           </a:p>
           <a:p>
             <a:r>
-              <a:rPr lang="zh-CN" altLang="en-US" sz="1600" dirty="0" smtClean="0"/>
-              <a:t>示例</a:t>
-            </a:r>
-            <a:r>
-              <a:rPr lang="zh-CN" altLang="en-US" sz="1600" dirty="0"/>
-              <a:t>：参数适配（需求：为了避免参数不适配产生问题，很多框架会有一个参数适配操作）</a:t>
+              <a:rPr lang="zh-CN" altLang="en-US" sz="1600" dirty="0"/>
+              <a:t>示例：</a:t>
+            </a:r>
+            <a:r>
+              <a:rPr lang="en-US" altLang="zh-CN" sz="1600" dirty="0" err="1"/>
+              <a:t>Vue</a:t>
+            </a:r>
+            <a:r>
+              <a:rPr lang="zh-CN" altLang="en-US" sz="1600" dirty="0"/>
+              <a:t>的数组监听（需求：</a:t>
+            </a:r>
+            <a:r>
+              <a:rPr lang="en-US" altLang="zh-CN" sz="1600" dirty="0" err="1"/>
+              <a:t>vue</a:t>
+            </a:r>
+            <a:r>
+              <a:rPr lang="zh-CN" altLang="en-US" sz="1600" dirty="0"/>
+              <a:t>中利用</a:t>
+            </a:r>
+            <a:r>
+              <a:rPr lang="en-US" altLang="zh-CN" sz="1600" dirty="0" err="1"/>
+              <a:t>defineProperty</a:t>
+            </a:r>
+            <a:r>
+              <a:rPr lang="zh-CN" altLang="en-US" sz="1600" dirty="0"/>
+              <a:t>可以监听对象，那数组怎么办）</a:t>
             </a:r>
           </a:p>
         </p:txBody>
@@ -8594,7 +8712,7 @@
     </p:spTree>
     <p:extLst>
       <p:ext uri="{BB962C8B-B14F-4D97-AF65-F5344CB8AC3E}">
-        <p14:creationId xmlns:p14="http://schemas.microsoft.com/office/powerpoint/2010/main" val="1500364436"/>
+        <p14:creationId xmlns:p14="http://schemas.microsoft.com/office/powerpoint/2010/main" val="4211267840"/>
       </p:ext>
     </p:extLst>
   </p:cSld>
@@ -8647,7 +8765,7 @@
           <a:p>
             <a:r>
               <a:rPr lang="zh-CN" altLang="en-US" sz="2400" b="0" dirty="0"/>
-              <a:t>装饰者模式</a:t>
+              <a:t>行为型</a:t>
             </a:r>
           </a:p>
         </p:txBody>
@@ -8670,91 +8788,163 @@
           <a:lstStyle/>
           <a:p>
             <a:r>
+              <a:rPr lang="en-US" altLang="zh-CN" sz="1600" dirty="0"/>
+              <a:t>1. </a:t>
+            </a:r>
+            <a:r>
+              <a:rPr lang="zh-CN" altLang="en-US" sz="1600" dirty="0"/>
+              <a:t>观察者模式 </a:t>
+            </a:r>
+            <a:r>
+              <a:rPr lang="en-US" altLang="zh-CN" sz="1600" dirty="0"/>
+              <a:t>-- </a:t>
+            </a:r>
+            <a:r>
+              <a:rPr lang="zh-CN" altLang="en-US" sz="1600" dirty="0"/>
+              <a:t>我作为第三方</a:t>
+            </a:r>
+            <a:r>
               <a:rPr lang="zh-CN" altLang="en-US" sz="1600" dirty="0" smtClean="0"/>
-              <a:t>目标</a:t>
-            </a:r>
-            <a:r>
-              <a:rPr lang="zh-CN" altLang="en-US" sz="1600" dirty="0"/>
-              <a:t>：方法作用    </a:t>
-            </a:r>
-            <a:endParaRPr lang="en-US" altLang="zh-CN" sz="1600" dirty="0"/>
-          </a:p>
-          <a:p>
+              <a:t>转发</a:t>
+            </a:r>
+            <a:endParaRPr lang="en-US" altLang="zh-CN" sz="1600" dirty="0" smtClean="0"/>
+          </a:p>
+          <a:p>
+            <a:r>
+              <a:rPr lang="en-US" altLang="zh-CN" sz="1600" dirty="0" smtClean="0"/>
+              <a:t>2</a:t>
+            </a:r>
+            <a:r>
+              <a:rPr lang="en-US" altLang="zh-CN" sz="1600" dirty="0"/>
+              <a:t>. </a:t>
+            </a:r>
+            <a:r>
+              <a:rPr lang="zh-CN" altLang="en-US" sz="1600" dirty="0"/>
+              <a:t>职责链模式 </a:t>
+            </a:r>
+            <a:r>
+              <a:rPr lang="en-US" altLang="zh-CN" sz="1600" dirty="0"/>
+              <a:t>-- </a:t>
+            </a:r>
+            <a:r>
+              <a:rPr lang="zh-CN" altLang="en-US" sz="1600" dirty="0"/>
+              <a:t>像生产线一样组织</a:t>
+            </a:r>
             <a:r>
               <a:rPr lang="zh-CN" altLang="en-US" sz="1600" dirty="0" smtClean="0"/>
-              <a:t>目的</a:t>
-            </a:r>
-            <a:r>
-              <a:rPr lang="zh-CN" altLang="en-US" sz="1600" dirty="0"/>
-              <a:t>：不重写方法的扩展方法    </a:t>
-            </a:r>
-            <a:endParaRPr lang="en-US" altLang="zh-CN" sz="1600" dirty="0"/>
-          </a:p>
-          <a:p>
+              <a:t>模块</a:t>
+            </a:r>
+            <a:endParaRPr lang="en-US" altLang="zh-CN" sz="1600" dirty="0" smtClean="0"/>
+          </a:p>
+          <a:p>
+            <a:r>
+              <a:rPr lang="en-US" altLang="zh-CN" sz="1600" dirty="0" smtClean="0"/>
+              <a:t>3</a:t>
+            </a:r>
+            <a:r>
+              <a:rPr lang="en-US" altLang="zh-CN" sz="1600" dirty="0"/>
+              <a:t>. </a:t>
+            </a:r>
+            <a:r>
+              <a:rPr lang="zh-CN" altLang="en-US" sz="1600" dirty="0"/>
+              <a:t>状态模式 </a:t>
+            </a:r>
+            <a:r>
+              <a:rPr lang="en-US" altLang="zh-CN" sz="1600" dirty="0"/>
+              <a:t>-- </a:t>
+            </a:r>
+            <a:r>
+              <a:rPr lang="zh-CN" altLang="en-US" sz="1600" dirty="0"/>
+              <a:t>用状态代替</a:t>
+            </a:r>
             <a:r>
               <a:rPr lang="zh-CN" altLang="en-US" sz="1600" dirty="0" smtClean="0"/>
-              <a:t>应用</a:t>
-            </a:r>
-            <a:r>
-              <a:rPr lang="zh-CN" altLang="en-US" sz="1600" dirty="0"/>
-              <a:t>场景：当一个方法需要扩展，但是又不好去修改方法    </a:t>
-            </a:r>
-            <a:endParaRPr lang="en-US" altLang="zh-CN" sz="1600" dirty="0"/>
-          </a:p>
-          <a:p>
+              <a:t>判断</a:t>
+            </a:r>
+            <a:endParaRPr lang="en-US" altLang="zh-CN" sz="1600" dirty="0" smtClean="0"/>
+          </a:p>
+          <a:p>
+            <a:r>
+              <a:rPr lang="en-US" altLang="zh-CN" sz="1600" dirty="0" smtClean="0"/>
+              <a:t>4</a:t>
+            </a:r>
+            <a:r>
+              <a:rPr lang="en-US" altLang="zh-CN" sz="1600" dirty="0"/>
+              <a:t>. </a:t>
+            </a:r>
+            <a:r>
+              <a:rPr lang="zh-CN" altLang="en-US" sz="1600" dirty="0"/>
+              <a:t>命令模式 </a:t>
+            </a:r>
+            <a:r>
+              <a:rPr lang="en-US" altLang="zh-CN" sz="1600" dirty="0"/>
+              <a:t>-- </a:t>
+            </a:r>
+            <a:r>
+              <a:rPr lang="zh-CN" altLang="en-US" sz="1600" dirty="0"/>
+              <a:t>用命令去</a:t>
+            </a:r>
             <a:r>
               <a:rPr lang="zh-CN" altLang="en-US" sz="1600" dirty="0" smtClean="0"/>
-              <a:t>基本结构</a:t>
+              <a:t>解耦</a:t>
             </a:r>
             <a:endParaRPr lang="en-US" altLang="zh-CN" sz="1600" dirty="0" smtClean="0"/>
           </a:p>
           <a:p>
             <a:r>
-              <a:rPr lang="zh-CN" altLang="en-US" sz="1600" dirty="0"/>
-              <a:t>示例：扩展你的已有事件绑定（需求：现在项目改造，需要给</a:t>
+              <a:rPr lang="en-US" altLang="zh-CN" sz="1600" dirty="0" smtClean="0"/>
+              <a:t>5</a:t>
             </a:r>
             <a:r>
               <a:rPr lang="en-US" altLang="zh-CN" sz="1600" dirty="0"/>
-              <a:t>input</a:t>
-            </a:r>
-            <a:r>
-              <a:rPr lang="zh-CN" altLang="en-US" sz="1600" dirty="0"/>
-              <a:t>标签已经有的事件，增加一些操作</a:t>
+              <a:t>. </a:t>
+            </a:r>
+            <a:r>
+              <a:rPr lang="zh-CN" altLang="en-US" sz="1600" dirty="0"/>
+              <a:t>策略模式 </a:t>
+            </a:r>
+            <a:r>
+              <a:rPr lang="en-US" altLang="zh-CN" sz="1600" dirty="0"/>
+              <a:t>-- </a:t>
+            </a:r>
+            <a:r>
+              <a:rPr lang="zh-CN" altLang="en-US" sz="1600" dirty="0"/>
+              <a:t>算法</a:t>
             </a:r>
             <a:r>
               <a:rPr lang="zh-CN" altLang="en-US" sz="1600" dirty="0" smtClean="0"/>
-              <a:t>）</a:t>
+              <a:t>工厂</a:t>
             </a:r>
             <a:endParaRPr lang="en-US" altLang="zh-CN" sz="1600" dirty="0" smtClean="0"/>
           </a:p>
           <a:p>
             <a:r>
-              <a:rPr lang="zh-CN" altLang="en-US" sz="1600" dirty="0"/>
-              <a:t>示例：</a:t>
-            </a:r>
-            <a:r>
-              <a:rPr lang="en-US" altLang="zh-CN" sz="1600" dirty="0" err="1"/>
-              <a:t>Vue</a:t>
-            </a:r>
-            <a:r>
-              <a:rPr lang="zh-CN" altLang="en-US" sz="1600" dirty="0"/>
-              <a:t>的数组监听（需求：</a:t>
-            </a:r>
-            <a:r>
-              <a:rPr lang="en-US" altLang="zh-CN" sz="1600" dirty="0" err="1"/>
-              <a:t>vue</a:t>
-            </a:r>
-            <a:r>
-              <a:rPr lang="zh-CN" altLang="en-US" sz="1600" dirty="0"/>
-              <a:t>中利用</a:t>
-            </a:r>
-            <a:r>
-              <a:rPr lang="en-US" altLang="zh-CN" sz="1600" dirty="0" err="1"/>
-              <a:t>defineProperty</a:t>
-            </a:r>
-            <a:r>
-              <a:rPr lang="zh-CN" altLang="en-US" sz="1600" dirty="0"/>
-              <a:t>可以监听对象，那数组怎么办）</a:t>
+              <a:rPr lang="en-US" altLang="zh-CN" sz="1600" dirty="0" smtClean="0"/>
+              <a:t>6</a:t>
+            </a:r>
+            <a:r>
+              <a:rPr lang="en-US" altLang="zh-CN" sz="1600" dirty="0"/>
+              <a:t>. </a:t>
+            </a:r>
+            <a:r>
+              <a:rPr lang="zh-CN" altLang="en-US" sz="1600" dirty="0"/>
+              <a:t>迭代器模式 </a:t>
+            </a:r>
+            <a:r>
+              <a:rPr lang="en-US" altLang="zh-CN" sz="1600" dirty="0"/>
+              <a:t>-- </a:t>
+            </a:r>
+            <a:r>
+              <a:rPr lang="zh-CN" altLang="en-US" sz="1600" dirty="0"/>
+              <a:t>告别</a:t>
+            </a:r>
+            <a:r>
+              <a:rPr lang="en-US" altLang="zh-CN" sz="1600" dirty="0"/>
+              <a:t>for</a:t>
+            </a:r>
+            <a:r>
+              <a:rPr lang="zh-CN" altLang="en-US" sz="1600" dirty="0"/>
+              <a:t>循环</a:t>
             </a:r>
           </a:p>
         </p:txBody>
@@ -8762,7 +8952,7 @@
     </p:spTree>
     <p:extLst>
       <p:ext uri="{BB962C8B-B14F-4D97-AF65-F5344CB8AC3E}">
-        <p14:creationId xmlns:p14="http://schemas.microsoft.com/office/powerpoint/2010/main" val="4211267840"/>
+        <p14:creationId xmlns:p14="http://schemas.microsoft.com/office/powerpoint/2010/main" val="3708227064"/>
       </p:ext>
     </p:extLst>
   </p:cSld>
@@ -8815,7 +9005,7 @@
           <a:p>
             <a:r>
               <a:rPr lang="zh-CN" altLang="en-US" sz="2400" b="0" dirty="0"/>
-              <a:t>解耦你的方法与调用</a:t>
+              <a:t>命令模式</a:t>
             </a:r>
           </a:p>
         </p:txBody>
@@ -8832,17 +9022,66 @@
         </p:nvSpPr>
         <p:spPr/>
         <p:txBody>
-          <a:bodyPr/>
+          <a:bodyPr>
+            <a:normAutofit/>
+          </a:bodyPr>
           <a:lstStyle/>
           <a:p>
-            <a:endParaRPr lang="zh-CN" altLang="en-US"/>
+            <a:r>
+              <a:rPr lang="zh-CN" altLang="en-US" sz="1600" dirty="0" smtClean="0"/>
+              <a:t>目的</a:t>
+            </a:r>
+            <a:r>
+              <a:rPr lang="zh-CN" altLang="en-US" sz="1600" dirty="0"/>
+              <a:t>：解耦实现和调用，让双方互不干扰；    </a:t>
+            </a:r>
+            <a:endParaRPr lang="en-US" altLang="zh-CN" sz="1600" dirty="0"/>
+          </a:p>
+          <a:p>
+            <a:r>
+              <a:rPr lang="zh-CN" altLang="en-US" sz="1600" dirty="0" smtClean="0"/>
+              <a:t>应用</a:t>
+            </a:r>
+            <a:r>
+              <a:rPr lang="zh-CN" altLang="en-US" sz="1600" dirty="0"/>
+              <a:t>场景：调用的命令充满不确定性    </a:t>
+            </a:r>
+            <a:endParaRPr lang="en-US" altLang="zh-CN" sz="1600" dirty="0"/>
+          </a:p>
+          <a:p>
+            <a:r>
+              <a:rPr lang="zh-CN" altLang="en-US" sz="1600" dirty="0" smtClean="0"/>
+              <a:t>基本结构</a:t>
+            </a:r>
+            <a:endParaRPr lang="en-US" altLang="zh-CN" sz="1600" dirty="0" smtClean="0"/>
+          </a:p>
+          <a:p>
+            <a:r>
+              <a:rPr lang="zh-CN" altLang="en-US" sz="1600" dirty="0"/>
+              <a:t>示例：绘图命令（需求：封装一系列的</a:t>
+            </a:r>
+            <a:r>
+              <a:rPr lang="en-US" altLang="zh-CN" sz="1600" dirty="0"/>
+              <a:t>canvas</a:t>
+            </a:r>
+            <a:r>
+              <a:rPr lang="zh-CN" altLang="en-US" sz="1600" dirty="0"/>
+              <a:t>绘图命令） </a:t>
+            </a:r>
+            <a:endParaRPr lang="en-US" altLang="zh-CN" sz="1600" dirty="0" smtClean="0"/>
+          </a:p>
+          <a:p>
+            <a:r>
+              <a:rPr lang="zh-CN" altLang="en-US" sz="1600" dirty="0"/>
+              <a:t>示例：绘制随机数量图片（需求：要做一个画廊，图片数量和排列顺序随机） </a:t>
+            </a:r>
           </a:p>
         </p:txBody>
       </p:sp>
     </p:spTree>
     <p:extLst>
       <p:ext uri="{BB962C8B-B14F-4D97-AF65-F5344CB8AC3E}">
-        <p14:creationId xmlns:p14="http://schemas.microsoft.com/office/powerpoint/2010/main" val="4083363475"/>
+        <p14:creationId xmlns:p14="http://schemas.microsoft.com/office/powerpoint/2010/main" val="2401033073"/>
       </p:ext>
     </p:extLst>
   </p:cSld>
@@ -8895,7 +9134,15 @@
           <a:p>
             <a:r>
               <a:rPr lang="zh-CN" altLang="en-US" sz="2400" b="0" dirty="0"/>
-              <a:t>命令模式</a:t>
+              <a:t>策略模式</a:t>
+            </a:r>
+            <a:r>
+              <a:rPr lang="en-US" altLang="zh-CN" sz="2400" b="0" dirty="0"/>
+              <a:t>/</a:t>
+            </a:r>
+            <a:r>
+              <a:rPr lang="zh-CN" altLang="en-US" sz="2400" b="0" dirty="0"/>
+              <a:t>状态模式</a:t>
             </a:r>
           </a:p>
         </p:txBody>
@@ -8923,7 +9170,15 @@
             </a:r>
             <a:r>
               <a:rPr lang="zh-CN" altLang="en-US" sz="1600" dirty="0"/>
-              <a:t>：解耦实现和调用，让双方互不干扰；    </a:t>
+              <a:t>：优化</a:t>
+            </a:r>
+            <a:r>
+              <a:rPr lang="en-US" altLang="zh-CN" sz="1600" dirty="0"/>
+              <a:t>if-else</a:t>
+            </a:r>
+            <a:r>
+              <a:rPr lang="zh-CN" altLang="en-US" sz="1600" dirty="0"/>
+              <a:t>分支    </a:t>
             </a:r>
             <a:endParaRPr lang="en-US" altLang="zh-CN" sz="1600" dirty="0"/>
           </a:p>
@@ -8934,36 +9189,94 @@
             </a:r>
             <a:r>
               <a:rPr lang="zh-CN" altLang="en-US" sz="1600" dirty="0"/>
-              <a:t>场景：调用的命令充满不确定性    </a:t>
+              <a:t>场景：当代码</a:t>
+            </a:r>
+            <a:r>
+              <a:rPr lang="en-US" altLang="zh-CN" sz="1600" dirty="0"/>
+              <a:t>if-else</a:t>
+            </a:r>
+            <a:r>
+              <a:rPr lang="zh-CN" altLang="en-US" sz="1600" dirty="0"/>
+              <a:t>分支过多时    </a:t>
             </a:r>
             <a:endParaRPr lang="en-US" altLang="zh-CN" sz="1600" dirty="0"/>
           </a:p>
           <a:p>
             <a:r>
               <a:rPr lang="zh-CN" altLang="en-US" sz="1600" dirty="0" smtClean="0"/>
-              <a:t>基本结构</a:t>
+              <a:t>基本</a:t>
+            </a:r>
+            <a:r>
+              <a:rPr lang="zh-CN" altLang="en-US" sz="1600" dirty="0"/>
+              <a:t>结构（策略模式</a:t>
+            </a:r>
+            <a:r>
+              <a:rPr lang="zh-CN" altLang="en-US" sz="1600" dirty="0" smtClean="0"/>
+              <a:t>）</a:t>
             </a:r>
             <a:endParaRPr lang="en-US" altLang="zh-CN" sz="1600" dirty="0" smtClean="0"/>
           </a:p>
           <a:p>
             <a:r>
               <a:rPr lang="zh-CN" altLang="en-US" sz="1600" dirty="0"/>
-              <a:t>示例：绘图命令（需求：封装一系列的</a:t>
+              <a:t>假设要编写一个计算器，有加减乘除，我们可以把一层一层的</a:t>
             </a:r>
             <a:r>
               <a:rPr lang="en-US" altLang="zh-CN" sz="1600" dirty="0"/>
-              <a:t>canvas</a:t>
-            </a:r>
-            <a:r>
-              <a:rPr lang="zh-CN" altLang="en-US" sz="1600" dirty="0"/>
-              <a:t>绘图命令） </a:t>
+              <a:t>if</a:t>
+            </a:r>
+            <a:r>
+              <a:rPr lang="zh-CN" altLang="en-US" sz="1600" dirty="0"/>
+              <a:t>判断，变成上面的形式    </a:t>
+            </a:r>
+            <a:endParaRPr lang="en-US" altLang="zh-CN" sz="1600" dirty="0"/>
+          </a:p>
+          <a:p>
+            <a:r>
+              <a:rPr lang="zh-CN" altLang="en-US" sz="1600" dirty="0" smtClean="0"/>
+              <a:t>基本</a:t>
+            </a:r>
+            <a:r>
+              <a:rPr lang="zh-CN" altLang="en-US" sz="1600" dirty="0"/>
+              <a:t>结构（状态模式）为了减少</a:t>
+            </a:r>
+            <a:r>
+              <a:rPr lang="en-US" altLang="zh-CN" sz="1600" dirty="0"/>
+              <a:t>if-else</a:t>
+            </a:r>
+            <a:r>
+              <a:rPr lang="zh-CN" altLang="en-US" sz="1600" dirty="0"/>
+              <a:t>结构，将状态变成对象内部的一个状态，通过对象内部的状态改变，让其拥有不同</a:t>
+            </a:r>
+            <a:r>
+              <a:rPr lang="zh-CN" altLang="en-US" sz="1600" dirty="0" smtClean="0"/>
+              <a:t>行为</a:t>
             </a:r>
             <a:endParaRPr lang="en-US" altLang="zh-CN" sz="1600" dirty="0" smtClean="0"/>
           </a:p>
           <a:p>
             <a:r>
-              <a:rPr lang="zh-CN" altLang="en-US" sz="1600" dirty="0"/>
-              <a:t>示例：绘制随机数量图片（需求：要做一个画廊，图片数量和排列顺序随机） </a:t>
+              <a:rPr lang="zh-CN" altLang="en-US" sz="1600" dirty="0" smtClean="0"/>
+              <a:t>示例</a:t>
+            </a:r>
+            <a:r>
+              <a:rPr lang="zh-CN" altLang="en-US" sz="1600" dirty="0"/>
+              <a:t>：（需求：项目有一个动态的内容，根据用户权限的不同显示不同的</a:t>
+            </a:r>
+            <a:r>
+              <a:rPr lang="zh-CN" altLang="en-US" sz="1600" dirty="0" smtClean="0"/>
+              <a:t>内容</a:t>
+            </a:r>
+            <a:endParaRPr lang="en-US" altLang="zh-CN" sz="1600" dirty="0" smtClean="0"/>
+          </a:p>
+          <a:p>
+            <a:r>
+              <a:rPr lang="zh-CN" altLang="en-US" sz="1600" dirty="0" smtClean="0"/>
+              <a:t>示例</a:t>
+            </a:r>
+            <a:r>
+              <a:rPr lang="zh-CN" altLang="en-US" sz="1600" dirty="0"/>
+              <a:t>：复合运动（需求：有一个小球，可以控制它左右移动，或者左前，右前等方式移动）</a:t>
             </a:r>
           </a:p>
         </p:txBody>
@@ -8971,7 +9284,7 @@
     </p:spTree>
     <p:extLst>
       <p:ext uri="{BB962C8B-B14F-4D97-AF65-F5344CB8AC3E}">
-        <p14:creationId xmlns:p14="http://schemas.microsoft.com/office/powerpoint/2010/main" val="2401033073"/>
+        <p14:creationId xmlns:p14="http://schemas.microsoft.com/office/powerpoint/2010/main" val="672986222"/>
       </p:ext>
     </p:extLst>
   </p:cSld>
@@ -9246,7 +9559,7 @@
           <a:p>
             <a:r>
               <a:rPr lang="zh-CN" altLang="en-US" sz="2400" b="0" dirty="0"/>
-              <a:t>行为型</a:t>
+              <a:t>外观模式</a:t>
             </a:r>
           </a:p>
         </p:txBody>
@@ -9269,163 +9582,60 @@
           <a:lstStyle/>
           <a:p>
             <a:r>
-              <a:rPr lang="en-US" altLang="zh-CN" sz="1600" dirty="0"/>
-              <a:t>1. </a:t>
-            </a:r>
-            <a:r>
-              <a:rPr lang="zh-CN" altLang="en-US" sz="1600" dirty="0"/>
-              <a:t>观察者模式 </a:t>
-            </a:r>
-            <a:r>
-              <a:rPr lang="en-US" altLang="zh-CN" sz="1600" dirty="0"/>
-              <a:t>-- </a:t>
-            </a:r>
-            <a:r>
-              <a:rPr lang="zh-CN" altLang="en-US" sz="1600" dirty="0"/>
-              <a:t>我作为第三方</a:t>
-            </a:r>
-            <a:r>
               <a:rPr lang="zh-CN" altLang="en-US" sz="1600" dirty="0" smtClean="0"/>
-              <a:t>转发</a:t>
+              <a:t>目的</a:t>
+            </a:r>
+            <a:r>
+              <a:rPr lang="zh-CN" altLang="en-US" sz="1600" dirty="0"/>
+              <a:t>：通过为多个复杂的子系统提供一个一致的接口    </a:t>
+            </a:r>
+            <a:endParaRPr lang="en-US" altLang="zh-CN" sz="1600" dirty="0"/>
+          </a:p>
+          <a:p>
+            <a:r>
+              <a:rPr lang="zh-CN" altLang="en-US" sz="1600" dirty="0" smtClean="0"/>
+              <a:t>应用</a:t>
+            </a:r>
+            <a:r>
+              <a:rPr lang="zh-CN" altLang="en-US" sz="1600" dirty="0"/>
+              <a:t>场景：当完成一个操作，需要操作多个子系统，不如提供一个更高级的统一接口    </a:t>
+            </a:r>
+            <a:endParaRPr lang="en-US" altLang="zh-CN" sz="1600" dirty="0"/>
+          </a:p>
+          <a:p>
+            <a:r>
+              <a:rPr lang="zh-CN" altLang="en-US" sz="1600" dirty="0" smtClean="0"/>
+              <a:t>基本</a:t>
+            </a:r>
+            <a:r>
+              <a:rPr lang="zh-CN" altLang="en-US" sz="1600" dirty="0"/>
+              <a:t>结构：我们在组织方法模块时可以细化多个接口，但是我们给别人使用时，要合为一个接口，就像你可以直接去餐厅点</a:t>
+            </a:r>
+            <a:r>
+              <a:rPr lang="zh-CN" altLang="en-US" sz="1600" dirty="0" smtClean="0"/>
+              <a:t>套餐</a:t>
             </a:r>
             <a:endParaRPr lang="en-US" altLang="zh-CN" sz="1600" dirty="0" smtClean="0"/>
           </a:p>
           <a:p>
             <a:r>
-              <a:rPr lang="en-US" altLang="zh-CN" sz="1600" dirty="0" smtClean="0"/>
-              <a:t>2</a:t>
-            </a:r>
-            <a:r>
-              <a:rPr lang="en-US" altLang="zh-CN" sz="1600" dirty="0"/>
-              <a:t>. </a:t>
-            </a:r>
-            <a:r>
-              <a:rPr lang="zh-CN" altLang="en-US" sz="1600" dirty="0"/>
-              <a:t>职责链模式 </a:t>
-            </a:r>
-            <a:r>
-              <a:rPr lang="en-US" altLang="zh-CN" sz="1600" dirty="0"/>
-              <a:t>-- </a:t>
-            </a:r>
-            <a:r>
-              <a:rPr lang="zh-CN" altLang="en-US" sz="1600" dirty="0"/>
-              <a:t>像生产线一样组织</a:t>
-            </a:r>
-            <a:r>
               <a:rPr lang="zh-CN" altLang="en-US" sz="1600" dirty="0" smtClean="0"/>
-              <a:t>模块</a:t>
+              <a:t>示例</a:t>
+            </a:r>
+            <a:r>
+              <a:rPr lang="zh-CN" altLang="en-US" sz="1600" dirty="0"/>
+              <a:t>：插件封装的规律（需求：插件基本上都会给最终使用提供一个高级接口）    </a:t>
             </a:r>
             <a:endParaRPr lang="en-US" altLang="zh-CN" sz="1600" dirty="0" smtClean="0"/>
           </a:p>
           <a:p>
             <a:r>
-              <a:rPr lang="en-US" altLang="zh-CN" sz="1600" dirty="0" smtClean="0"/>
-              <a:t>3</a:t>
-            </a:r>
-            <a:r>
-              <a:rPr lang="en-US" altLang="zh-CN" sz="1600" dirty="0"/>
-              <a:t>. </a:t>
-            </a:r>
-            <a:r>
-              <a:rPr lang="zh-CN" altLang="en-US" sz="1600" dirty="0"/>
-              <a:t>状态模式 </a:t>
-            </a:r>
-            <a:r>
-              <a:rPr lang="en-US" altLang="zh-CN" sz="1600" dirty="0"/>
-              <a:t>-- </a:t>
-            </a:r>
-            <a:r>
-              <a:rPr lang="zh-CN" altLang="en-US" sz="1600" dirty="0"/>
-              <a:t>用状态代替</a:t>
-            </a:r>
-            <a:r>
               <a:rPr lang="zh-CN" altLang="en-US" sz="1600" dirty="0" smtClean="0"/>
-              <a:t>判断</a:t>
-            </a:r>
-            <a:endParaRPr lang="en-US" altLang="zh-CN" sz="1600" dirty="0" smtClean="0"/>
-          </a:p>
-          <a:p>
-            <a:r>
-              <a:rPr lang="en-US" altLang="zh-CN" sz="1600" dirty="0" smtClean="0"/>
-              <a:t>4</a:t>
-            </a:r>
-            <a:r>
-              <a:rPr lang="en-US" altLang="zh-CN" sz="1600" dirty="0"/>
-              <a:t>. </a:t>
-            </a:r>
-            <a:r>
-              <a:rPr lang="zh-CN" altLang="en-US" sz="1600" dirty="0"/>
-              <a:t>命令模式 </a:t>
-            </a:r>
-            <a:r>
-              <a:rPr lang="en-US" altLang="zh-CN" sz="1600" dirty="0"/>
-              <a:t>-- </a:t>
-            </a:r>
-            <a:r>
-              <a:rPr lang="zh-CN" altLang="en-US" sz="1600" dirty="0"/>
-              <a:t>用命令去</a:t>
-            </a:r>
-            <a:r>
-              <a:rPr lang="zh-CN" altLang="en-US" sz="1600" dirty="0" smtClean="0"/>
-              <a:t>解耦</a:t>
-            </a:r>
-            <a:endParaRPr lang="en-US" altLang="zh-CN" sz="1600" dirty="0" smtClean="0"/>
-          </a:p>
-          <a:p>
-            <a:r>
-              <a:rPr lang="en-US" altLang="zh-CN" sz="1600" dirty="0" smtClean="0"/>
-              <a:t>5</a:t>
-            </a:r>
-            <a:r>
-              <a:rPr lang="en-US" altLang="zh-CN" sz="1600" dirty="0"/>
-              <a:t>. </a:t>
-            </a:r>
-            <a:r>
-              <a:rPr lang="zh-CN" altLang="en-US" sz="1600" dirty="0"/>
-              <a:t>策略模式 </a:t>
-            </a:r>
-            <a:r>
-              <a:rPr lang="en-US" altLang="zh-CN" sz="1600" dirty="0"/>
-              <a:t>-- </a:t>
-            </a:r>
-            <a:r>
-              <a:rPr lang="zh-CN" altLang="en-US" sz="1600" dirty="0"/>
-              <a:t>算法</a:t>
-            </a:r>
-            <a:r>
-              <a:rPr lang="zh-CN" altLang="en-US" sz="1600" dirty="0" smtClean="0"/>
-              <a:t>工厂</a:t>
-            </a:r>
-            <a:endParaRPr lang="en-US" altLang="zh-CN" sz="1600" dirty="0" smtClean="0"/>
-          </a:p>
-          <a:p>
-            <a:r>
-              <a:rPr lang="en-US" altLang="zh-CN" sz="1600" dirty="0" smtClean="0"/>
-              <a:t>6</a:t>
-            </a:r>
-            <a:r>
-              <a:rPr lang="en-US" altLang="zh-CN" sz="1600" dirty="0"/>
-              <a:t>. </a:t>
-            </a:r>
-            <a:r>
-              <a:rPr lang="zh-CN" altLang="en-US" sz="1600" dirty="0"/>
-              <a:t>迭代器模式 </a:t>
-            </a:r>
-            <a:r>
-              <a:rPr lang="en-US" altLang="zh-CN" sz="1600" dirty="0"/>
-              <a:t>-- </a:t>
-            </a:r>
-            <a:r>
-              <a:rPr lang="zh-CN" altLang="en-US" sz="1600" dirty="0"/>
-              <a:t>告别</a:t>
-            </a:r>
-            <a:r>
-              <a:rPr lang="en-US" altLang="zh-CN" sz="1600" dirty="0"/>
-              <a:t>for</a:t>
-            </a:r>
-            <a:r>
-              <a:rPr lang="zh-CN" altLang="en-US" sz="1600" dirty="0"/>
-              <a:t>循环</a:t>
+              <a:t>示例</a:t>
+            </a:r>
+            <a:r>
+              <a:rPr lang="zh-CN" altLang="en-US" sz="1600" dirty="0"/>
+              <a:t>：封装成方法的思想（需求：在兼容时代，我们会常常需要检测能力，不妨作为一个统一接口）</a:t>
             </a:r>
           </a:p>
         </p:txBody>
@@ -9433,7 +9643,7 @@
     </p:spTree>
     <p:extLst>
       <p:ext uri="{BB962C8B-B14F-4D97-AF65-F5344CB8AC3E}">
-        <p14:creationId xmlns:p14="http://schemas.microsoft.com/office/powerpoint/2010/main" val="3708227064"/>
+        <p14:creationId xmlns:p14="http://schemas.microsoft.com/office/powerpoint/2010/main" val="162976284"/>
       </p:ext>
     </p:extLst>
   </p:cSld>
@@ -9486,7 +9696,7 @@
           <a:p>
             <a:r>
               <a:rPr lang="zh-CN" altLang="en-US" sz="2400" b="0" dirty="0"/>
-              <a:t>优化你的代码结构</a:t>
+              <a:t>迭代器模式</a:t>
             </a:r>
           </a:p>
         </p:txBody>
@@ -9503,17 +9713,98 @@
         </p:nvSpPr>
         <p:spPr/>
         <p:txBody>
-          <a:bodyPr/>
+          <a:bodyPr>
+            <a:normAutofit/>
+          </a:bodyPr>
           <a:lstStyle/>
           <a:p>
-            <a:endParaRPr lang="zh-CN" altLang="en-US" dirty="0"/>
+            <a:r>
+              <a:rPr lang="zh-CN" altLang="en-US" sz="1600" dirty="0" smtClean="0"/>
+              <a:t>目的</a:t>
+            </a:r>
+            <a:r>
+              <a:rPr lang="zh-CN" altLang="en-US" sz="1600" dirty="0"/>
+              <a:t>：不访问内部的情况下，方便的遍历数据    </a:t>
+            </a:r>
+            <a:endParaRPr lang="en-US" altLang="zh-CN" sz="1600" dirty="0" smtClean="0"/>
+          </a:p>
+          <a:p>
+            <a:r>
+              <a:rPr lang="zh-CN" altLang="en-US" sz="1600" dirty="0" smtClean="0"/>
+              <a:t>应用</a:t>
+            </a:r>
+            <a:r>
+              <a:rPr lang="zh-CN" altLang="en-US" sz="1600" dirty="0"/>
+              <a:t>场景：当我们要对某个对象进行操作，但是又不能暴露内部    </a:t>
+            </a:r>
+            <a:endParaRPr lang="en-US" altLang="zh-CN" sz="1600" dirty="0"/>
+          </a:p>
+          <a:p>
+            <a:r>
+              <a:rPr lang="zh-CN" altLang="en-US" sz="1600" dirty="0" smtClean="0"/>
+              <a:t>基本</a:t>
+            </a:r>
+            <a:r>
+              <a:rPr lang="zh-CN" altLang="en-US" sz="1600" dirty="0"/>
+              <a:t>结构：在不暴露对象内部结构的同时，可以顺序的访问对象内部的，可以帮助我们简化循环，简化数据</a:t>
+            </a:r>
+            <a:r>
+              <a:rPr lang="zh-CN" altLang="en-US" sz="1600" dirty="0" smtClean="0"/>
+              <a:t>操作</a:t>
+            </a:r>
+            <a:endParaRPr lang="en-US" altLang="zh-CN" sz="1600" dirty="0" smtClean="0"/>
+          </a:p>
+          <a:p>
+            <a:r>
+              <a:rPr lang="zh-CN" altLang="en-US" sz="1600" dirty="0" smtClean="0"/>
+              <a:t>示例</a:t>
+            </a:r>
+            <a:r>
+              <a:rPr lang="zh-CN" altLang="en-US" sz="1600" dirty="0"/>
+              <a:t>：典型的</a:t>
+            </a:r>
+            <a:r>
+              <a:rPr lang="en-US" altLang="zh-CN" sz="1600" dirty="0" err="1"/>
+              <a:t>forEach</a:t>
+            </a:r>
+            <a:r>
+              <a:rPr lang="zh-CN" altLang="en-US" sz="1600" dirty="0"/>
+              <a:t>就是迭代器（构建一个自己的</a:t>
+            </a:r>
+            <a:r>
+              <a:rPr lang="en-US" altLang="zh-CN" sz="1600" dirty="0" err="1"/>
+              <a:t>forEach</a:t>
+            </a:r>
+            <a:r>
+              <a:rPr lang="en-US" altLang="zh-CN" sz="1600" dirty="0"/>
+              <a:t>,</a:t>
+            </a:r>
+            <a:r>
+              <a:rPr lang="zh-CN" altLang="en-US" sz="1600" dirty="0"/>
+              <a:t>循环数组和对象</a:t>
+            </a:r>
+            <a:r>
+              <a:rPr lang="zh-CN" altLang="en-US" sz="1600" dirty="0" smtClean="0"/>
+              <a:t>）</a:t>
+            </a:r>
+            <a:endParaRPr lang="en-US" altLang="zh-CN" sz="1600" dirty="0" smtClean="0"/>
+          </a:p>
+          <a:p>
+            <a:r>
+              <a:rPr lang="zh-CN" altLang="en-US" sz="1600" dirty="0" smtClean="0"/>
+              <a:t>示例</a:t>
+            </a:r>
+            <a:r>
+              <a:rPr lang="zh-CN" altLang="en-US" sz="1600" dirty="0"/>
+              <a:t>：给你的项目数据添加迭代器（需求：项目会经常对于后端数据进行遍历操作，不如封装一个迭代器，遍历的更方便）</a:t>
+            </a:r>
           </a:p>
         </p:txBody>
       </p:sp>
     </p:spTree>
     <p:extLst>
       <p:ext uri="{BB962C8B-B14F-4D97-AF65-F5344CB8AC3E}">
-        <p14:creationId xmlns:p14="http://schemas.microsoft.com/office/powerpoint/2010/main" val="378967048"/>
+        <p14:creationId xmlns:p14="http://schemas.microsoft.com/office/powerpoint/2010/main" val="1308702287"/>
       </p:ext>
     </p:extLst>
   </p:cSld>
@@ -9566,15 +9857,7 @@
           <a:p>
             <a:r>
               <a:rPr lang="zh-CN" altLang="en-US" sz="2400" b="0" dirty="0"/>
-              <a:t>策略模式</a:t>
-            </a:r>
-            <a:r>
-              <a:rPr lang="en-US" altLang="zh-CN" sz="2400" b="0" dirty="0"/>
-              <a:t>/</a:t>
-            </a:r>
-            <a:r>
-              <a:rPr lang="zh-CN" altLang="en-US" sz="2400" b="0" dirty="0"/>
-              <a:t>状态模式</a:t>
+              <a:t>备忘录模式</a:t>
             </a:r>
           </a:p>
         </p:txBody>
@@ -9602,15 +9885,7 @@
             </a:r>
             <a:r>
               <a:rPr lang="zh-CN" altLang="en-US" sz="1600" dirty="0"/>
-              <a:t>：优化</a:t>
-            </a:r>
-            <a:r>
-              <a:rPr lang="en-US" altLang="zh-CN" sz="1600" dirty="0"/>
-              <a:t>if-else</a:t>
-            </a:r>
-            <a:r>
-              <a:rPr lang="zh-CN" altLang="en-US" sz="1600" dirty="0"/>
-              <a:t>分支    </a:t>
+              <a:t>：记录状态，方便回滚    </a:t>
             </a:r>
             <a:endParaRPr lang="en-US" altLang="zh-CN" sz="1600" dirty="0"/>
           </a:p>
@@ -9621,15 +9896,7 @@
             </a:r>
             <a:r>
               <a:rPr lang="zh-CN" altLang="en-US" sz="1600" dirty="0"/>
-              <a:t>场景：当代码</a:t>
-            </a:r>
-            <a:r>
-              <a:rPr lang="en-US" altLang="zh-CN" sz="1600" dirty="0"/>
-              <a:t>if-else</a:t>
-            </a:r>
-            <a:r>
-              <a:rPr lang="zh-CN" altLang="en-US" sz="1600" dirty="0"/>
-              <a:t>分支过多时    </a:t>
+              <a:t>场景：系统状态多样，为了保证状态的回滚方便，记录状态    </a:t>
             </a:r>
             <a:endParaRPr lang="en-US" altLang="zh-CN" sz="1600" dirty="0"/>
           </a:p>
@@ -9640,7 +9907,22 @@
             </a:r>
             <a:r>
               <a:rPr lang="zh-CN" altLang="en-US" sz="1600" dirty="0"/>
-              <a:t>结构（策略模式</a:t>
+              <a:t>结构：记录对象内部的状态，当有需要时回滚到之前的状态或者方便对象</a:t>
+            </a:r>
+            <a:r>
+              <a:rPr lang="zh-CN" altLang="en-US" sz="1600" dirty="0" smtClean="0"/>
+              <a:t>使用</a:t>
+            </a:r>
+            <a:endParaRPr lang="en-US" altLang="zh-CN" sz="1600" dirty="0" smtClean="0"/>
+          </a:p>
+          <a:p>
+            <a:r>
+              <a:rPr lang="zh-CN" altLang="en-US" sz="1600" dirty="0" smtClean="0"/>
+              <a:t>示例</a:t>
+            </a:r>
+            <a:r>
+              <a:rPr lang="zh-CN" altLang="en-US" sz="1600" dirty="0"/>
+              <a:t>：文章页缓存（需求：项目有一个文章页需求，现在进行优化，如果上一篇已经读取过了，则不进行请求，否则请求文章数据</a:t>
             </a:r>
             <a:r>
               <a:rPr lang="zh-CN" altLang="en-US" sz="1600" dirty="0" smtClean="0"/>
@@ -9650,65 +9932,20 @@
           </a:p>
           <a:p>
             <a:r>
-              <a:rPr lang="zh-CN" altLang="en-US" sz="1600" dirty="0"/>
-              <a:t>假设要编写一个计算器，有加减乘除，我们可以把一层一层的</a:t>
-            </a:r>
-            <a:r>
-              <a:rPr lang="en-US" altLang="zh-CN" sz="1600" dirty="0"/>
-              <a:t>if</a:t>
-            </a:r>
-            <a:r>
-              <a:rPr lang="zh-CN" altLang="en-US" sz="1600" dirty="0"/>
-              <a:t>判断，变成上面的形式    </a:t>
-            </a:r>
-            <a:endParaRPr lang="en-US" altLang="zh-CN" sz="1600" dirty="0"/>
-          </a:p>
-          <a:p>
-            <a:r>
-              <a:rPr lang="zh-CN" altLang="en-US" sz="1600" dirty="0" smtClean="0"/>
-              <a:t>基本</a:t>
-            </a:r>
-            <a:r>
-              <a:rPr lang="zh-CN" altLang="en-US" sz="1600" dirty="0"/>
-              <a:t>结构（状态模式）为了减少</a:t>
-            </a:r>
-            <a:r>
-              <a:rPr lang="en-US" altLang="zh-CN" sz="1600" dirty="0"/>
-              <a:t>if-else</a:t>
-            </a:r>
-            <a:r>
-              <a:rPr lang="zh-CN" altLang="en-US" sz="1600" dirty="0"/>
-              <a:t>结构，将状态变成对象内部的一个状态，通过对象内部的状态改变，让其拥有不同</a:t>
-            </a:r>
-            <a:r>
-              <a:rPr lang="zh-CN" altLang="en-US" sz="1600" dirty="0" smtClean="0"/>
-              <a:t>行为</a:t>
-            </a:r>
-            <a:endParaRPr lang="en-US" altLang="zh-CN" sz="1600" dirty="0" smtClean="0"/>
-          </a:p>
-          <a:p>
-            <a:r>
               <a:rPr lang="zh-CN" altLang="en-US" sz="1600" dirty="0" smtClean="0"/>
               <a:t>示例</a:t>
             </a:r>
             <a:r>
               <a:rPr lang="zh-CN" altLang="en-US" sz="1600" dirty="0"/>
-              <a:t>：（需求：项目有一个动态的内容，根据用户权限的不同显示不同的</a:t>
-            </a:r>
-            <a:r>
-              <a:rPr lang="zh-CN" altLang="en-US" sz="1600" dirty="0" smtClean="0"/>
-              <a:t>内容</a:t>
-            </a:r>
-            <a:endParaRPr lang="en-US" altLang="zh-CN" sz="1600" dirty="0" smtClean="0"/>
-          </a:p>
-          <a:p>
-            <a:r>
-              <a:rPr lang="zh-CN" altLang="en-US" sz="1600" dirty="0" smtClean="0"/>
-              <a:t>示例</a:t>
-            </a:r>
-            <a:r>
-              <a:rPr lang="zh-CN" altLang="en-US" sz="1600" dirty="0"/>
-              <a:t>：复合运动（需求：有一个小球，可以控制它左右移动，或者左前，右前等方式移动）</a:t>
+              <a:t>：前进后退功能（需求：开发一个可移动的</a:t>
+            </a:r>
+            <a:r>
+              <a:rPr lang="en-US" altLang="zh-CN" sz="1600" dirty="0"/>
+              <a:t>div,</a:t>
+            </a:r>
+            <a:r>
+              <a:rPr lang="zh-CN" altLang="en-US" sz="1600" dirty="0"/>
+              <a:t>拥有前进后退功能回滚到之前的位置）</a:t>
             </a:r>
           </a:p>
         </p:txBody>
@@ -9716,7 +9953,7 @@
     </p:spTree>
     <p:extLst>
       <p:ext uri="{BB962C8B-B14F-4D97-AF65-F5344CB8AC3E}">
-        <p14:creationId xmlns:p14="http://schemas.microsoft.com/office/powerpoint/2010/main" val="672986222"/>
+        <p14:creationId xmlns:p14="http://schemas.microsoft.com/office/powerpoint/2010/main" val="3259251752"/>
       </p:ext>
     </p:extLst>
   </p:cSld>
@@ -9769,453 +10006,6 @@
           <a:p>
             <a:r>
               <a:rPr lang="zh-CN" altLang="en-US" sz="2400" b="0" dirty="0"/>
-              <a:t>外观模式</a:t>
-            </a:r>
-          </a:p>
-        </p:txBody>
-      </p:sp>
-      <p:sp>
-        <p:nvSpPr>
-          <p:cNvPr id="3" name="文本占位符 2"/>
-          <p:cNvSpPr>
-            <a:spLocks noGrp="1"/>
-          </p:cNvSpPr>
-          <p:nvPr>
-            <p:ph type="body" sz="quarter" idx="11"/>
-          </p:nvPr>
-        </p:nvSpPr>
-        <p:spPr/>
-        <p:txBody>
-          <a:bodyPr>
-            <a:normAutofit/>
-          </a:bodyPr>
-          <a:lstStyle/>
-          <a:p>
-            <a:r>
-              <a:rPr lang="zh-CN" altLang="en-US" sz="1600" dirty="0" smtClean="0"/>
-              <a:t>目的</a:t>
-            </a:r>
-            <a:r>
-              <a:rPr lang="zh-CN" altLang="en-US" sz="1600" dirty="0"/>
-              <a:t>：通过为多个复杂的子系统提供一个一致的接口    </a:t>
-            </a:r>
-            <a:endParaRPr lang="en-US" altLang="zh-CN" sz="1600" dirty="0"/>
-          </a:p>
-          <a:p>
-            <a:r>
-              <a:rPr lang="zh-CN" altLang="en-US" sz="1600" dirty="0" smtClean="0"/>
-              <a:t>应用</a:t>
-            </a:r>
-            <a:r>
-              <a:rPr lang="zh-CN" altLang="en-US" sz="1600" dirty="0"/>
-              <a:t>场景：当完成一个操作，需要操作多个子系统，不如提供一个更高级的统一接口    </a:t>
-            </a:r>
-            <a:endParaRPr lang="en-US" altLang="zh-CN" sz="1600" dirty="0"/>
-          </a:p>
-          <a:p>
-            <a:r>
-              <a:rPr lang="zh-CN" altLang="en-US" sz="1600" dirty="0" smtClean="0"/>
-              <a:t>基本</a:t>
-            </a:r>
-            <a:r>
-              <a:rPr lang="zh-CN" altLang="en-US" sz="1600" dirty="0"/>
-              <a:t>结构：我们在组织方法模块时可以细化多个接口，但是我们给别人使用时，要合为一个接口，就像你可以直接去餐厅点</a:t>
-            </a:r>
-            <a:r>
-              <a:rPr lang="zh-CN" altLang="en-US" sz="1600" dirty="0" smtClean="0"/>
-              <a:t>套餐</a:t>
-            </a:r>
-            <a:endParaRPr lang="en-US" altLang="zh-CN" sz="1600" dirty="0" smtClean="0"/>
-          </a:p>
-          <a:p>
-            <a:r>
-              <a:rPr lang="zh-CN" altLang="en-US" sz="1600" dirty="0" smtClean="0"/>
-              <a:t>示例</a:t>
-            </a:r>
-            <a:r>
-              <a:rPr lang="zh-CN" altLang="en-US" sz="1600" dirty="0"/>
-              <a:t>：插件封装的规律（需求：插件基本上都会给最终使用提供一个高级接口）    </a:t>
-            </a:r>
-            <a:endParaRPr lang="en-US" altLang="zh-CN" sz="1600" dirty="0" smtClean="0"/>
-          </a:p>
-          <a:p>
-            <a:r>
-              <a:rPr lang="zh-CN" altLang="en-US" sz="1600" dirty="0" smtClean="0"/>
-              <a:t>示例</a:t>
-            </a:r>
-            <a:r>
-              <a:rPr lang="zh-CN" altLang="en-US" sz="1600" dirty="0"/>
-              <a:t>：封装成方法的思想（需求：在兼容时代，我们会常常需要检测能力，不妨作为一个统一接口）</a:t>
-            </a:r>
-          </a:p>
-        </p:txBody>
-      </p:sp>
-    </p:spTree>
-    <p:extLst>
-      <p:ext uri="{BB962C8B-B14F-4D97-AF65-F5344CB8AC3E}">
-        <p14:creationId xmlns:p14="http://schemas.microsoft.com/office/powerpoint/2010/main" val="162976284"/>
-      </p:ext>
-    </p:extLst>
-  </p:cSld>
-  <p:clrMapOvr>
-    <a:masterClrMapping/>
-  </p:clrMapOvr>
-  <p:timing>
-    <p:tnLst>
-      <p:par>
-        <p:cTn id="1" dur="indefinite" restart="never" nodeType="tmRoot"/>
-      </p:par>
-    </p:tnLst>
-  </p:timing>
-</p:sld>
-</file>
-
-<file path=ppt/slides/slide24.xml><?xml version="1.0" encoding="utf-8"?>
-<p:sld xmlns:a="http://schemas.openxmlformats.org/drawingml/2006/main" xmlns:r="http://schemas.openxmlformats.org/officeDocument/2006/relationships" xmlns:p="http://schemas.openxmlformats.org/presentationml/2006/main">
-  <p:cSld>
-    <p:spTree>
-      <p:nvGrpSpPr>
-        <p:cNvPr id="1" name=""/>
-        <p:cNvGrpSpPr/>
-        <p:nvPr/>
-      </p:nvGrpSpPr>
-      <p:grpSpPr>
-        <a:xfrm>
-          <a:off x="0" y="0"/>
-          <a:ext cx="0" cy="0"/>
-          <a:chOff x="0" y="0"/>
-          <a:chExt cx="0" cy="0"/>
-        </a:xfrm>
-      </p:grpSpPr>
-      <p:sp>
-        <p:nvSpPr>
-          <p:cNvPr id="2" name="标题 1"/>
-          <p:cNvSpPr>
-            <a:spLocks noGrp="1"/>
-          </p:cNvSpPr>
-          <p:nvPr>
-            <p:ph type="title"/>
-          </p:nvPr>
-        </p:nvSpPr>
-        <p:spPr/>
-        <p:txBody>
-          <a:bodyPr>
-            <a:normAutofit/>
-          </a:bodyPr>
-          <a:lstStyle/>
-          <a:p>
-            <a:r>
-              <a:rPr lang="zh-CN" altLang="en-US" sz="2400" b="0" dirty="0"/>
-              <a:t>迭代器模式</a:t>
-            </a:r>
-          </a:p>
-        </p:txBody>
-      </p:sp>
-      <p:sp>
-        <p:nvSpPr>
-          <p:cNvPr id="3" name="文本占位符 2"/>
-          <p:cNvSpPr>
-            <a:spLocks noGrp="1"/>
-          </p:cNvSpPr>
-          <p:nvPr>
-            <p:ph type="body" sz="quarter" idx="11"/>
-          </p:nvPr>
-        </p:nvSpPr>
-        <p:spPr/>
-        <p:txBody>
-          <a:bodyPr>
-            <a:normAutofit/>
-          </a:bodyPr>
-          <a:lstStyle/>
-          <a:p>
-            <a:r>
-              <a:rPr lang="zh-CN" altLang="en-US" sz="1600" dirty="0" smtClean="0"/>
-              <a:t>目的</a:t>
-            </a:r>
-            <a:r>
-              <a:rPr lang="zh-CN" altLang="en-US" sz="1600" dirty="0"/>
-              <a:t>：不访问内部的情况下，方便的遍历数据    </a:t>
-            </a:r>
-            <a:endParaRPr lang="en-US" altLang="zh-CN" sz="1600" dirty="0" smtClean="0"/>
-          </a:p>
-          <a:p>
-            <a:r>
-              <a:rPr lang="zh-CN" altLang="en-US" sz="1600" dirty="0" smtClean="0"/>
-              <a:t>应用</a:t>
-            </a:r>
-            <a:r>
-              <a:rPr lang="zh-CN" altLang="en-US" sz="1600" dirty="0"/>
-              <a:t>场景：当我们要对某个对象进行操作，但是又不能暴露内部    </a:t>
-            </a:r>
-            <a:endParaRPr lang="en-US" altLang="zh-CN" sz="1600" dirty="0"/>
-          </a:p>
-          <a:p>
-            <a:r>
-              <a:rPr lang="zh-CN" altLang="en-US" sz="1600" dirty="0" smtClean="0"/>
-              <a:t>基本</a:t>
-            </a:r>
-            <a:r>
-              <a:rPr lang="zh-CN" altLang="en-US" sz="1600" dirty="0"/>
-              <a:t>结构：在不暴露对象内部结构的同时，可以顺序的访问对象内部的，可以帮助我们简化循环，简化数据</a:t>
-            </a:r>
-            <a:r>
-              <a:rPr lang="zh-CN" altLang="en-US" sz="1600" dirty="0" smtClean="0"/>
-              <a:t>操作</a:t>
-            </a:r>
-            <a:endParaRPr lang="en-US" altLang="zh-CN" sz="1600" dirty="0" smtClean="0"/>
-          </a:p>
-          <a:p>
-            <a:r>
-              <a:rPr lang="zh-CN" altLang="en-US" sz="1600" dirty="0" smtClean="0"/>
-              <a:t>示例</a:t>
-            </a:r>
-            <a:r>
-              <a:rPr lang="zh-CN" altLang="en-US" sz="1600" dirty="0"/>
-              <a:t>：典型的</a:t>
-            </a:r>
-            <a:r>
-              <a:rPr lang="en-US" altLang="zh-CN" sz="1600" dirty="0" err="1"/>
-              <a:t>forEach</a:t>
-            </a:r>
-            <a:r>
-              <a:rPr lang="zh-CN" altLang="en-US" sz="1600" dirty="0"/>
-              <a:t>就是迭代器（构建一个自己的</a:t>
-            </a:r>
-            <a:r>
-              <a:rPr lang="en-US" altLang="zh-CN" sz="1600" dirty="0" err="1"/>
-              <a:t>forEach</a:t>
-            </a:r>
-            <a:r>
-              <a:rPr lang="en-US" altLang="zh-CN" sz="1600" dirty="0"/>
-              <a:t>,</a:t>
-            </a:r>
-            <a:r>
-              <a:rPr lang="zh-CN" altLang="en-US" sz="1600" dirty="0"/>
-              <a:t>循环数组和对象</a:t>
-            </a:r>
-            <a:r>
-              <a:rPr lang="zh-CN" altLang="en-US" sz="1600" dirty="0" smtClean="0"/>
-              <a:t>）</a:t>
-            </a:r>
-            <a:endParaRPr lang="en-US" altLang="zh-CN" sz="1600" dirty="0" smtClean="0"/>
-          </a:p>
-          <a:p>
-            <a:r>
-              <a:rPr lang="zh-CN" altLang="en-US" sz="1600" dirty="0" smtClean="0"/>
-              <a:t>示例</a:t>
-            </a:r>
-            <a:r>
-              <a:rPr lang="zh-CN" altLang="en-US" sz="1600" dirty="0"/>
-              <a:t>：给你的项目数据添加迭代器（需求：项目会经常对于后端数据进行遍历操作，不如封装一个迭代器，遍历的更方便）</a:t>
-            </a:r>
-          </a:p>
-        </p:txBody>
-      </p:sp>
-    </p:spTree>
-    <p:extLst>
-      <p:ext uri="{BB962C8B-B14F-4D97-AF65-F5344CB8AC3E}">
-        <p14:creationId xmlns:p14="http://schemas.microsoft.com/office/powerpoint/2010/main" val="1308702287"/>
-      </p:ext>
-    </p:extLst>
-  </p:cSld>
-  <p:clrMapOvr>
-    <a:masterClrMapping/>
-  </p:clrMapOvr>
-  <p:timing>
-    <p:tnLst>
-      <p:par>
-        <p:cTn id="1" dur="indefinite" restart="never" nodeType="tmRoot"/>
-      </p:par>
-    </p:tnLst>
-  </p:timing>
-</p:sld>
-</file>
-
-<file path=ppt/slides/slide25.xml><?xml version="1.0" encoding="utf-8"?>
-<p:sld xmlns:a="http://schemas.openxmlformats.org/drawingml/2006/main" xmlns:r="http://schemas.openxmlformats.org/officeDocument/2006/relationships" xmlns:p="http://schemas.openxmlformats.org/presentationml/2006/main">
-  <p:cSld>
-    <p:spTree>
-      <p:nvGrpSpPr>
-        <p:cNvPr id="1" name=""/>
-        <p:cNvGrpSpPr/>
-        <p:nvPr/>
-      </p:nvGrpSpPr>
-      <p:grpSpPr>
-        <a:xfrm>
-          <a:off x="0" y="0"/>
-          <a:ext cx="0" cy="0"/>
-          <a:chOff x="0" y="0"/>
-          <a:chExt cx="0" cy="0"/>
-        </a:xfrm>
-      </p:grpSpPr>
-      <p:sp>
-        <p:nvSpPr>
-          <p:cNvPr id="2" name="标题 1"/>
-          <p:cNvSpPr>
-            <a:spLocks noGrp="1"/>
-          </p:cNvSpPr>
-          <p:nvPr>
-            <p:ph type="title"/>
-          </p:nvPr>
-        </p:nvSpPr>
-        <p:spPr/>
-        <p:txBody>
-          <a:bodyPr>
-            <a:normAutofit/>
-          </a:bodyPr>
-          <a:lstStyle/>
-          <a:p>
-            <a:r>
-              <a:rPr lang="zh-CN" altLang="en-US" sz="2400" b="0" dirty="0"/>
-              <a:t>备忘录模式</a:t>
-            </a:r>
-          </a:p>
-        </p:txBody>
-      </p:sp>
-      <p:sp>
-        <p:nvSpPr>
-          <p:cNvPr id="3" name="文本占位符 2"/>
-          <p:cNvSpPr>
-            <a:spLocks noGrp="1"/>
-          </p:cNvSpPr>
-          <p:nvPr>
-            <p:ph type="body" sz="quarter" idx="11"/>
-          </p:nvPr>
-        </p:nvSpPr>
-        <p:spPr/>
-        <p:txBody>
-          <a:bodyPr>
-            <a:normAutofit/>
-          </a:bodyPr>
-          <a:lstStyle/>
-          <a:p>
-            <a:r>
-              <a:rPr lang="zh-CN" altLang="en-US" sz="1600" dirty="0" smtClean="0"/>
-              <a:t>目的</a:t>
-            </a:r>
-            <a:r>
-              <a:rPr lang="zh-CN" altLang="en-US" sz="1600" dirty="0"/>
-              <a:t>：记录状态，方便回滚    </a:t>
-            </a:r>
-            <a:endParaRPr lang="en-US" altLang="zh-CN" sz="1600" dirty="0"/>
-          </a:p>
-          <a:p>
-            <a:r>
-              <a:rPr lang="zh-CN" altLang="en-US" sz="1600" dirty="0" smtClean="0"/>
-              <a:t>应用</a:t>
-            </a:r>
-            <a:r>
-              <a:rPr lang="zh-CN" altLang="en-US" sz="1600" dirty="0"/>
-              <a:t>场景：系统状态多样，为了保证状态的回滚方便，记录状态    </a:t>
-            </a:r>
-            <a:endParaRPr lang="en-US" altLang="zh-CN" sz="1600" dirty="0"/>
-          </a:p>
-          <a:p>
-            <a:r>
-              <a:rPr lang="zh-CN" altLang="en-US" sz="1600" dirty="0" smtClean="0"/>
-              <a:t>基本</a:t>
-            </a:r>
-            <a:r>
-              <a:rPr lang="zh-CN" altLang="en-US" sz="1600" dirty="0"/>
-              <a:t>结构：记录对象内部的状态，当有需要时回滚到之前的状态或者方便对象</a:t>
-            </a:r>
-            <a:r>
-              <a:rPr lang="zh-CN" altLang="en-US" sz="1600" dirty="0" smtClean="0"/>
-              <a:t>使用</a:t>
-            </a:r>
-            <a:endParaRPr lang="en-US" altLang="zh-CN" sz="1600" dirty="0" smtClean="0"/>
-          </a:p>
-          <a:p>
-            <a:r>
-              <a:rPr lang="zh-CN" altLang="en-US" sz="1600" dirty="0" smtClean="0"/>
-              <a:t>示例</a:t>
-            </a:r>
-            <a:r>
-              <a:rPr lang="zh-CN" altLang="en-US" sz="1600" dirty="0"/>
-              <a:t>：文章页缓存（需求：项目有一个文章页需求，现在进行优化，如果上一篇已经读取过了，则不进行请求，否则请求文章数据</a:t>
-            </a:r>
-            <a:r>
-              <a:rPr lang="zh-CN" altLang="en-US" sz="1600" dirty="0" smtClean="0"/>
-              <a:t>）</a:t>
-            </a:r>
-            <a:endParaRPr lang="en-US" altLang="zh-CN" sz="1600" dirty="0" smtClean="0"/>
-          </a:p>
-          <a:p>
-            <a:r>
-              <a:rPr lang="zh-CN" altLang="en-US" sz="1600" dirty="0" smtClean="0"/>
-              <a:t>示例</a:t>
-            </a:r>
-            <a:r>
-              <a:rPr lang="zh-CN" altLang="en-US" sz="1600" dirty="0"/>
-              <a:t>：前进后退功能（需求：开发一个可移动的</a:t>
-            </a:r>
-            <a:r>
-              <a:rPr lang="en-US" altLang="zh-CN" sz="1600" dirty="0"/>
-              <a:t>div,</a:t>
-            </a:r>
-            <a:r>
-              <a:rPr lang="zh-CN" altLang="en-US" sz="1600" dirty="0"/>
-              <a:t>拥有前进后退功能回滚到之前的位置）</a:t>
-            </a:r>
-          </a:p>
-        </p:txBody>
-      </p:sp>
-    </p:spTree>
-    <p:extLst>
-      <p:ext uri="{BB962C8B-B14F-4D97-AF65-F5344CB8AC3E}">
-        <p14:creationId xmlns:p14="http://schemas.microsoft.com/office/powerpoint/2010/main" val="3259251752"/>
-      </p:ext>
-    </p:extLst>
-  </p:cSld>
-  <p:clrMapOvr>
-    <a:masterClrMapping/>
-  </p:clrMapOvr>
-  <p:timing>
-    <p:tnLst>
-      <p:par>
-        <p:cTn id="1" dur="indefinite" restart="never" nodeType="tmRoot"/>
-      </p:par>
-    </p:tnLst>
-  </p:timing>
-</p:sld>
-</file>
-
-<file path=ppt/slides/slide26.xml><?xml version="1.0" encoding="utf-8"?>
-<p:sld xmlns:a="http://schemas.openxmlformats.org/drawingml/2006/main" xmlns:r="http://schemas.openxmlformats.org/officeDocument/2006/relationships" xmlns:p="http://schemas.openxmlformats.org/presentationml/2006/main">
-  <p:cSld>
-    <p:spTree>
-      <p:nvGrpSpPr>
-        <p:cNvPr id="1" name=""/>
-        <p:cNvGrpSpPr/>
-        <p:nvPr/>
-      </p:nvGrpSpPr>
-      <p:grpSpPr>
-        <a:xfrm>
-          <a:off x="0" y="0"/>
-          <a:ext cx="0" cy="0"/>
-          <a:chOff x="0" y="0"/>
-          <a:chExt cx="0" cy="0"/>
-        </a:xfrm>
-      </p:grpSpPr>
-      <p:sp>
-        <p:nvSpPr>
-          <p:cNvPr id="2" name="标题 1"/>
-          <p:cNvSpPr>
-            <a:spLocks noGrp="1"/>
-          </p:cNvSpPr>
-          <p:nvPr>
-            <p:ph type="title"/>
-          </p:nvPr>
-        </p:nvSpPr>
-        <p:spPr/>
-        <p:txBody>
-          <a:bodyPr>
-            <a:normAutofit/>
-          </a:bodyPr>
-          <a:lstStyle/>
-          <a:p>
-            <a:r>
-              <a:rPr lang="zh-CN" altLang="en-US" sz="2400" b="0" dirty="0"/>
               <a:t>技巧型</a:t>
             </a:r>
           </a:p>
@@ -10385,7 +10175,7 @@
 </p:sld>
 </file>
 
-<file path=ppt/slides/slide27.xml><?xml version="1.0" encoding="utf-8"?>
+<file path=ppt/slides/slide24.xml><?xml version="1.0" encoding="utf-8"?>
 <p:sld xmlns:a="http://schemas.openxmlformats.org/drawingml/2006/main" xmlns:r="http://schemas.openxmlformats.org/officeDocument/2006/relationships" xmlns:p="http://schemas.openxmlformats.org/presentationml/2006/main">
   <p:cSld>
     <p:spTree>
@@ -10625,21 +10415,15 @@
         </p:nvSpPr>
         <p:spPr/>
         <p:txBody>
-          <a:bodyPr/>
+          <a:bodyPr>
+            <a:normAutofit/>
+          </a:bodyPr>
           <a:lstStyle/>
           <a:p>
             <a:r>
               <a:rPr lang="zh-CN" altLang="en-US" sz="2400" b="0" dirty="0"/>
-              <a:t>设计原则</a:t>
-            </a:r>
-            <a:r>
-              <a:rPr lang="zh-CN" altLang="en-US" dirty="0"/>
-              <a:t/>
-            </a:r>
-            <a:br>
-              <a:rPr lang="zh-CN" altLang="en-US" dirty="0"/>
-            </a:br>
-            <a:endParaRPr lang="zh-CN" altLang="en-US" dirty="0"/>
+              <a:t>提高可扩展性的目的</a:t>
+            </a:r>
           </a:p>
         </p:txBody>
       </p:sp>
@@ -10666,11 +10450,11 @@
             </a:r>
             <a:r>
               <a:rPr lang="zh-CN" altLang="en-US" sz="1600" dirty="0"/>
-              <a:t>开闭</a:t>
+              <a:t>面对需求变更，方便需求更改</a:t>
             </a:r>
             <a:r>
               <a:rPr lang="zh-CN" altLang="en-US" sz="1600" dirty="0" smtClean="0"/>
-              <a:t>原则</a:t>
+              <a:t>；</a:t>
             </a:r>
             <a:endParaRPr lang="en-US" altLang="zh-CN" sz="1600" dirty="0" smtClean="0"/>
           </a:p>
@@ -10685,83 +10469,7 @@
             </a:r>
             <a:r>
               <a:rPr lang="zh-CN" altLang="en-US" sz="1600" dirty="0"/>
-              <a:t>单一职责</a:t>
-            </a:r>
-            <a:r>
-              <a:rPr lang="zh-CN" altLang="en-US" sz="1600" dirty="0" smtClean="0"/>
-              <a:t>原则</a:t>
-            </a:r>
-            <a:endParaRPr lang="en-US" altLang="zh-CN" sz="1600" dirty="0" smtClean="0"/>
-          </a:p>
-          <a:p>
-            <a:r>
-              <a:rPr lang="en-US" altLang="zh-CN" sz="1600" dirty="0" smtClean="0"/>
-              <a:t>3</a:t>
-            </a:r>
-            <a:r>
-              <a:rPr lang="en-US" altLang="zh-CN" sz="1600" dirty="0"/>
-              <a:t>. </a:t>
-            </a:r>
-            <a:r>
-              <a:rPr lang="zh-CN" altLang="en-US" sz="1600" dirty="0"/>
-              <a:t>依赖倒置</a:t>
-            </a:r>
-            <a:r>
-              <a:rPr lang="zh-CN" altLang="en-US" sz="1600" dirty="0" smtClean="0"/>
-              <a:t>原则</a:t>
-            </a:r>
-            <a:endParaRPr lang="en-US" altLang="zh-CN" sz="1600" dirty="0" smtClean="0"/>
-          </a:p>
-          <a:p>
-            <a:r>
-              <a:rPr lang="en-US" altLang="zh-CN" sz="1600" dirty="0" smtClean="0"/>
-              <a:t>4</a:t>
-            </a:r>
-            <a:r>
-              <a:rPr lang="en-US" altLang="zh-CN" sz="1600" dirty="0"/>
-              <a:t>. </a:t>
-            </a:r>
-            <a:r>
-              <a:rPr lang="zh-CN" altLang="en-US" sz="1600" dirty="0"/>
-              <a:t>接口隔离</a:t>
-            </a:r>
-            <a:r>
-              <a:rPr lang="zh-CN" altLang="en-US" sz="1600" dirty="0" smtClean="0"/>
-              <a:t>原则</a:t>
-            </a:r>
-            <a:endParaRPr lang="en-US" altLang="zh-CN" sz="1600" dirty="0" smtClean="0"/>
-          </a:p>
-          <a:p>
-            <a:r>
-              <a:rPr lang="en-US" altLang="zh-CN" sz="1600" dirty="0" smtClean="0"/>
-              <a:t>5</a:t>
-            </a:r>
-            <a:r>
-              <a:rPr lang="en-US" altLang="zh-CN" sz="1600" dirty="0"/>
-              <a:t>. </a:t>
-            </a:r>
-            <a:r>
-              <a:rPr lang="zh-CN" altLang="en-US" sz="1600" dirty="0"/>
-              <a:t>迪米特</a:t>
-            </a:r>
-            <a:r>
-              <a:rPr lang="zh-CN" altLang="en-US" sz="1600" dirty="0" smtClean="0"/>
-              <a:t>法则</a:t>
-            </a:r>
-            <a:endParaRPr lang="en-US" altLang="zh-CN" sz="1600" dirty="0" smtClean="0"/>
-          </a:p>
-          <a:p>
-            <a:r>
-              <a:rPr lang="en-US" altLang="zh-CN" sz="1600" dirty="0" smtClean="0"/>
-              <a:t>6</a:t>
-            </a:r>
-            <a:r>
-              <a:rPr lang="en-US" altLang="zh-CN" sz="1600" dirty="0"/>
-              <a:t>. </a:t>
-            </a:r>
-            <a:r>
-              <a:rPr lang="zh-CN" altLang="en-US" sz="1600" dirty="0"/>
-              <a:t>里氏替换原则</a:t>
+              <a:t>减少代码修改的难度；</a:t>
             </a:r>
           </a:p>
         </p:txBody>
@@ -10769,7 +10477,7 @@
     </p:spTree>
     <p:extLst>
       <p:ext uri="{BB962C8B-B14F-4D97-AF65-F5344CB8AC3E}">
-        <p14:creationId xmlns:p14="http://schemas.microsoft.com/office/powerpoint/2010/main" val="2519593610"/>
+        <p14:creationId xmlns:p14="http://schemas.microsoft.com/office/powerpoint/2010/main" val="324889481"/>
       </p:ext>
     </p:extLst>
   </p:cSld>
@@ -10815,21 +10523,15 @@
         </p:nvSpPr>
         <p:spPr/>
         <p:txBody>
-          <a:bodyPr/>
+          <a:bodyPr>
+            <a:normAutofit/>
+          </a:bodyPr>
           <a:lstStyle/>
           <a:p>
             <a:r>
               <a:rPr lang="zh-CN" altLang="en-US" sz="2400" b="0" dirty="0"/>
-              <a:t>设会模式分类</a:t>
-            </a:r>
-            <a:r>
-              <a:rPr lang="zh-CN" altLang="en-US" dirty="0"/>
-              <a:t/>
-            </a:r>
-            <a:br>
-              <a:rPr lang="zh-CN" altLang="en-US" dirty="0"/>
-            </a:br>
-            <a:endParaRPr lang="zh-CN" altLang="en-US" dirty="0"/>
+              <a:t>什么是好的可扩展性</a:t>
+            </a:r>
           </a:p>
         </p:txBody>
       </p:sp>
@@ -10856,11 +10558,11 @@
             </a:r>
             <a:r>
               <a:rPr lang="zh-CN" altLang="en-US" sz="1600" dirty="0"/>
-              <a:t>创建</a:t>
+              <a:t>需求的变更，不需要重写</a:t>
             </a:r>
             <a:r>
               <a:rPr lang="zh-CN" altLang="en-US" sz="1600" dirty="0" smtClean="0"/>
-              <a:t>型</a:t>
+              <a:t>；</a:t>
             </a:r>
             <a:endParaRPr lang="en-US" altLang="zh-CN" sz="1600" dirty="0" smtClean="0"/>
           </a:p>
@@ -10874,8 +10576,12 @@
               <a:t>. </a:t>
             </a:r>
             <a:r>
+              <a:rPr lang="zh-CN" altLang="en-US" sz="1600" dirty="0"/>
+              <a:t>代码修改不会引起大规模变动</a:t>
+            </a:r>
+            <a:r>
               <a:rPr lang="zh-CN" altLang="en-US" sz="1600" dirty="0" smtClean="0"/>
-              <a:t>结构型</a:t>
+              <a:t>；</a:t>
             </a:r>
             <a:endParaRPr lang="en-US" altLang="zh-CN" sz="1600" dirty="0" smtClean="0"/>
           </a:p>
@@ -10890,26 +10596,7 @@
             </a:r>
             <a:r>
               <a:rPr lang="zh-CN" altLang="en-US" sz="1600" dirty="0"/>
-              <a:t>行为</a:t>
-            </a:r>
-            <a:r>
-              <a:rPr lang="zh-CN" altLang="en-US" sz="1600" dirty="0" smtClean="0"/>
-              <a:t>型</a:t>
-            </a:r>
-            <a:endParaRPr lang="en-US" altLang="zh-CN" sz="1600" dirty="0" smtClean="0"/>
-          </a:p>
-          <a:p>
-            <a:r>
-              <a:rPr lang="en-US" altLang="zh-CN" sz="1600" dirty="0" smtClean="0"/>
-              <a:t>4</a:t>
-            </a:r>
-            <a:r>
-              <a:rPr lang="en-US" altLang="zh-CN" sz="1600" dirty="0"/>
-              <a:t>. </a:t>
-            </a:r>
-            <a:r>
-              <a:rPr lang="zh-CN" altLang="en-US" sz="1600" dirty="0"/>
-              <a:t>技巧型</a:t>
+              <a:t>方便加入新模块；</a:t>
             </a:r>
           </a:p>
         </p:txBody>
@@ -10917,7 +10604,7 @@
     </p:spTree>
     <p:extLst>
       <p:ext uri="{BB962C8B-B14F-4D97-AF65-F5344CB8AC3E}">
-        <p14:creationId xmlns:p14="http://schemas.microsoft.com/office/powerpoint/2010/main" val="2519593610"/>
+        <p14:creationId xmlns:p14="http://schemas.microsoft.com/office/powerpoint/2010/main" val="4042562617"/>
       </p:ext>
     </p:extLst>
   </p:cSld>
@@ -10968,7 +10655,7 @@
           <a:p>
             <a:r>
               <a:rPr lang="zh-CN" altLang="en-US" sz="2400" b="0" dirty="0"/>
-              <a:t>创建型</a:t>
+              <a:t>封装目的</a:t>
             </a:r>
             <a:r>
               <a:rPr lang="zh-CN" altLang="en-US" dirty="0"/>
@@ -11004,19 +10691,11 @@
             </a:r>
             <a:r>
               <a:rPr lang="zh-CN" altLang="en-US" sz="1600" dirty="0"/>
-              <a:t>工厂模式 </a:t>
-            </a:r>
-            <a:r>
-              <a:rPr lang="en-US" altLang="zh-CN" sz="1600" dirty="0"/>
-              <a:t>-- </a:t>
-            </a:r>
-            <a:r>
-              <a:rPr lang="zh-CN" altLang="en-US" sz="1600" dirty="0"/>
-              <a:t>大量创建</a:t>
+              <a:t>定义变量不会污染外部</a:t>
             </a:r>
             <a:r>
               <a:rPr lang="zh-CN" altLang="en-US" sz="1600" dirty="0" smtClean="0"/>
-              <a:t>对象</a:t>
+              <a:t>；</a:t>
             </a:r>
             <a:endParaRPr lang="en-US" altLang="zh-CN" sz="1600" dirty="0" smtClean="0"/>
           </a:p>
@@ -11031,19 +10710,11 @@
             </a:r>
             <a:r>
               <a:rPr lang="zh-CN" altLang="en-US" sz="1600" dirty="0"/>
-              <a:t>单例模式 </a:t>
-            </a:r>
-            <a:r>
-              <a:rPr lang="en-US" altLang="zh-CN" sz="1600" dirty="0"/>
-              <a:t>-- </a:t>
-            </a:r>
-            <a:r>
-              <a:rPr lang="zh-CN" altLang="en-US" sz="1600" dirty="0"/>
-              <a:t>全局只能有我一</a:t>
+              <a:t>能够作为一个模块调用</a:t>
             </a:r>
             <a:r>
               <a:rPr lang="zh-CN" altLang="en-US" sz="1600" dirty="0" smtClean="0"/>
-              <a:t>个</a:t>
+              <a:t>；</a:t>
             </a:r>
             <a:endParaRPr lang="en-US" altLang="zh-CN" sz="1600" dirty="0" smtClean="0"/>
           </a:p>
@@ -11058,46 +10729,7 @@
             </a:r>
             <a:r>
               <a:rPr lang="zh-CN" altLang="en-US" sz="1600" dirty="0"/>
-              <a:t>建造者模式 </a:t>
-            </a:r>
-            <a:r>
-              <a:rPr lang="en-US" altLang="zh-CN" sz="1600" dirty="0"/>
-              <a:t>-- </a:t>
-            </a:r>
-            <a:r>
-              <a:rPr lang="zh-CN" altLang="en-US" sz="1600" dirty="0"/>
-              <a:t>精细化组合</a:t>
-            </a:r>
-            <a:r>
-              <a:rPr lang="zh-CN" altLang="en-US" sz="1600" dirty="0" smtClean="0"/>
-              <a:t>对象</a:t>
-            </a:r>
-            <a:endParaRPr lang="en-US" altLang="zh-CN" sz="1600" dirty="0" smtClean="0"/>
-          </a:p>
-          <a:p>
-            <a:r>
-              <a:rPr lang="en-US" altLang="zh-CN" sz="1600" dirty="0" smtClean="0"/>
-              <a:t>4</a:t>
-            </a:r>
-            <a:r>
-              <a:rPr lang="en-US" altLang="zh-CN" sz="1600" dirty="0"/>
-              <a:t>. </a:t>
-            </a:r>
-            <a:r>
-              <a:rPr lang="zh-CN" altLang="en-US" sz="1600" dirty="0"/>
-              <a:t>原型模式 </a:t>
-            </a:r>
-            <a:r>
-              <a:rPr lang="en-US" altLang="zh-CN" sz="1600" dirty="0"/>
-              <a:t>-- </a:t>
-            </a:r>
-            <a:r>
-              <a:rPr lang="en-US" altLang="zh-CN" sz="1600" dirty="0" err="1"/>
-              <a:t>Javascript</a:t>
-            </a:r>
-            <a:r>
-              <a:rPr lang="zh-CN" altLang="en-US" sz="1600" dirty="0"/>
-              <a:t>的灵魂</a:t>
+              <a:t>遵循开闭原则；</a:t>
             </a:r>
           </a:p>
         </p:txBody>
@@ -11156,7 +10788,7 @@
           <a:p>
             <a:r>
               <a:rPr lang="zh-CN" altLang="en-US" sz="2400" b="0" dirty="0"/>
-              <a:t>封装目的</a:t>
+              <a:t>什么是好的封装</a:t>
             </a:r>
             <a:r>
               <a:rPr lang="zh-CN" altLang="en-US" dirty="0"/>
@@ -11192,7 +10824,7 @@
             </a:r>
             <a:r>
               <a:rPr lang="zh-CN" altLang="en-US" sz="1600" dirty="0"/>
-              <a:t>定义变量不会污染外部</a:t>
+              <a:t>变量外部不可见</a:t>
             </a:r>
             <a:r>
               <a:rPr lang="zh-CN" altLang="en-US" sz="1600" dirty="0" smtClean="0"/>
@@ -11211,7 +10843,7 @@
             </a:r>
             <a:r>
               <a:rPr lang="zh-CN" altLang="en-US" sz="1600" dirty="0"/>
-              <a:t>能够作为一个模块调用</a:t>
+              <a:t>调用接口使用</a:t>
             </a:r>
             <a:r>
               <a:rPr lang="zh-CN" altLang="en-US" sz="1600" dirty="0" smtClean="0"/>
@@ -11230,7 +10862,7 @@
             </a:r>
             <a:r>
               <a:rPr lang="zh-CN" altLang="en-US" sz="1600" dirty="0"/>
-              <a:t>遵循开闭原则；</a:t>
+              <a:t>留出扩展接口；</a:t>
             </a:r>
           </a:p>
         </p:txBody>
@@ -11288,8 +10920,16 @@
           <a:lstStyle/>
           <a:p>
             <a:r>
+              <a:rPr lang="en-US" altLang="zh-CN" sz="2400" b="0" dirty="0" smtClean="0"/>
+              <a:t>SOLID</a:t>
+            </a:r>
+            <a:r>
+              <a:rPr lang="zh-CN" altLang="en-US" sz="2400" b="0" dirty="0" smtClean="0"/>
+              <a:t>设计</a:t>
+            </a:r>
+            <a:r>
               <a:rPr lang="zh-CN" altLang="en-US" sz="2400" b="0" dirty="0"/>
-              <a:t>什么是好的封装</a:t>
+              <a:t>原则</a:t>
             </a:r>
             <a:r>
               <a:rPr lang="zh-CN" altLang="en-US" dirty="0"/>
@@ -11321,22 +10961,52 @@
           <a:p>
             <a:r>
               <a:rPr lang="en-US" altLang="zh-CN" sz="1600" dirty="0"/>
-              <a:t>1. </a:t>
-            </a:r>
-            <a:r>
-              <a:rPr lang="zh-CN" altLang="en-US" sz="1600" dirty="0"/>
-              <a:t>变量外部不可见</a:t>
+              <a:t>1</a:t>
+            </a:r>
+            <a:r>
+              <a:rPr lang="en-US" altLang="zh-CN" sz="1600" dirty="0" smtClean="0"/>
+              <a:t>. </a:t>
             </a:r>
             <a:r>
               <a:rPr lang="zh-CN" altLang="en-US" sz="1600" dirty="0" smtClean="0"/>
-              <a:t>；</a:t>
+              <a:t>单一</a:t>
+            </a:r>
+            <a:r>
+              <a:rPr lang="zh-CN" altLang="en-US" sz="1600" dirty="0"/>
+              <a:t>职责原则 </a:t>
+            </a:r>
+            <a:endParaRPr lang="en-US" altLang="zh-CN" sz="1600" dirty="0"/>
+          </a:p>
+          <a:p>
+            <a:r>
+              <a:rPr lang="en-US" altLang="zh-CN" sz="1600" dirty="0" smtClean="0"/>
+              <a:t>2. </a:t>
+            </a:r>
+            <a:r>
+              <a:rPr lang="zh-CN" altLang="en-US" sz="1600" dirty="0" smtClean="0"/>
+              <a:t>开闭原则 </a:t>
             </a:r>
             <a:endParaRPr lang="en-US" altLang="zh-CN" sz="1600" dirty="0" smtClean="0"/>
           </a:p>
           <a:p>
             <a:r>
               <a:rPr lang="en-US" altLang="zh-CN" sz="1600" dirty="0" smtClean="0"/>
-              <a:t>2</a:t>
+              <a:t>3. </a:t>
+            </a:r>
+            <a:r>
+              <a:rPr lang="zh-CN" altLang="en-US" sz="1600" dirty="0" smtClean="0"/>
+              <a:t>里</a:t>
+            </a:r>
+            <a:r>
+              <a:rPr lang="zh-CN" altLang="en-US" sz="1600" dirty="0"/>
+              <a:t>氏替换原则 </a:t>
+            </a:r>
+            <a:endParaRPr lang="en-US" altLang="zh-CN" sz="1600" dirty="0" smtClean="0"/>
+          </a:p>
+          <a:p>
+            <a:r>
+              <a:rPr lang="en-US" altLang="zh-CN" sz="1600" dirty="0" smtClean="0"/>
+              <a:t>4</a:t>
             </a:r>
             <a:r>
               <a:rPr lang="en-US" altLang="zh-CN" sz="1600" dirty="0"/>
@@ -11344,34 +11014,31 @@
             </a:r>
             <a:r>
               <a:rPr lang="zh-CN" altLang="en-US" sz="1600" dirty="0"/>
-              <a:t>调用接口使用</a:t>
+              <a:t>接口隔离</a:t>
             </a:r>
             <a:r>
               <a:rPr lang="zh-CN" altLang="en-US" sz="1600" dirty="0" smtClean="0"/>
-              <a:t>；</a:t>
+              <a:t>原则 </a:t>
             </a:r>
             <a:endParaRPr lang="en-US" altLang="zh-CN" sz="1600" dirty="0" smtClean="0"/>
           </a:p>
           <a:p>
             <a:r>
-              <a:rPr lang="en-US" altLang="zh-CN" sz="1600" dirty="0" smtClean="0"/>
-              <a:t>3</a:t>
-            </a:r>
-            <a:r>
               <a:rPr lang="en-US" altLang="zh-CN" sz="1600" dirty="0"/>
-              <a:t>. </a:t>
-            </a:r>
-            <a:r>
-              <a:rPr lang="zh-CN" altLang="en-US" sz="1600" dirty="0"/>
-              <a:t>留出扩展接口；</a:t>
-            </a:r>
+              <a:t>3. </a:t>
+            </a:r>
+            <a:r>
+              <a:rPr lang="zh-CN" altLang="en-US" sz="1600" dirty="0"/>
+              <a:t>依赖倒置原则 </a:t>
+            </a:r>
+            <a:endParaRPr lang="en-US" altLang="zh-CN" sz="1600" dirty="0"/>
           </a:p>
         </p:txBody>
       </p:sp>
     </p:spTree>
     <p:extLst>
       <p:ext uri="{BB962C8B-B14F-4D97-AF65-F5344CB8AC3E}">
-        <p14:creationId xmlns:p14="http://schemas.microsoft.com/office/powerpoint/2010/main" val="2339154929"/>
+        <p14:creationId xmlns:p14="http://schemas.microsoft.com/office/powerpoint/2010/main" val="2519593610"/>
       </p:ext>
     </p:extLst>
   </p:cSld>
@@ -11415,28 +11082,111 @@
             <p:ph type="title"/>
           </p:nvPr>
         </p:nvSpPr>
-        <p:spPr>
-          <a:xfrm>
-            <a:off x="609600" y="2414863"/>
-            <a:ext cx="10972800" cy="1143000"/>
-          </a:xfrm>
-        </p:spPr>
+        <p:spPr/>
         <p:txBody>
           <a:bodyPr/>
           <a:lstStyle/>
           <a:p>
             <a:r>
-              <a:rPr lang="zh-CN" altLang="en-US" b="0" dirty="0"/>
-              <a:t>创建对象时的设计模式</a:t>
-            </a:r>
+              <a:rPr lang="zh-CN" altLang="en-US" sz="2400" b="0" dirty="0"/>
+              <a:t>设会模式分类</a:t>
+            </a:r>
+            <a:r>
+              <a:rPr lang="zh-CN" altLang="en-US" dirty="0"/>
+              <a:t/>
+            </a:r>
+            <a:br>
+              <a:rPr lang="zh-CN" altLang="en-US" dirty="0"/>
+            </a:br>
             <a:endParaRPr lang="zh-CN" altLang="en-US" dirty="0"/>
+          </a:p>
+        </p:txBody>
+      </p:sp>
+      <p:sp>
+        <p:nvSpPr>
+          <p:cNvPr id="3" name="文本占位符 2"/>
+          <p:cNvSpPr>
+            <a:spLocks noGrp="1"/>
+          </p:cNvSpPr>
+          <p:nvPr>
+            <p:ph type="body" sz="quarter" idx="11"/>
+          </p:nvPr>
+        </p:nvSpPr>
+        <p:spPr/>
+        <p:txBody>
+          <a:bodyPr>
+            <a:normAutofit/>
+          </a:bodyPr>
+          <a:lstStyle/>
+          <a:p>
+            <a:r>
+              <a:rPr lang="en-US" altLang="zh-CN" sz="1600" dirty="0"/>
+              <a:t>1. </a:t>
+            </a:r>
+            <a:r>
+              <a:rPr lang="zh-CN" altLang="en-US" sz="1600" dirty="0"/>
+              <a:t>创建</a:t>
+            </a:r>
+            <a:r>
+              <a:rPr lang="zh-CN" altLang="en-US" sz="1600" dirty="0" smtClean="0"/>
+              <a:t>型</a:t>
+            </a:r>
+            <a:endParaRPr lang="en-US" altLang="zh-CN" sz="1600" dirty="0" smtClean="0"/>
+          </a:p>
+          <a:p>
+            <a:r>
+              <a:rPr lang="en-US" altLang="zh-CN" sz="1600" dirty="0" smtClean="0"/>
+              <a:t>2</a:t>
+            </a:r>
+            <a:r>
+              <a:rPr lang="en-US" altLang="zh-CN" sz="1600" dirty="0"/>
+              <a:t>. </a:t>
+            </a:r>
+            <a:r>
+              <a:rPr lang="zh-CN" altLang="en-US" sz="1600" dirty="0" smtClean="0"/>
+              <a:t>结构型</a:t>
+            </a:r>
+            <a:endParaRPr lang="en-US" altLang="zh-CN" sz="1600" dirty="0" smtClean="0"/>
+          </a:p>
+          <a:p>
+            <a:r>
+              <a:rPr lang="en-US" altLang="zh-CN" sz="1600" dirty="0" smtClean="0"/>
+              <a:t>3</a:t>
+            </a:r>
+            <a:r>
+              <a:rPr lang="en-US" altLang="zh-CN" sz="1600" dirty="0"/>
+              <a:t>. </a:t>
+            </a:r>
+            <a:r>
+              <a:rPr lang="zh-CN" altLang="en-US" sz="1600" dirty="0"/>
+              <a:t>行为</a:t>
+            </a:r>
+            <a:r>
+              <a:rPr lang="zh-CN" altLang="en-US" sz="1600" dirty="0" smtClean="0"/>
+              <a:t>型</a:t>
+            </a:r>
+            <a:endParaRPr lang="en-US" altLang="zh-CN" sz="1600" dirty="0" smtClean="0"/>
+          </a:p>
+          <a:p>
+            <a:r>
+              <a:rPr lang="en-US" altLang="zh-CN" sz="1600" dirty="0" smtClean="0"/>
+              <a:t>4</a:t>
+            </a:r>
+            <a:r>
+              <a:rPr lang="en-US" altLang="zh-CN" sz="1600" dirty="0"/>
+              <a:t>. </a:t>
+            </a:r>
+            <a:r>
+              <a:rPr lang="zh-CN" altLang="en-US" sz="1600" dirty="0"/>
+              <a:t>技巧型</a:t>
+            </a:r>
           </a:p>
         </p:txBody>
       </p:sp>
     </p:spTree>
     <p:extLst>
       <p:ext uri="{BB962C8B-B14F-4D97-AF65-F5344CB8AC3E}">
-        <p14:creationId xmlns:p14="http://schemas.microsoft.com/office/powerpoint/2010/main" val="191426482"/>
+        <p14:creationId xmlns:p14="http://schemas.microsoft.com/office/powerpoint/2010/main" val="2519593610"/>
       </p:ext>
     </p:extLst>
   </p:cSld>
@@ -11772,7 +11522,7 @@
   <a:extraClrSchemeLst/>
   <a:extLst>
     <a:ext uri="{05A4C25C-085E-4340-85A3-A5531E510DB2}">
-      <thm15:themeFamily xmlns:thm15="http://schemas.microsoft.com/office/thememl/2012/main" xmlns="" name="20171024金蝶集团幻灯片模版（终稿）.pptx" id="{1EAF7BB3-9139-4CA9-B9C3-EDD8633D62AA}" vid="{D3470B15-9C50-4FF3-AB54-112F42EC039C}"/>
+      <thm15:themeFamily xmlns="" xmlns:thm15="http://schemas.microsoft.com/office/thememl/2012/main" name="20171024金蝶集团幻灯片模版（终稿）.pptx" id="{1EAF7BB3-9139-4CA9-B9C3-EDD8633D62AA}" vid="{D3470B15-9C50-4FF3-AB54-112F42EC039C}"/>
     </a:ext>
   </a:extLst>
 </a:theme>

--- a/分享/设计模式/前端之设计模式.pptx
+++ b/分享/设计模式/前端之设计模式.pptx
@@ -7,11 +7,11 @@
   <p:sldIdLst>
     <p:sldId id="256" r:id="rId2"/>
     <p:sldId id="257" r:id="rId3"/>
-    <p:sldId id="262" r:id="rId4"/>
-    <p:sldId id="275" r:id="rId5"/>
-    <p:sldId id="276" r:id="rId6"/>
-    <p:sldId id="267" r:id="rId7"/>
-    <p:sldId id="268" r:id="rId8"/>
+    <p:sldId id="275" r:id="rId4"/>
+    <p:sldId id="267" r:id="rId5"/>
+    <p:sldId id="292" r:id="rId6"/>
+    <p:sldId id="293" r:id="rId7"/>
+    <p:sldId id="262" r:id="rId8"/>
     <p:sldId id="264" r:id="rId9"/>
     <p:sldId id="265" r:id="rId10"/>
     <p:sldId id="266" r:id="rId11"/>
@@ -19,16 +19,20 @@
     <p:sldId id="270" r:id="rId13"/>
     <p:sldId id="271" r:id="rId14"/>
     <p:sldId id="273" r:id="rId15"/>
-    <p:sldId id="277" r:id="rId16"/>
-    <p:sldId id="278" r:id="rId17"/>
-    <p:sldId id="281" r:id="rId18"/>
-    <p:sldId id="280" r:id="rId19"/>
-    <p:sldId id="283" r:id="rId20"/>
-    <p:sldId id="284" r:id="rId21"/>
+    <p:sldId id="284" r:id="rId16"/>
+    <p:sldId id="277" r:id="rId17"/>
+    <p:sldId id="278" r:id="rId18"/>
+    <p:sldId id="281" r:id="rId19"/>
+    <p:sldId id="280" r:id="rId20"/>
+    <p:sldId id="283" r:id="rId21"/>
     <p:sldId id="285" r:id="rId22"/>
     <p:sldId id="286" r:id="rId23"/>
     <p:sldId id="287" r:id="rId24"/>
-    <p:sldId id="261" r:id="rId25"/>
+    <p:sldId id="288" r:id="rId25"/>
+    <p:sldId id="289" r:id="rId26"/>
+    <p:sldId id="290" r:id="rId27"/>
+    <p:sldId id="291" r:id="rId28"/>
+    <p:sldId id="261" r:id="rId29"/>
   </p:sldIdLst>
   <p:sldSz cx="12192000" cy="6858000"/>
   <p:notesSz cx="6858000" cy="9144000"/>
@@ -129,7 +133,7 @@
   </p:defaultTextStyle>
   <p:extLst>
     <p:ext uri="{EFAFB233-063F-42B5-8137-9DF3F51BA10A}">
-      <p15:sldGuideLst xmlns="" xmlns:p15="http://schemas.microsoft.com/office/powerpoint/2012/main">
+      <p15:sldGuideLst xmlns:p15="http://schemas.microsoft.com/office/powerpoint/2012/main" xmlns="">
         <p15:guide id="1" orient="horz" pos="2160">
           <p15:clr>
             <a:srgbClr val="A4A3A4"/>
@@ -2055,7 +2059,7 @@
   </p:timing>
   <p:extLst mod="1">
     <p:ext uri="{DCECCB84-F9BA-43D5-87BE-67443E8EF086}">
-      <p15:sldGuideLst xmlns="" xmlns:p15="http://schemas.microsoft.com/office/powerpoint/2012/main">
+      <p15:sldGuideLst xmlns:p15="http://schemas.microsoft.com/office/powerpoint/2012/main" xmlns="">
         <p15:guide id="1" orient="horz" pos="690">
           <p15:clr>
             <a:srgbClr val="FBAE40"/>
@@ -7819,10 +7823,14 @@
             </a:r>
             <a:r>
               <a:rPr lang="zh-CN" altLang="en-US" sz="1600" dirty="0"/>
-              <a:t>，每一个</a:t>
-            </a:r>
-            <a:r>
-              <a:rPr lang="en-US" altLang="zh-CN" sz="1600" dirty="0" err="1"/>
+              <a:t>，每</a:t>
+            </a:r>
+            <a:r>
+              <a:rPr lang="zh-CN" altLang="en-US" sz="1600" dirty="0" smtClean="0"/>
+              <a:t>一个</a:t>
+            </a:r>
+            <a:r>
+              <a:rPr lang="en-US" altLang="zh-CN" sz="1600" dirty="0" err="1" smtClean="0"/>
               <a:t>dom</a:t>
             </a:r>
             <a:r>
@@ -7971,35 +7979,36 @@
           <a:p>
             <a:r>
               <a:rPr lang="zh-CN" altLang="en-US" sz="1600" dirty="0"/>
-              <a:t>示例：编写一个编辑器插件（需求：有一个编辑器插件，初始化的时候需要配置大量的参数，而且内部功能很多</a:t>
+              <a:t>示例</a:t>
             </a:r>
             <a:r>
               <a:rPr lang="zh-CN" altLang="en-US" sz="1600" dirty="0" smtClean="0"/>
-              <a:t>）</a:t>
+              <a:t>：轮播图</a:t>
             </a:r>
             <a:endParaRPr lang="en-US" altLang="zh-CN" sz="1600" dirty="0" smtClean="0"/>
           </a:p>
           <a:p>
             <a:r>
-              <a:rPr lang="zh-CN" altLang="en-US" sz="1600" dirty="0"/>
+              <a:rPr lang="zh-CN" altLang="en-US" sz="1600" dirty="0" smtClean="0"/>
               <a:t>源码实例：</a:t>
             </a:r>
             <a:r>
-              <a:rPr lang="en-US" altLang="zh-CN" sz="1600" dirty="0" err="1"/>
+              <a:rPr lang="en-US" altLang="zh-CN" sz="1600" dirty="0" err="1" smtClean="0"/>
               <a:t>Vue</a:t>
             </a:r>
             <a:r>
-              <a:rPr lang="zh-CN" altLang="en-US" sz="1600" dirty="0"/>
+              <a:rPr lang="zh-CN" altLang="en-US" sz="1600" dirty="0" smtClean="0"/>
               <a:t>的初始化（</a:t>
             </a:r>
             <a:r>
-              <a:rPr lang="en-US" altLang="zh-CN" sz="1600" dirty="0" err="1"/>
+              <a:rPr lang="en-US" altLang="zh-CN" sz="1600" dirty="0" err="1" smtClean="0"/>
               <a:t>vue</a:t>
             </a:r>
             <a:r>
-              <a:rPr lang="zh-CN" altLang="en-US" sz="1600" dirty="0"/>
+              <a:rPr lang="zh-CN" altLang="en-US" sz="1600" dirty="0" smtClean="0"/>
               <a:t>内部众多模块，而且过程复杂）</a:t>
             </a:r>
+            <a:endParaRPr lang="zh-CN" altLang="en-US" sz="1600" dirty="0"/>
           </a:p>
         </p:txBody>
       </p:sp>
@@ -8432,12 +8441,8 @@
           <a:lstStyle/>
           <a:p>
             <a:r>
-              <a:rPr lang="zh-CN" altLang="en-US" sz="2400" b="0" dirty="0" smtClean="0"/>
-              <a:t>适配器</a:t>
-            </a:r>
-            <a:r>
               <a:rPr lang="zh-CN" altLang="en-US" sz="2400" b="0" dirty="0"/>
-              <a:t>模式</a:t>
+              <a:t>外观模式</a:t>
             </a:r>
           </a:p>
         </p:txBody>
@@ -8461,24 +8466,13 @@
           <a:p>
             <a:r>
               <a:rPr lang="zh-CN" altLang="en-US" sz="1600" dirty="0" smtClean="0"/>
-              <a:t>目标</a:t>
+              <a:t>目的</a:t>
             </a:r>
             <a:r>
               <a:rPr lang="zh-CN" altLang="en-US" sz="1600" dirty="0"/>
-              <a:t>：接口    </a:t>
-            </a:r>
-            <a:endParaRPr lang="en-US" altLang="zh-CN" sz="1600" dirty="0" smtClean="0"/>
-          </a:p>
-          <a:p>
-            <a:r>
-              <a:rPr lang="zh-CN" altLang="en-US" sz="1600" dirty="0" smtClean="0"/>
-              <a:t>目的</a:t>
-            </a:r>
-            <a:r>
-              <a:rPr lang="zh-CN" altLang="en-US" sz="1600" dirty="0"/>
-              <a:t>：通过写一个适配器，来代替替换    </a:t>
-            </a:r>
-            <a:endParaRPr lang="en-US" altLang="zh-CN" sz="1600" dirty="0" smtClean="0"/>
+              <a:t>：通过为多个复杂的子系统提供一个一致的接口    </a:t>
+            </a:r>
+            <a:endParaRPr lang="en-US" altLang="zh-CN" sz="1600" dirty="0"/>
           </a:p>
           <a:p>
             <a:r>
@@ -8487,14 +8481,22 @@
             </a:r>
             <a:r>
               <a:rPr lang="zh-CN" altLang="en-US" sz="1600" dirty="0"/>
-              <a:t>场景：面临接口不通用的问题    </a:t>
-            </a:r>
-            <a:endParaRPr lang="en-US" altLang="zh-CN" sz="1600" dirty="0" smtClean="0"/>
+              <a:t>场景：当完成一个操作，需要操作多个子系统，不如提供一个更高级的统一接口    </a:t>
+            </a:r>
+            <a:endParaRPr lang="en-US" altLang="zh-CN" sz="1600" dirty="0"/>
           </a:p>
           <a:p>
             <a:r>
               <a:rPr lang="zh-CN" altLang="en-US" sz="1600" dirty="0" smtClean="0"/>
-              <a:t>基本结构</a:t>
+              <a:t>基本</a:t>
+            </a:r>
+            <a:r>
+              <a:rPr lang="zh-CN" altLang="en-US" sz="1600" dirty="0"/>
+              <a:t>结构：我们在组织方法模块时可以细化多个接口，但是我们给别人使用时，要合为一个接口，就像你可以直接去餐厅点</a:t>
+            </a:r>
+            <a:r>
+              <a:rPr lang="zh-CN" altLang="en-US" sz="1600" dirty="0" smtClean="0"/>
+              <a:t>套餐</a:t>
             </a:r>
             <a:endParaRPr lang="en-US" altLang="zh-CN" sz="1600" dirty="0" smtClean="0"/>
           </a:p>
@@ -8505,27 +8507,7 @@
             </a:r>
             <a:r>
               <a:rPr lang="zh-CN" altLang="en-US" sz="1600" dirty="0"/>
-              <a:t>：框架的变更（需求：目前项目使用的</a:t>
-            </a:r>
-            <a:r>
-              <a:rPr lang="en-US" altLang="zh-CN" sz="1600" dirty="0"/>
-              <a:t>A</a:t>
-            </a:r>
-            <a:r>
-              <a:rPr lang="zh-CN" altLang="en-US" sz="1600" dirty="0"/>
-              <a:t>框架，现在改成了</a:t>
-            </a:r>
-            <a:r>
-              <a:rPr lang="en-US" altLang="zh-CN" sz="1600" dirty="0"/>
-              <a:t>B</a:t>
-            </a:r>
-            <a:r>
-              <a:rPr lang="zh-CN" altLang="en-US" sz="1600" dirty="0"/>
-              <a:t>，两个框架十分类似，但是有少数几个方法不同</a:t>
-            </a:r>
-            <a:r>
-              <a:rPr lang="zh-CN" altLang="en-US" sz="1600" dirty="0" smtClean="0"/>
-              <a:t>）</a:t>
+              <a:t>：插件封装的规律（需求：插件基本上都会给最终使用提供一个高级接口）    </a:t>
             </a:r>
             <a:endParaRPr lang="en-US" altLang="zh-CN" sz="1600" dirty="0" smtClean="0"/>
           </a:p>
@@ -8536,7 +8518,7 @@
             </a:r>
             <a:r>
               <a:rPr lang="zh-CN" altLang="en-US" sz="1600" dirty="0"/>
-              <a:t>：参数适配（需求：为了避免参数不适配产生问题，很多框架会有一个参数适配操作）</a:t>
+              <a:t>：封装成方法的思想（需求：在兼容时代，我们会常常需要检测能力，不妨作为一个统一接口）</a:t>
             </a:r>
           </a:p>
         </p:txBody>
@@ -8544,7 +8526,7 @@
     </p:spTree>
     <p:extLst>
       <p:ext uri="{BB962C8B-B14F-4D97-AF65-F5344CB8AC3E}">
-        <p14:creationId xmlns:p14="http://schemas.microsoft.com/office/powerpoint/2010/main" val="1500364436"/>
+        <p14:creationId xmlns:p14="http://schemas.microsoft.com/office/powerpoint/2010/main" val="162976284"/>
       </p:ext>
     </p:extLst>
   </p:cSld>
@@ -8596,8 +8578,12 @@
           <a:lstStyle/>
           <a:p>
             <a:r>
+              <a:rPr lang="zh-CN" altLang="en-US" sz="2400" b="0" dirty="0" smtClean="0"/>
+              <a:t>适配器</a:t>
+            </a:r>
+            <a:r>
               <a:rPr lang="zh-CN" altLang="en-US" sz="2400" b="0" dirty="0"/>
-              <a:t>装饰者模式</a:t>
+              <a:t>模式</a:t>
             </a:r>
           </a:p>
         </p:txBody>
@@ -8612,7 +8598,12 @@
             <p:ph type="body" sz="quarter" idx="11"/>
           </p:nvPr>
         </p:nvSpPr>
-        <p:spPr/>
+        <p:spPr>
+          <a:xfrm>
+            <a:off x="609601" y="1100670"/>
+            <a:ext cx="10782299" cy="2128306"/>
+          </a:xfrm>
+        </p:spPr>
         <p:txBody>
           <a:bodyPr>
             <a:normAutofit/>
@@ -8625,9 +8616,9 @@
             </a:r>
             <a:r>
               <a:rPr lang="zh-CN" altLang="en-US" sz="1600" dirty="0"/>
-              <a:t>：方法作用    </a:t>
-            </a:r>
-            <a:endParaRPr lang="en-US" altLang="zh-CN" sz="1600" dirty="0"/>
+              <a:t>：接口    </a:t>
+            </a:r>
+            <a:endParaRPr lang="en-US" altLang="zh-CN" sz="1600" dirty="0" smtClean="0"/>
           </a:p>
           <a:p>
             <a:r>
@@ -8636,9 +8627,9 @@
             </a:r>
             <a:r>
               <a:rPr lang="zh-CN" altLang="en-US" sz="1600" dirty="0"/>
-              <a:t>：不重写方法的扩展方法    </a:t>
-            </a:r>
-            <a:endParaRPr lang="en-US" altLang="zh-CN" sz="1600" dirty="0"/>
+              <a:t>：通过写一个适配器，来代替替换    </a:t>
+            </a:r>
+            <a:endParaRPr lang="en-US" altLang="zh-CN" sz="1600" dirty="0" smtClean="0"/>
           </a:p>
           <a:p>
             <a:r>
@@ -8647,9 +8638,9 @@
             </a:r>
             <a:r>
               <a:rPr lang="zh-CN" altLang="en-US" sz="1600" dirty="0"/>
-              <a:t>场景：当一个方法需要扩展，但是又不好去修改方法    </a:t>
-            </a:r>
-            <a:endParaRPr lang="en-US" altLang="zh-CN" sz="1600" dirty="0"/>
+              <a:t>场景：面临接口不通用的问题    </a:t>
+            </a:r>
+            <a:endParaRPr lang="en-US" altLang="zh-CN" sz="1600" dirty="0" smtClean="0"/>
           </a:p>
           <a:p>
             <a:r>
@@ -8660,16 +8651,28 @@
           </a:p>
           <a:p>
             <a:r>
+              <a:rPr lang="zh-CN" altLang="en-US" sz="1600" dirty="0" smtClean="0"/>
+              <a:t>示例</a:t>
+            </a:r>
+            <a:r>
               <a:rPr lang="zh-CN" altLang="en-US" sz="1600" dirty="0"/>
-              <a:t>示例：扩展你的已有事件绑定（需求：现在项目改造，需要给</a:t>
+              <a:t>：框架的变更（需求：目前项目使用的</a:t>
             </a:r>
             <a:r>
               <a:rPr lang="en-US" altLang="zh-CN" sz="1600" dirty="0"/>
-              <a:t>input</a:t>
+              <a:t>A</a:t>
             </a:r>
             <a:r>
               <a:rPr lang="zh-CN" altLang="en-US" sz="1600" dirty="0"/>
-              <a:t>标签已经有的事件，增加一些操作</a:t>
+              <a:t>框架，现在改成了</a:t>
+            </a:r>
+            <a:r>
+              <a:rPr lang="en-US" altLang="zh-CN" sz="1600" dirty="0"/>
+              <a:t>B</a:t>
+            </a:r>
+            <a:r>
+              <a:rPr lang="zh-CN" altLang="en-US" sz="1600" dirty="0"/>
+              <a:t>，两个框架十分类似，但是有少数几个方法不同</a:t>
             </a:r>
             <a:r>
               <a:rPr lang="zh-CN" altLang="en-US" sz="1600" dirty="0" smtClean="0"/>
@@ -8679,40 +8682,84 @@
           </a:p>
           <a:p>
             <a:r>
+              <a:rPr lang="zh-CN" altLang="en-US" sz="1600" dirty="0" smtClean="0"/>
+              <a:t>示例</a:t>
+            </a:r>
+            <a:r>
               <a:rPr lang="zh-CN" altLang="en-US" sz="1600" dirty="0"/>
-              <a:t>示例：</a:t>
-            </a:r>
-            <a:r>
-              <a:rPr lang="en-US" altLang="zh-CN" sz="1600" dirty="0" err="1"/>
-              <a:t>Vue</a:t>
-            </a:r>
-            <a:r>
-              <a:rPr lang="zh-CN" altLang="en-US" sz="1600" dirty="0"/>
-              <a:t>的数组监听（需求：</a:t>
-            </a:r>
-            <a:r>
-              <a:rPr lang="en-US" altLang="zh-CN" sz="1600" dirty="0" err="1"/>
-              <a:t>vue</a:t>
-            </a:r>
-            <a:r>
-              <a:rPr lang="zh-CN" altLang="en-US" sz="1600" dirty="0"/>
-              <a:t>中利用</a:t>
-            </a:r>
-            <a:r>
-              <a:rPr lang="en-US" altLang="zh-CN" sz="1600" dirty="0" err="1"/>
-              <a:t>defineProperty</a:t>
-            </a:r>
-            <a:r>
-              <a:rPr lang="zh-CN" altLang="en-US" sz="1600" dirty="0"/>
-              <a:t>可以监听对象，那数组怎么办）</a:t>
+              <a:t>：参数适配（需求：为了避免参数不适配产生问题，很多框架会有一个参数适配操作）</a:t>
             </a:r>
           </a:p>
         </p:txBody>
       </p:sp>
+      <p:pic>
+        <p:nvPicPr>
+          <p:cNvPr id="3074" name="Picture 2"/>
+          <p:cNvPicPr>
+            <a:picLocks noChangeAspect="1" noChangeArrowheads="1"/>
+          </p:cNvPicPr>
+          <p:nvPr/>
+        </p:nvPicPr>
+        <p:blipFill>
+          <a:blip r:embed="rId2">
+            <a:extLst>
+              <a:ext uri="{28A0092B-C50C-407E-A947-70E740481C1C}">
+                <a14:useLocalDpi xmlns:a14="http://schemas.microsoft.com/office/drawing/2010/main" val="0"/>
+              </a:ext>
+            </a:extLst>
+          </a:blip>
+          <a:srcRect/>
+          <a:stretch>
+            <a:fillRect/>
+          </a:stretch>
+        </p:blipFill>
+        <p:spPr bwMode="auto">
+          <a:xfrm>
+            <a:off x="2176462" y="2847975"/>
+            <a:ext cx="7837487" cy="3181350"/>
+          </a:xfrm>
+          <a:prstGeom prst="rect">
+            <a:avLst/>
+          </a:prstGeom>
+          <a:noFill/>
+          <a:ln>
+            <a:noFill/>
+          </a:ln>
+          <a:effectLst/>
+          <a:extLst>
+            <a:ext uri="{909E8E84-426E-40DD-AFC4-6F175D3DCCD1}">
+              <a14:hiddenFill xmlns:a14="http://schemas.microsoft.com/office/drawing/2010/main">
+                <a:solidFill>
+                  <a:schemeClr val="accent1"/>
+                </a:solidFill>
+              </a14:hiddenFill>
+            </a:ext>
+            <a:ext uri="{91240B29-F687-4F45-9708-019B960494DF}">
+              <a14:hiddenLine xmlns:a14="http://schemas.microsoft.com/office/drawing/2010/main" w="9525">
+                <a:solidFill>
+                  <a:schemeClr val="tx1"/>
+                </a:solidFill>
+                <a:miter lim="800000"/>
+                <a:headEnd/>
+                <a:tailEnd/>
+              </a14:hiddenLine>
+            </a:ext>
+            <a:ext uri="{AF507438-7753-43E0-B8FC-AC1667EBCBE1}">
+              <a14:hiddenEffects xmlns:a14="http://schemas.microsoft.com/office/drawing/2010/main">
+                <a:effectLst>
+                  <a:outerShdw dist="35921" dir="2700000" algn="ctr" rotWithShape="0">
+                    <a:schemeClr val="bg2"/>
+                  </a:outerShdw>
+                </a:effectLst>
+              </a14:hiddenEffects>
+            </a:ext>
+          </a:extLst>
+        </p:spPr>
+      </p:pic>
     </p:spTree>
     <p:extLst>
       <p:ext uri="{BB962C8B-B14F-4D97-AF65-F5344CB8AC3E}">
-        <p14:creationId xmlns:p14="http://schemas.microsoft.com/office/powerpoint/2010/main" val="4211267840"/>
+        <p14:creationId xmlns:p14="http://schemas.microsoft.com/office/powerpoint/2010/main" val="1500364436"/>
       </p:ext>
     </p:extLst>
   </p:cSld>
@@ -8765,7 +8812,7 @@
           <a:p>
             <a:r>
               <a:rPr lang="zh-CN" altLang="en-US" sz="2400" b="0" dirty="0"/>
-              <a:t>行为型</a:t>
+              <a:t>装饰者模式</a:t>
             </a:r>
           </a:p>
         </p:txBody>
@@ -8788,163 +8835,91 @@
           <a:lstStyle/>
           <a:p>
             <a:r>
+              <a:rPr lang="zh-CN" altLang="en-US" sz="1600" dirty="0" smtClean="0"/>
+              <a:t>目标</a:t>
+            </a:r>
+            <a:r>
+              <a:rPr lang="zh-CN" altLang="en-US" sz="1600" dirty="0"/>
+              <a:t>：方法作用    </a:t>
+            </a:r>
+            <a:endParaRPr lang="en-US" altLang="zh-CN" sz="1600" dirty="0"/>
+          </a:p>
+          <a:p>
+            <a:r>
+              <a:rPr lang="zh-CN" altLang="en-US" sz="1600" dirty="0" smtClean="0"/>
+              <a:t>目的</a:t>
+            </a:r>
+            <a:r>
+              <a:rPr lang="zh-CN" altLang="en-US" sz="1600" dirty="0"/>
+              <a:t>：不重写方法的扩展方法    </a:t>
+            </a:r>
+            <a:endParaRPr lang="en-US" altLang="zh-CN" sz="1600" dirty="0"/>
+          </a:p>
+          <a:p>
+            <a:r>
+              <a:rPr lang="zh-CN" altLang="en-US" sz="1600" dirty="0" smtClean="0"/>
+              <a:t>应用</a:t>
+            </a:r>
+            <a:r>
+              <a:rPr lang="zh-CN" altLang="en-US" sz="1600" dirty="0"/>
+              <a:t>场景：当一个方法需要扩展，但是又不好去修改方法    </a:t>
+            </a:r>
+            <a:endParaRPr lang="en-US" altLang="zh-CN" sz="1600" dirty="0"/>
+          </a:p>
+          <a:p>
+            <a:r>
+              <a:rPr lang="zh-CN" altLang="en-US" sz="1600" dirty="0" smtClean="0"/>
+              <a:t>基本结构</a:t>
+            </a:r>
+            <a:endParaRPr lang="en-US" altLang="zh-CN" sz="1600" dirty="0" smtClean="0"/>
+          </a:p>
+          <a:p>
+            <a:r>
+              <a:rPr lang="zh-CN" altLang="en-US" sz="1600" dirty="0"/>
+              <a:t>示例：扩展你的已有事件绑定（需求：现在项目改造，需要给</a:t>
+            </a:r>
+            <a:r>
               <a:rPr lang="en-US" altLang="zh-CN" sz="1600" dirty="0"/>
-              <a:t>1. </a:t>
+              <a:t>input</a:t>
             </a:r>
             <a:r>
               <a:rPr lang="zh-CN" altLang="en-US" sz="1600" dirty="0"/>
-              <a:t>观察者模式 </a:t>
-            </a:r>
-            <a:r>
-              <a:rPr lang="en-US" altLang="zh-CN" sz="1600" dirty="0"/>
-              <a:t>-- </a:t>
-            </a:r>
+              <a:t>标签已经有的事件，增加一些操作</a:t>
+            </a:r>
+            <a:r>
+              <a:rPr lang="zh-CN" altLang="en-US" sz="1600" dirty="0" smtClean="0"/>
+              <a:t>）</a:t>
+            </a:r>
+            <a:endParaRPr lang="en-US" altLang="zh-CN" sz="1600" dirty="0" smtClean="0"/>
+          </a:p>
+          <a:p>
             <a:r>
               <a:rPr lang="zh-CN" altLang="en-US" sz="1600" dirty="0"/>
-              <a:t>我作为第三方</a:t>
-            </a:r>
-            <a:r>
-              <a:rPr lang="zh-CN" altLang="en-US" sz="1600" dirty="0" smtClean="0"/>
-              <a:t>转发</a:t>
-            </a:r>
-            <a:endParaRPr lang="en-US" altLang="zh-CN" sz="1600" dirty="0" smtClean="0"/>
-          </a:p>
-          <a:p>
-            <a:r>
-              <a:rPr lang="en-US" altLang="zh-CN" sz="1600" dirty="0" smtClean="0"/>
-              <a:t>2</a:t>
-            </a:r>
-            <a:r>
-              <a:rPr lang="en-US" altLang="zh-CN" sz="1600" dirty="0"/>
-              <a:t>. </a:t>
+              <a:t>示例：</a:t>
+            </a:r>
+            <a:r>
+              <a:rPr lang="en-US" altLang="zh-CN" sz="1600" dirty="0" err="1"/>
+              <a:t>Vue</a:t>
             </a:r>
             <a:r>
               <a:rPr lang="zh-CN" altLang="en-US" sz="1600" dirty="0"/>
-              <a:t>职责链模式 </a:t>
-            </a:r>
-            <a:r>
-              <a:rPr lang="en-US" altLang="zh-CN" sz="1600" dirty="0"/>
-              <a:t>-- </a:t>
+              <a:t>的数组监听（需求：</a:t>
+            </a:r>
+            <a:r>
+              <a:rPr lang="en-US" altLang="zh-CN" sz="1600" dirty="0" err="1"/>
+              <a:t>vue</a:t>
             </a:r>
             <a:r>
               <a:rPr lang="zh-CN" altLang="en-US" sz="1600" dirty="0"/>
-              <a:t>像生产线一样组织</a:t>
-            </a:r>
-            <a:r>
-              <a:rPr lang="zh-CN" altLang="en-US" sz="1600" dirty="0" smtClean="0"/>
-              <a:t>模块</a:t>
-            </a:r>
-            <a:endParaRPr lang="en-US" altLang="zh-CN" sz="1600" dirty="0" smtClean="0"/>
-          </a:p>
-          <a:p>
-            <a:r>
-              <a:rPr lang="en-US" altLang="zh-CN" sz="1600" dirty="0" smtClean="0"/>
-              <a:t>3</a:t>
-            </a:r>
-            <a:r>
-              <a:rPr lang="en-US" altLang="zh-CN" sz="1600" dirty="0"/>
-              <a:t>. </a:t>
+              <a:t>中利用</a:t>
+            </a:r>
+            <a:r>
+              <a:rPr lang="en-US" altLang="zh-CN" sz="1600" dirty="0" err="1"/>
+              <a:t>defineProperty</a:t>
             </a:r>
             <a:r>
               <a:rPr lang="zh-CN" altLang="en-US" sz="1600" dirty="0"/>
-              <a:t>状态模式 </a:t>
-            </a:r>
-            <a:r>
-              <a:rPr lang="en-US" altLang="zh-CN" sz="1600" dirty="0"/>
-              <a:t>-- </a:t>
-            </a:r>
-            <a:r>
-              <a:rPr lang="zh-CN" altLang="en-US" sz="1600" dirty="0"/>
-              <a:t>用状态代替</a:t>
-            </a:r>
-            <a:r>
-              <a:rPr lang="zh-CN" altLang="en-US" sz="1600" dirty="0" smtClean="0"/>
-              <a:t>判断</a:t>
-            </a:r>
-            <a:endParaRPr lang="en-US" altLang="zh-CN" sz="1600" dirty="0" smtClean="0"/>
-          </a:p>
-          <a:p>
-            <a:r>
-              <a:rPr lang="en-US" altLang="zh-CN" sz="1600" dirty="0" smtClean="0"/>
-              <a:t>4</a:t>
-            </a:r>
-            <a:r>
-              <a:rPr lang="en-US" altLang="zh-CN" sz="1600" dirty="0"/>
-              <a:t>. </a:t>
-            </a:r>
-            <a:r>
-              <a:rPr lang="zh-CN" altLang="en-US" sz="1600" dirty="0"/>
-              <a:t>命令模式 </a:t>
-            </a:r>
-            <a:r>
-              <a:rPr lang="en-US" altLang="zh-CN" sz="1600" dirty="0"/>
-              <a:t>-- </a:t>
-            </a:r>
-            <a:r>
-              <a:rPr lang="zh-CN" altLang="en-US" sz="1600" dirty="0"/>
-              <a:t>用命令去</a:t>
-            </a:r>
-            <a:r>
-              <a:rPr lang="zh-CN" altLang="en-US" sz="1600" dirty="0" smtClean="0"/>
-              <a:t>解耦</a:t>
-            </a:r>
-            <a:endParaRPr lang="en-US" altLang="zh-CN" sz="1600" dirty="0" smtClean="0"/>
-          </a:p>
-          <a:p>
-            <a:r>
-              <a:rPr lang="en-US" altLang="zh-CN" sz="1600" dirty="0" smtClean="0"/>
-              <a:t>5</a:t>
-            </a:r>
-            <a:r>
-              <a:rPr lang="en-US" altLang="zh-CN" sz="1600" dirty="0"/>
-              <a:t>. </a:t>
-            </a:r>
-            <a:r>
-              <a:rPr lang="zh-CN" altLang="en-US" sz="1600" dirty="0"/>
-              <a:t>策略模式 </a:t>
-            </a:r>
-            <a:r>
-              <a:rPr lang="en-US" altLang="zh-CN" sz="1600" dirty="0"/>
-              <a:t>-- </a:t>
-            </a:r>
-            <a:r>
-              <a:rPr lang="zh-CN" altLang="en-US" sz="1600" dirty="0"/>
-              <a:t>算法</a:t>
-            </a:r>
-            <a:r>
-              <a:rPr lang="zh-CN" altLang="en-US" sz="1600" dirty="0" smtClean="0"/>
-              <a:t>工厂</a:t>
-            </a:r>
-            <a:endParaRPr lang="en-US" altLang="zh-CN" sz="1600" dirty="0" smtClean="0"/>
-          </a:p>
-          <a:p>
-            <a:r>
-              <a:rPr lang="en-US" altLang="zh-CN" sz="1600" dirty="0" smtClean="0"/>
-              <a:t>6</a:t>
-            </a:r>
-            <a:r>
-              <a:rPr lang="en-US" altLang="zh-CN" sz="1600" dirty="0"/>
-              <a:t>. </a:t>
-            </a:r>
-            <a:r>
-              <a:rPr lang="zh-CN" altLang="en-US" sz="1600" dirty="0"/>
-              <a:t>迭代器模式 </a:t>
-            </a:r>
-            <a:r>
-              <a:rPr lang="en-US" altLang="zh-CN" sz="1600" dirty="0"/>
-              <a:t>-- </a:t>
-            </a:r>
-            <a:r>
-              <a:rPr lang="zh-CN" altLang="en-US" sz="1600" dirty="0"/>
-              <a:t>告别</a:t>
-            </a:r>
-            <a:r>
-              <a:rPr lang="en-US" altLang="zh-CN" sz="1600" dirty="0"/>
-              <a:t>for</a:t>
-            </a:r>
-            <a:r>
-              <a:rPr lang="zh-CN" altLang="en-US" sz="1600" dirty="0"/>
-              <a:t>循环</a:t>
+              <a:t>可以监听对象，那数组怎么办）</a:t>
             </a:r>
           </a:p>
         </p:txBody>
@@ -8952,7 +8927,7 @@
     </p:spTree>
     <p:extLst>
       <p:ext uri="{BB962C8B-B14F-4D97-AF65-F5344CB8AC3E}">
-        <p14:creationId xmlns:p14="http://schemas.microsoft.com/office/powerpoint/2010/main" val="3708227064"/>
+        <p14:creationId xmlns:p14="http://schemas.microsoft.com/office/powerpoint/2010/main" val="4211267840"/>
       </p:ext>
     </p:extLst>
   </p:cSld>
@@ -9005,7 +8980,7 @@
           <a:p>
             <a:r>
               <a:rPr lang="zh-CN" altLang="en-US" sz="2400" b="0" dirty="0"/>
-              <a:t>命令模式</a:t>
+              <a:t>行为型</a:t>
             </a:r>
           </a:p>
         </p:txBody>
@@ -9028,52 +9003,163 @@
           <a:lstStyle/>
           <a:p>
             <a:r>
+              <a:rPr lang="en-US" altLang="zh-CN" sz="1600" dirty="0"/>
+              <a:t>1. </a:t>
+            </a:r>
+            <a:r>
+              <a:rPr lang="zh-CN" altLang="en-US" sz="1600" dirty="0"/>
+              <a:t>观察者模式 </a:t>
+            </a:r>
+            <a:r>
+              <a:rPr lang="en-US" altLang="zh-CN" sz="1600" dirty="0"/>
+              <a:t>-- </a:t>
+            </a:r>
+            <a:r>
+              <a:rPr lang="zh-CN" altLang="en-US" sz="1600" dirty="0"/>
+              <a:t>我作为第三方</a:t>
+            </a:r>
+            <a:r>
               <a:rPr lang="zh-CN" altLang="en-US" sz="1600" dirty="0" smtClean="0"/>
-              <a:t>目的</a:t>
+              <a:t>转发</a:t>
+            </a:r>
+            <a:endParaRPr lang="en-US" altLang="zh-CN" sz="1600" dirty="0" smtClean="0"/>
+          </a:p>
+          <a:p>
+            <a:r>
+              <a:rPr lang="en-US" altLang="zh-CN" sz="1600" dirty="0" smtClean="0"/>
+              <a:t>2</a:t>
+            </a:r>
+            <a:r>
+              <a:rPr lang="en-US" altLang="zh-CN" sz="1600" dirty="0"/>
+              <a:t>. </a:t>
             </a:r>
             <a:r>
               <a:rPr lang="zh-CN" altLang="en-US" sz="1600" dirty="0"/>
-              <a:t>：解耦实现和调用，让双方互不干扰；    </a:t>
-            </a:r>
-            <a:endParaRPr lang="en-US" altLang="zh-CN" sz="1600" dirty="0"/>
-          </a:p>
-          <a:p>
+              <a:t>职责链模式 </a:t>
+            </a:r>
+            <a:r>
+              <a:rPr lang="en-US" altLang="zh-CN" sz="1600" dirty="0"/>
+              <a:t>-- </a:t>
+            </a:r>
+            <a:r>
+              <a:rPr lang="zh-CN" altLang="en-US" sz="1600" dirty="0"/>
+              <a:t>像生产线一样组织</a:t>
+            </a:r>
             <a:r>
               <a:rPr lang="zh-CN" altLang="en-US" sz="1600" dirty="0" smtClean="0"/>
-              <a:t>应用</a:t>
+              <a:t>模块</a:t>
+            </a:r>
+            <a:endParaRPr lang="en-US" altLang="zh-CN" sz="1600" dirty="0" smtClean="0"/>
+          </a:p>
+          <a:p>
+            <a:r>
+              <a:rPr lang="en-US" altLang="zh-CN" sz="1600" dirty="0" smtClean="0"/>
+              <a:t>3</a:t>
+            </a:r>
+            <a:r>
+              <a:rPr lang="en-US" altLang="zh-CN" sz="1600" dirty="0"/>
+              <a:t>. </a:t>
             </a:r>
             <a:r>
               <a:rPr lang="zh-CN" altLang="en-US" sz="1600" dirty="0"/>
-              <a:t>场景：调用的命令充满不确定性    </a:t>
-            </a:r>
-            <a:endParaRPr lang="en-US" altLang="zh-CN" sz="1600" dirty="0"/>
-          </a:p>
-          <a:p>
+              <a:t>状态模式 </a:t>
+            </a:r>
+            <a:r>
+              <a:rPr lang="en-US" altLang="zh-CN" sz="1600" dirty="0"/>
+              <a:t>-- </a:t>
+            </a:r>
+            <a:r>
+              <a:rPr lang="zh-CN" altLang="en-US" sz="1600" dirty="0"/>
+              <a:t>用状态代替</a:t>
+            </a:r>
             <a:r>
               <a:rPr lang="zh-CN" altLang="en-US" sz="1600" dirty="0" smtClean="0"/>
-              <a:t>基本结构</a:t>
+              <a:t>判断</a:t>
             </a:r>
             <a:endParaRPr lang="en-US" altLang="zh-CN" sz="1600" dirty="0" smtClean="0"/>
           </a:p>
           <a:p>
             <a:r>
+              <a:rPr lang="en-US" altLang="zh-CN" sz="1600" dirty="0" smtClean="0"/>
+              <a:t>4</a:t>
+            </a:r>
+            <a:r>
+              <a:rPr lang="en-US" altLang="zh-CN" sz="1600" dirty="0"/>
+              <a:t>. </a:t>
+            </a:r>
+            <a:r>
               <a:rPr lang="zh-CN" altLang="en-US" sz="1600" dirty="0"/>
-              <a:t>示例：绘图命令（需求：封装一系列的</a:t>
+              <a:t>命令模式 </a:t>
             </a:r>
             <a:r>
               <a:rPr lang="en-US" altLang="zh-CN" sz="1600" dirty="0"/>
-              <a:t>canvas</a:t>
+              <a:t>-- </a:t>
             </a:r>
             <a:r>
               <a:rPr lang="zh-CN" altLang="en-US" sz="1600" dirty="0"/>
-              <a:t>绘图命令） </a:t>
+              <a:t>用命令去</a:t>
+            </a:r>
+            <a:r>
+              <a:rPr lang="zh-CN" altLang="en-US" sz="1600" dirty="0" smtClean="0"/>
+              <a:t>解耦</a:t>
             </a:r>
             <a:endParaRPr lang="en-US" altLang="zh-CN" sz="1600" dirty="0" smtClean="0"/>
           </a:p>
           <a:p>
             <a:r>
+              <a:rPr lang="en-US" altLang="zh-CN" sz="1600" dirty="0" smtClean="0"/>
+              <a:t>5</a:t>
+            </a:r>
+            <a:r>
+              <a:rPr lang="en-US" altLang="zh-CN" sz="1600" dirty="0"/>
+              <a:t>. </a:t>
+            </a:r>
+            <a:r>
               <a:rPr lang="zh-CN" altLang="en-US" sz="1600" dirty="0"/>
-              <a:t>示例：绘制随机数量图片（需求：要做一个画廊，图片数量和排列顺序随机） </a:t>
+              <a:t>策略模式 </a:t>
+            </a:r>
+            <a:r>
+              <a:rPr lang="en-US" altLang="zh-CN" sz="1600" dirty="0"/>
+              <a:t>-- </a:t>
+            </a:r>
+            <a:r>
+              <a:rPr lang="zh-CN" altLang="en-US" sz="1600" dirty="0"/>
+              <a:t>算法</a:t>
+            </a:r>
+            <a:r>
+              <a:rPr lang="zh-CN" altLang="en-US" sz="1600" dirty="0" smtClean="0"/>
+              <a:t>工厂</a:t>
+            </a:r>
+            <a:endParaRPr lang="en-US" altLang="zh-CN" sz="1600" dirty="0" smtClean="0"/>
+          </a:p>
+          <a:p>
+            <a:r>
+              <a:rPr lang="en-US" altLang="zh-CN" sz="1600" dirty="0" smtClean="0"/>
+              <a:t>6</a:t>
+            </a:r>
+            <a:r>
+              <a:rPr lang="en-US" altLang="zh-CN" sz="1600" dirty="0"/>
+              <a:t>. </a:t>
+            </a:r>
+            <a:r>
+              <a:rPr lang="zh-CN" altLang="en-US" sz="1600" dirty="0"/>
+              <a:t>迭代器模式 </a:t>
+            </a:r>
+            <a:r>
+              <a:rPr lang="en-US" altLang="zh-CN" sz="1600" dirty="0"/>
+              <a:t>-- </a:t>
+            </a:r>
+            <a:r>
+              <a:rPr lang="zh-CN" altLang="en-US" sz="1600" dirty="0"/>
+              <a:t>告别</a:t>
+            </a:r>
+            <a:r>
+              <a:rPr lang="en-US" altLang="zh-CN" sz="1600" dirty="0"/>
+              <a:t>for</a:t>
+            </a:r>
+            <a:r>
+              <a:rPr lang="zh-CN" altLang="en-US" sz="1600" dirty="0"/>
+              <a:t>循环</a:t>
             </a:r>
           </a:p>
         </p:txBody>
@@ -9081,7 +9167,7 @@
     </p:spTree>
     <p:extLst>
       <p:ext uri="{BB962C8B-B14F-4D97-AF65-F5344CB8AC3E}">
-        <p14:creationId xmlns:p14="http://schemas.microsoft.com/office/powerpoint/2010/main" val="2401033073"/>
+        <p14:creationId xmlns:p14="http://schemas.microsoft.com/office/powerpoint/2010/main" val="3708227064"/>
       </p:ext>
     </p:extLst>
   </p:cSld>
@@ -9134,15 +9220,7 @@
           <a:p>
             <a:r>
               <a:rPr lang="zh-CN" altLang="en-US" sz="2400" b="0" dirty="0"/>
-              <a:t>策略模式</a:t>
-            </a:r>
-            <a:r>
-              <a:rPr lang="en-US" altLang="zh-CN" sz="2400" b="0" dirty="0"/>
-              <a:t>/</a:t>
-            </a:r>
-            <a:r>
-              <a:rPr lang="zh-CN" altLang="en-US" sz="2400" b="0" dirty="0"/>
-              <a:t>状态模式</a:t>
+              <a:t>命令模式</a:t>
             </a:r>
           </a:p>
         </p:txBody>
@@ -9170,15 +9248,7 @@
             </a:r>
             <a:r>
               <a:rPr lang="zh-CN" altLang="en-US" sz="1600" dirty="0"/>
-              <a:t>：优化</a:t>
-            </a:r>
-            <a:r>
-              <a:rPr lang="en-US" altLang="zh-CN" sz="1600" dirty="0"/>
-              <a:t>if-else</a:t>
-            </a:r>
-            <a:r>
-              <a:rPr lang="zh-CN" altLang="en-US" sz="1600" dirty="0"/>
-              <a:t>分支    </a:t>
+              <a:t>：解耦实现和调用，让双方互不干扰；    </a:t>
             </a:r>
             <a:endParaRPr lang="en-US" altLang="zh-CN" sz="1600" dirty="0"/>
           </a:p>
@@ -9189,94 +9259,36 @@
             </a:r>
             <a:r>
               <a:rPr lang="zh-CN" altLang="en-US" sz="1600" dirty="0"/>
-              <a:t>场景：当代码</a:t>
+              <a:t>场景：调用的命令充满不确定性    </a:t>
+            </a:r>
+            <a:endParaRPr lang="en-US" altLang="zh-CN" sz="1600" dirty="0"/>
+          </a:p>
+          <a:p>
+            <a:r>
+              <a:rPr lang="zh-CN" altLang="en-US" sz="1600" dirty="0" smtClean="0"/>
+              <a:t>基本结构</a:t>
+            </a:r>
+            <a:endParaRPr lang="en-US" altLang="zh-CN" sz="1600" dirty="0" smtClean="0"/>
+          </a:p>
+          <a:p>
+            <a:r>
+              <a:rPr lang="zh-CN" altLang="en-US" sz="1600" dirty="0"/>
+              <a:t>示例：绘图命令（需求：封装一系列的</a:t>
             </a:r>
             <a:r>
               <a:rPr lang="en-US" altLang="zh-CN" sz="1600" dirty="0"/>
-              <a:t>if-else</a:t>
+              <a:t>canvas</a:t>
             </a:r>
             <a:r>
               <a:rPr lang="zh-CN" altLang="en-US" sz="1600" dirty="0"/>
-              <a:t>分支过多时    </a:t>
-            </a:r>
-            <a:endParaRPr lang="en-US" altLang="zh-CN" sz="1600" dirty="0"/>
-          </a:p>
-          <a:p>
-            <a:r>
-              <a:rPr lang="zh-CN" altLang="en-US" sz="1600" dirty="0" smtClean="0"/>
-              <a:t>基本</a:t>
-            </a:r>
+              <a:t>绘图命令） </a:t>
+            </a:r>
+            <a:endParaRPr lang="en-US" altLang="zh-CN" sz="1600" dirty="0" smtClean="0"/>
+          </a:p>
+          <a:p>
             <a:r>
               <a:rPr lang="zh-CN" altLang="en-US" sz="1600" dirty="0"/>
-              <a:t>结构（策略模式</a:t>
-            </a:r>
-            <a:r>
-              <a:rPr lang="zh-CN" altLang="en-US" sz="1600" dirty="0" smtClean="0"/>
-              <a:t>）</a:t>
-            </a:r>
-            <a:endParaRPr lang="en-US" altLang="zh-CN" sz="1600" dirty="0" smtClean="0"/>
-          </a:p>
-          <a:p>
-            <a:r>
-              <a:rPr lang="zh-CN" altLang="en-US" sz="1600" dirty="0"/>
-              <a:t>假设要编写一个计算器，有加减乘除，我们可以把一层一层的</a:t>
-            </a:r>
-            <a:r>
-              <a:rPr lang="en-US" altLang="zh-CN" sz="1600" dirty="0"/>
-              <a:t>if</a:t>
-            </a:r>
-            <a:r>
-              <a:rPr lang="zh-CN" altLang="en-US" sz="1600" dirty="0"/>
-              <a:t>判断，变成上面的形式    </a:t>
-            </a:r>
-            <a:endParaRPr lang="en-US" altLang="zh-CN" sz="1600" dirty="0"/>
-          </a:p>
-          <a:p>
-            <a:r>
-              <a:rPr lang="zh-CN" altLang="en-US" sz="1600" dirty="0" smtClean="0"/>
-              <a:t>基本</a:t>
-            </a:r>
-            <a:r>
-              <a:rPr lang="zh-CN" altLang="en-US" sz="1600" dirty="0"/>
-              <a:t>结构（状态模式）为了减少</a:t>
-            </a:r>
-            <a:r>
-              <a:rPr lang="en-US" altLang="zh-CN" sz="1600" dirty="0"/>
-              <a:t>if-else</a:t>
-            </a:r>
-            <a:r>
-              <a:rPr lang="zh-CN" altLang="en-US" sz="1600" dirty="0"/>
-              <a:t>结构，将状态变成对象内部的一个状态，通过对象内部的状态改变，让其拥有不同</a:t>
-            </a:r>
-            <a:r>
-              <a:rPr lang="zh-CN" altLang="en-US" sz="1600" dirty="0" smtClean="0"/>
-              <a:t>行为</a:t>
-            </a:r>
-            <a:endParaRPr lang="en-US" altLang="zh-CN" sz="1600" dirty="0" smtClean="0"/>
-          </a:p>
-          <a:p>
-            <a:r>
-              <a:rPr lang="zh-CN" altLang="en-US" sz="1600" dirty="0" smtClean="0"/>
-              <a:t>示例</a:t>
-            </a:r>
-            <a:r>
-              <a:rPr lang="zh-CN" altLang="en-US" sz="1600" dirty="0"/>
-              <a:t>：（需求：项目有一个动态的内容，根据用户权限的不同显示不同的</a:t>
-            </a:r>
-            <a:r>
-              <a:rPr lang="zh-CN" altLang="en-US" sz="1600" dirty="0" smtClean="0"/>
-              <a:t>内容</a:t>
-            </a:r>
-            <a:endParaRPr lang="en-US" altLang="zh-CN" sz="1600" dirty="0" smtClean="0"/>
-          </a:p>
-          <a:p>
-            <a:r>
-              <a:rPr lang="zh-CN" altLang="en-US" sz="1600" dirty="0" smtClean="0"/>
-              <a:t>示例</a:t>
-            </a:r>
-            <a:r>
-              <a:rPr lang="zh-CN" altLang="en-US" sz="1600" dirty="0"/>
-              <a:t>：复合运动（需求：有一个小球，可以控制它左右移动，或者左前，右前等方式移动）</a:t>
+              <a:t>示例：绘制随机数量图片（需求：要做一个画廊，图片数量和排列顺序随机） </a:t>
             </a:r>
           </a:p>
         </p:txBody>
@@ -9284,7 +9296,7 @@
     </p:spTree>
     <p:extLst>
       <p:ext uri="{BB962C8B-B14F-4D97-AF65-F5344CB8AC3E}">
-        <p14:creationId xmlns:p14="http://schemas.microsoft.com/office/powerpoint/2010/main" val="672986222"/>
+        <p14:creationId xmlns:p14="http://schemas.microsoft.com/office/powerpoint/2010/main" val="2401033073"/>
       </p:ext>
     </p:extLst>
   </p:cSld>
@@ -9559,7 +9571,15 @@
           <a:p>
             <a:r>
               <a:rPr lang="zh-CN" altLang="en-US" sz="2400" b="0" dirty="0"/>
-              <a:t>外观模式</a:t>
+              <a:t>策略模式</a:t>
+            </a:r>
+            <a:r>
+              <a:rPr lang="en-US" altLang="zh-CN" sz="2400" b="0" dirty="0"/>
+              <a:t>/</a:t>
+            </a:r>
+            <a:r>
+              <a:rPr lang="zh-CN" altLang="en-US" sz="2400" b="0" dirty="0"/>
+              <a:t>状态模式</a:t>
             </a:r>
           </a:p>
         </p:txBody>
@@ -9574,7 +9594,12 @@
             <p:ph type="body" sz="quarter" idx="11"/>
           </p:nvPr>
         </p:nvSpPr>
-        <p:spPr/>
+        <p:spPr>
+          <a:xfrm>
+            <a:off x="609601" y="1100670"/>
+            <a:ext cx="10744199" cy="2452155"/>
+          </a:xfrm>
+        </p:spPr>
         <p:txBody>
           <a:bodyPr>
             <a:normAutofit/>
@@ -9587,7 +9612,15 @@
             </a:r>
             <a:r>
               <a:rPr lang="zh-CN" altLang="en-US" sz="1600" dirty="0"/>
-              <a:t>：通过为多个复杂的子系统提供一个一致的接口    </a:t>
+              <a:t>：优化</a:t>
+            </a:r>
+            <a:r>
+              <a:rPr lang="en-US" altLang="zh-CN" sz="1600" dirty="0"/>
+              <a:t>if-else</a:t>
+            </a:r>
+            <a:r>
+              <a:rPr lang="zh-CN" altLang="en-US" sz="1600" dirty="0"/>
+              <a:t>分支    </a:t>
             </a:r>
             <a:endParaRPr lang="en-US" altLang="zh-CN" sz="1600" dirty="0"/>
           </a:p>
@@ -9598,7 +9631,15 @@
             </a:r>
             <a:r>
               <a:rPr lang="zh-CN" altLang="en-US" sz="1600" dirty="0"/>
-              <a:t>场景：当完成一个操作，需要操作多个子系统，不如提供一个更高级的统一接口    </a:t>
+              <a:t>场景：当代码</a:t>
+            </a:r>
+            <a:r>
+              <a:rPr lang="en-US" altLang="zh-CN" sz="1600" dirty="0"/>
+              <a:t>if-else</a:t>
+            </a:r>
+            <a:r>
+              <a:rPr lang="zh-CN" altLang="en-US" sz="1600" dirty="0"/>
+              <a:t>分支过多时    </a:t>
             </a:r>
             <a:endParaRPr lang="en-US" altLang="zh-CN" sz="1600" dirty="0"/>
           </a:p>
@@ -9609,41 +9650,135 @@
             </a:r>
             <a:r>
               <a:rPr lang="zh-CN" altLang="en-US" sz="1600" dirty="0"/>
-              <a:t>结构：我们在组织方法模块时可以细化多个接口，但是我们给别人使用时，要合为一个接口，就像你可以直接去餐厅点</a:t>
+              <a:t>结构（策略模式</a:t>
             </a:r>
             <a:r>
               <a:rPr lang="zh-CN" altLang="en-US" sz="1600" dirty="0" smtClean="0"/>
-              <a:t>套餐</a:t>
+              <a:t>）</a:t>
             </a:r>
             <a:endParaRPr lang="en-US" altLang="zh-CN" sz="1600" dirty="0" smtClean="0"/>
           </a:p>
           <a:p>
             <a:r>
               <a:rPr lang="zh-CN" altLang="en-US" sz="1600" dirty="0" smtClean="0"/>
-              <a:t>示例</a:t>
+              <a:t>假设要编写一个计算器，有加减乘除，我们可以把一层一层的</a:t>
+            </a:r>
+            <a:r>
+              <a:rPr lang="en-US" altLang="zh-CN" sz="1600" dirty="0" smtClean="0"/>
+              <a:t>if</a:t>
+            </a:r>
+            <a:r>
+              <a:rPr lang="zh-CN" altLang="en-US" sz="1600" dirty="0" smtClean="0"/>
+              <a:t>判断，变成上面的形式    </a:t>
+            </a:r>
+            <a:endParaRPr lang="en-US" altLang="zh-CN" sz="1600" dirty="0" smtClean="0"/>
+          </a:p>
+          <a:p>
+            <a:r>
+              <a:rPr lang="zh-CN" altLang="en-US" sz="1600" dirty="0" smtClean="0"/>
+              <a:t>基本</a:t>
             </a:r>
             <a:r>
               <a:rPr lang="zh-CN" altLang="en-US" sz="1600" dirty="0"/>
-              <a:t>：插件封装的规律（需求：插件基本上都会给最终使用提供一个高级接口）    </a:t>
+              <a:t>结构（状态模式）为了减少</a:t>
+            </a:r>
+            <a:r>
+              <a:rPr lang="en-US" altLang="zh-CN" sz="1600" dirty="0"/>
+              <a:t>if-else</a:t>
+            </a:r>
+            <a:r>
+              <a:rPr lang="zh-CN" altLang="en-US" sz="1600" dirty="0"/>
+              <a:t>结构，将状态变成对象内部的一个状态，通过对象内部的状态改变，让其拥有不同</a:t>
+            </a:r>
+            <a:r>
+              <a:rPr lang="zh-CN" altLang="en-US" sz="1600" dirty="0" smtClean="0"/>
+              <a:t>行为</a:t>
+            </a:r>
+          </a:p>
+          <a:p>
+            <a:r>
+              <a:rPr lang="zh-CN" altLang="en-US" sz="1600" dirty="0" smtClean="0"/>
+              <a:t>示例：（需求：项目有一个动态的内容，根据用户权限的不同显示不同的内容</a:t>
             </a:r>
             <a:endParaRPr lang="en-US" altLang="zh-CN" sz="1600" dirty="0" smtClean="0"/>
           </a:p>
           <a:p>
             <a:r>
               <a:rPr lang="zh-CN" altLang="en-US" sz="1600" dirty="0" smtClean="0"/>
-              <a:t>示例</a:t>
-            </a:r>
-            <a:r>
-              <a:rPr lang="zh-CN" altLang="en-US" sz="1600" dirty="0"/>
-              <a:t>：封装成方法的思想（需求：在兼容时代，我们会常常需要检测能力，不妨作为一个统一接口）</a:t>
-            </a:r>
+              <a:t>示例：复合运动（需求：有一个小球，可以控制它左右移动，或者左前，右前等方式移动）</a:t>
+            </a:r>
+            <a:endParaRPr lang="zh-CN" altLang="en-US" sz="1600" dirty="0"/>
           </a:p>
         </p:txBody>
       </p:sp>
+      <p:pic>
+        <p:nvPicPr>
+          <p:cNvPr id="4098" name="Picture 2"/>
+          <p:cNvPicPr>
+            <a:picLocks noChangeAspect="1" noChangeArrowheads="1"/>
+          </p:cNvPicPr>
+          <p:nvPr/>
+        </p:nvPicPr>
+        <p:blipFill>
+          <a:blip r:embed="rId2" cstate="print">
+            <a:extLst>
+              <a:ext uri="{28A0092B-C50C-407E-A947-70E740481C1C}">
+                <a14:useLocalDpi xmlns:a14="http://schemas.microsoft.com/office/drawing/2010/main" val="0"/>
+              </a:ext>
+            </a:extLst>
+          </a:blip>
+          <a:srcRect/>
+          <a:stretch>
+            <a:fillRect/>
+          </a:stretch>
+        </p:blipFill>
+        <p:spPr bwMode="auto">
+          <a:xfrm>
+            <a:off x="7610690" y="3552825"/>
+            <a:ext cx="3417672" cy="2703512"/>
+          </a:xfrm>
+          <a:prstGeom prst="rect">
+            <a:avLst/>
+          </a:prstGeom>
+          <a:noFill/>
+          <a:ln>
+            <a:noFill/>
+          </a:ln>
+          <a:effectLst/>
+          <a:extLst>
+            <a:ext uri="{909E8E84-426E-40DD-AFC4-6F175D3DCCD1}">
+              <a14:hiddenFill xmlns:a14="http://schemas.microsoft.com/office/drawing/2010/main">
+                <a:solidFill>
+                  <a:schemeClr val="accent1"/>
+                </a:solidFill>
+              </a14:hiddenFill>
+            </a:ext>
+            <a:ext uri="{91240B29-F687-4F45-9708-019B960494DF}">
+              <a14:hiddenLine xmlns:a14="http://schemas.microsoft.com/office/drawing/2010/main" w="9525">
+                <a:solidFill>
+                  <a:schemeClr val="tx1"/>
+                </a:solidFill>
+                <a:miter lim="800000"/>
+                <a:headEnd/>
+                <a:tailEnd/>
+              </a14:hiddenLine>
+            </a:ext>
+            <a:ext uri="{AF507438-7753-43E0-B8FC-AC1667EBCBE1}">
+              <a14:hiddenEffects xmlns:a14="http://schemas.microsoft.com/office/drawing/2010/main">
+                <a:effectLst>
+                  <a:outerShdw dist="35921" dir="2700000" algn="ctr" rotWithShape="0">
+                    <a:schemeClr val="bg2"/>
+                  </a:outerShdw>
+                </a:effectLst>
+              </a14:hiddenEffects>
+            </a:ext>
+          </a:extLst>
+        </p:spPr>
+      </p:pic>
     </p:spTree>
     <p:extLst>
       <p:ext uri="{BB962C8B-B14F-4D97-AF65-F5344CB8AC3E}">
-        <p14:creationId xmlns:p14="http://schemas.microsoft.com/office/powerpoint/2010/main" val="162976284"/>
+        <p14:creationId xmlns:p14="http://schemas.microsoft.com/office/powerpoint/2010/main" val="672986222"/>
       </p:ext>
     </p:extLst>
   </p:cSld>
@@ -9653,7 +9788,124 @@
   <p:timing>
     <p:tnLst>
       <p:par>
-        <p:cTn id="1" dur="indefinite" restart="never" nodeType="tmRoot"/>
+        <p:cTn id="1" dur="indefinite" restart="never" nodeType="tmRoot">
+          <p:childTnLst>
+            <p:seq concurrent="1" nextAc="seek">
+              <p:cTn id="2" restart="whenNotActive" fill="hold" evtFilter="cancelBubble" nodeType="interactiveSeq">
+                <p:stCondLst>
+                  <p:cond evt="onClick" delay="0">
+                    <p:tgtEl>
+                      <p:spTgt spid="3"/>
+                    </p:tgtEl>
+                  </p:cond>
+                </p:stCondLst>
+                <p:endSync evt="end" delay="0">
+                  <p:rtn val="all"/>
+                </p:endSync>
+                <p:childTnLst>
+                  <p:par>
+                    <p:cTn id="3" fill="hold">
+                      <p:stCondLst>
+                        <p:cond delay="0"/>
+                      </p:stCondLst>
+                      <p:childTnLst>
+                        <p:par>
+                          <p:cTn id="4" fill="hold">
+                            <p:stCondLst>
+                              <p:cond delay="0"/>
+                            </p:stCondLst>
+                            <p:childTnLst>
+                              <p:par>
+                                <p:cTn id="5" presetID="2" presetClass="entr" presetSubtype="4" fill="hold" nodeType="clickEffect">
+                                  <p:stCondLst>
+                                    <p:cond delay="0"/>
+                                  </p:stCondLst>
+                                  <p:childTnLst>
+                                    <p:set>
+                                      <p:cBhvr>
+                                        <p:cTn id="6" dur="1" fill="hold">
+                                          <p:stCondLst>
+                                            <p:cond delay="0"/>
+                                          </p:stCondLst>
+                                        </p:cTn>
+                                        <p:tgtEl>
+                                          <p:spTgt spid="4098"/>
+                                        </p:tgtEl>
+                                        <p:attrNameLst>
+                                          <p:attrName>style.visibility</p:attrName>
+                                        </p:attrNameLst>
+                                      </p:cBhvr>
+                                      <p:to>
+                                        <p:strVal val="visible"/>
+                                      </p:to>
+                                    </p:set>
+                                    <p:anim calcmode="lin" valueType="num">
+                                      <p:cBhvr additive="base">
+                                        <p:cTn id="7" dur="500" fill="hold"/>
+                                        <p:tgtEl>
+                                          <p:spTgt spid="4098"/>
+                                        </p:tgtEl>
+                                        <p:attrNameLst>
+                                          <p:attrName>ppt_x</p:attrName>
+                                        </p:attrNameLst>
+                                      </p:cBhvr>
+                                      <p:tavLst>
+                                        <p:tav tm="0">
+                                          <p:val>
+                                            <p:strVal val="#ppt_x"/>
+                                          </p:val>
+                                        </p:tav>
+                                        <p:tav tm="100000">
+                                          <p:val>
+                                            <p:strVal val="#ppt_x"/>
+                                          </p:val>
+                                        </p:tav>
+                                      </p:tavLst>
+                                    </p:anim>
+                                    <p:anim calcmode="lin" valueType="num">
+                                      <p:cBhvr additive="base">
+                                        <p:cTn id="8" dur="500" fill="hold"/>
+                                        <p:tgtEl>
+                                          <p:spTgt spid="4098"/>
+                                        </p:tgtEl>
+                                        <p:attrNameLst>
+                                          <p:attrName>ppt_y</p:attrName>
+                                        </p:attrNameLst>
+                                      </p:cBhvr>
+                                      <p:tavLst>
+                                        <p:tav tm="0">
+                                          <p:val>
+                                            <p:strVal val="1+#ppt_h/2"/>
+                                          </p:val>
+                                        </p:tav>
+                                        <p:tav tm="100000">
+                                          <p:val>
+                                            <p:strVal val="#ppt_y"/>
+                                          </p:val>
+                                        </p:tav>
+                                      </p:tavLst>
+                                    </p:anim>
+                                  </p:childTnLst>
+                                </p:cTn>
+                              </p:par>
+                            </p:childTnLst>
+                          </p:cTn>
+                        </p:par>
+                      </p:childTnLst>
+                    </p:cTn>
+                  </p:par>
+                </p:childTnLst>
+              </p:cTn>
+              <p:nextCondLst>
+                <p:cond evt="onClick" delay="0">
+                  <p:tgtEl>
+                    <p:spTgt spid="3"/>
+                  </p:tgtEl>
+                </p:cond>
+              </p:nextCondLst>
+            </p:seq>
+          </p:childTnLst>
+        </p:cTn>
       </p:par>
     </p:tnLst>
   </p:timing>
@@ -9711,7 +9963,12 @@
             <p:ph type="body" sz="quarter" idx="11"/>
           </p:nvPr>
         </p:nvSpPr>
-        <p:spPr/>
+        <p:spPr>
+          <a:xfrm>
+            <a:off x="609601" y="1104901"/>
+            <a:ext cx="10970684" cy="4864102"/>
+          </a:xfrm>
+        </p:spPr>
         <p:txBody>
           <a:bodyPr>
             <a:normAutofit/>
@@ -10194,6 +10451,433 @@
       </p:grpSpPr>
       <p:sp>
         <p:nvSpPr>
+          <p:cNvPr id="2" name="标题 1"/>
+          <p:cNvSpPr>
+            <a:spLocks noGrp="1"/>
+          </p:cNvSpPr>
+          <p:nvPr>
+            <p:ph type="title"/>
+          </p:nvPr>
+        </p:nvSpPr>
+        <p:spPr/>
+        <p:txBody>
+          <a:bodyPr>
+            <a:normAutofit/>
+          </a:bodyPr>
+          <a:lstStyle/>
+          <a:p>
+            <a:r>
+              <a:rPr lang="zh-CN" altLang="en-US" sz="2400" b="0" dirty="0" smtClean="0"/>
+              <a:t>链模式</a:t>
+            </a:r>
+            <a:endParaRPr lang="zh-CN" altLang="en-US" sz="2400" b="0" dirty="0"/>
+          </a:p>
+        </p:txBody>
+      </p:sp>
+      <p:sp>
+        <p:nvSpPr>
+          <p:cNvPr id="3" name="文本占位符 2"/>
+          <p:cNvSpPr>
+            <a:spLocks noGrp="1"/>
+          </p:cNvSpPr>
+          <p:nvPr>
+            <p:ph type="body" sz="quarter" idx="11"/>
+          </p:nvPr>
+        </p:nvSpPr>
+        <p:spPr/>
+        <p:txBody>
+          <a:bodyPr>
+            <a:normAutofit/>
+          </a:bodyPr>
+          <a:lstStyle/>
+          <a:p>
+            <a:r>
+              <a:rPr lang="zh-CN" altLang="en-US" sz="1600" dirty="0" smtClean="0"/>
+              <a:t>好处：优雅</a:t>
+            </a:r>
+            <a:endParaRPr lang="en-US" altLang="zh-CN" sz="1600" dirty="0" smtClean="0"/>
+          </a:p>
+          <a:p>
+            <a:r>
+              <a:rPr lang="zh-CN" altLang="en-US" sz="1600" dirty="0"/>
+              <a:t>示例</a:t>
+            </a:r>
+            <a:r>
+              <a:rPr lang="zh-CN" altLang="en-US" sz="1600" dirty="0" smtClean="0"/>
+              <a:t>：</a:t>
+            </a:r>
+            <a:r>
+              <a:rPr lang="en-US" altLang="zh-CN" sz="1600" dirty="0" err="1" smtClean="0"/>
+              <a:t>jQuery</a:t>
+            </a:r>
+            <a:r>
+              <a:rPr lang="zh-CN" altLang="en-US" sz="1600" dirty="0" smtClean="0"/>
+              <a:t>、</a:t>
+            </a:r>
+            <a:r>
+              <a:rPr lang="en-US" altLang="zh-CN" sz="1600" dirty="0" smtClean="0"/>
+              <a:t>Promise</a:t>
+            </a:r>
+            <a:r>
+              <a:rPr lang="zh-CN" altLang="en-US" sz="1600" dirty="0" smtClean="0"/>
+              <a:t>的实现</a:t>
+            </a:r>
+            <a:endParaRPr lang="en-US" altLang="zh-CN" sz="1600" dirty="0" smtClean="0"/>
+          </a:p>
+          <a:p>
+            <a:endParaRPr lang="zh-CN" altLang="en-US" sz="1600" dirty="0"/>
+          </a:p>
+        </p:txBody>
+      </p:sp>
+    </p:spTree>
+    <p:extLst>
+      <p:ext uri="{BB962C8B-B14F-4D97-AF65-F5344CB8AC3E}">
+        <p14:creationId xmlns:p14="http://schemas.microsoft.com/office/powerpoint/2010/main" val="2122984540"/>
+      </p:ext>
+    </p:extLst>
+  </p:cSld>
+  <p:clrMapOvr>
+    <a:masterClrMapping/>
+  </p:clrMapOvr>
+  <p:timing>
+    <p:tnLst>
+      <p:par>
+        <p:cTn id="1" dur="indefinite" restart="never" nodeType="tmRoot"/>
+      </p:par>
+    </p:tnLst>
+  </p:timing>
+</p:sld>
+</file>
+
+<file path=ppt/slides/slide25.xml><?xml version="1.0" encoding="utf-8"?>
+<p:sld xmlns:a="http://schemas.openxmlformats.org/drawingml/2006/main" xmlns:r="http://schemas.openxmlformats.org/officeDocument/2006/relationships" xmlns:p="http://schemas.openxmlformats.org/presentationml/2006/main">
+  <p:cSld>
+    <p:spTree>
+      <p:nvGrpSpPr>
+        <p:cNvPr id="1" name=""/>
+        <p:cNvGrpSpPr/>
+        <p:nvPr/>
+      </p:nvGrpSpPr>
+      <p:grpSpPr>
+        <a:xfrm>
+          <a:off x="0" y="0"/>
+          <a:ext cx="0" cy="0"/>
+          <a:chOff x="0" y="0"/>
+          <a:chExt cx="0" cy="0"/>
+        </a:xfrm>
+      </p:grpSpPr>
+      <p:sp>
+        <p:nvSpPr>
+          <p:cNvPr id="2" name="标题 1"/>
+          <p:cNvSpPr>
+            <a:spLocks noGrp="1"/>
+          </p:cNvSpPr>
+          <p:nvPr>
+            <p:ph type="title"/>
+          </p:nvPr>
+        </p:nvSpPr>
+        <p:spPr/>
+        <p:txBody>
+          <a:bodyPr>
+            <a:normAutofit/>
+          </a:bodyPr>
+          <a:lstStyle/>
+          <a:p>
+            <a:r>
+              <a:rPr lang="zh-CN" altLang="en-US" sz="2400" b="0" dirty="0"/>
+              <a:t>惰性模式</a:t>
+            </a:r>
+          </a:p>
+        </p:txBody>
+      </p:sp>
+      <p:sp>
+        <p:nvSpPr>
+          <p:cNvPr id="3" name="文本占位符 2"/>
+          <p:cNvSpPr>
+            <a:spLocks noGrp="1"/>
+          </p:cNvSpPr>
+          <p:nvPr>
+            <p:ph type="body" sz="quarter" idx="11"/>
+          </p:nvPr>
+        </p:nvSpPr>
+        <p:spPr/>
+        <p:txBody>
+          <a:bodyPr>
+            <a:normAutofit/>
+          </a:bodyPr>
+          <a:lstStyle/>
+          <a:p>
+            <a:r>
+              <a:rPr lang="zh-CN" altLang="en-US" sz="1600" dirty="0" smtClean="0"/>
+              <a:t>目的：减少代码每次执行时的重复性判断，通过重新定义对象来避免原对象中的分支判断，提高性能</a:t>
+            </a:r>
+            <a:endParaRPr lang="en-US" altLang="zh-CN" sz="1600" dirty="0" smtClean="0"/>
+          </a:p>
+          <a:p>
+            <a:r>
+              <a:rPr lang="zh-CN" altLang="en-US" sz="1600" dirty="0" smtClean="0"/>
+              <a:t>示例：事件监听浏览器兼容性处理</a:t>
+            </a:r>
+            <a:endParaRPr lang="en-US" altLang="zh-CN" sz="1600" dirty="0" smtClean="0"/>
+          </a:p>
+          <a:p>
+            <a:endParaRPr lang="zh-CN" altLang="en-US" sz="1600" dirty="0"/>
+          </a:p>
+        </p:txBody>
+      </p:sp>
+    </p:spTree>
+    <p:extLst>
+      <p:ext uri="{BB962C8B-B14F-4D97-AF65-F5344CB8AC3E}">
+        <p14:creationId xmlns:p14="http://schemas.microsoft.com/office/powerpoint/2010/main" val="2452359764"/>
+      </p:ext>
+    </p:extLst>
+  </p:cSld>
+  <p:clrMapOvr>
+    <a:masterClrMapping/>
+  </p:clrMapOvr>
+  <p:timing>
+    <p:tnLst>
+      <p:par>
+        <p:cTn id="1" dur="indefinite" restart="never" nodeType="tmRoot"/>
+      </p:par>
+    </p:tnLst>
+  </p:timing>
+</p:sld>
+</file>
+
+<file path=ppt/slides/slide26.xml><?xml version="1.0" encoding="utf-8"?>
+<p:sld xmlns:a="http://schemas.openxmlformats.org/drawingml/2006/main" xmlns:r="http://schemas.openxmlformats.org/officeDocument/2006/relationships" xmlns:p="http://schemas.openxmlformats.org/presentationml/2006/main">
+  <p:cSld>
+    <p:spTree>
+      <p:nvGrpSpPr>
+        <p:cNvPr id="1" name=""/>
+        <p:cNvGrpSpPr/>
+        <p:nvPr/>
+      </p:nvGrpSpPr>
+      <p:grpSpPr>
+        <a:xfrm>
+          <a:off x="0" y="0"/>
+          <a:ext cx="0" cy="0"/>
+          <a:chOff x="0" y="0"/>
+          <a:chExt cx="0" cy="0"/>
+        </a:xfrm>
+      </p:grpSpPr>
+      <p:sp>
+        <p:nvSpPr>
+          <p:cNvPr id="2" name="标题 1"/>
+          <p:cNvSpPr>
+            <a:spLocks noGrp="1"/>
+          </p:cNvSpPr>
+          <p:nvPr>
+            <p:ph type="title"/>
+          </p:nvPr>
+        </p:nvSpPr>
+        <p:spPr/>
+        <p:txBody>
+          <a:bodyPr>
+            <a:normAutofit/>
+          </a:bodyPr>
+          <a:lstStyle/>
+          <a:p>
+            <a:r>
+              <a:rPr lang="zh-CN" altLang="en-US" sz="2400" b="0" dirty="0" smtClean="0"/>
+              <a:t>等待者模式</a:t>
+            </a:r>
+            <a:endParaRPr lang="zh-CN" altLang="en-US" sz="2400" b="0" dirty="0"/>
+          </a:p>
+        </p:txBody>
+      </p:sp>
+      <p:sp>
+        <p:nvSpPr>
+          <p:cNvPr id="3" name="文本占位符 2"/>
+          <p:cNvSpPr>
+            <a:spLocks noGrp="1"/>
+          </p:cNvSpPr>
+          <p:nvPr>
+            <p:ph type="body" sz="quarter" idx="11"/>
+          </p:nvPr>
+        </p:nvSpPr>
+        <p:spPr/>
+        <p:txBody>
+          <a:bodyPr>
+            <a:normAutofit/>
+          </a:bodyPr>
+          <a:lstStyle/>
+          <a:p>
+            <a:r>
+              <a:rPr lang="zh-CN" altLang="en-US" sz="1600" dirty="0" smtClean="0"/>
+              <a:t>目的：多个异步逻辑无法确认先后执行的顺序以及时机时，而我们对异步逻辑的监听，当每个异步状态发生变化时，进行一次确认状态，然后根据结果来决定是否执行某动作。</a:t>
+            </a:r>
+            <a:endParaRPr lang="en-US" altLang="zh-CN" sz="1600" dirty="0" smtClean="0"/>
+          </a:p>
+          <a:p>
+            <a:r>
+              <a:rPr lang="zh-CN" altLang="en-US" sz="1600" dirty="0" smtClean="0"/>
+              <a:t>示例：</a:t>
+            </a:r>
+            <a:r>
+              <a:rPr lang="en-US" altLang="zh-CN" sz="1600" dirty="0" err="1" smtClean="0"/>
+              <a:t>Promise.all</a:t>
+            </a:r>
+            <a:endParaRPr lang="en-US" altLang="zh-CN" sz="1600" dirty="0" smtClean="0"/>
+          </a:p>
+          <a:p>
+            <a:endParaRPr lang="zh-CN" altLang="en-US" sz="1600" dirty="0"/>
+          </a:p>
+        </p:txBody>
+      </p:sp>
+    </p:spTree>
+    <p:extLst>
+      <p:ext uri="{BB962C8B-B14F-4D97-AF65-F5344CB8AC3E}">
+        <p14:creationId xmlns:p14="http://schemas.microsoft.com/office/powerpoint/2010/main" val="2672397878"/>
+      </p:ext>
+    </p:extLst>
+  </p:cSld>
+  <p:clrMapOvr>
+    <a:masterClrMapping/>
+  </p:clrMapOvr>
+  <p:timing>
+    <p:tnLst>
+      <p:par>
+        <p:cTn id="1" dur="indefinite" restart="never" nodeType="tmRoot"/>
+      </p:par>
+    </p:tnLst>
+  </p:timing>
+</p:sld>
+</file>
+
+<file path=ppt/slides/slide27.xml><?xml version="1.0" encoding="utf-8"?>
+<p:sld xmlns:a="http://schemas.openxmlformats.org/drawingml/2006/main" xmlns:r="http://schemas.openxmlformats.org/officeDocument/2006/relationships" xmlns:p="http://schemas.openxmlformats.org/presentationml/2006/main">
+  <p:cSld>
+    <p:spTree>
+      <p:nvGrpSpPr>
+        <p:cNvPr id="1" name=""/>
+        <p:cNvGrpSpPr/>
+        <p:nvPr/>
+      </p:nvGrpSpPr>
+      <p:grpSpPr>
+        <a:xfrm>
+          <a:off x="0" y="0"/>
+          <a:ext cx="0" cy="0"/>
+          <a:chOff x="0" y="0"/>
+          <a:chExt cx="0" cy="0"/>
+        </a:xfrm>
+      </p:grpSpPr>
+      <p:sp>
+        <p:nvSpPr>
+          <p:cNvPr id="2" name="标题 1"/>
+          <p:cNvSpPr>
+            <a:spLocks noGrp="1"/>
+          </p:cNvSpPr>
+          <p:nvPr>
+            <p:ph type="title"/>
+          </p:nvPr>
+        </p:nvSpPr>
+        <p:spPr/>
+        <p:txBody>
+          <a:bodyPr>
+            <a:normAutofit/>
+          </a:bodyPr>
+          <a:lstStyle/>
+          <a:p>
+            <a:r>
+              <a:rPr lang="zh-CN" altLang="en-US" sz="2400" b="0" dirty="0" smtClean="0"/>
+              <a:t>数据访问模式</a:t>
+            </a:r>
+            <a:endParaRPr lang="zh-CN" altLang="en-US" sz="2400" b="0" dirty="0"/>
+          </a:p>
+        </p:txBody>
+      </p:sp>
+      <p:sp>
+        <p:nvSpPr>
+          <p:cNvPr id="3" name="文本占位符 2"/>
+          <p:cNvSpPr>
+            <a:spLocks noGrp="1"/>
+          </p:cNvSpPr>
+          <p:nvPr>
+            <p:ph type="body" sz="quarter" idx="11"/>
+          </p:nvPr>
+        </p:nvSpPr>
+        <p:spPr/>
+        <p:txBody>
+          <a:bodyPr>
+            <a:normAutofit/>
+          </a:bodyPr>
+          <a:lstStyle/>
+          <a:p>
+            <a:r>
+              <a:rPr lang="zh-CN" altLang="en-US" sz="1600" dirty="0" smtClean="0"/>
+              <a:t>目的：除去直接操作数据对象造成的数据错误和混乱，抽象成</a:t>
+            </a:r>
+            <a:r>
+              <a:rPr lang="en-US" altLang="zh-CN" sz="1600" dirty="0" smtClean="0"/>
+              <a:t>Dao</a:t>
+            </a:r>
+            <a:r>
+              <a:rPr lang="zh-CN" altLang="en-US" sz="1600" dirty="0" smtClean="0"/>
+              <a:t>层来做这个事情</a:t>
+            </a:r>
+            <a:endParaRPr lang="en-US" altLang="zh-CN" sz="1600" dirty="0" smtClean="0"/>
+          </a:p>
+          <a:p>
+            <a:r>
+              <a:rPr lang="zh-CN" altLang="en-US" sz="1600" dirty="0" smtClean="0"/>
+              <a:t>示例：</a:t>
+            </a:r>
+            <a:r>
+              <a:rPr lang="en-US" altLang="zh-CN" sz="1600" dirty="0" err="1" smtClean="0"/>
+              <a:t>localstorage</a:t>
+            </a:r>
+            <a:r>
+              <a:rPr lang="zh-CN" altLang="en-US" sz="1600" dirty="0" smtClean="0"/>
+              <a:t>的存取</a:t>
+            </a:r>
+            <a:endParaRPr lang="en-US" altLang="zh-CN" sz="1600" dirty="0" smtClean="0"/>
+          </a:p>
+          <a:p>
+            <a:endParaRPr lang="zh-CN" altLang="en-US" sz="1600" dirty="0"/>
+          </a:p>
+        </p:txBody>
+      </p:sp>
+    </p:spTree>
+    <p:extLst>
+      <p:ext uri="{BB962C8B-B14F-4D97-AF65-F5344CB8AC3E}">
+        <p14:creationId xmlns:p14="http://schemas.microsoft.com/office/powerpoint/2010/main" val="1763637806"/>
+      </p:ext>
+    </p:extLst>
+  </p:cSld>
+  <p:clrMapOvr>
+    <a:masterClrMapping/>
+  </p:clrMapOvr>
+  <p:timing>
+    <p:tnLst>
+      <p:par>
+        <p:cTn id="1" dur="indefinite" restart="never" nodeType="tmRoot"/>
+      </p:par>
+    </p:tnLst>
+  </p:timing>
+</p:sld>
+</file>
+
+<file path=ppt/slides/slide28.xml><?xml version="1.0" encoding="utf-8"?>
+<p:sld xmlns:a="http://schemas.openxmlformats.org/drawingml/2006/main" xmlns:r="http://schemas.openxmlformats.org/officeDocument/2006/relationships" xmlns:p="http://schemas.openxmlformats.org/presentationml/2006/main">
+  <p:cSld>
+    <p:spTree>
+      <p:nvGrpSpPr>
+        <p:cNvPr id="1" name=""/>
+        <p:cNvGrpSpPr/>
+        <p:nvPr/>
+      </p:nvGrpSpPr>
+      <p:grpSpPr>
+        <a:xfrm>
+          <a:off x="0" y="0"/>
+          <a:ext cx="0" cy="0"/>
+          <a:chOff x="0" y="0"/>
+          <a:chExt cx="0" cy="0"/>
+        </a:xfrm>
+      </p:grpSpPr>
+      <p:sp>
+        <p:nvSpPr>
           <p:cNvPr id="2" name="TextBox 1"/>
           <p:cNvSpPr txBox="1"/>
           <p:nvPr/>
@@ -10280,23 +10964,22 @@
             <p:ph type="title"/>
           </p:nvPr>
         </p:nvSpPr>
-        <p:spPr/>
+        <p:spPr>
+          <a:xfrm>
+            <a:off x="609600" y="275167"/>
+            <a:ext cx="10968570" cy="839955"/>
+          </a:xfrm>
+        </p:spPr>
         <p:txBody>
-          <a:bodyPr/>
+          <a:bodyPr>
+            <a:normAutofit/>
+          </a:bodyPr>
           <a:lstStyle/>
           <a:p>
             <a:r>
               <a:rPr lang="zh-CN" altLang="en-US" sz="2400" b="0" dirty="0"/>
-              <a:t>设计模式扮演的角色</a:t>
-            </a:r>
-            <a:r>
-              <a:rPr lang="zh-CN" altLang="en-US" dirty="0"/>
-              <a:t/>
-            </a:r>
-            <a:br>
-              <a:rPr lang="zh-CN" altLang="en-US" dirty="0"/>
-            </a:br>
-            <a:endParaRPr lang="zh-CN" altLang="en-US" dirty="0"/>
+              <a:t>提高可扩展性的目的</a:t>
+            </a:r>
           </a:p>
         </p:txBody>
       </p:sp>
@@ -10310,7 +10993,12 @@
             <p:ph type="body" sz="quarter" idx="11"/>
           </p:nvPr>
         </p:nvSpPr>
-        <p:spPr/>
+        <p:spPr>
+          <a:xfrm>
+            <a:off x="609601" y="1067696"/>
+            <a:ext cx="10162477" cy="1039901"/>
+          </a:xfrm>
+        </p:spPr>
         <p:txBody>
           <a:bodyPr>
             <a:normAutofit/>
@@ -10323,11 +11011,11 @@
             </a:r>
             <a:r>
               <a:rPr lang="zh-CN" altLang="en-US" sz="1600" dirty="0"/>
-              <a:t>帮助我们组织</a:t>
+              <a:t>面对需求变更，方便需求更改</a:t>
             </a:r>
             <a:r>
               <a:rPr lang="zh-CN" altLang="en-US" sz="1600" dirty="0" smtClean="0"/>
-              <a:t>模块</a:t>
+              <a:t>；</a:t>
             </a:r>
             <a:endParaRPr lang="en-US" altLang="zh-CN" sz="1600" dirty="0" smtClean="0"/>
           </a:p>
@@ -10342,34 +11030,269 @@
             </a:r>
             <a:r>
               <a:rPr lang="zh-CN" altLang="en-US" sz="1600" dirty="0"/>
-              <a:t>帮助我们设计</a:t>
+              <a:t>减少代码修改的难度；</a:t>
+            </a:r>
+          </a:p>
+        </p:txBody>
+      </p:sp>
+      <p:sp>
+        <p:nvSpPr>
+          <p:cNvPr id="4" name="标题 1"/>
+          <p:cNvSpPr txBox="1">
+            <a:spLocks/>
+          </p:cNvSpPr>
+          <p:nvPr/>
+        </p:nvSpPr>
+        <p:spPr>
+          <a:xfrm>
+            <a:off x="607485" y="2282409"/>
+            <a:ext cx="10972800" cy="1143000"/>
+          </a:xfrm>
+          <a:prstGeom prst="rect">
+            <a:avLst/>
+          </a:prstGeom>
+        </p:spPr>
+        <p:txBody>
+          <a:bodyPr vert="horz" lIns="91440" tIns="45720" rIns="91440" bIns="45720" rtlCol="0" anchor="t">
+            <a:normAutofit/>
+          </a:bodyPr>
+          <a:lstStyle>
+            <a:lvl1pPr algn="l" defTabSz="609585" rtl="0" eaLnBrk="1" latinLnBrk="0" hangingPunct="1">
+              <a:spcBef>
+                <a:spcPct val="0"/>
+              </a:spcBef>
+              <a:buNone/>
+              <a:defRPr sz="3200" b="1" i="0" kern="1200">
+                <a:solidFill>
+                  <a:srgbClr val="1771EA"/>
+                </a:solidFill>
+                <a:latin typeface="微软雅黑" panose="020B0503020204020204" pitchFamily="34" charset="-122"/>
+                <a:ea typeface="微软雅黑" panose="020B0503020204020204" pitchFamily="34" charset="-122"/>
+                <a:cs typeface="Arial"/>
+              </a:defRPr>
+            </a:lvl1pPr>
+          </a:lstStyle>
+          <a:p>
+            <a:r>
+              <a:rPr lang="zh-CN" altLang="en-US" sz="2400" b="0" dirty="0" smtClean="0"/>
+              <a:t>什么是好的可扩展性</a:t>
+            </a:r>
+            <a:endParaRPr lang="zh-CN" altLang="en-US" sz="2400" b="0" dirty="0"/>
+          </a:p>
+        </p:txBody>
+      </p:sp>
+      <p:sp>
+        <p:nvSpPr>
+          <p:cNvPr id="5" name="文本占位符 2"/>
+          <p:cNvSpPr txBox="1">
+            <a:spLocks/>
+          </p:cNvSpPr>
+          <p:nvPr/>
+        </p:nvSpPr>
+        <p:spPr>
+          <a:xfrm>
+            <a:off x="607486" y="3275656"/>
+            <a:ext cx="10970684" cy="1463647"/>
+          </a:xfrm>
+          <a:prstGeom prst="rect">
+            <a:avLst/>
+          </a:prstGeom>
+        </p:spPr>
+        <p:txBody>
+          <a:bodyPr vert="horz" lIns="91440" tIns="45720" rIns="91440" bIns="45720" rtlCol="0">
+            <a:normAutofit/>
+          </a:bodyPr>
+          <a:lstStyle>
+            <a:lvl1pPr marL="457189" indent="-457189" algn="l" defTabSz="609585" rtl="0" eaLnBrk="1" latinLnBrk="0" hangingPunct="1">
+              <a:spcBef>
+                <a:spcPct val="20000"/>
+              </a:spcBef>
+              <a:buFont typeface="Arial"/>
+              <a:buChar char="•"/>
+              <a:defRPr sz="3200" b="0" i="0" kern="1200">
+                <a:solidFill>
+                  <a:schemeClr val="tx1">
+                    <a:lumMod val="85000"/>
+                    <a:lumOff val="15000"/>
+                  </a:schemeClr>
+                </a:solidFill>
+                <a:latin typeface="微软雅黑" panose="020B0503020204020204" pitchFamily="34" charset="-122"/>
+                <a:ea typeface="微软雅黑" panose="020B0503020204020204" pitchFamily="34" charset="-122"/>
+                <a:cs typeface="Arial"/>
+              </a:defRPr>
+            </a:lvl1pPr>
+            <a:lvl2pPr marL="990575" indent="-380990" algn="l" defTabSz="609585" rtl="0" eaLnBrk="1" latinLnBrk="0" hangingPunct="1">
+              <a:spcBef>
+                <a:spcPct val="20000"/>
+              </a:spcBef>
+              <a:buFont typeface="Arial"/>
+              <a:buChar char="–"/>
+              <a:defRPr sz="2667" b="0" i="0" kern="1200">
+                <a:solidFill>
+                  <a:schemeClr val="tx1">
+                    <a:lumMod val="85000"/>
+                    <a:lumOff val="15000"/>
+                  </a:schemeClr>
+                </a:solidFill>
+                <a:latin typeface="微软雅黑" panose="020B0503020204020204" pitchFamily="34" charset="-122"/>
+                <a:ea typeface="微软雅黑" panose="020B0503020204020204" pitchFamily="34" charset="-122"/>
+                <a:cs typeface="Arial"/>
+              </a:defRPr>
+            </a:lvl2pPr>
+            <a:lvl3pPr marL="1523962" indent="-304792" algn="l" defTabSz="609585" rtl="0" eaLnBrk="1" latinLnBrk="0" hangingPunct="1">
+              <a:spcBef>
+                <a:spcPct val="20000"/>
+              </a:spcBef>
+              <a:buFont typeface="Arial"/>
+              <a:buChar char="•"/>
+              <a:defRPr sz="2400" b="0" i="0" kern="1200">
+                <a:solidFill>
+                  <a:schemeClr val="tx1">
+                    <a:lumMod val="85000"/>
+                    <a:lumOff val="15000"/>
+                  </a:schemeClr>
+                </a:solidFill>
+                <a:latin typeface="微软雅黑" panose="020B0503020204020204" pitchFamily="34" charset="-122"/>
+                <a:ea typeface="微软雅黑" panose="020B0503020204020204" pitchFamily="34" charset="-122"/>
+                <a:cs typeface="Arial"/>
+              </a:defRPr>
+            </a:lvl3pPr>
+            <a:lvl4pPr marL="2133547" indent="-304792" algn="l" defTabSz="609585" rtl="0" eaLnBrk="1" latinLnBrk="0" hangingPunct="1">
+              <a:spcBef>
+                <a:spcPct val="20000"/>
+              </a:spcBef>
+              <a:buFont typeface="Arial"/>
+              <a:buChar char="–"/>
+              <a:defRPr sz="2133" b="0" i="0" kern="1200">
+                <a:solidFill>
+                  <a:schemeClr val="tx1">
+                    <a:lumMod val="85000"/>
+                    <a:lumOff val="15000"/>
+                  </a:schemeClr>
+                </a:solidFill>
+                <a:latin typeface="微软雅黑" panose="020B0503020204020204" pitchFamily="34" charset="-122"/>
+                <a:ea typeface="微软雅黑" panose="020B0503020204020204" pitchFamily="34" charset="-122"/>
+                <a:cs typeface="Arial"/>
+              </a:defRPr>
+            </a:lvl4pPr>
+            <a:lvl5pPr marL="2743131" indent="-304792" algn="l" defTabSz="609585" rtl="0" eaLnBrk="1" latinLnBrk="0" hangingPunct="1">
+              <a:spcBef>
+                <a:spcPct val="20000"/>
+              </a:spcBef>
+              <a:buFont typeface="Arial"/>
+              <a:buChar char="»"/>
+              <a:defRPr sz="2133" b="0" i="0" kern="1200">
+                <a:solidFill>
+                  <a:schemeClr val="tx1">
+                    <a:lumMod val="85000"/>
+                    <a:lumOff val="15000"/>
+                  </a:schemeClr>
+                </a:solidFill>
+                <a:latin typeface="微软雅黑" panose="020B0503020204020204" pitchFamily="34" charset="-122"/>
+                <a:ea typeface="微软雅黑" panose="020B0503020204020204" pitchFamily="34" charset="-122"/>
+                <a:cs typeface="Arial"/>
+              </a:defRPr>
+            </a:lvl5pPr>
+            <a:lvl6pPr marL="3352716" indent="-304792" algn="l" defTabSz="609585" rtl="0" eaLnBrk="1" latinLnBrk="0" hangingPunct="1">
+              <a:spcBef>
+                <a:spcPct val="20000"/>
+              </a:spcBef>
+              <a:buFont typeface="Arial"/>
+              <a:buChar char="•"/>
+              <a:defRPr sz="2667" kern="1200">
+                <a:solidFill>
+                  <a:schemeClr val="tx1"/>
+                </a:solidFill>
+                <a:latin typeface="+mn-lt"/>
+                <a:ea typeface="+mn-ea"/>
+                <a:cs typeface="+mn-cs"/>
+              </a:defRPr>
+            </a:lvl6pPr>
+            <a:lvl7pPr marL="3962301" indent="-304792" algn="l" defTabSz="609585" rtl="0" eaLnBrk="1" latinLnBrk="0" hangingPunct="1">
+              <a:spcBef>
+                <a:spcPct val="20000"/>
+              </a:spcBef>
+              <a:buFont typeface="Arial"/>
+              <a:buChar char="•"/>
+              <a:defRPr sz="2667" kern="1200">
+                <a:solidFill>
+                  <a:schemeClr val="tx1"/>
+                </a:solidFill>
+                <a:latin typeface="+mn-lt"/>
+                <a:ea typeface="+mn-ea"/>
+                <a:cs typeface="+mn-cs"/>
+              </a:defRPr>
+            </a:lvl7pPr>
+            <a:lvl8pPr marL="4571886" indent="-304792" algn="l" defTabSz="609585" rtl="0" eaLnBrk="1" latinLnBrk="0" hangingPunct="1">
+              <a:spcBef>
+                <a:spcPct val="20000"/>
+              </a:spcBef>
+              <a:buFont typeface="Arial"/>
+              <a:buChar char="•"/>
+              <a:defRPr sz="2667" kern="1200">
+                <a:solidFill>
+                  <a:schemeClr val="tx1"/>
+                </a:solidFill>
+                <a:latin typeface="+mn-lt"/>
+                <a:ea typeface="+mn-ea"/>
+                <a:cs typeface="+mn-cs"/>
+              </a:defRPr>
+            </a:lvl8pPr>
+            <a:lvl9pPr marL="5181470" indent="-304792" algn="l" defTabSz="609585" rtl="0" eaLnBrk="1" latinLnBrk="0" hangingPunct="1">
+              <a:spcBef>
+                <a:spcPct val="20000"/>
+              </a:spcBef>
+              <a:buFont typeface="Arial"/>
+              <a:buChar char="•"/>
+              <a:defRPr sz="2667" kern="1200">
+                <a:solidFill>
+                  <a:schemeClr val="tx1"/>
+                </a:solidFill>
+                <a:latin typeface="+mn-lt"/>
+                <a:ea typeface="+mn-ea"/>
+                <a:cs typeface="+mn-cs"/>
+              </a:defRPr>
+            </a:lvl9pPr>
+          </a:lstStyle>
+          <a:p>
+            <a:r>
+              <a:rPr lang="en-US" altLang="zh-CN" sz="1600" dirty="0" smtClean="0"/>
+              <a:t>1. </a:t>
             </a:r>
             <a:r>
               <a:rPr lang="zh-CN" altLang="en-US" sz="1600" dirty="0" smtClean="0"/>
-              <a:t>沟通</a:t>
+              <a:t>需求的变更，不需要重写；</a:t>
             </a:r>
             <a:endParaRPr lang="en-US" altLang="zh-CN" sz="1600" dirty="0" smtClean="0"/>
           </a:p>
           <a:p>
             <a:r>
               <a:rPr lang="en-US" altLang="zh-CN" sz="1600" dirty="0" smtClean="0"/>
-              <a:t>3</a:t>
-            </a:r>
-            <a:r>
-              <a:rPr lang="en-US" altLang="zh-CN" sz="1600" dirty="0"/>
-              <a:t>. </a:t>
-            </a:r>
-            <a:r>
-              <a:rPr lang="zh-CN" altLang="en-US" sz="1600" dirty="0"/>
-              <a:t>提高代码质量</a:t>
-            </a:r>
+              <a:t>2. </a:t>
+            </a:r>
+            <a:r>
+              <a:rPr lang="zh-CN" altLang="en-US" sz="1600" dirty="0" smtClean="0"/>
+              <a:t>代码修改不会引起大规模变动；</a:t>
+            </a:r>
+            <a:endParaRPr lang="en-US" altLang="zh-CN" sz="1600" dirty="0" smtClean="0"/>
+          </a:p>
+          <a:p>
+            <a:r>
+              <a:rPr lang="en-US" altLang="zh-CN" sz="1600" dirty="0" smtClean="0"/>
+              <a:t>3. </a:t>
+            </a:r>
+            <a:r>
+              <a:rPr lang="zh-CN" altLang="en-US" sz="1600" dirty="0" smtClean="0"/>
+              <a:t>方便加入新模块；</a:t>
+            </a:r>
+            <a:endParaRPr lang="zh-CN" altLang="en-US" sz="1600" dirty="0"/>
           </a:p>
         </p:txBody>
       </p:sp>
     </p:spTree>
     <p:extLst>
       <p:ext uri="{BB962C8B-B14F-4D97-AF65-F5344CB8AC3E}">
-        <p14:creationId xmlns:p14="http://schemas.microsoft.com/office/powerpoint/2010/main" val="3589471837"/>
+        <p14:creationId xmlns:p14="http://schemas.microsoft.com/office/powerpoint/2010/main" val="324889481"/>
       </p:ext>
     </p:extLst>
   </p:cSld>
@@ -10413,17 +11336,30 @@
             <p:ph type="title"/>
           </p:nvPr>
         </p:nvSpPr>
-        <p:spPr/>
+        <p:spPr>
+          <a:xfrm>
+            <a:off x="609600" y="275167"/>
+            <a:ext cx="10966971" cy="750745"/>
+          </a:xfrm>
+        </p:spPr>
         <p:txBody>
           <a:bodyPr>
-            <a:normAutofit/>
+            <a:noAutofit/>
           </a:bodyPr>
           <a:lstStyle/>
           <a:p>
             <a:r>
               <a:rPr lang="zh-CN" altLang="en-US" sz="2400" b="0" dirty="0"/>
-              <a:t>提高可扩展性的目的</a:t>
-            </a:r>
+              <a:t>封装目的</a:t>
+            </a:r>
+            <a:r>
+              <a:rPr lang="zh-CN" altLang="en-US" sz="2400" dirty="0"/>
+              <a:t/>
+            </a:r>
+            <a:br>
+              <a:rPr lang="zh-CN" altLang="en-US" sz="2400" dirty="0"/>
+            </a:br>
+            <a:endParaRPr lang="zh-CN" altLang="en-US" sz="2400" dirty="0"/>
           </a:p>
         </p:txBody>
       </p:sp>
@@ -10437,7 +11373,12 @@
             <p:ph type="body" sz="quarter" idx="11"/>
           </p:nvPr>
         </p:nvSpPr>
-        <p:spPr/>
+        <p:spPr>
+          <a:xfrm>
+            <a:off x="609601" y="1168055"/>
+            <a:ext cx="9984058" cy="1054823"/>
+          </a:xfrm>
+        </p:spPr>
         <p:txBody>
           <a:bodyPr>
             <a:normAutofit/>
@@ -10450,7 +11391,7 @@
             </a:r>
             <a:r>
               <a:rPr lang="zh-CN" altLang="en-US" sz="1600" dirty="0"/>
-              <a:t>面对需求变更，方便需求更改</a:t>
+              <a:t>定义变量不会污染外部</a:t>
             </a:r>
             <a:r>
               <a:rPr lang="zh-CN" altLang="en-US" sz="1600" dirty="0" smtClean="0"/>
@@ -10469,15 +11410,295 @@
             </a:r>
             <a:r>
               <a:rPr lang="zh-CN" altLang="en-US" sz="1600" dirty="0"/>
-              <a:t>减少代码修改的难度；</a:t>
-            </a:r>
+              <a:t>能够作为一个模块调用</a:t>
+            </a:r>
+            <a:r>
+              <a:rPr lang="zh-CN" altLang="en-US" sz="1600" dirty="0" smtClean="0"/>
+              <a:t>；</a:t>
+            </a:r>
+            <a:endParaRPr lang="en-US" altLang="zh-CN" sz="1600" dirty="0" smtClean="0"/>
+          </a:p>
+          <a:p>
+            <a:r>
+              <a:rPr lang="en-US" altLang="zh-CN" sz="1600" dirty="0" smtClean="0"/>
+              <a:t>3</a:t>
+            </a:r>
+            <a:r>
+              <a:rPr lang="en-US" altLang="zh-CN" sz="1600" dirty="0"/>
+              <a:t>. </a:t>
+            </a:r>
+            <a:r>
+              <a:rPr lang="zh-CN" altLang="en-US" sz="1600" dirty="0"/>
+              <a:t>遵循开闭原则；</a:t>
+            </a:r>
+          </a:p>
+        </p:txBody>
+      </p:sp>
+      <p:sp>
+        <p:nvSpPr>
+          <p:cNvPr id="4" name="标题 1"/>
+          <p:cNvSpPr txBox="1">
+            <a:spLocks/>
+          </p:cNvSpPr>
+          <p:nvPr/>
+        </p:nvSpPr>
+        <p:spPr>
+          <a:xfrm>
+            <a:off x="605886" y="2936541"/>
+            <a:ext cx="11091743" cy="1022141"/>
+          </a:xfrm>
+          <a:prstGeom prst="rect">
+            <a:avLst/>
+          </a:prstGeom>
+        </p:spPr>
+        <p:txBody>
+          <a:bodyPr vert="horz" lIns="91440" tIns="45720" rIns="91440" bIns="45720" rtlCol="0" anchor="t">
+            <a:normAutofit/>
+          </a:bodyPr>
+          <a:lstStyle>
+            <a:lvl1pPr algn="l" defTabSz="609585" rtl="0" eaLnBrk="1" latinLnBrk="0" hangingPunct="1">
+              <a:spcBef>
+                <a:spcPct val="0"/>
+              </a:spcBef>
+              <a:buNone/>
+              <a:defRPr sz="3200" b="1" i="0" kern="1200">
+                <a:solidFill>
+                  <a:srgbClr val="1771EA"/>
+                </a:solidFill>
+                <a:latin typeface="微软雅黑" panose="020B0503020204020204" pitchFamily="34" charset="-122"/>
+                <a:ea typeface="微软雅黑" panose="020B0503020204020204" pitchFamily="34" charset="-122"/>
+                <a:cs typeface="Arial"/>
+              </a:defRPr>
+            </a:lvl1pPr>
+          </a:lstStyle>
+          <a:p>
+            <a:r>
+              <a:rPr lang="zh-CN" altLang="en-US" sz="2400" b="0" dirty="0" smtClean="0"/>
+              <a:t>什么是好的封装</a:t>
+            </a:r>
+            <a:r>
+              <a:rPr lang="zh-CN" altLang="en-US" sz="2400" dirty="0" smtClean="0"/>
+              <a:t/>
+            </a:r>
+            <a:br>
+              <a:rPr lang="zh-CN" altLang="en-US" sz="2400" dirty="0" smtClean="0"/>
+            </a:br>
+            <a:endParaRPr lang="zh-CN" altLang="en-US" sz="2400" dirty="0"/>
+          </a:p>
+        </p:txBody>
+      </p:sp>
+      <p:sp>
+        <p:nvSpPr>
+          <p:cNvPr id="5" name="文本占位符 2"/>
+          <p:cNvSpPr txBox="1">
+            <a:spLocks/>
+          </p:cNvSpPr>
+          <p:nvPr/>
+        </p:nvSpPr>
+        <p:spPr>
+          <a:xfrm>
+            <a:off x="605887" y="3646449"/>
+            <a:ext cx="8906103" cy="1204331"/>
+          </a:xfrm>
+          <a:prstGeom prst="rect">
+            <a:avLst/>
+          </a:prstGeom>
+        </p:spPr>
+        <p:txBody>
+          <a:bodyPr vert="horz" lIns="91440" tIns="45720" rIns="91440" bIns="45720" rtlCol="0">
+            <a:normAutofit/>
+          </a:bodyPr>
+          <a:lstStyle>
+            <a:lvl1pPr marL="457189" indent="-457189" algn="l" defTabSz="609585" rtl="0" eaLnBrk="1" latinLnBrk="0" hangingPunct="1">
+              <a:spcBef>
+                <a:spcPct val="20000"/>
+              </a:spcBef>
+              <a:buFont typeface="Arial"/>
+              <a:buChar char="•"/>
+              <a:defRPr sz="3200" b="0" i="0" kern="1200">
+                <a:solidFill>
+                  <a:schemeClr val="tx1">
+                    <a:lumMod val="85000"/>
+                    <a:lumOff val="15000"/>
+                  </a:schemeClr>
+                </a:solidFill>
+                <a:latin typeface="微软雅黑" panose="020B0503020204020204" pitchFamily="34" charset="-122"/>
+                <a:ea typeface="微软雅黑" panose="020B0503020204020204" pitchFamily="34" charset="-122"/>
+                <a:cs typeface="Arial"/>
+              </a:defRPr>
+            </a:lvl1pPr>
+            <a:lvl2pPr marL="990575" indent="-380990" algn="l" defTabSz="609585" rtl="0" eaLnBrk="1" latinLnBrk="0" hangingPunct="1">
+              <a:spcBef>
+                <a:spcPct val="20000"/>
+              </a:spcBef>
+              <a:buFont typeface="Arial"/>
+              <a:buChar char="–"/>
+              <a:defRPr sz="2667" b="0" i="0" kern="1200">
+                <a:solidFill>
+                  <a:schemeClr val="tx1">
+                    <a:lumMod val="85000"/>
+                    <a:lumOff val="15000"/>
+                  </a:schemeClr>
+                </a:solidFill>
+                <a:latin typeface="微软雅黑" panose="020B0503020204020204" pitchFamily="34" charset="-122"/>
+                <a:ea typeface="微软雅黑" panose="020B0503020204020204" pitchFamily="34" charset="-122"/>
+                <a:cs typeface="Arial"/>
+              </a:defRPr>
+            </a:lvl2pPr>
+            <a:lvl3pPr marL="1523962" indent="-304792" algn="l" defTabSz="609585" rtl="0" eaLnBrk="1" latinLnBrk="0" hangingPunct="1">
+              <a:spcBef>
+                <a:spcPct val="20000"/>
+              </a:spcBef>
+              <a:buFont typeface="Arial"/>
+              <a:buChar char="•"/>
+              <a:defRPr sz="2400" b="0" i="0" kern="1200">
+                <a:solidFill>
+                  <a:schemeClr val="tx1">
+                    <a:lumMod val="85000"/>
+                    <a:lumOff val="15000"/>
+                  </a:schemeClr>
+                </a:solidFill>
+                <a:latin typeface="微软雅黑" panose="020B0503020204020204" pitchFamily="34" charset="-122"/>
+                <a:ea typeface="微软雅黑" panose="020B0503020204020204" pitchFamily="34" charset="-122"/>
+                <a:cs typeface="Arial"/>
+              </a:defRPr>
+            </a:lvl3pPr>
+            <a:lvl4pPr marL="2133547" indent="-304792" algn="l" defTabSz="609585" rtl="0" eaLnBrk="1" latinLnBrk="0" hangingPunct="1">
+              <a:spcBef>
+                <a:spcPct val="20000"/>
+              </a:spcBef>
+              <a:buFont typeface="Arial"/>
+              <a:buChar char="–"/>
+              <a:defRPr sz="2133" b="0" i="0" kern="1200">
+                <a:solidFill>
+                  <a:schemeClr val="tx1">
+                    <a:lumMod val="85000"/>
+                    <a:lumOff val="15000"/>
+                  </a:schemeClr>
+                </a:solidFill>
+                <a:latin typeface="微软雅黑" panose="020B0503020204020204" pitchFamily="34" charset="-122"/>
+                <a:ea typeface="微软雅黑" panose="020B0503020204020204" pitchFamily="34" charset="-122"/>
+                <a:cs typeface="Arial"/>
+              </a:defRPr>
+            </a:lvl4pPr>
+            <a:lvl5pPr marL="2743131" indent="-304792" algn="l" defTabSz="609585" rtl="0" eaLnBrk="1" latinLnBrk="0" hangingPunct="1">
+              <a:spcBef>
+                <a:spcPct val="20000"/>
+              </a:spcBef>
+              <a:buFont typeface="Arial"/>
+              <a:buChar char="»"/>
+              <a:defRPr sz="2133" b="0" i="0" kern="1200">
+                <a:solidFill>
+                  <a:schemeClr val="tx1">
+                    <a:lumMod val="85000"/>
+                    <a:lumOff val="15000"/>
+                  </a:schemeClr>
+                </a:solidFill>
+                <a:latin typeface="微软雅黑" panose="020B0503020204020204" pitchFamily="34" charset="-122"/>
+                <a:ea typeface="微软雅黑" panose="020B0503020204020204" pitchFamily="34" charset="-122"/>
+                <a:cs typeface="Arial"/>
+              </a:defRPr>
+            </a:lvl5pPr>
+            <a:lvl6pPr marL="3352716" indent="-304792" algn="l" defTabSz="609585" rtl="0" eaLnBrk="1" latinLnBrk="0" hangingPunct="1">
+              <a:spcBef>
+                <a:spcPct val="20000"/>
+              </a:spcBef>
+              <a:buFont typeface="Arial"/>
+              <a:buChar char="•"/>
+              <a:defRPr sz="2667" kern="1200">
+                <a:solidFill>
+                  <a:schemeClr val="tx1"/>
+                </a:solidFill>
+                <a:latin typeface="+mn-lt"/>
+                <a:ea typeface="+mn-ea"/>
+                <a:cs typeface="+mn-cs"/>
+              </a:defRPr>
+            </a:lvl6pPr>
+            <a:lvl7pPr marL="3962301" indent="-304792" algn="l" defTabSz="609585" rtl="0" eaLnBrk="1" latinLnBrk="0" hangingPunct="1">
+              <a:spcBef>
+                <a:spcPct val="20000"/>
+              </a:spcBef>
+              <a:buFont typeface="Arial"/>
+              <a:buChar char="•"/>
+              <a:defRPr sz="2667" kern="1200">
+                <a:solidFill>
+                  <a:schemeClr val="tx1"/>
+                </a:solidFill>
+                <a:latin typeface="+mn-lt"/>
+                <a:ea typeface="+mn-ea"/>
+                <a:cs typeface="+mn-cs"/>
+              </a:defRPr>
+            </a:lvl7pPr>
+            <a:lvl8pPr marL="4571886" indent="-304792" algn="l" defTabSz="609585" rtl="0" eaLnBrk="1" latinLnBrk="0" hangingPunct="1">
+              <a:spcBef>
+                <a:spcPct val="20000"/>
+              </a:spcBef>
+              <a:buFont typeface="Arial"/>
+              <a:buChar char="•"/>
+              <a:defRPr sz="2667" kern="1200">
+                <a:solidFill>
+                  <a:schemeClr val="tx1"/>
+                </a:solidFill>
+                <a:latin typeface="+mn-lt"/>
+                <a:ea typeface="+mn-ea"/>
+                <a:cs typeface="+mn-cs"/>
+              </a:defRPr>
+            </a:lvl8pPr>
+            <a:lvl9pPr marL="5181470" indent="-304792" algn="l" defTabSz="609585" rtl="0" eaLnBrk="1" latinLnBrk="0" hangingPunct="1">
+              <a:spcBef>
+                <a:spcPct val="20000"/>
+              </a:spcBef>
+              <a:buFont typeface="Arial"/>
+              <a:buChar char="•"/>
+              <a:defRPr sz="2667" kern="1200">
+                <a:solidFill>
+                  <a:schemeClr val="tx1"/>
+                </a:solidFill>
+                <a:latin typeface="+mn-lt"/>
+                <a:ea typeface="+mn-ea"/>
+                <a:cs typeface="+mn-cs"/>
+              </a:defRPr>
+            </a:lvl9pPr>
+          </a:lstStyle>
+          <a:p>
+            <a:r>
+              <a:rPr lang="en-US" altLang="zh-CN" sz="1600" dirty="0" smtClean="0"/>
+              <a:t>1. </a:t>
+            </a:r>
+            <a:r>
+              <a:rPr lang="zh-CN" altLang="en-US" sz="1600" dirty="0" smtClean="0"/>
+              <a:t>变量外部不可见；</a:t>
+            </a:r>
+            <a:endParaRPr lang="en-US" altLang="zh-CN" sz="1600" dirty="0" smtClean="0"/>
+          </a:p>
+          <a:p>
+            <a:r>
+              <a:rPr lang="en-US" altLang="zh-CN" sz="1600" dirty="0" smtClean="0"/>
+              <a:t>2. </a:t>
+            </a:r>
+            <a:r>
+              <a:rPr lang="zh-CN" altLang="en-US" sz="1600" dirty="0" smtClean="0"/>
+              <a:t>调用接口使用；</a:t>
+            </a:r>
+            <a:endParaRPr lang="en-US" altLang="zh-CN" sz="1600" dirty="0" smtClean="0"/>
+          </a:p>
+          <a:p>
+            <a:r>
+              <a:rPr lang="en-US" altLang="zh-CN" sz="1600" dirty="0" smtClean="0"/>
+              <a:t>3. </a:t>
+            </a:r>
+            <a:r>
+              <a:rPr lang="zh-CN" altLang="en-US" sz="1600" dirty="0" smtClean="0"/>
+              <a:t>留出扩展接口；</a:t>
+            </a:r>
+            <a:endParaRPr lang="zh-CN" altLang="en-US" sz="1600" dirty="0"/>
           </a:p>
         </p:txBody>
       </p:sp>
     </p:spTree>
     <p:extLst>
       <p:ext uri="{BB962C8B-B14F-4D97-AF65-F5344CB8AC3E}">
-        <p14:creationId xmlns:p14="http://schemas.microsoft.com/office/powerpoint/2010/main" val="324889481"/>
+        <p14:creationId xmlns:p14="http://schemas.microsoft.com/office/powerpoint/2010/main" val="2339154929"/>
       </p:ext>
     </p:extLst>
   </p:cSld>
@@ -10529,82 +11750,81 @@
           <a:lstStyle/>
           <a:p>
             <a:r>
-              <a:rPr lang="zh-CN" altLang="en-US" sz="2400" b="0" dirty="0"/>
-              <a:t>什么是好的可扩展性</a:t>
-            </a:r>
+              <a:rPr lang="zh-CN" altLang="en-US" sz="2400" b="0" dirty="0" smtClean="0"/>
+              <a:t>继承</a:t>
+            </a:r>
+            <a:endParaRPr lang="zh-CN" altLang="en-US" sz="2400" b="0" dirty="0"/>
           </a:p>
         </p:txBody>
       </p:sp>
-      <p:sp>
-        <p:nvSpPr>
-          <p:cNvPr id="3" name="文本占位符 2"/>
-          <p:cNvSpPr>
-            <a:spLocks noGrp="1"/>
-          </p:cNvSpPr>
-          <p:nvPr>
-            <p:ph type="body" sz="quarter" idx="11"/>
-          </p:nvPr>
-        </p:nvSpPr>
-        <p:spPr/>
-        <p:txBody>
-          <a:bodyPr>
-            <a:normAutofit/>
-          </a:bodyPr>
-          <a:lstStyle/>
-          <a:p>
-            <a:r>
-              <a:rPr lang="en-US" altLang="zh-CN" sz="1600" dirty="0"/>
-              <a:t>1. </a:t>
-            </a:r>
-            <a:r>
-              <a:rPr lang="zh-CN" altLang="en-US" sz="1600" dirty="0"/>
-              <a:t>需求的变更，不需要重写</a:t>
-            </a:r>
-            <a:r>
-              <a:rPr lang="zh-CN" altLang="en-US" sz="1600" dirty="0" smtClean="0"/>
-              <a:t>；</a:t>
-            </a:r>
-            <a:endParaRPr lang="en-US" altLang="zh-CN" sz="1600" dirty="0" smtClean="0"/>
-          </a:p>
-          <a:p>
-            <a:r>
-              <a:rPr lang="en-US" altLang="zh-CN" sz="1600" dirty="0" smtClean="0"/>
-              <a:t>2</a:t>
-            </a:r>
-            <a:r>
-              <a:rPr lang="en-US" altLang="zh-CN" sz="1600" dirty="0"/>
-              <a:t>. </a:t>
-            </a:r>
-            <a:r>
-              <a:rPr lang="zh-CN" altLang="en-US" sz="1600" dirty="0"/>
-              <a:t>代码修改不会引起大规模变动</a:t>
-            </a:r>
-            <a:r>
-              <a:rPr lang="zh-CN" altLang="en-US" sz="1600" dirty="0" smtClean="0"/>
-              <a:t>；</a:t>
-            </a:r>
-            <a:endParaRPr lang="en-US" altLang="zh-CN" sz="1600" dirty="0" smtClean="0"/>
-          </a:p>
-          <a:p>
-            <a:r>
-              <a:rPr lang="en-US" altLang="zh-CN" sz="1600" dirty="0" smtClean="0"/>
-              <a:t>3</a:t>
-            </a:r>
-            <a:r>
-              <a:rPr lang="en-US" altLang="zh-CN" sz="1600" dirty="0"/>
-              <a:t>. </a:t>
-            </a:r>
-            <a:r>
-              <a:rPr lang="zh-CN" altLang="en-US" sz="1600" dirty="0"/>
-              <a:t>方便加入新模块；</a:t>
-            </a:r>
-          </a:p>
-        </p:txBody>
-      </p:sp>
+      <p:pic>
+        <p:nvPicPr>
+          <p:cNvPr id="1026" name="Picture 2"/>
+          <p:cNvPicPr>
+            <a:picLocks noChangeAspect="1" noChangeArrowheads="1"/>
+          </p:cNvPicPr>
+          <p:nvPr/>
+        </p:nvPicPr>
+        <p:blipFill>
+          <a:blip r:embed="rId2">
+            <a:extLst>
+              <a:ext uri="{28A0092B-C50C-407E-A947-70E740481C1C}">
+                <a14:useLocalDpi xmlns:a14="http://schemas.microsoft.com/office/drawing/2010/main" val="0"/>
+              </a:ext>
+            </a:extLst>
+          </a:blip>
+          <a:srcRect/>
+          <a:stretch>
+            <a:fillRect/>
+          </a:stretch>
+        </p:blipFill>
+        <p:spPr bwMode="auto">
+          <a:xfrm>
+            <a:off x="802772" y="1261133"/>
+            <a:ext cx="5724525" cy="2886075"/>
+          </a:xfrm>
+          <a:prstGeom prst="rect">
+            <a:avLst/>
+          </a:prstGeom>
+          <a:noFill/>
+          <a:ln>
+            <a:noFill/>
+          </a:ln>
+          <a:effectLst/>
+          <a:extLst>
+            <a:ext uri="{909E8E84-426E-40DD-AFC4-6F175D3DCCD1}">
+              <a14:hiddenFill xmlns:a14="http://schemas.microsoft.com/office/drawing/2010/main">
+                <a:solidFill>
+                  <a:schemeClr val="accent1"/>
+                </a:solidFill>
+              </a14:hiddenFill>
+            </a:ext>
+            <a:ext uri="{91240B29-F687-4F45-9708-019B960494DF}">
+              <a14:hiddenLine xmlns:a14="http://schemas.microsoft.com/office/drawing/2010/main" w="9525">
+                <a:solidFill>
+                  <a:schemeClr val="tx1"/>
+                </a:solidFill>
+                <a:miter lim="800000"/>
+                <a:headEnd/>
+                <a:tailEnd/>
+              </a14:hiddenLine>
+            </a:ext>
+            <a:ext uri="{AF507438-7753-43E0-B8FC-AC1667EBCBE1}">
+              <a14:hiddenEffects xmlns:a14="http://schemas.microsoft.com/office/drawing/2010/main">
+                <a:effectLst>
+                  <a:outerShdw dist="35921" dir="2700000" algn="ctr" rotWithShape="0">
+                    <a:schemeClr val="bg2"/>
+                  </a:outerShdw>
+                </a:effectLst>
+              </a14:hiddenEffects>
+            </a:ext>
+          </a:extLst>
+        </p:spPr>
+      </p:pic>
     </p:spTree>
     <p:extLst>
       <p:ext uri="{BB962C8B-B14F-4D97-AF65-F5344CB8AC3E}">
-        <p14:creationId xmlns:p14="http://schemas.microsoft.com/office/powerpoint/2010/main" val="4042562617"/>
+        <p14:creationId xmlns:p14="http://schemas.microsoft.com/office/powerpoint/2010/main" val="952453663"/>
       </p:ext>
     </p:extLst>
   </p:cSld>
@@ -10650,94 +11870,150 @@
         </p:nvSpPr>
         <p:spPr/>
         <p:txBody>
-          <a:bodyPr/>
-          <a:lstStyle/>
-          <a:p>
-            <a:r>
-              <a:rPr lang="zh-CN" altLang="en-US" sz="2400" b="0" dirty="0"/>
-              <a:t>封装目的</a:t>
-            </a:r>
-            <a:r>
-              <a:rPr lang="zh-CN" altLang="en-US" dirty="0"/>
-              <a:t/>
-            </a:r>
-            <a:br>
-              <a:rPr lang="zh-CN" altLang="en-US" dirty="0"/>
-            </a:br>
-            <a:endParaRPr lang="zh-CN" altLang="en-US" dirty="0"/>
-          </a:p>
-        </p:txBody>
-      </p:sp>
-      <p:sp>
-        <p:nvSpPr>
-          <p:cNvPr id="3" name="文本占位符 2"/>
-          <p:cNvSpPr>
-            <a:spLocks noGrp="1"/>
-          </p:cNvSpPr>
-          <p:nvPr>
-            <p:ph type="body" sz="quarter" idx="11"/>
-          </p:nvPr>
-        </p:nvSpPr>
-        <p:spPr/>
-        <p:txBody>
           <a:bodyPr>
             <a:normAutofit/>
           </a:bodyPr>
           <a:lstStyle/>
           <a:p>
             <a:r>
-              <a:rPr lang="en-US" altLang="zh-CN" sz="1600" dirty="0"/>
-              <a:t>1. </a:t>
-            </a:r>
-            <a:r>
-              <a:rPr lang="zh-CN" altLang="en-US" sz="1600" dirty="0"/>
-              <a:t>定义变量不会污染外部</a:t>
-            </a:r>
-            <a:r>
-              <a:rPr lang="zh-CN" altLang="en-US" sz="1600" dirty="0" smtClean="0"/>
-              <a:t>；</a:t>
-            </a:r>
-            <a:endParaRPr lang="en-US" altLang="zh-CN" sz="1600" dirty="0" smtClean="0"/>
-          </a:p>
-          <a:p>
-            <a:r>
-              <a:rPr lang="en-US" altLang="zh-CN" sz="1600" dirty="0" smtClean="0"/>
-              <a:t>2</a:t>
-            </a:r>
-            <a:r>
-              <a:rPr lang="en-US" altLang="zh-CN" sz="1600" dirty="0"/>
-              <a:t>. </a:t>
-            </a:r>
-            <a:r>
-              <a:rPr lang="zh-CN" altLang="en-US" sz="1600" dirty="0"/>
-              <a:t>能够作为一个模块调用</a:t>
-            </a:r>
-            <a:r>
-              <a:rPr lang="zh-CN" altLang="en-US" sz="1600" dirty="0" smtClean="0"/>
-              <a:t>；</a:t>
-            </a:r>
-            <a:endParaRPr lang="en-US" altLang="zh-CN" sz="1600" dirty="0" smtClean="0"/>
-          </a:p>
-          <a:p>
-            <a:r>
-              <a:rPr lang="en-US" altLang="zh-CN" sz="1600" dirty="0" smtClean="0"/>
-              <a:t>3</a:t>
-            </a:r>
-            <a:r>
-              <a:rPr lang="en-US" altLang="zh-CN" sz="1600" dirty="0"/>
-              <a:t>. </a:t>
-            </a:r>
-            <a:r>
-              <a:rPr lang="zh-CN" altLang="en-US" sz="1600" dirty="0"/>
-              <a:t>遵循开闭原则；</a:t>
+              <a:rPr lang="zh-CN" altLang="en-US" sz="2400" b="0" dirty="0"/>
+              <a:t>多态</a:t>
             </a:r>
           </a:p>
         </p:txBody>
       </p:sp>
+      <p:pic>
+        <p:nvPicPr>
+          <p:cNvPr id="2050" name="Picture 2"/>
+          <p:cNvPicPr>
+            <a:picLocks noChangeAspect="1" noChangeArrowheads="1"/>
+          </p:cNvPicPr>
+          <p:nvPr/>
+        </p:nvPicPr>
+        <p:blipFill>
+          <a:blip r:embed="rId2">
+            <a:extLst>
+              <a:ext uri="{28A0092B-C50C-407E-A947-70E740481C1C}">
+                <a14:useLocalDpi xmlns:a14="http://schemas.microsoft.com/office/drawing/2010/main" val="0"/>
+              </a:ext>
+            </a:extLst>
+          </a:blip>
+          <a:srcRect/>
+          <a:stretch>
+            <a:fillRect/>
+          </a:stretch>
+        </p:blipFill>
+        <p:spPr bwMode="auto">
+          <a:xfrm>
+            <a:off x="160867" y="706153"/>
+            <a:ext cx="7580313" cy="2657475"/>
+          </a:xfrm>
+          <a:prstGeom prst="rect">
+            <a:avLst/>
+          </a:prstGeom>
+          <a:noFill/>
+          <a:ln>
+            <a:noFill/>
+          </a:ln>
+          <a:effectLst/>
+          <a:extLst>
+            <a:ext uri="{909E8E84-426E-40DD-AFC4-6F175D3DCCD1}">
+              <a14:hiddenFill xmlns:a14="http://schemas.microsoft.com/office/drawing/2010/main">
+                <a:solidFill>
+                  <a:schemeClr val="accent1"/>
+                </a:solidFill>
+              </a14:hiddenFill>
+            </a:ext>
+            <a:ext uri="{91240B29-F687-4F45-9708-019B960494DF}">
+              <a14:hiddenLine xmlns:a14="http://schemas.microsoft.com/office/drawing/2010/main" w="9525">
+                <a:solidFill>
+                  <a:schemeClr val="tx1"/>
+                </a:solidFill>
+                <a:miter lim="800000"/>
+                <a:headEnd/>
+                <a:tailEnd/>
+              </a14:hiddenLine>
+            </a:ext>
+            <a:ext uri="{AF507438-7753-43E0-B8FC-AC1667EBCBE1}">
+              <a14:hiddenEffects xmlns:a14="http://schemas.microsoft.com/office/drawing/2010/main">
+                <a:effectLst>
+                  <a:outerShdw dist="35921" dir="2700000" algn="ctr" rotWithShape="0">
+                    <a:schemeClr val="bg2"/>
+                  </a:outerShdw>
+                </a:effectLst>
+              </a14:hiddenEffects>
+            </a:ext>
+          </a:extLst>
+        </p:spPr>
+      </p:pic>
+      <p:pic>
+        <p:nvPicPr>
+          <p:cNvPr id="2051" name="Picture 3"/>
+          <p:cNvPicPr>
+            <a:picLocks noChangeAspect="1" noChangeArrowheads="1"/>
+          </p:cNvPicPr>
+          <p:nvPr/>
+        </p:nvPicPr>
+        <p:blipFill>
+          <a:blip r:embed="rId3">
+            <a:extLst>
+              <a:ext uri="{28A0092B-C50C-407E-A947-70E740481C1C}">
+                <a14:useLocalDpi xmlns:a14="http://schemas.microsoft.com/office/drawing/2010/main" val="0"/>
+              </a:ext>
+            </a:extLst>
+          </a:blip>
+          <a:srcRect/>
+          <a:stretch>
+            <a:fillRect/>
+          </a:stretch>
+        </p:blipFill>
+        <p:spPr bwMode="auto">
+          <a:xfrm>
+            <a:off x="3690673" y="3027310"/>
+            <a:ext cx="8913813" cy="3381375"/>
+          </a:xfrm>
+          <a:prstGeom prst="rect">
+            <a:avLst/>
+          </a:prstGeom>
+          <a:noFill/>
+          <a:ln>
+            <a:noFill/>
+          </a:ln>
+          <a:effectLst/>
+          <a:extLst>
+            <a:ext uri="{909E8E84-426E-40DD-AFC4-6F175D3DCCD1}">
+              <a14:hiddenFill xmlns:a14="http://schemas.microsoft.com/office/drawing/2010/main">
+                <a:solidFill>
+                  <a:schemeClr val="accent1"/>
+                </a:solidFill>
+              </a14:hiddenFill>
+            </a:ext>
+            <a:ext uri="{91240B29-F687-4F45-9708-019B960494DF}">
+              <a14:hiddenLine xmlns:a14="http://schemas.microsoft.com/office/drawing/2010/main" w="9525">
+                <a:solidFill>
+                  <a:schemeClr val="tx1"/>
+                </a:solidFill>
+                <a:miter lim="800000"/>
+                <a:headEnd/>
+                <a:tailEnd/>
+              </a14:hiddenLine>
+            </a:ext>
+            <a:ext uri="{AF507438-7753-43E0-B8FC-AC1667EBCBE1}">
+              <a14:hiddenEffects xmlns:a14="http://schemas.microsoft.com/office/drawing/2010/main">
+                <a:effectLst>
+                  <a:outerShdw dist="35921" dir="2700000" algn="ctr" rotWithShape="0">
+                    <a:schemeClr val="bg2"/>
+                  </a:outerShdw>
+                </a:effectLst>
+              </a14:hiddenEffects>
+            </a:ext>
+          </a:extLst>
+        </p:spPr>
+      </p:pic>
     </p:spTree>
     <p:extLst>
       <p:ext uri="{BB962C8B-B14F-4D97-AF65-F5344CB8AC3E}">
-        <p14:creationId xmlns:p14="http://schemas.microsoft.com/office/powerpoint/2010/main" val="2339154929"/>
+        <p14:creationId xmlns:p14="http://schemas.microsoft.com/office/powerpoint/2010/main" val="356781553"/>
       </p:ext>
     </p:extLst>
   </p:cSld>
@@ -10788,7 +12064,7 @@
           <a:p>
             <a:r>
               <a:rPr lang="zh-CN" altLang="en-US" sz="2400" b="0" dirty="0"/>
-              <a:t>什么是好的封装</a:t>
+              <a:t>设计模式扮演的角色</a:t>
             </a:r>
             <a:r>
               <a:rPr lang="zh-CN" altLang="en-US" dirty="0"/>
@@ -10824,11 +12100,11 @@
             </a:r>
             <a:r>
               <a:rPr lang="zh-CN" altLang="en-US" sz="1600" dirty="0"/>
-              <a:t>变量外部不可见</a:t>
+              <a:t>帮助我们组织</a:t>
             </a:r>
             <a:r>
               <a:rPr lang="zh-CN" altLang="en-US" sz="1600" dirty="0" smtClean="0"/>
-              <a:t>；</a:t>
+              <a:t>模块</a:t>
             </a:r>
             <a:endParaRPr lang="en-US" altLang="zh-CN" sz="1600" dirty="0" smtClean="0"/>
           </a:p>
@@ -10843,11 +12119,11 @@
             </a:r>
             <a:r>
               <a:rPr lang="zh-CN" altLang="en-US" sz="1600" dirty="0"/>
-              <a:t>调用接口使用</a:t>
+              <a:t>帮助我们设计</a:t>
             </a:r>
             <a:r>
               <a:rPr lang="zh-CN" altLang="en-US" sz="1600" dirty="0" smtClean="0"/>
-              <a:t>；</a:t>
+              <a:t>沟通</a:t>
             </a:r>
             <a:endParaRPr lang="en-US" altLang="zh-CN" sz="1600" dirty="0" smtClean="0"/>
           </a:p>
@@ -10862,7 +12138,7 @@
             </a:r>
             <a:r>
               <a:rPr lang="zh-CN" altLang="en-US" sz="1600" dirty="0"/>
-              <a:t>留出扩展接口；</a:t>
+              <a:t>提高代码质量</a:t>
             </a:r>
           </a:p>
         </p:txBody>
@@ -10870,7 +12146,7 @@
     </p:spTree>
     <p:extLst>
       <p:ext uri="{BB962C8B-B14F-4D97-AF65-F5344CB8AC3E}">
-        <p14:creationId xmlns:p14="http://schemas.microsoft.com/office/powerpoint/2010/main" val="2339154929"/>
+        <p14:creationId xmlns:p14="http://schemas.microsoft.com/office/powerpoint/2010/main" val="3589471837"/>
       </p:ext>
     </p:extLst>
   </p:cSld>
@@ -11522,7 +12798,7 @@
   <a:extraClrSchemeLst/>
   <a:extLst>
     <a:ext uri="{05A4C25C-085E-4340-85A3-A5531E510DB2}">
-      <thm15:themeFamily xmlns="" xmlns:thm15="http://schemas.microsoft.com/office/thememl/2012/main" name="20171024金蝶集团幻灯片模版（终稿）.pptx" id="{1EAF7BB3-9139-4CA9-B9C3-EDD8633D62AA}" vid="{D3470B15-9C50-4FF3-AB54-112F42EC039C}"/>
+      <thm15:themeFamily xmlns:thm15="http://schemas.microsoft.com/office/thememl/2012/main" xmlns="" name="20171024金蝶集团幻灯片模版（终稿）.pptx" id="{1EAF7BB3-9139-4CA9-B9C3-EDD8633D62AA}" vid="{D3470B15-9C50-4FF3-AB54-112F42EC039C}"/>
     </a:ext>
   </a:extLst>
 </a:theme>

--- a/分享/设计模式/前端之设计模式.pptx
+++ b/分享/设计模式/前端之设计模式.pptx
@@ -6,33 +6,34 @@
   </p:sldMasterIdLst>
   <p:sldIdLst>
     <p:sldId id="256" r:id="rId2"/>
-    <p:sldId id="257" r:id="rId3"/>
-    <p:sldId id="275" r:id="rId4"/>
-    <p:sldId id="267" r:id="rId5"/>
-    <p:sldId id="292" r:id="rId6"/>
-    <p:sldId id="293" r:id="rId7"/>
-    <p:sldId id="262" r:id="rId8"/>
-    <p:sldId id="264" r:id="rId9"/>
-    <p:sldId id="265" r:id="rId10"/>
-    <p:sldId id="266" r:id="rId11"/>
-    <p:sldId id="269" r:id="rId12"/>
-    <p:sldId id="270" r:id="rId13"/>
-    <p:sldId id="271" r:id="rId14"/>
-    <p:sldId id="273" r:id="rId15"/>
-    <p:sldId id="284" r:id="rId16"/>
-    <p:sldId id="277" r:id="rId17"/>
-    <p:sldId id="278" r:id="rId18"/>
-    <p:sldId id="281" r:id="rId19"/>
-    <p:sldId id="280" r:id="rId20"/>
-    <p:sldId id="283" r:id="rId21"/>
-    <p:sldId id="285" r:id="rId22"/>
-    <p:sldId id="286" r:id="rId23"/>
-    <p:sldId id="287" r:id="rId24"/>
-    <p:sldId id="288" r:id="rId25"/>
-    <p:sldId id="289" r:id="rId26"/>
-    <p:sldId id="290" r:id="rId27"/>
-    <p:sldId id="291" r:id="rId28"/>
-    <p:sldId id="261" r:id="rId29"/>
+    <p:sldId id="294" r:id="rId3"/>
+    <p:sldId id="257" r:id="rId4"/>
+    <p:sldId id="275" r:id="rId5"/>
+    <p:sldId id="267" r:id="rId6"/>
+    <p:sldId id="292" r:id="rId7"/>
+    <p:sldId id="293" r:id="rId8"/>
+    <p:sldId id="262" r:id="rId9"/>
+    <p:sldId id="264" r:id="rId10"/>
+    <p:sldId id="265" r:id="rId11"/>
+    <p:sldId id="266" r:id="rId12"/>
+    <p:sldId id="269" r:id="rId13"/>
+    <p:sldId id="270" r:id="rId14"/>
+    <p:sldId id="271" r:id="rId15"/>
+    <p:sldId id="273" r:id="rId16"/>
+    <p:sldId id="284" r:id="rId17"/>
+    <p:sldId id="277" r:id="rId18"/>
+    <p:sldId id="278" r:id="rId19"/>
+    <p:sldId id="281" r:id="rId20"/>
+    <p:sldId id="280" r:id="rId21"/>
+    <p:sldId id="283" r:id="rId22"/>
+    <p:sldId id="285" r:id="rId23"/>
+    <p:sldId id="286" r:id="rId24"/>
+    <p:sldId id="287" r:id="rId25"/>
+    <p:sldId id="288" r:id="rId26"/>
+    <p:sldId id="289" r:id="rId27"/>
+    <p:sldId id="290" r:id="rId28"/>
+    <p:sldId id="291" r:id="rId29"/>
+    <p:sldId id="261" r:id="rId30"/>
   </p:sldIdLst>
   <p:sldSz cx="12192000" cy="6858000"/>
   <p:notesSz cx="6858000" cy="9144000"/>
@@ -133,7 +134,7 @@
   </p:defaultTextStyle>
   <p:extLst>
     <p:ext uri="{EFAFB233-063F-42B5-8137-9DF3F51BA10A}">
-      <p15:sldGuideLst xmlns:p15="http://schemas.microsoft.com/office/powerpoint/2012/main" xmlns="">
+      <p15:sldGuideLst xmlns="" xmlns:p15="http://schemas.microsoft.com/office/powerpoint/2012/main">
         <p15:guide id="1" orient="horz" pos="2160">
           <p15:clr>
             <a:srgbClr val="A4A3A4"/>
@@ -2059,7 +2060,7 @@
   </p:timing>
   <p:extLst mod="1">
     <p:ext uri="{DCECCB84-F9BA-43D5-87BE-67443E8EF086}">
-      <p15:sldGuideLst xmlns:p15="http://schemas.microsoft.com/office/powerpoint/2012/main" xmlns="">
+      <p15:sldGuideLst xmlns="" xmlns:p15="http://schemas.microsoft.com/office/powerpoint/2012/main">
         <p15:guide id="1" orient="horz" pos="690">
           <p15:clr>
             <a:srgbClr val="FBAE40"/>
@@ -7507,7 +7508,7 @@
           <a:p>
             <a:r>
               <a:rPr lang="zh-CN" altLang="en-US" sz="2400" b="0" dirty="0"/>
-              <a:t>创建型</a:t>
+              <a:t>设会模式分类</a:t>
             </a:r>
             <a:r>
               <a:rPr lang="zh-CN" altLang="en-US" dirty="0"/>
@@ -7543,19 +7544,11 @@
             </a:r>
             <a:r>
               <a:rPr lang="zh-CN" altLang="en-US" sz="1600" dirty="0"/>
-              <a:t>工厂模式 </a:t>
-            </a:r>
-            <a:r>
-              <a:rPr lang="en-US" altLang="zh-CN" sz="1600" dirty="0"/>
-              <a:t>-- </a:t>
-            </a:r>
-            <a:r>
-              <a:rPr lang="zh-CN" altLang="en-US" sz="1600" dirty="0"/>
-              <a:t>大量创建</a:t>
+              <a:t>创建</a:t>
             </a:r>
             <a:r>
               <a:rPr lang="zh-CN" altLang="en-US" sz="1600" dirty="0" smtClean="0"/>
-              <a:t>对象</a:t>
+              <a:t>型</a:t>
             </a:r>
             <a:endParaRPr lang="en-US" altLang="zh-CN" sz="1600" dirty="0" smtClean="0"/>
           </a:p>
@@ -7569,20 +7562,8 @@
               <a:t>. </a:t>
             </a:r>
             <a:r>
-              <a:rPr lang="zh-CN" altLang="en-US" sz="1600" dirty="0"/>
-              <a:t>单例模式 </a:t>
-            </a:r>
-            <a:r>
-              <a:rPr lang="en-US" altLang="zh-CN" sz="1600" dirty="0"/>
-              <a:t>-- </a:t>
-            </a:r>
-            <a:r>
-              <a:rPr lang="zh-CN" altLang="en-US" sz="1600" dirty="0"/>
-              <a:t>全局只能有我一</a:t>
-            </a:r>
-            <a:r>
               <a:rPr lang="zh-CN" altLang="en-US" sz="1600" dirty="0" smtClean="0"/>
-              <a:t>个</a:t>
+              <a:t>结构型</a:t>
             </a:r>
             <a:endParaRPr lang="en-US" altLang="zh-CN" sz="1600" dirty="0" smtClean="0"/>
           </a:p>
@@ -7597,19 +7578,11 @@
             </a:r>
             <a:r>
               <a:rPr lang="zh-CN" altLang="en-US" sz="1600" dirty="0"/>
-              <a:t>建造者模式 </a:t>
-            </a:r>
-            <a:r>
-              <a:rPr lang="en-US" altLang="zh-CN" sz="1600" dirty="0"/>
-              <a:t>-- </a:t>
-            </a:r>
-            <a:r>
-              <a:rPr lang="zh-CN" altLang="en-US" sz="1600" dirty="0"/>
-              <a:t>精细化组合</a:t>
+              <a:t>行为</a:t>
             </a:r>
             <a:r>
               <a:rPr lang="zh-CN" altLang="en-US" sz="1600" dirty="0" smtClean="0"/>
-              <a:t>对象</a:t>
+              <a:t>型</a:t>
             </a:r>
             <a:endParaRPr lang="en-US" altLang="zh-CN" sz="1600" dirty="0" smtClean="0"/>
           </a:p>
@@ -7624,19 +7597,7 @@
             </a:r>
             <a:r>
               <a:rPr lang="zh-CN" altLang="en-US" sz="1600" dirty="0"/>
-              <a:t>原型模式 </a:t>
-            </a:r>
-            <a:r>
-              <a:rPr lang="en-US" altLang="zh-CN" sz="1600" dirty="0"/>
-              <a:t>-- </a:t>
-            </a:r>
-            <a:r>
-              <a:rPr lang="en-US" altLang="zh-CN" sz="1600" dirty="0" err="1"/>
-              <a:t>Javascript</a:t>
-            </a:r>
-            <a:r>
-              <a:rPr lang="zh-CN" altLang="en-US" sz="1600" dirty="0"/>
-              <a:t>的灵魂</a:t>
+              <a:t>技巧型</a:t>
             </a:r>
           </a:p>
         </p:txBody>
@@ -7644,7 +7605,7 @@
     </p:spTree>
     <p:extLst>
       <p:ext uri="{BB962C8B-B14F-4D97-AF65-F5344CB8AC3E}">
-        <p14:creationId xmlns:p14="http://schemas.microsoft.com/office/powerpoint/2010/main" val="2339154929"/>
+        <p14:creationId xmlns:p14="http://schemas.microsoft.com/office/powerpoint/2010/main" val="2519593610"/>
       </p:ext>
     </p:extLst>
   </p:cSld>
@@ -7690,26 +7651,13 @@
         </p:nvSpPr>
         <p:spPr/>
         <p:txBody>
-          <a:bodyPr>
-            <a:normAutofit fontScale="90000"/>
-          </a:bodyPr>
+          <a:bodyPr/>
           <a:lstStyle/>
           <a:p>
             <a:r>
-              <a:rPr lang="zh-CN" altLang="en-US" sz="2700" b="0" dirty="0" smtClean="0"/>
-              <a:t>工厂</a:t>
-            </a:r>
-            <a:r>
-              <a:rPr lang="zh-CN" altLang="en-US" sz="2700" b="0" dirty="0"/>
-              <a:t>模式    </a:t>
-            </a:r>
-            <a:r>
-              <a:rPr lang="en-US" altLang="zh-CN" sz="2400" dirty="0"/>
-              <a:t/>
-            </a:r>
-            <a:br>
-              <a:rPr lang="en-US" altLang="zh-CN" sz="2400" dirty="0"/>
-            </a:br>
+              <a:rPr lang="zh-CN" altLang="en-US" sz="2400" b="0" dirty="0"/>
+              <a:t>创建型</a:t>
+            </a:r>
             <a:r>
               <a:rPr lang="zh-CN" altLang="en-US" dirty="0"/>
               <a:t/>
@@ -7739,34 +7687,20 @@
           <a:lstStyle/>
           <a:p>
             <a:r>
-              <a:rPr lang="zh-CN" altLang="en-US" sz="1600" dirty="0" smtClean="0"/>
-              <a:t>目的</a:t>
+              <a:rPr lang="en-US" altLang="zh-CN" sz="1600" dirty="0"/>
+              <a:t>1. </a:t>
             </a:r>
             <a:r>
               <a:rPr lang="zh-CN" altLang="en-US" sz="1600" dirty="0"/>
-              <a:t>：方便我们大量创建对象    </a:t>
-            </a:r>
-            <a:endParaRPr lang="en-US" altLang="zh-CN" sz="1600" dirty="0"/>
-          </a:p>
-          <a:p>
-            <a:r>
-              <a:rPr lang="zh-CN" altLang="en-US" sz="1600" dirty="0" smtClean="0"/>
-              <a:t>应用</a:t>
+              <a:t>工厂模式 </a:t>
+            </a:r>
+            <a:r>
+              <a:rPr lang="en-US" altLang="zh-CN" sz="1600" dirty="0"/>
+              <a:t>-- </a:t>
             </a:r>
             <a:r>
               <a:rPr lang="zh-CN" altLang="en-US" sz="1600" dirty="0"/>
-              <a:t>场景：当某一个对象需要经常创建的时候、如分页对象的获取    </a:t>
-            </a:r>
-            <a:endParaRPr lang="en-US" altLang="zh-CN" sz="1600" dirty="0"/>
-          </a:p>
-          <a:p>
-            <a:r>
-              <a:rPr lang="zh-CN" altLang="en-US" sz="1600" dirty="0" smtClean="0"/>
-              <a:t>基本结构</a:t>
-            </a:r>
-            <a:r>
-              <a:rPr lang="zh-CN" altLang="en-US" sz="1600" dirty="0"/>
-              <a:t>：写一个方法，只需要调用这个方法，就能拿到你要的</a:t>
+              <a:t>大量创建</a:t>
             </a:r>
             <a:r>
               <a:rPr lang="zh-CN" altLang="en-US" sz="1600" dirty="0" smtClean="0"/>
@@ -7775,75 +7709,83 @@
             <a:endParaRPr lang="en-US" altLang="zh-CN" sz="1600" dirty="0" smtClean="0"/>
           </a:p>
           <a:p>
+            <a:r>
+              <a:rPr lang="en-US" altLang="zh-CN" sz="1600" dirty="0" smtClean="0"/>
+              <a:t>2</a:t>
+            </a:r>
+            <a:r>
+              <a:rPr lang="en-US" altLang="zh-CN" sz="1600" dirty="0"/>
+              <a:t>. </a:t>
+            </a:r>
+            <a:r>
+              <a:rPr lang="zh-CN" altLang="en-US" sz="1600" dirty="0"/>
+              <a:t>单例模式 </a:t>
+            </a:r>
+            <a:r>
+              <a:rPr lang="en-US" altLang="zh-CN" sz="1600" dirty="0"/>
+              <a:t>-- </a:t>
+            </a:r>
+            <a:r>
+              <a:rPr lang="zh-CN" altLang="en-US" sz="1600" dirty="0"/>
+              <a:t>全局只能有我一</a:t>
+            </a:r>
+            <a:r>
+              <a:rPr lang="zh-CN" altLang="en-US" sz="1600" dirty="0" smtClean="0"/>
+              <a:t>个</a:t>
+            </a:r>
             <a:endParaRPr lang="en-US" altLang="zh-CN" sz="1600" dirty="0" smtClean="0"/>
           </a:p>
           <a:p>
             <a:r>
+              <a:rPr lang="en-US" altLang="zh-CN" sz="1600" dirty="0" smtClean="0"/>
+              <a:t>3</a:t>
+            </a:r>
+            <a:r>
+              <a:rPr lang="en-US" altLang="zh-CN" sz="1600" dirty="0"/>
+              <a:t>. </a:t>
+            </a:r>
+            <a:r>
+              <a:rPr lang="zh-CN" altLang="en-US" sz="1600" dirty="0"/>
+              <a:t>建造者模式 </a:t>
+            </a:r>
+            <a:r>
+              <a:rPr lang="en-US" altLang="zh-CN" sz="1600" dirty="0"/>
+              <a:t>-- </a:t>
+            </a:r>
+            <a:r>
+              <a:rPr lang="zh-CN" altLang="en-US" sz="1600" dirty="0"/>
+              <a:t>精细化组合</a:t>
+            </a:r>
+            <a:r>
               <a:rPr lang="zh-CN" altLang="en-US" sz="1600" dirty="0" smtClean="0"/>
-              <a:t>示例</a:t>
+              <a:t>对象</a:t>
+            </a:r>
+            <a:endParaRPr lang="en-US" altLang="zh-CN" sz="1600" dirty="0" smtClean="0"/>
+          </a:p>
+          <a:p>
+            <a:r>
+              <a:rPr lang="en-US" altLang="zh-CN" sz="1600" dirty="0" smtClean="0"/>
+              <a:t>4</a:t>
+            </a:r>
+            <a:r>
+              <a:rPr lang="en-US" altLang="zh-CN" sz="1600" dirty="0"/>
+              <a:t>. </a:t>
             </a:r>
             <a:r>
               <a:rPr lang="zh-CN" altLang="en-US" sz="1600" dirty="0"/>
-              <a:t>：多彩的弹窗（需求：项目有一个弹窗需求，弹窗有多种，他们之间存在内容和颜色上的差异</a:t>
-            </a:r>
-            <a:r>
-              <a:rPr lang="zh-CN" altLang="en-US" sz="1600" dirty="0" smtClean="0"/>
-              <a:t>）</a:t>
-            </a:r>
-            <a:endParaRPr lang="en-US" altLang="zh-CN" sz="1600" dirty="0" smtClean="0"/>
-          </a:p>
-          <a:p>
+              <a:t>原型模式 </a:t>
+            </a:r>
+            <a:r>
+              <a:rPr lang="en-US" altLang="zh-CN" sz="1600" dirty="0"/>
+              <a:t>-- </a:t>
+            </a:r>
+            <a:r>
+              <a:rPr lang="en-US" altLang="zh-CN" sz="1600" dirty="0" err="1"/>
+              <a:t>Javascript</a:t>
+            </a:r>
             <a:r>
               <a:rPr lang="zh-CN" altLang="en-US" sz="1600" dirty="0"/>
-              <a:t>源码示例：</a:t>
-            </a:r>
-            <a:r>
-              <a:rPr lang="en-US" altLang="zh-CN" sz="1600" dirty="0" err="1"/>
-              <a:t>jquery</a:t>
-            </a:r>
-            <a:r>
-              <a:rPr lang="en-US" altLang="zh-CN" sz="1600" dirty="0"/>
-              <a:t> </a:t>
-            </a:r>
-            <a:r>
-              <a:rPr lang="zh-CN" altLang="en-US" sz="1600" dirty="0"/>
-              <a:t>（需求：</a:t>
-            </a:r>
-            <a:r>
-              <a:rPr lang="en-US" altLang="zh-CN" sz="1600" dirty="0" err="1"/>
-              <a:t>jQuery</a:t>
-            </a:r>
-            <a:r>
-              <a:rPr lang="zh-CN" altLang="en-US" sz="1600" dirty="0"/>
-              <a:t>需要操作</a:t>
-            </a:r>
-            <a:r>
-              <a:rPr lang="en-US" altLang="zh-CN" sz="1600" dirty="0" err="1"/>
-              <a:t>dom</a:t>
-            </a:r>
-            <a:r>
-              <a:rPr lang="zh-CN" altLang="en-US" sz="1600" dirty="0"/>
-              <a:t>，每</a:t>
-            </a:r>
-            <a:r>
-              <a:rPr lang="zh-CN" altLang="en-US" sz="1600" dirty="0" smtClean="0"/>
-              <a:t>一个</a:t>
-            </a:r>
-            <a:r>
-              <a:rPr lang="en-US" altLang="zh-CN" sz="1600" dirty="0" err="1" smtClean="0"/>
-              <a:t>dom</a:t>
-            </a:r>
-            <a:r>
-              <a:rPr lang="zh-CN" altLang="en-US" sz="1600" dirty="0"/>
-              <a:t>都是一个</a:t>
-            </a:r>
-            <a:r>
-              <a:rPr lang="en-US" altLang="zh-CN" sz="1600" dirty="0" err="1"/>
-              <a:t>jquery</a:t>
-            </a:r>
-            <a:r>
-              <a:rPr lang="zh-CN" altLang="en-US" sz="1600" dirty="0"/>
-              <a:t>对象）</a:t>
+              <a:t>的灵魂</a:t>
             </a:r>
           </a:p>
         </p:txBody>
@@ -7897,13 +7839,26 @@
         </p:nvSpPr>
         <p:spPr/>
         <p:txBody>
-          <a:bodyPr/>
+          <a:bodyPr>
+            <a:normAutofit fontScale="90000"/>
+          </a:bodyPr>
           <a:lstStyle/>
           <a:p>
             <a:r>
-              <a:rPr lang="zh-CN" altLang="en-US" sz="2400" b="0" dirty="0"/>
-              <a:t>建造者模式</a:t>
-            </a:r>
+              <a:rPr lang="zh-CN" altLang="en-US" sz="2700" b="0" dirty="0" smtClean="0"/>
+              <a:t>工厂</a:t>
+            </a:r>
+            <a:r>
+              <a:rPr lang="zh-CN" altLang="en-US" sz="2700" b="0" dirty="0"/>
+              <a:t>模式    </a:t>
+            </a:r>
+            <a:r>
+              <a:rPr lang="en-US" altLang="zh-CN" sz="2400" dirty="0"/>
+              <a:t/>
+            </a:r>
+            <a:br>
+              <a:rPr lang="en-US" altLang="zh-CN" sz="2400" dirty="0"/>
+            </a:br>
             <a:r>
               <a:rPr lang="zh-CN" altLang="en-US" dirty="0"/>
               <a:t/>
@@ -7938,7 +7893,7 @@
             </a:r>
             <a:r>
               <a:rPr lang="zh-CN" altLang="en-US" sz="1600" dirty="0"/>
-              <a:t>：需要组合出一个全局对象    </a:t>
+              <a:t>：方便我们大量创建对象    </a:t>
             </a:r>
             <a:endParaRPr lang="en-US" altLang="zh-CN" sz="1600" dirty="0"/>
           </a:p>
@@ -7949,66 +7904,96 @@
             </a:r>
             <a:r>
               <a:rPr lang="zh-CN" altLang="en-US" sz="1600" dirty="0"/>
-              <a:t>场景：当要创建单个、庞大的组合对象时，如轮播图的实现    </a:t>
+              <a:t>场景：当某一个对象需要经常创建的时候、如分页对象的获取    </a:t>
             </a:r>
             <a:endParaRPr lang="en-US" altLang="zh-CN" sz="1600" dirty="0"/>
           </a:p>
           <a:p>
             <a:r>
               <a:rPr lang="zh-CN" altLang="en-US" sz="1600" dirty="0" smtClean="0"/>
-              <a:t>基本</a:t>
+              <a:t>基本结构</a:t>
             </a:r>
             <a:r>
               <a:rPr lang="zh-CN" altLang="en-US" sz="1600" dirty="0"/>
-              <a:t>结构：把一个复杂的类各个部分，拆分成独立的类，然后再在最终类里组合到一块，</a:t>
+              <a:t>：写一个方法，只需要调用这个方法，就能拿到你要的</a:t>
+            </a:r>
+            <a:r>
+              <a:rPr lang="zh-CN" altLang="en-US" sz="1600" dirty="0" smtClean="0"/>
+              <a:t>对象</a:t>
+            </a:r>
+            <a:endParaRPr lang="en-US" altLang="zh-CN" sz="1600" dirty="0" smtClean="0"/>
+          </a:p>
+          <a:p>
+            <a:endParaRPr lang="en-US" altLang="zh-CN" sz="1600" dirty="0" smtClean="0"/>
+          </a:p>
+          <a:p>
+            <a:r>
+              <a:rPr lang="zh-CN" altLang="en-US" sz="1600" dirty="0" smtClean="0"/>
+              <a:t>示例</a:t>
+            </a:r>
+            <a:r>
+              <a:rPr lang="zh-CN" altLang="en-US" sz="1600" dirty="0"/>
+              <a:t>：多彩的弹窗（需求：项目有一个弹窗需求，弹窗有多种，他们之间存在内容和颜色上的差异</a:t>
+            </a:r>
+            <a:r>
+              <a:rPr lang="zh-CN" altLang="en-US" sz="1600" dirty="0" smtClean="0"/>
+              <a:t>）</a:t>
+            </a:r>
+            <a:endParaRPr lang="en-US" altLang="zh-CN" sz="1600" dirty="0" smtClean="0"/>
+          </a:p>
+          <a:p>
+            <a:r>
+              <a:rPr lang="zh-CN" altLang="en-US" sz="1600" dirty="0"/>
+              <a:t>源码示例：</a:t>
+            </a:r>
+            <a:r>
+              <a:rPr lang="en-US" altLang="zh-CN" sz="1600" dirty="0" err="1"/>
+              <a:t>jquery</a:t>
             </a:r>
             <a:r>
               <a:rPr lang="en-US" altLang="zh-CN" sz="1600" dirty="0"/>
-              <a:t>final</a:t>
+              <a:t> </a:t>
             </a:r>
             <a:r>
               <a:rPr lang="zh-CN" altLang="en-US" sz="1600" dirty="0"/>
-              <a:t>为最终给出去的</a:t>
+              <a:t>（需求：</a:t>
+            </a:r>
+            <a:r>
+              <a:rPr lang="en-US" altLang="zh-CN" sz="1600" dirty="0" err="1"/>
+              <a:t>jQuery</a:t>
+            </a:r>
+            <a:r>
+              <a:rPr lang="zh-CN" altLang="en-US" sz="1600" dirty="0"/>
+              <a:t>需要操作</a:t>
+            </a:r>
+            <a:r>
+              <a:rPr lang="en-US" altLang="zh-CN" sz="1600" dirty="0" err="1"/>
+              <a:t>dom</a:t>
+            </a:r>
+            <a:r>
+              <a:rPr lang="zh-CN" altLang="en-US" sz="1600" dirty="0"/>
+              <a:t>，每</a:t>
             </a:r>
             <a:r>
               <a:rPr lang="zh-CN" altLang="en-US" sz="1600" dirty="0" smtClean="0"/>
-              <a:t>类</a:t>
-            </a:r>
-            <a:endParaRPr lang="en-US" altLang="zh-CN" sz="1600" dirty="0" smtClean="0"/>
-          </a:p>
-          <a:p>
+              <a:t>一个</a:t>
+            </a:r>
+            <a:r>
+              <a:rPr lang="en-US" altLang="zh-CN" sz="1600" dirty="0" err="1" smtClean="0"/>
+              <a:t>dom</a:t>
+            </a:r>
             <a:r>
               <a:rPr lang="zh-CN" altLang="en-US" sz="1600" dirty="0"/>
-              <a:t>示例</a:t>
-            </a:r>
-            <a:r>
-              <a:rPr lang="zh-CN" altLang="en-US" sz="1600" dirty="0" smtClean="0"/>
-              <a:t>：轮播图</a:t>
-            </a:r>
-            <a:endParaRPr lang="en-US" altLang="zh-CN" sz="1600" dirty="0" smtClean="0"/>
-          </a:p>
-          <a:p>
-            <a:r>
-              <a:rPr lang="zh-CN" altLang="en-US" sz="1600" dirty="0" smtClean="0"/>
-              <a:t>源码实例：</a:t>
-            </a:r>
-            <a:r>
-              <a:rPr lang="en-US" altLang="zh-CN" sz="1600" dirty="0" err="1" smtClean="0"/>
-              <a:t>Vue</a:t>
-            </a:r>
-            <a:r>
-              <a:rPr lang="zh-CN" altLang="en-US" sz="1600" dirty="0" smtClean="0"/>
-              <a:t>的初始化（</a:t>
-            </a:r>
-            <a:r>
-              <a:rPr lang="en-US" altLang="zh-CN" sz="1600" dirty="0" err="1" smtClean="0"/>
-              <a:t>vue</a:t>
-            </a:r>
-            <a:r>
-              <a:rPr lang="zh-CN" altLang="en-US" sz="1600" dirty="0" smtClean="0"/>
-              <a:t>内部众多模块，而且过程复杂）</a:t>
-            </a:r>
-            <a:endParaRPr lang="zh-CN" altLang="en-US" sz="1600" dirty="0"/>
+              <a:t>都是一个</a:t>
+            </a:r>
+            <a:r>
+              <a:rPr lang="en-US" altLang="zh-CN" sz="1600" dirty="0" err="1"/>
+              <a:t>jquery</a:t>
+            </a:r>
+            <a:r>
+              <a:rPr lang="zh-CN" altLang="en-US" sz="1600" dirty="0"/>
+              <a:t>对象）</a:t>
+            </a:r>
           </a:p>
         </p:txBody>
       </p:sp>
@@ -8066,7 +8051,7 @@
           <a:p>
             <a:r>
               <a:rPr lang="zh-CN" altLang="en-US" sz="2400" b="0" dirty="0"/>
-              <a:t>单例模式</a:t>
+              <a:t>建造者模式</a:t>
             </a:r>
             <a:r>
               <a:rPr lang="zh-CN" altLang="en-US" dirty="0"/>
@@ -8102,9 +8087,9 @@
             </a:r>
             <a:r>
               <a:rPr lang="zh-CN" altLang="en-US" sz="1600" dirty="0"/>
-              <a:t>：需要确保全局只有一个对象    </a:t>
-            </a:r>
-            <a:endParaRPr lang="en-US" altLang="zh-CN" sz="1600" dirty="0" smtClean="0"/>
+              <a:t>：需要组合出一个全局对象    </a:t>
+            </a:r>
+            <a:endParaRPr lang="en-US" altLang="zh-CN" sz="1600" dirty="0"/>
           </a:p>
           <a:p>
             <a:r>
@@ -8113,9 +8098,9 @@
             </a:r>
             <a:r>
               <a:rPr lang="zh-CN" altLang="en-US" sz="1600" dirty="0"/>
-              <a:t>场景：为了避免重复创建，避免多个对象存在互相干扰    </a:t>
-            </a:r>
-            <a:endParaRPr lang="en-US" altLang="zh-CN" sz="1600" dirty="0" smtClean="0"/>
+              <a:t>场景：当要创建单个、庞大的组合对象时，如轮播图的实现    </a:t>
+            </a:r>
+            <a:endParaRPr lang="en-US" altLang="zh-CN" sz="1600" dirty="0"/>
           </a:p>
           <a:p>
             <a:r>
@@ -8124,54 +8109,55 @@
             </a:r>
             <a:r>
               <a:rPr lang="zh-CN" altLang="en-US" sz="1600" dirty="0"/>
-              <a:t>结构：通过定义一个方法，使用时只允许通过此方法拿到存在内部的同一实例化</a:t>
+              <a:t>结构：把一个复杂的类各个部分，拆分成独立的类，然后再在最终类里组合到一块，</a:t>
+            </a:r>
+            <a:r>
+              <a:rPr lang="en-US" altLang="zh-CN" sz="1600" dirty="0"/>
+              <a:t>final</a:t>
+            </a:r>
+            <a:r>
+              <a:rPr lang="zh-CN" altLang="en-US" sz="1600" dirty="0"/>
+              <a:t>为最终给出去的</a:t>
             </a:r>
             <a:r>
               <a:rPr lang="zh-CN" altLang="en-US" sz="1600" dirty="0" smtClean="0"/>
-              <a:t>对象</a:t>
+              <a:t>类</a:t>
             </a:r>
             <a:endParaRPr lang="en-US" altLang="zh-CN" sz="1600" dirty="0" smtClean="0"/>
           </a:p>
           <a:p>
             <a:r>
               <a:rPr lang="zh-CN" altLang="en-US" sz="1600" dirty="0"/>
-              <a:t>示例：全局的数据存储对象（需求：项目中有一个全局的数据存储者，这个存储者只能有一个，不然会需要进行同步，增加复杂度</a:t>
+              <a:t>示例</a:t>
             </a:r>
             <a:r>
               <a:rPr lang="zh-CN" altLang="en-US" sz="1600" dirty="0" smtClean="0"/>
-              <a:t>）</a:t>
+              <a:t>：轮播图</a:t>
             </a:r>
             <a:endParaRPr lang="en-US" altLang="zh-CN" sz="1600" dirty="0" smtClean="0"/>
           </a:p>
           <a:p>
             <a:r>
-              <a:rPr lang="zh-CN" altLang="en-US" sz="1600" dirty="0"/>
+              <a:rPr lang="zh-CN" altLang="en-US" sz="1600" dirty="0" smtClean="0"/>
               <a:t>源码实例：</a:t>
             </a:r>
             <a:r>
-              <a:rPr lang="en-US" altLang="zh-CN" sz="1600" dirty="0" err="1"/>
+              <a:rPr lang="en-US" altLang="zh-CN" sz="1600" dirty="0" err="1" smtClean="0"/>
+              <a:t>Vue</a:t>
+            </a:r>
+            <a:r>
+              <a:rPr lang="zh-CN" altLang="en-US" sz="1600" dirty="0" smtClean="0"/>
+              <a:t>的初始化（</a:t>
+            </a:r>
+            <a:r>
+              <a:rPr lang="en-US" altLang="zh-CN" sz="1600" dirty="0" err="1" smtClean="0"/>
               <a:t>vue</a:t>
             </a:r>
             <a:r>
-              <a:rPr lang="en-US" altLang="zh-CN" sz="1600" dirty="0"/>
-              <a:t>-router</a:t>
-            </a:r>
-            <a:r>
-              <a:rPr lang="zh-CN" altLang="en-US" sz="1600" dirty="0"/>
-              <a:t>（</a:t>
-            </a:r>
-            <a:r>
-              <a:rPr lang="en-US" altLang="zh-CN" sz="1600" dirty="0" err="1"/>
-              <a:t>vue</a:t>
-            </a:r>
-            <a:r>
-              <a:rPr lang="en-US" altLang="zh-CN" sz="1600" dirty="0"/>
-              <a:t>-router</a:t>
-            </a:r>
-            <a:r>
-              <a:rPr lang="zh-CN" altLang="en-US" sz="1600" dirty="0"/>
-              <a:t>必须保障全局有且只有一个，否则的话会错乱）</a:t>
-            </a:r>
+              <a:rPr lang="zh-CN" altLang="en-US" sz="1600" dirty="0" smtClean="0"/>
+              <a:t>内部众多模块，而且过程复杂）</a:t>
+            </a:r>
+            <a:endParaRPr lang="zh-CN" altLang="en-US" sz="1600" dirty="0"/>
           </a:p>
         </p:txBody>
       </p:sp>
@@ -8229,7 +8215,7 @@
           <a:p>
             <a:r>
               <a:rPr lang="zh-CN" altLang="en-US" sz="2400" b="0" dirty="0"/>
-              <a:t>结构型</a:t>
+              <a:t>单例模式</a:t>
             </a:r>
             <a:r>
               <a:rPr lang="zh-CN" altLang="en-US" dirty="0"/>
@@ -8260,128 +8246,80 @@
           <a:lstStyle/>
           <a:p>
             <a:r>
+              <a:rPr lang="zh-CN" altLang="en-US" sz="1600" dirty="0" smtClean="0"/>
+              <a:t>目的</a:t>
+            </a:r>
+            <a:r>
+              <a:rPr lang="zh-CN" altLang="en-US" sz="1600" dirty="0"/>
+              <a:t>：需要确保全局只有一个对象    </a:t>
+            </a:r>
+            <a:endParaRPr lang="en-US" altLang="zh-CN" sz="1600" dirty="0" smtClean="0"/>
+          </a:p>
+          <a:p>
+            <a:r>
+              <a:rPr lang="zh-CN" altLang="en-US" sz="1600" dirty="0" smtClean="0"/>
+              <a:t>应用</a:t>
+            </a:r>
+            <a:r>
+              <a:rPr lang="zh-CN" altLang="en-US" sz="1600" dirty="0"/>
+              <a:t>场景：为了避免重复创建，避免多个对象存在互相干扰    </a:t>
+            </a:r>
+            <a:endParaRPr lang="en-US" altLang="zh-CN" sz="1600" dirty="0" smtClean="0"/>
+          </a:p>
+          <a:p>
+            <a:r>
+              <a:rPr lang="zh-CN" altLang="en-US" sz="1600" dirty="0" smtClean="0"/>
+              <a:t>基本</a:t>
+            </a:r>
+            <a:r>
+              <a:rPr lang="zh-CN" altLang="en-US" sz="1600" dirty="0"/>
+              <a:t>结构：通过定义一个方法，使用时只允许通过此方法拿到存在内部的同一实例化</a:t>
+            </a:r>
+            <a:r>
+              <a:rPr lang="zh-CN" altLang="en-US" sz="1600" dirty="0" smtClean="0"/>
+              <a:t>对象</a:t>
+            </a:r>
+            <a:endParaRPr lang="en-US" altLang="zh-CN" sz="1600" dirty="0" smtClean="0"/>
+          </a:p>
+          <a:p>
+            <a:r>
+              <a:rPr lang="zh-CN" altLang="en-US" sz="1600" dirty="0"/>
+              <a:t>示例：全局的数据存储对象（需求：项目中有一个全局的数据存储者，这个存储者只能有一个，不然会需要进行同步，增加复杂度</a:t>
+            </a:r>
+            <a:r>
+              <a:rPr lang="zh-CN" altLang="en-US" sz="1600" dirty="0" smtClean="0"/>
+              <a:t>）</a:t>
+            </a:r>
+            <a:endParaRPr lang="en-US" altLang="zh-CN" sz="1600" dirty="0" smtClean="0"/>
+          </a:p>
+          <a:p>
+            <a:r>
+              <a:rPr lang="zh-CN" altLang="en-US" sz="1600" dirty="0"/>
+              <a:t>源码实例：</a:t>
+            </a:r>
+            <a:r>
+              <a:rPr lang="en-US" altLang="zh-CN" sz="1600" dirty="0" err="1"/>
+              <a:t>vue</a:t>
+            </a:r>
+            <a:r>
               <a:rPr lang="en-US" altLang="zh-CN" sz="1600" dirty="0"/>
-              <a:t>1. </a:t>
+              <a:t>-router</a:t>
             </a:r>
             <a:r>
               <a:rPr lang="zh-CN" altLang="en-US" sz="1600" dirty="0"/>
-              <a:t>外观模式 </a:t>
+              <a:t>（</a:t>
+            </a:r>
+            <a:r>
+              <a:rPr lang="en-US" altLang="zh-CN" sz="1600" dirty="0" err="1"/>
+              <a:t>vue</a:t>
             </a:r>
             <a:r>
               <a:rPr lang="en-US" altLang="zh-CN" sz="1600" dirty="0"/>
-              <a:t>-- </a:t>
+              <a:t>-router</a:t>
             </a:r>
             <a:r>
               <a:rPr lang="zh-CN" altLang="en-US" sz="1600" dirty="0"/>
-              <a:t>给你的一个</a:t>
-            </a:r>
-            <a:r>
-              <a:rPr lang="zh-CN" altLang="en-US" sz="1600" dirty="0" smtClean="0"/>
-              <a:t>套餐</a:t>
-            </a:r>
-            <a:endParaRPr lang="en-US" altLang="zh-CN" sz="1600" dirty="0" smtClean="0"/>
-          </a:p>
-          <a:p>
-            <a:r>
-              <a:rPr lang="en-US" altLang="zh-CN" sz="1600" dirty="0" smtClean="0"/>
-              <a:t>2</a:t>
-            </a:r>
-            <a:r>
-              <a:rPr lang="en-US" altLang="zh-CN" sz="1600" dirty="0"/>
-              <a:t>. </a:t>
-            </a:r>
-            <a:r>
-              <a:rPr lang="zh-CN" altLang="en-US" sz="1600" dirty="0"/>
-              <a:t>享元模式 </a:t>
-            </a:r>
-            <a:r>
-              <a:rPr lang="en-US" altLang="zh-CN" sz="1600" dirty="0"/>
-              <a:t>-- </a:t>
-            </a:r>
-            <a:r>
-              <a:rPr lang="zh-CN" altLang="en-US" sz="1600" dirty="0"/>
-              <a:t>共享来减少</a:t>
-            </a:r>
-            <a:r>
-              <a:rPr lang="zh-CN" altLang="en-US" sz="1600" dirty="0" smtClean="0"/>
-              <a:t>数量</a:t>
-            </a:r>
-            <a:endParaRPr lang="en-US" altLang="zh-CN" sz="1600" dirty="0" smtClean="0"/>
-          </a:p>
-          <a:p>
-            <a:r>
-              <a:rPr lang="en-US" altLang="zh-CN" sz="1600" dirty="0" smtClean="0"/>
-              <a:t>3</a:t>
-            </a:r>
-            <a:r>
-              <a:rPr lang="en-US" altLang="zh-CN" sz="1600" dirty="0"/>
-              <a:t>. </a:t>
-            </a:r>
-            <a:r>
-              <a:rPr lang="zh-CN" altLang="en-US" sz="1600" dirty="0"/>
-              <a:t>适配器模式 </a:t>
-            </a:r>
-            <a:r>
-              <a:rPr lang="en-US" altLang="zh-CN" sz="1600" dirty="0"/>
-              <a:t>-- </a:t>
-            </a:r>
-            <a:r>
-              <a:rPr lang="zh-CN" altLang="en-US" sz="1600" dirty="0"/>
-              <a:t>用适配代替</a:t>
-            </a:r>
-            <a:r>
-              <a:rPr lang="zh-CN" altLang="en-US" sz="1600" dirty="0" smtClean="0"/>
-              <a:t>更改</a:t>
-            </a:r>
-            <a:endParaRPr lang="en-US" altLang="zh-CN" sz="1600" dirty="0" smtClean="0"/>
-          </a:p>
-          <a:p>
-            <a:r>
-              <a:rPr lang="en-US" altLang="zh-CN" sz="1600" dirty="0" smtClean="0"/>
-              <a:t>4</a:t>
-            </a:r>
-            <a:r>
-              <a:rPr lang="en-US" altLang="zh-CN" sz="1600" dirty="0"/>
-              <a:t>. </a:t>
-            </a:r>
-            <a:r>
-              <a:rPr lang="zh-CN" altLang="en-US" sz="1600" dirty="0"/>
-              <a:t>桥接模式 </a:t>
-            </a:r>
-            <a:r>
-              <a:rPr lang="en-US" altLang="zh-CN" sz="1600" dirty="0"/>
-              <a:t>-- </a:t>
-            </a:r>
-            <a:r>
-              <a:rPr lang="zh-CN" altLang="en-US" sz="1600" dirty="0"/>
-              <a:t>独立出来，然后再对接</a:t>
-            </a:r>
-            <a:r>
-              <a:rPr lang="zh-CN" altLang="en-US" sz="1600" dirty="0" smtClean="0"/>
-              <a:t>过去</a:t>
-            </a:r>
-            <a:endParaRPr lang="en-US" altLang="zh-CN" sz="1600" dirty="0" smtClean="0"/>
-          </a:p>
-          <a:p>
-            <a:r>
-              <a:rPr lang="en-US" altLang="zh-CN" sz="1600" dirty="0" smtClean="0"/>
-              <a:t>5</a:t>
-            </a:r>
-            <a:r>
-              <a:rPr lang="en-US" altLang="zh-CN" sz="1600" dirty="0"/>
-              <a:t>. </a:t>
-            </a:r>
-            <a:r>
-              <a:rPr lang="zh-CN" altLang="en-US" sz="1600" dirty="0"/>
-              <a:t>装饰者模式 </a:t>
-            </a:r>
-            <a:r>
-              <a:rPr lang="en-US" altLang="zh-CN" sz="1600" dirty="0"/>
-              <a:t>-- </a:t>
-            </a:r>
-            <a:r>
-              <a:rPr lang="zh-CN" altLang="en-US" sz="1600" dirty="0"/>
-              <a:t>更优雅地扩展需求</a:t>
+              <a:t>必须保障全局有且只有一个，否则的话会错乱）</a:t>
             </a:r>
           </a:p>
         </p:txBody>
@@ -8435,15 +8373,21 @@
         </p:nvSpPr>
         <p:spPr/>
         <p:txBody>
-          <a:bodyPr>
-            <a:normAutofit/>
-          </a:bodyPr>
+          <a:bodyPr/>
           <a:lstStyle/>
           <a:p>
             <a:r>
               <a:rPr lang="zh-CN" altLang="en-US" sz="2400" b="0" dirty="0"/>
-              <a:t>外观模式</a:t>
-            </a:r>
+              <a:t>结构型</a:t>
+            </a:r>
+            <a:r>
+              <a:rPr lang="zh-CN" altLang="en-US" dirty="0"/>
+              <a:t/>
+            </a:r>
+            <a:br>
+              <a:rPr lang="zh-CN" altLang="en-US" dirty="0"/>
+            </a:br>
+            <a:endParaRPr lang="zh-CN" altLang="en-US" dirty="0"/>
           </a:p>
         </p:txBody>
       </p:sp>
@@ -8465,34 +8409,20 @@
           <a:lstStyle/>
           <a:p>
             <a:r>
-              <a:rPr lang="zh-CN" altLang="en-US" sz="1600" dirty="0" smtClean="0"/>
-              <a:t>目的</a:t>
+              <a:rPr lang="en-US" altLang="zh-CN" sz="1600" dirty="0"/>
+              <a:t>1. </a:t>
             </a:r>
             <a:r>
               <a:rPr lang="zh-CN" altLang="en-US" sz="1600" dirty="0"/>
-              <a:t>：通过为多个复杂的子系统提供一个一致的接口    </a:t>
-            </a:r>
-            <a:endParaRPr lang="en-US" altLang="zh-CN" sz="1600" dirty="0"/>
-          </a:p>
-          <a:p>
-            <a:r>
-              <a:rPr lang="zh-CN" altLang="en-US" sz="1600" dirty="0" smtClean="0"/>
-              <a:t>应用</a:t>
+              <a:t>外观模式 </a:t>
+            </a:r>
+            <a:r>
+              <a:rPr lang="en-US" altLang="zh-CN" sz="1600" dirty="0"/>
+              <a:t>-- </a:t>
             </a:r>
             <a:r>
               <a:rPr lang="zh-CN" altLang="en-US" sz="1600" dirty="0"/>
-              <a:t>场景：当完成一个操作，需要操作多个子系统，不如提供一个更高级的统一接口    </a:t>
-            </a:r>
-            <a:endParaRPr lang="en-US" altLang="zh-CN" sz="1600" dirty="0"/>
-          </a:p>
-          <a:p>
-            <a:r>
-              <a:rPr lang="zh-CN" altLang="en-US" sz="1600" dirty="0" smtClean="0"/>
-              <a:t>基本</a:t>
-            </a:r>
-            <a:r>
-              <a:rPr lang="zh-CN" altLang="en-US" sz="1600" dirty="0"/>
-              <a:t>结构：我们在组织方法模块时可以细化多个接口，但是我们给别人使用时，要合为一个接口，就像你可以直接去餐厅点</a:t>
+              <a:t>给你的一个</a:t>
             </a:r>
             <a:r>
               <a:rPr lang="zh-CN" altLang="en-US" sz="1600" dirty="0" smtClean="0"/>
@@ -8502,23 +8432,105 @@
           </a:p>
           <a:p>
             <a:r>
+              <a:rPr lang="en-US" altLang="zh-CN" sz="1600" dirty="0" smtClean="0"/>
+              <a:t>2</a:t>
+            </a:r>
+            <a:r>
+              <a:rPr lang="en-US" altLang="zh-CN" sz="1600" dirty="0"/>
+              <a:t>. </a:t>
+            </a:r>
+            <a:r>
+              <a:rPr lang="zh-CN" altLang="en-US" sz="1600" dirty="0"/>
+              <a:t>享元模式 </a:t>
+            </a:r>
+            <a:r>
+              <a:rPr lang="en-US" altLang="zh-CN" sz="1600" dirty="0"/>
+              <a:t>-- </a:t>
+            </a:r>
+            <a:r>
+              <a:rPr lang="zh-CN" altLang="en-US" sz="1600" dirty="0"/>
+              <a:t>共享来减少</a:t>
+            </a:r>
+            <a:r>
               <a:rPr lang="zh-CN" altLang="en-US" sz="1600" dirty="0" smtClean="0"/>
-              <a:t>示例</a:t>
+              <a:t>数量</a:t>
+            </a:r>
+            <a:endParaRPr lang="en-US" altLang="zh-CN" sz="1600" dirty="0" smtClean="0"/>
+          </a:p>
+          <a:p>
+            <a:r>
+              <a:rPr lang="en-US" altLang="zh-CN" sz="1600" dirty="0" smtClean="0"/>
+              <a:t>3</a:t>
+            </a:r>
+            <a:r>
+              <a:rPr lang="en-US" altLang="zh-CN" sz="1600" dirty="0"/>
+              <a:t>. </a:t>
             </a:r>
             <a:r>
               <a:rPr lang="zh-CN" altLang="en-US" sz="1600" dirty="0"/>
-              <a:t>：插件封装的规律（需求：插件基本上都会给最终使用提供一个高级接口）    </a:t>
+              <a:t>适配器模式 </a:t>
+            </a:r>
+            <a:r>
+              <a:rPr lang="en-US" altLang="zh-CN" sz="1600" dirty="0"/>
+              <a:t>-- </a:t>
+            </a:r>
+            <a:r>
+              <a:rPr lang="zh-CN" altLang="en-US" sz="1600" dirty="0"/>
+              <a:t>用适配代替</a:t>
+            </a:r>
+            <a:r>
+              <a:rPr lang="zh-CN" altLang="en-US" sz="1600" dirty="0" smtClean="0"/>
+              <a:t>更改</a:t>
             </a:r>
             <a:endParaRPr lang="en-US" altLang="zh-CN" sz="1600" dirty="0" smtClean="0"/>
           </a:p>
           <a:p>
             <a:r>
+              <a:rPr lang="en-US" altLang="zh-CN" sz="1600" dirty="0" smtClean="0"/>
+              <a:t>4</a:t>
+            </a:r>
+            <a:r>
+              <a:rPr lang="en-US" altLang="zh-CN" sz="1600" dirty="0"/>
+              <a:t>. </a:t>
+            </a:r>
+            <a:r>
+              <a:rPr lang="zh-CN" altLang="en-US" sz="1600" dirty="0"/>
+              <a:t>桥接模式 </a:t>
+            </a:r>
+            <a:r>
+              <a:rPr lang="en-US" altLang="zh-CN" sz="1600" dirty="0"/>
+              <a:t>-- </a:t>
+            </a:r>
+            <a:r>
+              <a:rPr lang="zh-CN" altLang="en-US" sz="1600" dirty="0"/>
+              <a:t>独立出来，然后再对接</a:t>
+            </a:r>
+            <a:r>
               <a:rPr lang="zh-CN" altLang="en-US" sz="1600" dirty="0" smtClean="0"/>
-              <a:t>示例</a:t>
+              <a:t>过去</a:t>
+            </a:r>
+            <a:endParaRPr lang="en-US" altLang="zh-CN" sz="1600" dirty="0" smtClean="0"/>
+          </a:p>
+          <a:p>
+            <a:r>
+              <a:rPr lang="en-US" altLang="zh-CN" sz="1600" dirty="0" smtClean="0"/>
+              <a:t>5</a:t>
+            </a:r>
+            <a:r>
+              <a:rPr lang="en-US" altLang="zh-CN" sz="1600" dirty="0"/>
+              <a:t>. </a:t>
             </a:r>
             <a:r>
               <a:rPr lang="zh-CN" altLang="en-US" sz="1600" dirty="0"/>
-              <a:t>：封装成方法的思想（需求：在兼容时代，我们会常常需要检测能力，不妨作为一个统一接口）</a:t>
+              <a:t>装饰者模式 </a:t>
+            </a:r>
+            <a:r>
+              <a:rPr lang="en-US" altLang="zh-CN" sz="1600" dirty="0"/>
+              <a:t>-- </a:t>
+            </a:r>
+            <a:r>
+              <a:rPr lang="zh-CN" altLang="en-US" sz="1600" dirty="0"/>
+              <a:t>更优雅地扩展需求</a:t>
             </a:r>
           </a:p>
         </p:txBody>
@@ -8526,7 +8538,7 @@
     </p:spTree>
     <p:extLst>
       <p:ext uri="{BB962C8B-B14F-4D97-AF65-F5344CB8AC3E}">
-        <p14:creationId xmlns:p14="http://schemas.microsoft.com/office/powerpoint/2010/main" val="162976284"/>
+        <p14:creationId xmlns:p14="http://schemas.microsoft.com/office/powerpoint/2010/main" val="2339154929"/>
       </p:ext>
     </p:extLst>
   </p:cSld>
@@ -8578,12 +8590,8 @@
           <a:lstStyle/>
           <a:p>
             <a:r>
-              <a:rPr lang="zh-CN" altLang="en-US" sz="2400" b="0" dirty="0" smtClean="0"/>
-              <a:t>适配器</a:t>
-            </a:r>
-            <a:r>
               <a:rPr lang="zh-CN" altLang="en-US" sz="2400" b="0" dirty="0"/>
-              <a:t>模式</a:t>
+              <a:t>外观模式</a:t>
             </a:r>
           </a:p>
         </p:txBody>
@@ -8598,12 +8606,7 @@
             <p:ph type="body" sz="quarter" idx="11"/>
           </p:nvPr>
         </p:nvSpPr>
-        <p:spPr>
-          <a:xfrm>
-            <a:off x="609601" y="1100670"/>
-            <a:ext cx="10782299" cy="2128306"/>
-          </a:xfrm>
-        </p:spPr>
+        <p:spPr/>
         <p:txBody>
           <a:bodyPr>
             <a:normAutofit/>
@@ -8612,24 +8615,13 @@
           <a:p>
             <a:r>
               <a:rPr lang="zh-CN" altLang="en-US" sz="1600" dirty="0" smtClean="0"/>
-              <a:t>目标</a:t>
+              <a:t>目的</a:t>
             </a:r>
             <a:r>
               <a:rPr lang="zh-CN" altLang="en-US" sz="1600" dirty="0"/>
-              <a:t>：接口    </a:t>
-            </a:r>
-            <a:endParaRPr lang="en-US" altLang="zh-CN" sz="1600" dirty="0" smtClean="0"/>
-          </a:p>
-          <a:p>
-            <a:r>
-              <a:rPr lang="zh-CN" altLang="en-US" sz="1600" dirty="0" smtClean="0"/>
-              <a:t>目的</a:t>
-            </a:r>
-            <a:r>
-              <a:rPr lang="zh-CN" altLang="en-US" sz="1600" dirty="0"/>
-              <a:t>：通过写一个适配器，来代替替换    </a:t>
-            </a:r>
-            <a:endParaRPr lang="en-US" altLang="zh-CN" sz="1600" dirty="0" smtClean="0"/>
+              <a:t>：通过为多个复杂的子系统提供一个一致的接口    </a:t>
+            </a:r>
+            <a:endParaRPr lang="en-US" altLang="zh-CN" sz="1600" dirty="0"/>
           </a:p>
           <a:p>
             <a:r>
@@ -8638,14 +8630,22 @@
             </a:r>
             <a:r>
               <a:rPr lang="zh-CN" altLang="en-US" sz="1600" dirty="0"/>
-              <a:t>场景：面临接口不通用的问题    </a:t>
-            </a:r>
-            <a:endParaRPr lang="en-US" altLang="zh-CN" sz="1600" dirty="0" smtClean="0"/>
+              <a:t>场景：当完成一个操作，需要操作多个子系统，不如提供一个更高级的统一接口    </a:t>
+            </a:r>
+            <a:endParaRPr lang="en-US" altLang="zh-CN" sz="1600" dirty="0"/>
           </a:p>
           <a:p>
             <a:r>
               <a:rPr lang="zh-CN" altLang="en-US" sz="1600" dirty="0" smtClean="0"/>
-              <a:t>基本结构</a:t>
+              <a:t>基本</a:t>
+            </a:r>
+            <a:r>
+              <a:rPr lang="zh-CN" altLang="en-US" sz="1600" dirty="0"/>
+              <a:t>结构：我们在组织方法模块时可以细化多个接口，但是我们给别人使用时，要合为一个接口，就像你可以直接去餐厅点</a:t>
+            </a:r>
+            <a:r>
+              <a:rPr lang="zh-CN" altLang="en-US" sz="1600" dirty="0" smtClean="0"/>
+              <a:t>套餐</a:t>
             </a:r>
             <a:endParaRPr lang="en-US" altLang="zh-CN" sz="1600" dirty="0" smtClean="0"/>
           </a:p>
@@ -8656,27 +8656,7 @@
             </a:r>
             <a:r>
               <a:rPr lang="zh-CN" altLang="en-US" sz="1600" dirty="0"/>
-              <a:t>：框架的变更（需求：目前项目使用的</a:t>
-            </a:r>
-            <a:r>
-              <a:rPr lang="en-US" altLang="zh-CN" sz="1600" dirty="0"/>
-              <a:t>A</a:t>
-            </a:r>
-            <a:r>
-              <a:rPr lang="zh-CN" altLang="en-US" sz="1600" dirty="0"/>
-              <a:t>框架，现在改成了</a:t>
-            </a:r>
-            <a:r>
-              <a:rPr lang="en-US" altLang="zh-CN" sz="1600" dirty="0"/>
-              <a:t>B</a:t>
-            </a:r>
-            <a:r>
-              <a:rPr lang="zh-CN" altLang="en-US" sz="1600" dirty="0"/>
-              <a:t>，两个框架十分类似，但是有少数几个方法不同</a:t>
-            </a:r>
-            <a:r>
-              <a:rPr lang="zh-CN" altLang="en-US" sz="1600" dirty="0" smtClean="0"/>
-              <a:t>）</a:t>
+              <a:t>：插件封装的规律（需求：插件基本上都会给最终使用提供一个高级接口）    </a:t>
             </a:r>
             <a:endParaRPr lang="en-US" altLang="zh-CN" sz="1600" dirty="0" smtClean="0"/>
           </a:p>
@@ -8687,79 +8667,15 @@
             </a:r>
             <a:r>
               <a:rPr lang="zh-CN" altLang="en-US" sz="1600" dirty="0"/>
-              <a:t>：参数适配（需求：为了避免参数不适配产生问题，很多框架会有一个参数适配操作）</a:t>
+              <a:t>：封装成方法的思想（需求：在兼容时代，我们会常常需要检测能力，不妨作为一个统一接口）</a:t>
             </a:r>
           </a:p>
         </p:txBody>
       </p:sp>
-      <p:pic>
-        <p:nvPicPr>
-          <p:cNvPr id="3074" name="Picture 2"/>
-          <p:cNvPicPr>
-            <a:picLocks noChangeAspect="1" noChangeArrowheads="1"/>
-          </p:cNvPicPr>
-          <p:nvPr/>
-        </p:nvPicPr>
-        <p:blipFill>
-          <a:blip r:embed="rId2">
-            <a:extLst>
-              <a:ext uri="{28A0092B-C50C-407E-A947-70E740481C1C}">
-                <a14:useLocalDpi xmlns:a14="http://schemas.microsoft.com/office/drawing/2010/main" val="0"/>
-              </a:ext>
-            </a:extLst>
-          </a:blip>
-          <a:srcRect/>
-          <a:stretch>
-            <a:fillRect/>
-          </a:stretch>
-        </p:blipFill>
-        <p:spPr bwMode="auto">
-          <a:xfrm>
-            <a:off x="2176462" y="2847975"/>
-            <a:ext cx="7837487" cy="3181350"/>
-          </a:xfrm>
-          <a:prstGeom prst="rect">
-            <a:avLst/>
-          </a:prstGeom>
-          <a:noFill/>
-          <a:ln>
-            <a:noFill/>
-          </a:ln>
-          <a:effectLst/>
-          <a:extLst>
-            <a:ext uri="{909E8E84-426E-40DD-AFC4-6F175D3DCCD1}">
-              <a14:hiddenFill xmlns:a14="http://schemas.microsoft.com/office/drawing/2010/main">
-                <a:solidFill>
-                  <a:schemeClr val="accent1"/>
-                </a:solidFill>
-              </a14:hiddenFill>
-            </a:ext>
-            <a:ext uri="{91240B29-F687-4F45-9708-019B960494DF}">
-              <a14:hiddenLine xmlns:a14="http://schemas.microsoft.com/office/drawing/2010/main" w="9525">
-                <a:solidFill>
-                  <a:schemeClr val="tx1"/>
-                </a:solidFill>
-                <a:miter lim="800000"/>
-                <a:headEnd/>
-                <a:tailEnd/>
-              </a14:hiddenLine>
-            </a:ext>
-            <a:ext uri="{AF507438-7753-43E0-B8FC-AC1667EBCBE1}">
-              <a14:hiddenEffects xmlns:a14="http://schemas.microsoft.com/office/drawing/2010/main">
-                <a:effectLst>
-                  <a:outerShdw dist="35921" dir="2700000" algn="ctr" rotWithShape="0">
-                    <a:schemeClr val="bg2"/>
-                  </a:outerShdw>
-                </a:effectLst>
-              </a14:hiddenEffects>
-            </a:ext>
-          </a:extLst>
-        </p:spPr>
-      </p:pic>
     </p:spTree>
     <p:extLst>
       <p:ext uri="{BB962C8B-B14F-4D97-AF65-F5344CB8AC3E}">
-        <p14:creationId xmlns:p14="http://schemas.microsoft.com/office/powerpoint/2010/main" val="1500364436"/>
+        <p14:creationId xmlns:p14="http://schemas.microsoft.com/office/powerpoint/2010/main" val="162976284"/>
       </p:ext>
     </p:extLst>
   </p:cSld>
@@ -8811,8 +8727,12 @@
           <a:lstStyle/>
           <a:p>
             <a:r>
+              <a:rPr lang="zh-CN" altLang="en-US" sz="2400" b="0" dirty="0" smtClean="0"/>
+              <a:t>适配器</a:t>
+            </a:r>
+            <a:r>
               <a:rPr lang="zh-CN" altLang="en-US" sz="2400" b="0" dirty="0"/>
-              <a:t>装饰者模式</a:t>
+              <a:t>模式</a:t>
             </a:r>
           </a:p>
         </p:txBody>
@@ -8827,7 +8747,12 @@
             <p:ph type="body" sz="quarter" idx="11"/>
           </p:nvPr>
         </p:nvSpPr>
-        <p:spPr/>
+        <p:spPr>
+          <a:xfrm>
+            <a:off x="609601" y="1100670"/>
+            <a:ext cx="10782299" cy="2128306"/>
+          </a:xfrm>
+        </p:spPr>
         <p:txBody>
           <a:bodyPr>
             <a:normAutofit/>
@@ -8840,9 +8765,9 @@
             </a:r>
             <a:r>
               <a:rPr lang="zh-CN" altLang="en-US" sz="1600" dirty="0"/>
-              <a:t>：方法作用    </a:t>
-            </a:r>
-            <a:endParaRPr lang="en-US" altLang="zh-CN" sz="1600" dirty="0"/>
+              <a:t>：接口    </a:t>
+            </a:r>
+            <a:endParaRPr lang="en-US" altLang="zh-CN" sz="1600" dirty="0" smtClean="0"/>
           </a:p>
           <a:p>
             <a:r>
@@ -8851,9 +8776,9 @@
             </a:r>
             <a:r>
               <a:rPr lang="zh-CN" altLang="en-US" sz="1600" dirty="0"/>
-              <a:t>：不重写方法的扩展方法    </a:t>
-            </a:r>
-            <a:endParaRPr lang="en-US" altLang="zh-CN" sz="1600" dirty="0"/>
+              <a:t>：通过写一个适配器，来代替替换    </a:t>
+            </a:r>
+            <a:endParaRPr lang="en-US" altLang="zh-CN" sz="1600" dirty="0" smtClean="0"/>
           </a:p>
           <a:p>
             <a:r>
@@ -8862,9 +8787,9 @@
             </a:r>
             <a:r>
               <a:rPr lang="zh-CN" altLang="en-US" sz="1600" dirty="0"/>
-              <a:t>场景：当一个方法需要扩展，但是又不好去修改方法    </a:t>
-            </a:r>
-            <a:endParaRPr lang="en-US" altLang="zh-CN" sz="1600" dirty="0"/>
+              <a:t>场景：面临接口不通用的问题    </a:t>
+            </a:r>
+            <a:endParaRPr lang="en-US" altLang="zh-CN" sz="1600" dirty="0" smtClean="0"/>
           </a:p>
           <a:p>
             <a:r>
@@ -8875,16 +8800,28 @@
           </a:p>
           <a:p>
             <a:r>
+              <a:rPr lang="zh-CN" altLang="en-US" sz="1600" dirty="0" smtClean="0"/>
+              <a:t>示例</a:t>
+            </a:r>
+            <a:r>
               <a:rPr lang="zh-CN" altLang="en-US" sz="1600" dirty="0"/>
-              <a:t>示例：扩展你的已有事件绑定（需求：现在项目改造，需要给</a:t>
+              <a:t>：框架的变更（需求：目前项目使用的</a:t>
             </a:r>
             <a:r>
               <a:rPr lang="en-US" altLang="zh-CN" sz="1600" dirty="0"/>
-              <a:t>input</a:t>
+              <a:t>A</a:t>
             </a:r>
             <a:r>
               <a:rPr lang="zh-CN" altLang="en-US" sz="1600" dirty="0"/>
-              <a:t>标签已经有的事件，增加一些操作</a:t>
+              <a:t>框架，现在改成了</a:t>
+            </a:r>
+            <a:r>
+              <a:rPr lang="en-US" altLang="zh-CN" sz="1600" dirty="0"/>
+              <a:t>B</a:t>
+            </a:r>
+            <a:r>
+              <a:rPr lang="zh-CN" altLang="en-US" sz="1600" dirty="0"/>
+              <a:t>，两个框架十分类似，但是有少数几个方法不同</a:t>
             </a:r>
             <a:r>
               <a:rPr lang="zh-CN" altLang="en-US" sz="1600" dirty="0" smtClean="0"/>
@@ -8894,40 +8831,84 @@
           </a:p>
           <a:p>
             <a:r>
+              <a:rPr lang="zh-CN" altLang="en-US" sz="1600" dirty="0" smtClean="0"/>
+              <a:t>示例</a:t>
+            </a:r>
+            <a:r>
               <a:rPr lang="zh-CN" altLang="en-US" sz="1600" dirty="0"/>
-              <a:t>示例：</a:t>
-            </a:r>
-            <a:r>
-              <a:rPr lang="en-US" altLang="zh-CN" sz="1600" dirty="0" err="1"/>
-              <a:t>Vue</a:t>
-            </a:r>
-            <a:r>
-              <a:rPr lang="zh-CN" altLang="en-US" sz="1600" dirty="0"/>
-              <a:t>的数组监听（需求：</a:t>
-            </a:r>
-            <a:r>
-              <a:rPr lang="en-US" altLang="zh-CN" sz="1600" dirty="0" err="1"/>
-              <a:t>vue</a:t>
-            </a:r>
-            <a:r>
-              <a:rPr lang="zh-CN" altLang="en-US" sz="1600" dirty="0"/>
-              <a:t>中利用</a:t>
-            </a:r>
-            <a:r>
-              <a:rPr lang="en-US" altLang="zh-CN" sz="1600" dirty="0" err="1"/>
-              <a:t>defineProperty</a:t>
-            </a:r>
-            <a:r>
-              <a:rPr lang="zh-CN" altLang="en-US" sz="1600" dirty="0"/>
-              <a:t>可以监听对象，那数组怎么办）</a:t>
+              <a:t>：参数适配（需求：为了避免参数不适配产生问题，很多框架会有一个参数适配操作）</a:t>
             </a:r>
           </a:p>
         </p:txBody>
       </p:sp>
+      <p:pic>
+        <p:nvPicPr>
+          <p:cNvPr id="3074" name="Picture 2"/>
+          <p:cNvPicPr>
+            <a:picLocks noChangeAspect="1" noChangeArrowheads="1"/>
+          </p:cNvPicPr>
+          <p:nvPr/>
+        </p:nvPicPr>
+        <p:blipFill>
+          <a:blip r:embed="rId2">
+            <a:extLst>
+              <a:ext uri="{28A0092B-C50C-407E-A947-70E740481C1C}">
+                <a14:useLocalDpi xmlns:a14="http://schemas.microsoft.com/office/drawing/2010/main" val="0"/>
+              </a:ext>
+            </a:extLst>
+          </a:blip>
+          <a:srcRect/>
+          <a:stretch>
+            <a:fillRect/>
+          </a:stretch>
+        </p:blipFill>
+        <p:spPr bwMode="auto">
+          <a:xfrm>
+            <a:off x="2176462" y="2847975"/>
+            <a:ext cx="7837487" cy="3181350"/>
+          </a:xfrm>
+          <a:prstGeom prst="rect">
+            <a:avLst/>
+          </a:prstGeom>
+          <a:noFill/>
+          <a:ln>
+            <a:noFill/>
+          </a:ln>
+          <a:effectLst/>
+          <a:extLst>
+            <a:ext uri="{909E8E84-426E-40DD-AFC4-6F175D3DCCD1}">
+              <a14:hiddenFill xmlns:a14="http://schemas.microsoft.com/office/drawing/2010/main">
+                <a:solidFill>
+                  <a:schemeClr val="accent1"/>
+                </a:solidFill>
+              </a14:hiddenFill>
+            </a:ext>
+            <a:ext uri="{91240B29-F687-4F45-9708-019B960494DF}">
+              <a14:hiddenLine xmlns:a14="http://schemas.microsoft.com/office/drawing/2010/main" w="9525">
+                <a:solidFill>
+                  <a:schemeClr val="tx1"/>
+                </a:solidFill>
+                <a:miter lim="800000"/>
+                <a:headEnd/>
+                <a:tailEnd/>
+              </a14:hiddenLine>
+            </a:ext>
+            <a:ext uri="{AF507438-7753-43E0-B8FC-AC1667EBCBE1}">
+              <a14:hiddenEffects xmlns:a14="http://schemas.microsoft.com/office/drawing/2010/main">
+                <a:effectLst>
+                  <a:outerShdw dist="35921" dir="2700000" algn="ctr" rotWithShape="0">
+                    <a:schemeClr val="bg2"/>
+                  </a:outerShdw>
+                </a:effectLst>
+              </a14:hiddenEffects>
+            </a:ext>
+          </a:extLst>
+        </p:spPr>
+      </p:pic>
     </p:spTree>
     <p:extLst>
       <p:ext uri="{BB962C8B-B14F-4D97-AF65-F5344CB8AC3E}">
-        <p14:creationId xmlns:p14="http://schemas.microsoft.com/office/powerpoint/2010/main" val="4211267840"/>
+        <p14:creationId xmlns:p14="http://schemas.microsoft.com/office/powerpoint/2010/main" val="1500364436"/>
       </p:ext>
     </p:extLst>
   </p:cSld>
@@ -8980,7 +8961,7 @@
           <a:p>
             <a:r>
               <a:rPr lang="zh-CN" altLang="en-US" sz="2400" b="0" dirty="0"/>
-              <a:t>行为型</a:t>
+              <a:t>装饰者模式</a:t>
             </a:r>
           </a:p>
         </p:txBody>
@@ -9003,163 +8984,91 @@
           <a:lstStyle/>
           <a:p>
             <a:r>
+              <a:rPr lang="zh-CN" altLang="en-US" sz="1600" dirty="0" smtClean="0"/>
+              <a:t>目标</a:t>
+            </a:r>
+            <a:r>
+              <a:rPr lang="zh-CN" altLang="en-US" sz="1600" dirty="0"/>
+              <a:t>：方法作用    </a:t>
+            </a:r>
+            <a:endParaRPr lang="en-US" altLang="zh-CN" sz="1600" dirty="0"/>
+          </a:p>
+          <a:p>
+            <a:r>
+              <a:rPr lang="zh-CN" altLang="en-US" sz="1600" dirty="0" smtClean="0"/>
+              <a:t>目的</a:t>
+            </a:r>
+            <a:r>
+              <a:rPr lang="zh-CN" altLang="en-US" sz="1600" dirty="0"/>
+              <a:t>：不重写方法的扩展方法    </a:t>
+            </a:r>
+            <a:endParaRPr lang="en-US" altLang="zh-CN" sz="1600" dirty="0"/>
+          </a:p>
+          <a:p>
+            <a:r>
+              <a:rPr lang="zh-CN" altLang="en-US" sz="1600" dirty="0" smtClean="0"/>
+              <a:t>应用</a:t>
+            </a:r>
+            <a:r>
+              <a:rPr lang="zh-CN" altLang="en-US" sz="1600" dirty="0"/>
+              <a:t>场景：当一个方法需要扩展，但是又不好去修改方法    </a:t>
+            </a:r>
+            <a:endParaRPr lang="en-US" altLang="zh-CN" sz="1600" dirty="0"/>
+          </a:p>
+          <a:p>
+            <a:r>
+              <a:rPr lang="zh-CN" altLang="en-US" sz="1600" dirty="0" smtClean="0"/>
+              <a:t>基本结构</a:t>
+            </a:r>
+            <a:endParaRPr lang="en-US" altLang="zh-CN" sz="1600" dirty="0" smtClean="0"/>
+          </a:p>
+          <a:p>
+            <a:r>
+              <a:rPr lang="zh-CN" altLang="en-US" sz="1600" dirty="0"/>
+              <a:t>示例：扩展你的已有事件绑定（需求：现在项目改造，需要给</a:t>
+            </a:r>
+            <a:r>
               <a:rPr lang="en-US" altLang="zh-CN" sz="1600" dirty="0"/>
-              <a:t>1. </a:t>
+              <a:t>input</a:t>
             </a:r>
             <a:r>
               <a:rPr lang="zh-CN" altLang="en-US" sz="1600" dirty="0"/>
-              <a:t>观察者模式 </a:t>
-            </a:r>
-            <a:r>
-              <a:rPr lang="en-US" altLang="zh-CN" sz="1600" dirty="0"/>
-              <a:t>-- </a:t>
-            </a:r>
+              <a:t>标签已经有的事件，增加一些操作</a:t>
+            </a:r>
+            <a:r>
+              <a:rPr lang="zh-CN" altLang="en-US" sz="1600" dirty="0" smtClean="0"/>
+              <a:t>）</a:t>
+            </a:r>
+            <a:endParaRPr lang="en-US" altLang="zh-CN" sz="1600" dirty="0" smtClean="0"/>
+          </a:p>
+          <a:p>
             <a:r>
               <a:rPr lang="zh-CN" altLang="en-US" sz="1600" dirty="0"/>
-              <a:t>我作为第三方</a:t>
-            </a:r>
-            <a:r>
-              <a:rPr lang="zh-CN" altLang="en-US" sz="1600" dirty="0" smtClean="0"/>
-              <a:t>转发</a:t>
-            </a:r>
-            <a:endParaRPr lang="en-US" altLang="zh-CN" sz="1600" dirty="0" smtClean="0"/>
-          </a:p>
-          <a:p>
-            <a:r>
-              <a:rPr lang="en-US" altLang="zh-CN" sz="1600" dirty="0" smtClean="0"/>
-              <a:t>2</a:t>
-            </a:r>
-            <a:r>
-              <a:rPr lang="en-US" altLang="zh-CN" sz="1600" dirty="0"/>
-              <a:t>. </a:t>
+              <a:t>示例：</a:t>
+            </a:r>
+            <a:r>
+              <a:rPr lang="en-US" altLang="zh-CN" sz="1600" dirty="0" err="1"/>
+              <a:t>Vue</a:t>
             </a:r>
             <a:r>
               <a:rPr lang="zh-CN" altLang="en-US" sz="1600" dirty="0"/>
-              <a:t>职责链模式 </a:t>
-            </a:r>
-            <a:r>
-              <a:rPr lang="en-US" altLang="zh-CN" sz="1600" dirty="0"/>
-              <a:t>-- </a:t>
+              <a:t>的数组监听（需求：</a:t>
+            </a:r>
+            <a:r>
+              <a:rPr lang="en-US" altLang="zh-CN" sz="1600" dirty="0" err="1"/>
+              <a:t>vue</a:t>
             </a:r>
             <a:r>
               <a:rPr lang="zh-CN" altLang="en-US" sz="1600" dirty="0"/>
-              <a:t>像生产线一样组织</a:t>
-            </a:r>
-            <a:r>
-              <a:rPr lang="zh-CN" altLang="en-US" sz="1600" dirty="0" smtClean="0"/>
-              <a:t>模块</a:t>
-            </a:r>
-            <a:endParaRPr lang="en-US" altLang="zh-CN" sz="1600" dirty="0" smtClean="0"/>
-          </a:p>
-          <a:p>
-            <a:r>
-              <a:rPr lang="en-US" altLang="zh-CN" sz="1600" dirty="0" smtClean="0"/>
-              <a:t>3</a:t>
-            </a:r>
-            <a:r>
-              <a:rPr lang="en-US" altLang="zh-CN" sz="1600" dirty="0"/>
-              <a:t>. </a:t>
+              <a:t>中利用</a:t>
+            </a:r>
+            <a:r>
+              <a:rPr lang="en-US" altLang="zh-CN" sz="1600" dirty="0" err="1"/>
+              <a:t>defineProperty</a:t>
             </a:r>
             <a:r>
               <a:rPr lang="zh-CN" altLang="en-US" sz="1600" dirty="0"/>
-              <a:t>状态模式 </a:t>
-            </a:r>
-            <a:r>
-              <a:rPr lang="en-US" altLang="zh-CN" sz="1600" dirty="0"/>
-              <a:t>-- </a:t>
-            </a:r>
-            <a:r>
-              <a:rPr lang="zh-CN" altLang="en-US" sz="1600" dirty="0"/>
-              <a:t>用状态代替</a:t>
-            </a:r>
-            <a:r>
-              <a:rPr lang="zh-CN" altLang="en-US" sz="1600" dirty="0" smtClean="0"/>
-              <a:t>判断</a:t>
-            </a:r>
-            <a:endParaRPr lang="en-US" altLang="zh-CN" sz="1600" dirty="0" smtClean="0"/>
-          </a:p>
-          <a:p>
-            <a:r>
-              <a:rPr lang="en-US" altLang="zh-CN" sz="1600" dirty="0" smtClean="0"/>
-              <a:t>4</a:t>
-            </a:r>
-            <a:r>
-              <a:rPr lang="en-US" altLang="zh-CN" sz="1600" dirty="0"/>
-              <a:t>. </a:t>
-            </a:r>
-            <a:r>
-              <a:rPr lang="zh-CN" altLang="en-US" sz="1600" dirty="0"/>
-              <a:t>命令模式 </a:t>
-            </a:r>
-            <a:r>
-              <a:rPr lang="en-US" altLang="zh-CN" sz="1600" dirty="0"/>
-              <a:t>-- </a:t>
-            </a:r>
-            <a:r>
-              <a:rPr lang="zh-CN" altLang="en-US" sz="1600" dirty="0"/>
-              <a:t>用命令去</a:t>
-            </a:r>
-            <a:r>
-              <a:rPr lang="zh-CN" altLang="en-US" sz="1600" dirty="0" smtClean="0"/>
-              <a:t>解耦</a:t>
-            </a:r>
-            <a:endParaRPr lang="en-US" altLang="zh-CN" sz="1600" dirty="0" smtClean="0"/>
-          </a:p>
-          <a:p>
-            <a:r>
-              <a:rPr lang="en-US" altLang="zh-CN" sz="1600" dirty="0" smtClean="0"/>
-              <a:t>5</a:t>
-            </a:r>
-            <a:r>
-              <a:rPr lang="en-US" altLang="zh-CN" sz="1600" dirty="0"/>
-              <a:t>. </a:t>
-            </a:r>
-            <a:r>
-              <a:rPr lang="zh-CN" altLang="en-US" sz="1600" dirty="0"/>
-              <a:t>策略模式 </a:t>
-            </a:r>
-            <a:r>
-              <a:rPr lang="en-US" altLang="zh-CN" sz="1600" dirty="0"/>
-              <a:t>-- </a:t>
-            </a:r>
-            <a:r>
-              <a:rPr lang="zh-CN" altLang="en-US" sz="1600" dirty="0"/>
-              <a:t>算法</a:t>
-            </a:r>
-            <a:r>
-              <a:rPr lang="zh-CN" altLang="en-US" sz="1600" dirty="0" smtClean="0"/>
-              <a:t>工厂</a:t>
-            </a:r>
-            <a:endParaRPr lang="en-US" altLang="zh-CN" sz="1600" dirty="0" smtClean="0"/>
-          </a:p>
-          <a:p>
-            <a:r>
-              <a:rPr lang="en-US" altLang="zh-CN" sz="1600" dirty="0" smtClean="0"/>
-              <a:t>6</a:t>
-            </a:r>
-            <a:r>
-              <a:rPr lang="en-US" altLang="zh-CN" sz="1600" dirty="0"/>
-              <a:t>. </a:t>
-            </a:r>
-            <a:r>
-              <a:rPr lang="zh-CN" altLang="en-US" sz="1600" dirty="0"/>
-              <a:t>迭代器模式 </a:t>
-            </a:r>
-            <a:r>
-              <a:rPr lang="en-US" altLang="zh-CN" sz="1600" dirty="0"/>
-              <a:t>-- </a:t>
-            </a:r>
-            <a:r>
-              <a:rPr lang="zh-CN" altLang="en-US" sz="1600" dirty="0"/>
-              <a:t>告别</a:t>
-            </a:r>
-            <a:r>
-              <a:rPr lang="en-US" altLang="zh-CN" sz="1600" dirty="0"/>
-              <a:t>for</a:t>
-            </a:r>
-            <a:r>
-              <a:rPr lang="zh-CN" altLang="en-US" sz="1600" dirty="0"/>
-              <a:t>循环</a:t>
+              <a:t>可以监听对象，那数组怎么办）</a:t>
             </a:r>
           </a:p>
         </p:txBody>
@@ -9167,7 +9076,7 @@
     </p:spTree>
     <p:extLst>
       <p:ext uri="{BB962C8B-B14F-4D97-AF65-F5344CB8AC3E}">
-        <p14:creationId xmlns:p14="http://schemas.microsoft.com/office/powerpoint/2010/main" val="3708227064"/>
+        <p14:creationId xmlns:p14="http://schemas.microsoft.com/office/powerpoint/2010/main" val="4211267840"/>
       </p:ext>
     </p:extLst>
   </p:cSld>
@@ -9220,7 +9129,7 @@
           <a:p>
             <a:r>
               <a:rPr lang="zh-CN" altLang="en-US" sz="2400" b="0" dirty="0"/>
-              <a:t>命令模式</a:t>
+              <a:t>行为型</a:t>
             </a:r>
           </a:p>
         </p:txBody>
@@ -9243,52 +9152,163 @@
           <a:lstStyle/>
           <a:p>
             <a:r>
+              <a:rPr lang="en-US" altLang="zh-CN" sz="1600" dirty="0"/>
+              <a:t>1. </a:t>
+            </a:r>
+            <a:r>
+              <a:rPr lang="zh-CN" altLang="en-US" sz="1600" dirty="0"/>
+              <a:t>观察者模式 </a:t>
+            </a:r>
+            <a:r>
+              <a:rPr lang="en-US" altLang="zh-CN" sz="1600" dirty="0"/>
+              <a:t>-- </a:t>
+            </a:r>
+            <a:r>
+              <a:rPr lang="zh-CN" altLang="en-US" sz="1600" dirty="0"/>
+              <a:t>我作为第三方</a:t>
+            </a:r>
+            <a:r>
               <a:rPr lang="zh-CN" altLang="en-US" sz="1600" dirty="0" smtClean="0"/>
-              <a:t>目的</a:t>
+              <a:t>转发</a:t>
+            </a:r>
+            <a:endParaRPr lang="en-US" altLang="zh-CN" sz="1600" dirty="0" smtClean="0"/>
+          </a:p>
+          <a:p>
+            <a:r>
+              <a:rPr lang="en-US" altLang="zh-CN" sz="1600" dirty="0" smtClean="0"/>
+              <a:t>2</a:t>
+            </a:r>
+            <a:r>
+              <a:rPr lang="en-US" altLang="zh-CN" sz="1600" dirty="0"/>
+              <a:t>. </a:t>
             </a:r>
             <a:r>
               <a:rPr lang="zh-CN" altLang="en-US" sz="1600" dirty="0"/>
-              <a:t>：解耦实现和调用，让双方互不干扰；    </a:t>
-            </a:r>
-            <a:endParaRPr lang="en-US" altLang="zh-CN" sz="1600" dirty="0"/>
-          </a:p>
-          <a:p>
+              <a:t>职责链模式 </a:t>
+            </a:r>
+            <a:r>
+              <a:rPr lang="en-US" altLang="zh-CN" sz="1600" dirty="0"/>
+              <a:t>-- </a:t>
+            </a:r>
+            <a:r>
+              <a:rPr lang="zh-CN" altLang="en-US" sz="1600" dirty="0"/>
+              <a:t>像生产线一样组织</a:t>
+            </a:r>
             <a:r>
               <a:rPr lang="zh-CN" altLang="en-US" sz="1600" dirty="0" smtClean="0"/>
-              <a:t>应用</a:t>
+              <a:t>模块</a:t>
+            </a:r>
+            <a:endParaRPr lang="en-US" altLang="zh-CN" sz="1600" dirty="0" smtClean="0"/>
+          </a:p>
+          <a:p>
+            <a:r>
+              <a:rPr lang="en-US" altLang="zh-CN" sz="1600" dirty="0" smtClean="0"/>
+              <a:t>3</a:t>
+            </a:r>
+            <a:r>
+              <a:rPr lang="en-US" altLang="zh-CN" sz="1600" dirty="0"/>
+              <a:t>. </a:t>
             </a:r>
             <a:r>
               <a:rPr lang="zh-CN" altLang="en-US" sz="1600" dirty="0"/>
-              <a:t>场景：调用的命令充满不确定性    </a:t>
-            </a:r>
-            <a:endParaRPr lang="en-US" altLang="zh-CN" sz="1600" dirty="0"/>
-          </a:p>
-          <a:p>
+              <a:t>状态模式 </a:t>
+            </a:r>
+            <a:r>
+              <a:rPr lang="en-US" altLang="zh-CN" sz="1600" dirty="0"/>
+              <a:t>-- </a:t>
+            </a:r>
+            <a:r>
+              <a:rPr lang="zh-CN" altLang="en-US" sz="1600" dirty="0"/>
+              <a:t>用状态代替</a:t>
+            </a:r>
             <a:r>
               <a:rPr lang="zh-CN" altLang="en-US" sz="1600" dirty="0" smtClean="0"/>
-              <a:t>基本结构</a:t>
+              <a:t>判断</a:t>
             </a:r>
             <a:endParaRPr lang="en-US" altLang="zh-CN" sz="1600" dirty="0" smtClean="0"/>
           </a:p>
           <a:p>
             <a:r>
+              <a:rPr lang="en-US" altLang="zh-CN" sz="1600" dirty="0" smtClean="0"/>
+              <a:t>4</a:t>
+            </a:r>
+            <a:r>
+              <a:rPr lang="en-US" altLang="zh-CN" sz="1600" dirty="0"/>
+              <a:t>. </a:t>
+            </a:r>
+            <a:r>
               <a:rPr lang="zh-CN" altLang="en-US" sz="1600" dirty="0"/>
-              <a:t>示例：绘图命令（需求：封装一系列的</a:t>
+              <a:t>命令模式 </a:t>
             </a:r>
             <a:r>
               <a:rPr lang="en-US" altLang="zh-CN" sz="1600" dirty="0"/>
-              <a:t>canvas</a:t>
+              <a:t>-- </a:t>
             </a:r>
             <a:r>
               <a:rPr lang="zh-CN" altLang="en-US" sz="1600" dirty="0"/>
-              <a:t>绘图命令） </a:t>
+              <a:t>用命令去</a:t>
+            </a:r>
+            <a:r>
+              <a:rPr lang="zh-CN" altLang="en-US" sz="1600" dirty="0" smtClean="0"/>
+              <a:t>解耦</a:t>
             </a:r>
             <a:endParaRPr lang="en-US" altLang="zh-CN" sz="1600" dirty="0" smtClean="0"/>
           </a:p>
           <a:p>
             <a:r>
+              <a:rPr lang="en-US" altLang="zh-CN" sz="1600" dirty="0" smtClean="0"/>
+              <a:t>5</a:t>
+            </a:r>
+            <a:r>
+              <a:rPr lang="en-US" altLang="zh-CN" sz="1600" dirty="0"/>
+              <a:t>. </a:t>
+            </a:r>
+            <a:r>
               <a:rPr lang="zh-CN" altLang="en-US" sz="1600" dirty="0"/>
-              <a:t>示例：绘制随机数量图片（需求：要做一个画廊，图片数量和排列顺序随机） </a:t>
+              <a:t>策略模式 </a:t>
+            </a:r>
+            <a:r>
+              <a:rPr lang="en-US" altLang="zh-CN" sz="1600" dirty="0"/>
+              <a:t>-- </a:t>
+            </a:r>
+            <a:r>
+              <a:rPr lang="zh-CN" altLang="en-US" sz="1600" dirty="0"/>
+              <a:t>算法</a:t>
+            </a:r>
+            <a:r>
+              <a:rPr lang="zh-CN" altLang="en-US" sz="1600" dirty="0" smtClean="0"/>
+              <a:t>工厂</a:t>
+            </a:r>
+            <a:endParaRPr lang="en-US" altLang="zh-CN" sz="1600" dirty="0" smtClean="0"/>
+          </a:p>
+          <a:p>
+            <a:r>
+              <a:rPr lang="en-US" altLang="zh-CN" sz="1600" dirty="0" smtClean="0"/>
+              <a:t>6</a:t>
+            </a:r>
+            <a:r>
+              <a:rPr lang="en-US" altLang="zh-CN" sz="1600" dirty="0"/>
+              <a:t>. </a:t>
+            </a:r>
+            <a:r>
+              <a:rPr lang="zh-CN" altLang="en-US" sz="1600" dirty="0"/>
+              <a:t>迭代器模式 </a:t>
+            </a:r>
+            <a:r>
+              <a:rPr lang="en-US" altLang="zh-CN" sz="1600" dirty="0"/>
+              <a:t>-- </a:t>
+            </a:r>
+            <a:r>
+              <a:rPr lang="zh-CN" altLang="en-US" sz="1600" dirty="0"/>
+              <a:t>告别</a:t>
+            </a:r>
+            <a:r>
+              <a:rPr lang="en-US" altLang="zh-CN" sz="1600" dirty="0"/>
+              <a:t>for</a:t>
+            </a:r>
+            <a:r>
+              <a:rPr lang="zh-CN" altLang="en-US" sz="1600" dirty="0"/>
+              <a:t>循环</a:t>
             </a:r>
           </a:p>
         </p:txBody>
@@ -9296,7 +9316,7 @@
     </p:spTree>
     <p:extLst>
       <p:ext uri="{BB962C8B-B14F-4D97-AF65-F5344CB8AC3E}">
-        <p14:creationId xmlns:p14="http://schemas.microsoft.com/office/powerpoint/2010/main" val="2401033073"/>
+        <p14:creationId xmlns:p14="http://schemas.microsoft.com/office/powerpoint/2010/main" val="3708227064"/>
       </p:ext>
     </p:extLst>
   </p:cSld>
@@ -9332,7 +9352,7 @@
       </p:grpSpPr>
       <p:pic>
         <p:nvPicPr>
-          <p:cNvPr id="1026" name="Picture 2" descr="https://user-gold-cdn.xitu.io/2020/5/10/171fc82412fbca65?w=689&amp;h=182&amp;f=png&amp;s=13879"/>
+          <p:cNvPr id="1026" name="Picture 2" descr="https://www.yunzhijia.com/docrest/file/downloadfile/5f621b47aa211d0001a466ff?big"/>
           <p:cNvPicPr>
             <a:picLocks noChangeAspect="1" noChangeArrowheads="1"/>
           </p:cNvPicPr>
@@ -9353,8 +9373,8 @@
         </p:blipFill>
         <p:spPr bwMode="auto">
           <a:xfrm>
-            <a:off x="2441575" y="2387070"/>
-            <a:ext cx="6562725" cy="1733551"/>
+            <a:off x="2670175" y="117322"/>
+            <a:ext cx="7861601" cy="6226328"/>
           </a:xfrm>
           <a:prstGeom prst="rect">
             <a:avLst/>
@@ -9371,40 +9391,132 @@
           </a:extLst>
         </p:spPr>
       </p:pic>
+    </p:spTree>
+    <p:extLst>
+      <p:ext uri="{BB962C8B-B14F-4D97-AF65-F5344CB8AC3E}">
+        <p14:creationId xmlns:p14="http://schemas.microsoft.com/office/powerpoint/2010/main" val="2324564671"/>
+      </p:ext>
+    </p:extLst>
+  </p:cSld>
+  <p:clrMapOvr>
+    <a:masterClrMapping/>
+  </p:clrMapOvr>
+</p:sld>
+</file>
+
+<file path=ppt/slides/slide20.xml><?xml version="1.0" encoding="utf-8"?>
+<p:sld xmlns:a="http://schemas.openxmlformats.org/drawingml/2006/main" xmlns:r="http://schemas.openxmlformats.org/officeDocument/2006/relationships" xmlns:p="http://schemas.openxmlformats.org/presentationml/2006/main">
+  <p:cSld>
+    <p:spTree>
+      <p:nvGrpSpPr>
+        <p:cNvPr id="1" name=""/>
+        <p:cNvGrpSpPr/>
+        <p:nvPr/>
+      </p:nvGrpSpPr>
+      <p:grpSpPr>
+        <a:xfrm>
+          <a:off x="0" y="0"/>
+          <a:ext cx="0" cy="0"/>
+          <a:chOff x="0" y="0"/>
+          <a:chExt cx="0" cy="0"/>
+        </a:xfrm>
+      </p:grpSpPr>
       <p:sp>
         <p:nvSpPr>
-          <p:cNvPr id="6" name="TextBox 5"/>
-          <p:cNvSpPr txBox="1"/>
-          <p:nvPr/>
+          <p:cNvPr id="2" name="标题 1"/>
+          <p:cNvSpPr>
+            <a:spLocks noGrp="1"/>
+          </p:cNvSpPr>
+          <p:nvPr>
+            <p:ph type="title"/>
+          </p:nvPr>
         </p:nvSpPr>
-        <p:spPr>
-          <a:xfrm>
-            <a:off x="2399240" y="1869533"/>
-            <a:ext cx="3640667" cy="369332"/>
-          </a:xfrm>
-          <a:prstGeom prst="rect">
-            <a:avLst/>
-          </a:prstGeom>
-          <a:noFill/>
-        </p:spPr>
+        <p:spPr/>
         <p:txBody>
-          <a:bodyPr wrap="square" rtlCol="0">
-            <a:spAutoFit/>
+          <a:bodyPr>
+            <a:normAutofit/>
           </a:bodyPr>
           <a:lstStyle/>
           <a:p>
             <a:r>
-              <a:rPr lang="zh-CN" altLang="en-US" dirty="0" smtClean="0"/>
-              <a:t>我们写代码到底是在写什么？</a:t>
-            </a:r>
-            <a:endParaRPr lang="zh-CN" altLang="en-US" dirty="0"/>
+              <a:rPr lang="zh-CN" altLang="en-US" sz="2400" b="0" dirty="0"/>
+              <a:t>命令模式</a:t>
+            </a:r>
+          </a:p>
+        </p:txBody>
+      </p:sp>
+      <p:sp>
+        <p:nvSpPr>
+          <p:cNvPr id="3" name="文本占位符 2"/>
+          <p:cNvSpPr>
+            <a:spLocks noGrp="1"/>
+          </p:cNvSpPr>
+          <p:nvPr>
+            <p:ph type="body" sz="quarter" idx="11"/>
+          </p:nvPr>
+        </p:nvSpPr>
+        <p:spPr/>
+        <p:txBody>
+          <a:bodyPr>
+            <a:normAutofit/>
+          </a:bodyPr>
+          <a:lstStyle/>
+          <a:p>
+            <a:r>
+              <a:rPr lang="zh-CN" altLang="en-US" sz="1600" dirty="0" smtClean="0"/>
+              <a:t>目的</a:t>
+            </a:r>
+            <a:r>
+              <a:rPr lang="zh-CN" altLang="en-US" sz="1600" dirty="0"/>
+              <a:t>：解耦实现和调用，让双方互不干扰；    </a:t>
+            </a:r>
+            <a:endParaRPr lang="en-US" altLang="zh-CN" sz="1600" dirty="0"/>
+          </a:p>
+          <a:p>
+            <a:r>
+              <a:rPr lang="zh-CN" altLang="en-US" sz="1600" dirty="0" smtClean="0"/>
+              <a:t>应用</a:t>
+            </a:r>
+            <a:r>
+              <a:rPr lang="zh-CN" altLang="en-US" sz="1600" dirty="0"/>
+              <a:t>场景：调用的命令充满不确定性    </a:t>
+            </a:r>
+            <a:endParaRPr lang="en-US" altLang="zh-CN" sz="1600" dirty="0"/>
+          </a:p>
+          <a:p>
+            <a:r>
+              <a:rPr lang="zh-CN" altLang="en-US" sz="1600" dirty="0" smtClean="0"/>
+              <a:t>基本结构</a:t>
+            </a:r>
+            <a:endParaRPr lang="en-US" altLang="zh-CN" sz="1600" dirty="0" smtClean="0"/>
+          </a:p>
+          <a:p>
+            <a:r>
+              <a:rPr lang="zh-CN" altLang="en-US" sz="1600" dirty="0"/>
+              <a:t>示例：绘图命令（需求：封装一系列的</a:t>
+            </a:r>
+            <a:r>
+              <a:rPr lang="en-US" altLang="zh-CN" sz="1600" dirty="0"/>
+              <a:t>canvas</a:t>
+            </a:r>
+            <a:r>
+              <a:rPr lang="zh-CN" altLang="en-US" sz="1600" dirty="0"/>
+              <a:t>绘图命令） </a:t>
+            </a:r>
+            <a:endParaRPr lang="en-US" altLang="zh-CN" sz="1600" dirty="0" smtClean="0"/>
+          </a:p>
+          <a:p>
+            <a:r>
+              <a:rPr lang="zh-CN" altLang="en-US" sz="1600" dirty="0"/>
+              <a:t>示例：绘制随机数量图片（需求：要做一个画廊，图片数量和排列顺序随机） </a:t>
+            </a:r>
           </a:p>
         </p:txBody>
       </p:sp>
     </p:spTree>
     <p:extLst>
       <p:ext uri="{BB962C8B-B14F-4D97-AF65-F5344CB8AC3E}">
-        <p14:creationId xmlns:p14="http://schemas.microsoft.com/office/powerpoint/2010/main" val="3845033406"/>
+        <p14:creationId xmlns:p14="http://schemas.microsoft.com/office/powerpoint/2010/main" val="2401033073"/>
       </p:ext>
     </p:extLst>
   </p:cSld>
@@ -9414,128 +9526,14 @@
   <p:timing>
     <p:tnLst>
       <p:par>
-        <p:cTn id="1" dur="indefinite" restart="never" nodeType="tmRoot">
-          <p:childTnLst>
-            <p:seq concurrent="1" nextAc="seek">
-              <p:cTn id="2" dur="indefinite" nodeType="mainSeq">
-                <p:childTnLst>
-                  <p:par>
-                    <p:cTn id="3" fill="hold">
-                      <p:stCondLst>
-                        <p:cond delay="indefinite"/>
-                      </p:stCondLst>
-                      <p:childTnLst>
-                        <p:par>
-                          <p:cTn id="4" fill="hold">
-                            <p:stCondLst>
-                              <p:cond delay="0"/>
-                            </p:stCondLst>
-                            <p:childTnLst>
-                              <p:par>
-                                <p:cTn id="5" presetID="2" presetClass="entr" presetSubtype="4" fill="hold" nodeType="clickEffect">
-                                  <p:stCondLst>
-                                    <p:cond delay="0"/>
-                                  </p:stCondLst>
-                                  <p:childTnLst>
-                                    <p:set>
-                                      <p:cBhvr>
-                                        <p:cTn id="6" dur="1" fill="hold">
-                                          <p:stCondLst>
-                                            <p:cond delay="0"/>
-                                          </p:stCondLst>
-                                        </p:cTn>
-                                        <p:tgtEl>
-                                          <p:spTgt spid="1026"/>
-                                        </p:tgtEl>
-                                        <p:attrNameLst>
-                                          <p:attrName>style.visibility</p:attrName>
-                                        </p:attrNameLst>
-                                      </p:cBhvr>
-                                      <p:to>
-                                        <p:strVal val="visible"/>
-                                      </p:to>
-                                    </p:set>
-                                    <p:anim calcmode="lin" valueType="num">
-                                      <p:cBhvr additive="base">
-                                        <p:cTn id="7" dur="500" fill="hold"/>
-                                        <p:tgtEl>
-                                          <p:spTgt spid="1026"/>
-                                        </p:tgtEl>
-                                        <p:attrNameLst>
-                                          <p:attrName>ppt_x</p:attrName>
-                                        </p:attrNameLst>
-                                      </p:cBhvr>
-                                      <p:tavLst>
-                                        <p:tav tm="0">
-                                          <p:val>
-                                            <p:strVal val="#ppt_x"/>
-                                          </p:val>
-                                        </p:tav>
-                                        <p:tav tm="100000">
-                                          <p:val>
-                                            <p:strVal val="#ppt_x"/>
-                                          </p:val>
-                                        </p:tav>
-                                      </p:tavLst>
-                                    </p:anim>
-                                    <p:anim calcmode="lin" valueType="num">
-                                      <p:cBhvr additive="base">
-                                        <p:cTn id="8" dur="500" fill="hold"/>
-                                        <p:tgtEl>
-                                          <p:spTgt spid="1026"/>
-                                        </p:tgtEl>
-                                        <p:attrNameLst>
-                                          <p:attrName>ppt_y</p:attrName>
-                                        </p:attrNameLst>
-                                      </p:cBhvr>
-                                      <p:tavLst>
-                                        <p:tav tm="0">
-                                          <p:val>
-                                            <p:strVal val="1+#ppt_h/2"/>
-                                          </p:val>
-                                        </p:tav>
-                                        <p:tav tm="100000">
-                                          <p:val>
-                                            <p:strVal val="#ppt_y"/>
-                                          </p:val>
-                                        </p:tav>
-                                      </p:tavLst>
-                                    </p:anim>
-                                  </p:childTnLst>
-                                </p:cTn>
-                              </p:par>
-                            </p:childTnLst>
-                          </p:cTn>
-                        </p:par>
-                      </p:childTnLst>
-                    </p:cTn>
-                  </p:par>
-                </p:childTnLst>
-              </p:cTn>
-              <p:prevCondLst>
-                <p:cond evt="onPrev" delay="0">
-                  <p:tgtEl>
-                    <p:sldTgt/>
-                  </p:tgtEl>
-                </p:cond>
-              </p:prevCondLst>
-              <p:nextCondLst>
-                <p:cond evt="onNext" delay="0">
-                  <p:tgtEl>
-                    <p:sldTgt/>
-                  </p:tgtEl>
-                </p:cond>
-              </p:nextCondLst>
-            </p:seq>
-          </p:childTnLst>
-        </p:cTn>
+        <p:cTn id="1" dur="indefinite" restart="never" nodeType="tmRoot"/>
       </p:par>
     </p:tnLst>
   </p:timing>
 </p:sld>
 </file>
 
-<file path=ppt/slides/slide20.xml><?xml version="1.0" encoding="utf-8"?>
+<file path=ppt/slides/slide21.xml><?xml version="1.0" encoding="utf-8"?>
 <p:sld xmlns:a="http://schemas.openxmlformats.org/drawingml/2006/main" xmlns:r="http://schemas.openxmlformats.org/officeDocument/2006/relationships" xmlns:p="http://schemas.openxmlformats.org/presentationml/2006/main">
   <p:cSld>
     <p:spTree>
@@ -9912,172 +9910,6 @@
 </p:sld>
 </file>
 
-<file path=ppt/slides/slide21.xml><?xml version="1.0" encoding="utf-8"?>
-<p:sld xmlns:a="http://schemas.openxmlformats.org/drawingml/2006/main" xmlns:r="http://schemas.openxmlformats.org/officeDocument/2006/relationships" xmlns:p="http://schemas.openxmlformats.org/presentationml/2006/main">
-  <p:cSld>
-    <p:spTree>
-      <p:nvGrpSpPr>
-        <p:cNvPr id="1" name=""/>
-        <p:cNvGrpSpPr/>
-        <p:nvPr/>
-      </p:nvGrpSpPr>
-      <p:grpSpPr>
-        <a:xfrm>
-          <a:off x="0" y="0"/>
-          <a:ext cx="0" cy="0"/>
-          <a:chOff x="0" y="0"/>
-          <a:chExt cx="0" cy="0"/>
-        </a:xfrm>
-      </p:grpSpPr>
-      <p:sp>
-        <p:nvSpPr>
-          <p:cNvPr id="2" name="标题 1"/>
-          <p:cNvSpPr>
-            <a:spLocks noGrp="1"/>
-          </p:cNvSpPr>
-          <p:nvPr>
-            <p:ph type="title"/>
-          </p:nvPr>
-        </p:nvSpPr>
-        <p:spPr/>
-        <p:txBody>
-          <a:bodyPr>
-            <a:normAutofit/>
-          </a:bodyPr>
-          <a:lstStyle/>
-          <a:p>
-            <a:r>
-              <a:rPr lang="zh-CN" altLang="en-US" sz="2400" b="0" dirty="0"/>
-              <a:t>迭代器模式</a:t>
-            </a:r>
-          </a:p>
-        </p:txBody>
-      </p:sp>
-      <p:sp>
-        <p:nvSpPr>
-          <p:cNvPr id="3" name="文本占位符 2"/>
-          <p:cNvSpPr>
-            <a:spLocks noGrp="1"/>
-          </p:cNvSpPr>
-          <p:nvPr>
-            <p:ph type="body" sz="quarter" idx="11"/>
-          </p:nvPr>
-        </p:nvSpPr>
-        <p:spPr>
-          <a:xfrm>
-            <a:off x="609601" y="1104901"/>
-            <a:ext cx="10970684" cy="4864102"/>
-          </a:xfrm>
-        </p:spPr>
-        <p:txBody>
-          <a:bodyPr>
-            <a:normAutofit/>
-          </a:bodyPr>
-          <a:lstStyle/>
-          <a:p>
-            <a:r>
-              <a:rPr lang="zh-CN" altLang="en-US" sz="1600" dirty="0" smtClean="0"/>
-              <a:t>目的</a:t>
-            </a:r>
-            <a:r>
-              <a:rPr lang="zh-CN" altLang="en-US" sz="1600" dirty="0"/>
-              <a:t>：不访问内部的情况下，方便的遍历数据    </a:t>
-            </a:r>
-            <a:endParaRPr lang="en-US" altLang="zh-CN" sz="1600" dirty="0" smtClean="0"/>
-          </a:p>
-          <a:p>
-            <a:r>
-              <a:rPr lang="zh-CN" altLang="en-US" sz="1600" dirty="0" smtClean="0"/>
-              <a:t>应用</a:t>
-            </a:r>
-            <a:r>
-              <a:rPr lang="zh-CN" altLang="en-US" sz="1600" dirty="0"/>
-              <a:t>场景：当我们要对某个对象进行操作，但是又不能暴露内部    </a:t>
-            </a:r>
-            <a:endParaRPr lang="en-US" altLang="zh-CN" sz="1600" dirty="0"/>
-          </a:p>
-          <a:p>
-            <a:r>
-              <a:rPr lang="zh-CN" altLang="en-US" sz="1600" dirty="0" smtClean="0"/>
-              <a:t>基本</a:t>
-            </a:r>
-            <a:r>
-              <a:rPr lang="zh-CN" altLang="en-US" sz="1600" dirty="0"/>
-              <a:t>结构：在不暴露对象内部结构的同时，可以顺序的访问对象内部的，可以帮助我们简化循环，简化数据</a:t>
-            </a:r>
-            <a:r>
-              <a:rPr lang="zh-CN" altLang="en-US" sz="1600" dirty="0" smtClean="0"/>
-              <a:t>操作</a:t>
-            </a:r>
-            <a:endParaRPr lang="en-US" altLang="zh-CN" sz="1600" dirty="0" smtClean="0"/>
-          </a:p>
-          <a:p>
-            <a:r>
-              <a:rPr lang="zh-CN" altLang="en-US" sz="1600" dirty="0" smtClean="0"/>
-              <a:t>示例</a:t>
-            </a:r>
-            <a:r>
-              <a:rPr lang="zh-CN" altLang="en-US" sz="1600" dirty="0"/>
-              <a:t>：典型的</a:t>
-            </a:r>
-            <a:r>
-              <a:rPr lang="en-US" altLang="zh-CN" sz="1600" dirty="0" err="1"/>
-              <a:t>forEach</a:t>
-            </a:r>
-            <a:r>
-              <a:rPr lang="zh-CN" altLang="en-US" sz="1600" dirty="0"/>
-              <a:t>就是迭代器（构建一个自己的</a:t>
-            </a:r>
-            <a:r>
-              <a:rPr lang="en-US" altLang="zh-CN" sz="1600" dirty="0" err="1"/>
-              <a:t>forEach</a:t>
-            </a:r>
-            <a:r>
-              <a:rPr lang="en-US" altLang="zh-CN" sz="1600" dirty="0"/>
-              <a:t>,</a:t>
-            </a:r>
-            <a:r>
-              <a:rPr lang="zh-CN" altLang="en-US" sz="1600" dirty="0"/>
-              <a:t>循环数组和对象</a:t>
-            </a:r>
-            <a:r>
-              <a:rPr lang="zh-CN" altLang="en-US" sz="1600" dirty="0" smtClean="0"/>
-              <a:t>）</a:t>
-            </a:r>
-            <a:endParaRPr lang="en-US" altLang="zh-CN" sz="1600" dirty="0" smtClean="0"/>
-          </a:p>
-          <a:p>
-            <a:r>
-              <a:rPr lang="zh-CN" altLang="en-US" sz="1600" dirty="0" smtClean="0"/>
-              <a:t>示例</a:t>
-            </a:r>
-            <a:r>
-              <a:rPr lang="zh-CN" altLang="en-US" sz="1600" dirty="0"/>
-              <a:t>：给你的项目数据添加迭代器（需求：项目会经常对于后端数据进行遍历操作，不如封装一个迭代器，遍历的更方便）</a:t>
-            </a:r>
-          </a:p>
-        </p:txBody>
-      </p:sp>
-    </p:spTree>
-    <p:extLst>
-      <p:ext uri="{BB962C8B-B14F-4D97-AF65-F5344CB8AC3E}">
-        <p14:creationId xmlns:p14="http://schemas.microsoft.com/office/powerpoint/2010/main" val="1308702287"/>
-      </p:ext>
-    </p:extLst>
-  </p:cSld>
-  <p:clrMapOvr>
-    <a:masterClrMapping/>
-  </p:clrMapOvr>
-  <p:timing>
-    <p:tnLst>
-      <p:par>
-        <p:cTn id="1" dur="indefinite" restart="never" nodeType="tmRoot"/>
-      </p:par>
-    </p:tnLst>
-  </p:timing>
-</p:sld>
-</file>
-
 <file path=ppt/slides/slide22.xml><?xml version="1.0" encoding="utf-8"?>
 <p:sld xmlns:a="http://schemas.openxmlformats.org/drawingml/2006/main" xmlns:r="http://schemas.openxmlformats.org/officeDocument/2006/relationships" xmlns:p="http://schemas.openxmlformats.org/presentationml/2006/main">
   <p:cSld>
@@ -10114,7 +9946,7 @@
           <a:p>
             <a:r>
               <a:rPr lang="zh-CN" altLang="en-US" sz="2400" b="0" dirty="0"/>
-              <a:t>备忘录模式</a:t>
+              <a:t>迭代器模式</a:t>
             </a:r>
           </a:p>
         </p:txBody>
@@ -10129,7 +9961,12 @@
             <p:ph type="body" sz="quarter" idx="11"/>
           </p:nvPr>
         </p:nvSpPr>
-        <p:spPr/>
+        <p:spPr>
+          <a:xfrm>
+            <a:off x="609601" y="1104901"/>
+            <a:ext cx="10970684" cy="4864102"/>
+          </a:xfrm>
+        </p:spPr>
         <p:txBody>
           <a:bodyPr>
             <a:normAutofit/>
@@ -10142,9 +9979,9 @@
             </a:r>
             <a:r>
               <a:rPr lang="zh-CN" altLang="en-US" sz="1600" dirty="0"/>
-              <a:t>：记录状态，方便回滚    </a:t>
-            </a:r>
-            <a:endParaRPr lang="en-US" altLang="zh-CN" sz="1600" dirty="0"/>
+              <a:t>：不访问内部的情况下，方便的遍历数据    </a:t>
+            </a:r>
+            <a:endParaRPr lang="en-US" altLang="zh-CN" sz="1600" dirty="0" smtClean="0"/>
           </a:p>
           <a:p>
             <a:r>
@@ -10153,7 +9990,7 @@
             </a:r>
             <a:r>
               <a:rPr lang="zh-CN" altLang="en-US" sz="1600" dirty="0"/>
-              <a:t>场景：系统状态多样，为了保证状态的回滚方便，记录状态    </a:t>
+              <a:t>场景：当我们要对某个对象进行操作，但是又不能暴露内部    </a:t>
             </a:r>
             <a:endParaRPr lang="en-US" altLang="zh-CN" sz="1600" dirty="0"/>
           </a:p>
@@ -10164,11 +10001,11 @@
             </a:r>
             <a:r>
               <a:rPr lang="zh-CN" altLang="en-US" sz="1600" dirty="0"/>
-              <a:t>结构：记录对象内部的状态，当有需要时回滚到之前的状态或者方便对象</a:t>
+              <a:t>结构：在不暴露对象内部结构的同时，可以顺序的访问对象内部的，可以帮助我们简化循环，简化数据</a:t>
             </a:r>
             <a:r>
               <a:rPr lang="zh-CN" altLang="en-US" sz="1600" dirty="0" smtClean="0"/>
-              <a:t>使用</a:t>
+              <a:t>操作</a:t>
             </a:r>
             <a:endParaRPr lang="en-US" altLang="zh-CN" sz="1600" dirty="0" smtClean="0"/>
           </a:p>
@@ -10179,7 +10016,27 @@
             </a:r>
             <a:r>
               <a:rPr lang="zh-CN" altLang="en-US" sz="1600" dirty="0"/>
-              <a:t>：文章页缓存（需求：项目有一个文章页需求，现在进行优化，如果上一篇已经读取过了，则不进行请求，否则请求文章数据</a:t>
+              <a:t>：典型的</a:t>
+            </a:r>
+            <a:r>
+              <a:rPr lang="en-US" altLang="zh-CN" sz="1600" dirty="0" err="1"/>
+              <a:t>forEach</a:t>
+            </a:r>
+            <a:r>
+              <a:rPr lang="zh-CN" altLang="en-US" sz="1600" dirty="0"/>
+              <a:t>就是迭代器（构建一个自己的</a:t>
+            </a:r>
+            <a:r>
+              <a:rPr lang="en-US" altLang="zh-CN" sz="1600" dirty="0" err="1"/>
+              <a:t>forEach</a:t>
+            </a:r>
+            <a:r>
+              <a:rPr lang="en-US" altLang="zh-CN" sz="1600" dirty="0"/>
+              <a:t>,</a:t>
+            </a:r>
+            <a:r>
+              <a:rPr lang="zh-CN" altLang="en-US" sz="1600" dirty="0"/>
+              <a:t>循环数组和对象</a:t>
             </a:r>
             <a:r>
               <a:rPr lang="zh-CN" altLang="en-US" sz="1600" dirty="0" smtClean="0"/>
@@ -10194,15 +10051,7 @@
             </a:r>
             <a:r>
               <a:rPr lang="zh-CN" altLang="en-US" sz="1600" dirty="0"/>
-              <a:t>：前进后退功能（需求：开发一个可移动的</a:t>
-            </a:r>
-            <a:r>
-              <a:rPr lang="en-US" altLang="zh-CN" sz="1600" dirty="0"/>
-              <a:t>div,</a:t>
-            </a:r>
-            <a:r>
-              <a:rPr lang="zh-CN" altLang="en-US" sz="1600" dirty="0"/>
-              <a:t>拥有前进后退功能回滚到之前的位置）</a:t>
+              <a:t>：给你的项目数据添加迭代器（需求：项目会经常对于后端数据进行遍历操作，不如封装一个迭代器，遍历的更方便）</a:t>
             </a:r>
           </a:p>
         </p:txBody>
@@ -10210,7 +10059,7 @@
     </p:spTree>
     <p:extLst>
       <p:ext uri="{BB962C8B-B14F-4D97-AF65-F5344CB8AC3E}">
-        <p14:creationId xmlns:p14="http://schemas.microsoft.com/office/powerpoint/2010/main" val="3259251752"/>
+        <p14:creationId xmlns:p14="http://schemas.microsoft.com/office/powerpoint/2010/main" val="1308702287"/>
       </p:ext>
     </p:extLst>
   </p:cSld>
@@ -10263,7 +10112,7 @@
           <a:p>
             <a:r>
               <a:rPr lang="zh-CN" altLang="en-US" sz="2400" b="0" dirty="0"/>
-              <a:t>技巧型</a:t>
+              <a:t>备忘录模式</a:t>
             </a:r>
           </a:p>
         </p:txBody>
@@ -10286,128 +10135,72 @@
           <a:lstStyle/>
           <a:p>
             <a:r>
+              <a:rPr lang="zh-CN" altLang="en-US" sz="1600" dirty="0" smtClean="0"/>
+              <a:t>目的</a:t>
+            </a:r>
+            <a:r>
+              <a:rPr lang="zh-CN" altLang="en-US" sz="1600" dirty="0"/>
+              <a:t>：记录状态，方便回滚    </a:t>
+            </a:r>
+            <a:endParaRPr lang="en-US" altLang="zh-CN" sz="1600" dirty="0"/>
+          </a:p>
+          <a:p>
+            <a:r>
+              <a:rPr lang="zh-CN" altLang="en-US" sz="1600" dirty="0" smtClean="0"/>
+              <a:t>应用</a:t>
+            </a:r>
+            <a:r>
+              <a:rPr lang="zh-CN" altLang="en-US" sz="1600" dirty="0"/>
+              <a:t>场景：系统状态多样，为了保证状态的回滚方便，记录状态    </a:t>
+            </a:r>
+            <a:endParaRPr lang="en-US" altLang="zh-CN" sz="1600" dirty="0"/>
+          </a:p>
+          <a:p>
+            <a:r>
+              <a:rPr lang="zh-CN" altLang="en-US" sz="1600" dirty="0" smtClean="0"/>
+              <a:t>基本</a:t>
+            </a:r>
+            <a:r>
+              <a:rPr lang="zh-CN" altLang="en-US" sz="1600" dirty="0"/>
+              <a:t>结构：记录对象内部的状态，当有需要时回滚到之前的状态或者方便对象</a:t>
+            </a:r>
+            <a:r>
+              <a:rPr lang="zh-CN" altLang="en-US" sz="1600" dirty="0" smtClean="0"/>
+              <a:t>使用</a:t>
+            </a:r>
+            <a:endParaRPr lang="en-US" altLang="zh-CN" sz="1600" dirty="0" smtClean="0"/>
+          </a:p>
+          <a:p>
+            <a:r>
+              <a:rPr lang="zh-CN" altLang="en-US" sz="1600" dirty="0" smtClean="0"/>
+              <a:t>示例</a:t>
+            </a:r>
+            <a:r>
+              <a:rPr lang="zh-CN" altLang="en-US" sz="1600" dirty="0"/>
+              <a:t>：文章页缓存（需求：项目有一个文章页需求，现在进行优化，如果上一篇已经读取过了，则不进行请求，否则请求文章数据</a:t>
+            </a:r>
+            <a:r>
+              <a:rPr lang="zh-CN" altLang="en-US" sz="1600" dirty="0" smtClean="0"/>
+              <a:t>）</a:t>
+            </a:r>
+            <a:endParaRPr lang="en-US" altLang="zh-CN" sz="1600" dirty="0" smtClean="0"/>
+          </a:p>
+          <a:p>
+            <a:r>
+              <a:rPr lang="zh-CN" altLang="en-US" sz="1600" dirty="0" smtClean="0"/>
+              <a:t>示例</a:t>
+            </a:r>
+            <a:r>
+              <a:rPr lang="zh-CN" altLang="en-US" sz="1600" dirty="0"/>
+              <a:t>：前进后退功能（需求：开发一个可移动的</a:t>
+            </a:r>
+            <a:r>
               <a:rPr lang="en-US" altLang="zh-CN" sz="1600" dirty="0"/>
-              <a:t>1. </a:t>
+              <a:t>div,</a:t>
             </a:r>
             <a:r>
               <a:rPr lang="zh-CN" altLang="en-US" sz="1600" dirty="0"/>
-              <a:t>链模式 </a:t>
-            </a:r>
-            <a:r>
-              <a:rPr lang="en-US" altLang="zh-CN" sz="1600" dirty="0"/>
-              <a:t>-- </a:t>
-            </a:r>
-            <a:r>
-              <a:rPr lang="zh-CN" altLang="en-US" sz="1600" dirty="0"/>
-              <a:t>链式</a:t>
-            </a:r>
-            <a:r>
-              <a:rPr lang="zh-CN" altLang="en-US" sz="1600" dirty="0" smtClean="0"/>
-              <a:t>调用</a:t>
-            </a:r>
-            <a:endParaRPr lang="en-US" altLang="zh-CN" sz="1600" dirty="0" smtClean="0"/>
-          </a:p>
-          <a:p>
-            <a:r>
-              <a:rPr lang="en-US" altLang="zh-CN" sz="1600" dirty="0" smtClean="0"/>
-              <a:t>2</a:t>
-            </a:r>
-            <a:r>
-              <a:rPr lang="en-US" altLang="zh-CN" sz="1600" dirty="0"/>
-              <a:t>. </a:t>
-            </a:r>
-            <a:r>
-              <a:rPr lang="zh-CN" altLang="en-US" sz="1600" dirty="0"/>
-              <a:t>惰性模式 </a:t>
-            </a:r>
-            <a:r>
-              <a:rPr lang="en-US" altLang="zh-CN" sz="1600" dirty="0"/>
-              <a:t>-- </a:t>
-            </a:r>
-            <a:r>
-              <a:rPr lang="zh-CN" altLang="en-US" sz="1600" dirty="0"/>
-              <a:t>我就要搞</a:t>
-            </a:r>
-            <a:r>
-              <a:rPr lang="zh-CN" altLang="en-US" sz="1600" dirty="0" smtClean="0"/>
-              <a:t>机器学习</a:t>
-            </a:r>
-            <a:endParaRPr lang="en-US" altLang="zh-CN" sz="1600" dirty="0" smtClean="0"/>
-          </a:p>
-          <a:p>
-            <a:r>
-              <a:rPr lang="en-US" altLang="zh-CN" sz="1600" dirty="0" smtClean="0"/>
-              <a:t>3</a:t>
-            </a:r>
-            <a:r>
-              <a:rPr lang="en-US" altLang="zh-CN" sz="1600" dirty="0"/>
-              <a:t>. </a:t>
-            </a:r>
-            <a:r>
-              <a:rPr lang="zh-CN" altLang="en-US" sz="1600" dirty="0"/>
-              <a:t>委托模式 </a:t>
-            </a:r>
-            <a:r>
-              <a:rPr lang="en-US" altLang="zh-CN" sz="1600" dirty="0"/>
-              <a:t>-- </a:t>
-            </a:r>
-            <a:r>
-              <a:rPr lang="zh-CN" altLang="en-US" sz="1600" dirty="0"/>
-              <a:t>让别人代替你收</a:t>
-            </a:r>
-            <a:r>
-              <a:rPr lang="zh-CN" altLang="en-US" sz="1600" dirty="0" smtClean="0"/>
-              <a:t>快递</a:t>
-            </a:r>
-            <a:endParaRPr lang="en-US" altLang="zh-CN" sz="1600" dirty="0" smtClean="0"/>
-          </a:p>
-          <a:p>
-            <a:r>
-              <a:rPr lang="en-US" altLang="zh-CN" sz="1600" dirty="0" smtClean="0"/>
-              <a:t>4</a:t>
-            </a:r>
-            <a:r>
-              <a:rPr lang="en-US" altLang="zh-CN" sz="1600" dirty="0"/>
-              <a:t>. </a:t>
-            </a:r>
-            <a:r>
-              <a:rPr lang="zh-CN" altLang="en-US" sz="1600" dirty="0"/>
-              <a:t>等待者模式 </a:t>
-            </a:r>
-            <a:r>
-              <a:rPr lang="en-US" altLang="zh-CN" sz="1600" dirty="0"/>
-              <a:t>-- </a:t>
-            </a:r>
-            <a:r>
-              <a:rPr lang="zh-CN" altLang="en-US" sz="1600" dirty="0"/>
-              <a:t>等你们都回来再</a:t>
-            </a:r>
-            <a:r>
-              <a:rPr lang="zh-CN" altLang="en-US" sz="1600" dirty="0" smtClean="0"/>
-              <a:t>吃饭</a:t>
-            </a:r>
-            <a:endParaRPr lang="en-US" altLang="zh-CN" sz="1600" dirty="0" smtClean="0"/>
-          </a:p>
-          <a:p>
-            <a:r>
-              <a:rPr lang="en-US" altLang="zh-CN" sz="1600" dirty="0" smtClean="0"/>
-              <a:t>5</a:t>
-            </a:r>
-            <a:r>
-              <a:rPr lang="en-US" altLang="zh-CN" sz="1600" dirty="0"/>
-              <a:t>. </a:t>
-            </a:r>
-            <a:r>
-              <a:rPr lang="zh-CN" altLang="en-US" sz="1600" dirty="0"/>
-              <a:t>数据访问模式 </a:t>
-            </a:r>
-            <a:r>
-              <a:rPr lang="en-US" altLang="zh-CN" sz="1600" dirty="0"/>
-              <a:t>-- </a:t>
-            </a:r>
-            <a:r>
-              <a:rPr lang="zh-CN" altLang="en-US" sz="1600" dirty="0"/>
-              <a:t>一个方便的数据管理器</a:t>
+              <a:t>拥有前进后退功能回滚到之前的位置）</a:t>
             </a:r>
           </a:p>
         </p:txBody>
@@ -10415,7 +10208,7 @@
     </p:spTree>
     <p:extLst>
       <p:ext uri="{BB962C8B-B14F-4D97-AF65-F5344CB8AC3E}">
-        <p14:creationId xmlns:p14="http://schemas.microsoft.com/office/powerpoint/2010/main" val="811568150"/>
+        <p14:creationId xmlns:p14="http://schemas.microsoft.com/office/powerpoint/2010/main" val="3259251752"/>
       </p:ext>
     </p:extLst>
   </p:cSld>
@@ -10467,10 +10260,9 @@
           <a:lstStyle/>
           <a:p>
             <a:r>
-              <a:rPr lang="zh-CN" altLang="en-US" sz="2400" b="0" dirty="0" smtClean="0"/>
-              <a:t>链模式</a:t>
-            </a:r>
-            <a:endParaRPr lang="zh-CN" altLang="en-US" sz="2400" b="0" dirty="0"/>
+              <a:rPr lang="zh-CN" altLang="en-US" sz="2400" b="0" dirty="0"/>
+              <a:t>技巧型</a:t>
+            </a:r>
           </a:p>
         </p:txBody>
       </p:sp>
@@ -10492,47 +10284,136 @@
           <a:lstStyle/>
           <a:p>
             <a:r>
+              <a:rPr lang="en-US" altLang="zh-CN" sz="1600" dirty="0"/>
+              <a:t>1. </a:t>
+            </a:r>
+            <a:r>
+              <a:rPr lang="zh-CN" altLang="en-US" sz="1600" dirty="0"/>
+              <a:t>链模式 </a:t>
+            </a:r>
+            <a:r>
+              <a:rPr lang="en-US" altLang="zh-CN" sz="1600" dirty="0"/>
+              <a:t>-- </a:t>
+            </a:r>
+            <a:r>
+              <a:rPr lang="zh-CN" altLang="en-US" sz="1600" dirty="0"/>
+              <a:t>链式</a:t>
+            </a:r>
+            <a:r>
               <a:rPr lang="zh-CN" altLang="en-US" sz="1600" dirty="0" smtClean="0"/>
-              <a:t>好处：优雅</a:t>
+              <a:t>调用</a:t>
             </a:r>
             <a:endParaRPr lang="en-US" altLang="zh-CN" sz="1600" dirty="0" smtClean="0"/>
           </a:p>
           <a:p>
             <a:r>
+              <a:rPr lang="en-US" altLang="zh-CN" sz="1600" dirty="0" smtClean="0"/>
+              <a:t>2</a:t>
+            </a:r>
+            <a:r>
+              <a:rPr lang="en-US" altLang="zh-CN" sz="1600" dirty="0"/>
+              <a:t>. </a:t>
+            </a:r>
+            <a:r>
               <a:rPr lang="zh-CN" altLang="en-US" sz="1600" dirty="0"/>
-              <a:t>示例</a:t>
+              <a:t>惰性模式 </a:t>
+            </a:r>
+            <a:r>
+              <a:rPr lang="en-US" altLang="zh-CN" sz="1600" dirty="0"/>
+              <a:t>-- </a:t>
+            </a:r>
+            <a:r>
+              <a:rPr lang="zh-CN" altLang="en-US" sz="1600" dirty="0"/>
+              <a:t>我就要搞</a:t>
             </a:r>
             <a:r>
               <a:rPr lang="zh-CN" altLang="en-US" sz="1600" dirty="0" smtClean="0"/>
-              <a:t>：</a:t>
-            </a:r>
-            <a:r>
-              <a:rPr lang="en-US" altLang="zh-CN" sz="1600" dirty="0" err="1" smtClean="0"/>
-              <a:t>jQuery</a:t>
+              <a:t>机器学习</a:t>
+            </a:r>
+            <a:endParaRPr lang="en-US" altLang="zh-CN" sz="1600" dirty="0" smtClean="0"/>
+          </a:p>
+          <a:p>
+            <a:r>
+              <a:rPr lang="en-US" altLang="zh-CN" sz="1600" dirty="0" smtClean="0"/>
+              <a:t>3</a:t>
+            </a:r>
+            <a:r>
+              <a:rPr lang="en-US" altLang="zh-CN" sz="1600" dirty="0"/>
+              <a:t>. </a:t>
+            </a:r>
+            <a:r>
+              <a:rPr lang="zh-CN" altLang="en-US" sz="1600" dirty="0"/>
+              <a:t>委托模式 </a:t>
+            </a:r>
+            <a:r>
+              <a:rPr lang="en-US" altLang="zh-CN" sz="1600" dirty="0"/>
+              <a:t>-- </a:t>
+            </a:r>
+            <a:r>
+              <a:rPr lang="zh-CN" altLang="en-US" sz="1600" dirty="0"/>
+              <a:t>让别人代替你收</a:t>
             </a:r>
             <a:r>
               <a:rPr lang="zh-CN" altLang="en-US" sz="1600" dirty="0" smtClean="0"/>
-              <a:t>、</a:t>
-            </a:r>
+              <a:t>快递</a:t>
+            </a:r>
+            <a:endParaRPr lang="en-US" altLang="zh-CN" sz="1600" dirty="0" smtClean="0"/>
+          </a:p>
+          <a:p>
             <a:r>
               <a:rPr lang="en-US" altLang="zh-CN" sz="1600" dirty="0" smtClean="0"/>
-              <a:t>Promise</a:t>
+              <a:t>4</a:t>
+            </a:r>
+            <a:r>
+              <a:rPr lang="en-US" altLang="zh-CN" sz="1600" dirty="0"/>
+              <a:t>. </a:t>
+            </a:r>
+            <a:r>
+              <a:rPr lang="zh-CN" altLang="en-US" sz="1600" dirty="0"/>
+              <a:t>等待者模式 </a:t>
+            </a:r>
+            <a:r>
+              <a:rPr lang="en-US" altLang="zh-CN" sz="1600" dirty="0"/>
+              <a:t>-- </a:t>
+            </a:r>
+            <a:r>
+              <a:rPr lang="zh-CN" altLang="en-US" sz="1600" dirty="0"/>
+              <a:t>等你们都回来再</a:t>
             </a:r>
             <a:r>
               <a:rPr lang="zh-CN" altLang="en-US" sz="1600" dirty="0" smtClean="0"/>
-              <a:t>的实现</a:t>
+              <a:t>吃饭</a:t>
             </a:r>
             <a:endParaRPr lang="en-US" altLang="zh-CN" sz="1600" dirty="0" smtClean="0"/>
           </a:p>
           <a:p>
-            <a:endParaRPr lang="zh-CN" altLang="en-US" sz="1600" dirty="0"/>
+            <a:r>
+              <a:rPr lang="en-US" altLang="zh-CN" sz="1600" dirty="0" smtClean="0"/>
+              <a:t>5</a:t>
+            </a:r>
+            <a:r>
+              <a:rPr lang="en-US" altLang="zh-CN" sz="1600" dirty="0"/>
+              <a:t>. </a:t>
+            </a:r>
+            <a:r>
+              <a:rPr lang="zh-CN" altLang="en-US" sz="1600" dirty="0"/>
+              <a:t>数据访问模式 </a:t>
+            </a:r>
+            <a:r>
+              <a:rPr lang="en-US" altLang="zh-CN" sz="1600" dirty="0"/>
+              <a:t>-- </a:t>
+            </a:r>
+            <a:r>
+              <a:rPr lang="zh-CN" altLang="en-US" sz="1600" dirty="0"/>
+              <a:t>一个方便的数据管理器</a:t>
+            </a:r>
           </a:p>
         </p:txBody>
       </p:sp>
     </p:spTree>
     <p:extLst>
       <p:ext uri="{BB962C8B-B14F-4D97-AF65-F5344CB8AC3E}">
-        <p14:creationId xmlns:p14="http://schemas.microsoft.com/office/powerpoint/2010/main" val="2122984540"/>
+        <p14:creationId xmlns:p14="http://schemas.microsoft.com/office/powerpoint/2010/main" val="811568150"/>
       </p:ext>
     </p:extLst>
   </p:cSld>
@@ -10584,9 +10465,10 @@
           <a:lstStyle/>
           <a:p>
             <a:r>
-              <a:rPr lang="zh-CN" altLang="en-US" sz="2400" b="0" dirty="0"/>
-              <a:t>惰性模式</a:t>
-            </a:r>
+              <a:rPr lang="zh-CN" altLang="en-US" sz="2400" b="0" dirty="0" smtClean="0"/>
+              <a:t>链模式</a:t>
+            </a:r>
+            <a:endParaRPr lang="zh-CN" altLang="en-US" sz="2400" b="0" dirty="0"/>
           </a:p>
         </p:txBody>
       </p:sp>
@@ -10609,14 +10491,34 @@
           <a:p>
             <a:r>
               <a:rPr lang="zh-CN" altLang="en-US" sz="1600" dirty="0" smtClean="0"/>
-              <a:t>目的：减少代码每次执行时的重复性判断，通过重新定义对象来避免原对象中的分支判断，提高性能</a:t>
+              <a:t>好处：优雅</a:t>
             </a:r>
             <a:endParaRPr lang="en-US" altLang="zh-CN" sz="1600" dirty="0" smtClean="0"/>
           </a:p>
           <a:p>
             <a:r>
+              <a:rPr lang="zh-CN" altLang="en-US" sz="1600" dirty="0"/>
+              <a:t>示例</a:t>
+            </a:r>
+            <a:r>
               <a:rPr lang="zh-CN" altLang="en-US" sz="1600" dirty="0" smtClean="0"/>
-              <a:t>示例：事件监听浏览器兼容性处理</a:t>
+              <a:t>：</a:t>
+            </a:r>
+            <a:r>
+              <a:rPr lang="en-US" altLang="zh-CN" sz="1600" dirty="0" err="1" smtClean="0"/>
+              <a:t>jQuery</a:t>
+            </a:r>
+            <a:r>
+              <a:rPr lang="zh-CN" altLang="en-US" sz="1600" dirty="0" smtClean="0"/>
+              <a:t>、</a:t>
+            </a:r>
+            <a:r>
+              <a:rPr lang="en-US" altLang="zh-CN" sz="1600" dirty="0" smtClean="0"/>
+              <a:t>Promise</a:t>
+            </a:r>
+            <a:r>
+              <a:rPr lang="zh-CN" altLang="en-US" sz="1600" dirty="0" smtClean="0"/>
+              <a:t>的实现</a:t>
             </a:r>
             <a:endParaRPr lang="en-US" altLang="zh-CN" sz="1600" dirty="0" smtClean="0"/>
           </a:p>
@@ -10628,7 +10530,7 @@
     </p:spTree>
     <p:extLst>
       <p:ext uri="{BB962C8B-B14F-4D97-AF65-F5344CB8AC3E}">
-        <p14:creationId xmlns:p14="http://schemas.microsoft.com/office/powerpoint/2010/main" val="2452359764"/>
+        <p14:creationId xmlns:p14="http://schemas.microsoft.com/office/powerpoint/2010/main" val="2122984540"/>
       </p:ext>
     </p:extLst>
   </p:cSld>
@@ -10680,10 +10582,9 @@
           <a:lstStyle/>
           <a:p>
             <a:r>
-              <a:rPr lang="zh-CN" altLang="en-US" sz="2400" b="0" dirty="0" smtClean="0"/>
-              <a:t>等待者模式</a:t>
-            </a:r>
-            <a:endParaRPr lang="zh-CN" altLang="en-US" sz="2400" b="0" dirty="0"/>
+              <a:rPr lang="zh-CN" altLang="en-US" sz="2400" b="0" dirty="0"/>
+              <a:t>惰性模式</a:t>
+            </a:r>
           </a:p>
         </p:txBody>
       </p:sp>
@@ -10706,18 +10607,14 @@
           <a:p>
             <a:r>
               <a:rPr lang="zh-CN" altLang="en-US" sz="1600" dirty="0" smtClean="0"/>
-              <a:t>目的：多个异步逻辑无法确认先后执行的顺序以及时机时，而我们对异步逻辑的监听，当每个异步状态发生变化时，进行一次确认状态，然后根据结果来决定是否执行某动作。</a:t>
+              <a:t>目的：减少代码每次执行时的重复性判断，通过重新定义对象来避免原对象中的分支判断，提高性能</a:t>
             </a:r>
             <a:endParaRPr lang="en-US" altLang="zh-CN" sz="1600" dirty="0" smtClean="0"/>
           </a:p>
           <a:p>
             <a:r>
               <a:rPr lang="zh-CN" altLang="en-US" sz="1600" dirty="0" smtClean="0"/>
-              <a:t>示例：</a:t>
-            </a:r>
-            <a:r>
-              <a:rPr lang="en-US" altLang="zh-CN" sz="1600" dirty="0" err="1" smtClean="0"/>
-              <a:t>Promise.all</a:t>
+              <a:t>示例：事件监听浏览器兼容性处理</a:t>
             </a:r>
             <a:endParaRPr lang="en-US" altLang="zh-CN" sz="1600" dirty="0" smtClean="0"/>
           </a:p>
@@ -10729,7 +10626,7 @@
     </p:spTree>
     <p:extLst>
       <p:ext uri="{BB962C8B-B14F-4D97-AF65-F5344CB8AC3E}">
-        <p14:creationId xmlns:p14="http://schemas.microsoft.com/office/powerpoint/2010/main" val="2672397878"/>
+        <p14:creationId xmlns:p14="http://schemas.microsoft.com/office/powerpoint/2010/main" val="2452359764"/>
       </p:ext>
     </p:extLst>
   </p:cSld>
@@ -10782,6 +10679,107 @@
           <a:p>
             <a:r>
               <a:rPr lang="zh-CN" altLang="en-US" sz="2400" b="0" dirty="0" smtClean="0"/>
+              <a:t>等待者模式</a:t>
+            </a:r>
+            <a:endParaRPr lang="zh-CN" altLang="en-US" sz="2400" b="0" dirty="0"/>
+          </a:p>
+        </p:txBody>
+      </p:sp>
+      <p:sp>
+        <p:nvSpPr>
+          <p:cNvPr id="3" name="文本占位符 2"/>
+          <p:cNvSpPr>
+            <a:spLocks noGrp="1"/>
+          </p:cNvSpPr>
+          <p:nvPr>
+            <p:ph type="body" sz="quarter" idx="11"/>
+          </p:nvPr>
+        </p:nvSpPr>
+        <p:spPr/>
+        <p:txBody>
+          <a:bodyPr>
+            <a:normAutofit/>
+          </a:bodyPr>
+          <a:lstStyle/>
+          <a:p>
+            <a:r>
+              <a:rPr lang="zh-CN" altLang="en-US" sz="1600" dirty="0" smtClean="0"/>
+              <a:t>目的：多个异步逻辑无法确认先后执行的顺序以及时机时，而我们对异步逻辑的监听，当每个异步状态发生变化时，进行一次确认状态，然后根据结果来决定是否执行某动作。</a:t>
+            </a:r>
+            <a:endParaRPr lang="en-US" altLang="zh-CN" sz="1600" dirty="0" smtClean="0"/>
+          </a:p>
+          <a:p>
+            <a:r>
+              <a:rPr lang="zh-CN" altLang="en-US" sz="1600" dirty="0" smtClean="0"/>
+              <a:t>示例：</a:t>
+            </a:r>
+            <a:r>
+              <a:rPr lang="en-US" altLang="zh-CN" sz="1600" dirty="0" err="1" smtClean="0"/>
+              <a:t>Promise.all</a:t>
+            </a:r>
+            <a:endParaRPr lang="en-US" altLang="zh-CN" sz="1600" dirty="0" smtClean="0"/>
+          </a:p>
+          <a:p>
+            <a:endParaRPr lang="zh-CN" altLang="en-US" sz="1600" dirty="0"/>
+          </a:p>
+        </p:txBody>
+      </p:sp>
+    </p:spTree>
+    <p:extLst>
+      <p:ext uri="{BB962C8B-B14F-4D97-AF65-F5344CB8AC3E}">
+        <p14:creationId xmlns:p14="http://schemas.microsoft.com/office/powerpoint/2010/main" val="2672397878"/>
+      </p:ext>
+    </p:extLst>
+  </p:cSld>
+  <p:clrMapOvr>
+    <a:masterClrMapping/>
+  </p:clrMapOvr>
+  <p:timing>
+    <p:tnLst>
+      <p:par>
+        <p:cTn id="1" dur="indefinite" restart="never" nodeType="tmRoot"/>
+      </p:par>
+    </p:tnLst>
+  </p:timing>
+</p:sld>
+</file>
+
+<file path=ppt/slides/slide28.xml><?xml version="1.0" encoding="utf-8"?>
+<p:sld xmlns:a="http://schemas.openxmlformats.org/drawingml/2006/main" xmlns:r="http://schemas.openxmlformats.org/officeDocument/2006/relationships" xmlns:p="http://schemas.openxmlformats.org/presentationml/2006/main">
+  <p:cSld>
+    <p:spTree>
+      <p:nvGrpSpPr>
+        <p:cNvPr id="1" name=""/>
+        <p:cNvGrpSpPr/>
+        <p:nvPr/>
+      </p:nvGrpSpPr>
+      <p:grpSpPr>
+        <a:xfrm>
+          <a:off x="0" y="0"/>
+          <a:ext cx="0" cy="0"/>
+          <a:chOff x="0" y="0"/>
+          <a:chExt cx="0" cy="0"/>
+        </a:xfrm>
+      </p:grpSpPr>
+      <p:sp>
+        <p:nvSpPr>
+          <p:cNvPr id="2" name="标题 1"/>
+          <p:cNvSpPr>
+            <a:spLocks noGrp="1"/>
+          </p:cNvSpPr>
+          <p:nvPr>
+            <p:ph type="title"/>
+          </p:nvPr>
+        </p:nvSpPr>
+        <p:spPr/>
+        <p:txBody>
+          <a:bodyPr>
+            <a:normAutofit/>
+          </a:bodyPr>
+          <a:lstStyle/>
+          <a:p>
+            <a:r>
+              <a:rPr lang="zh-CN" altLang="en-US" sz="2400" b="0" dirty="0" smtClean="0"/>
               <a:t>数据访问模式</a:t>
             </a:r>
             <a:endParaRPr lang="zh-CN" altLang="en-US" sz="2400" b="0" dirty="0"/>
@@ -10859,7 +10857,7 @@
 </p:sld>
 </file>
 
-<file path=ppt/slides/slide28.xml><?xml version="1.0" encoding="utf-8"?>
+<file path=ppt/slides/slide29.xml><?xml version="1.0" encoding="utf-8"?>
 <p:sld xmlns:a="http://schemas.openxmlformats.org/drawingml/2006/main" xmlns:r="http://schemas.openxmlformats.org/officeDocument/2006/relationships" xmlns:p="http://schemas.openxmlformats.org/presentationml/2006/main">
   <p:cSld>
     <p:spTree>
@@ -10954,345 +10952,81 @@
           <a:chExt cx="0" cy="0"/>
         </a:xfrm>
       </p:grpSpPr>
+      <p:pic>
+        <p:nvPicPr>
+          <p:cNvPr id="1026" name="Picture 2" descr="https://user-gold-cdn.xitu.io/2020/5/10/171fc82412fbca65?w=689&amp;h=182&amp;f=png&amp;s=13879"/>
+          <p:cNvPicPr>
+            <a:picLocks noChangeAspect="1" noChangeArrowheads="1"/>
+          </p:cNvPicPr>
+          <p:nvPr/>
+        </p:nvPicPr>
+        <p:blipFill>
+          <a:blip r:embed="rId2">
+            <a:extLst>
+              <a:ext uri="{28A0092B-C50C-407E-A947-70E740481C1C}">
+                <a14:useLocalDpi xmlns:a14="http://schemas.microsoft.com/office/drawing/2010/main" val="0"/>
+              </a:ext>
+            </a:extLst>
+          </a:blip>
+          <a:srcRect/>
+          <a:stretch>
+            <a:fillRect/>
+          </a:stretch>
+        </p:blipFill>
+        <p:spPr bwMode="auto">
+          <a:xfrm>
+            <a:off x="2441575" y="2387070"/>
+            <a:ext cx="6562725" cy="1733551"/>
+          </a:xfrm>
+          <a:prstGeom prst="rect">
+            <a:avLst/>
+          </a:prstGeom>
+          <a:noFill/>
+          <a:extLst>
+            <a:ext uri="{909E8E84-426E-40DD-AFC4-6F175D3DCCD1}">
+              <a14:hiddenFill xmlns:a14="http://schemas.microsoft.com/office/drawing/2010/main">
+                <a:solidFill>
+                  <a:srgbClr val="FFFFFF"/>
+                </a:solidFill>
+              </a14:hiddenFill>
+            </a:ext>
+          </a:extLst>
+        </p:spPr>
+      </p:pic>
       <p:sp>
         <p:nvSpPr>
-          <p:cNvPr id="2" name="标题 1"/>
-          <p:cNvSpPr>
-            <a:spLocks noGrp="1"/>
-          </p:cNvSpPr>
-          <p:nvPr>
-            <p:ph type="title"/>
-          </p:nvPr>
-        </p:nvSpPr>
-        <p:spPr>
-          <a:xfrm>
-            <a:off x="609600" y="275167"/>
-            <a:ext cx="10968570" cy="839955"/>
-          </a:xfrm>
-        </p:spPr>
-        <p:txBody>
-          <a:bodyPr>
-            <a:normAutofit/>
-          </a:bodyPr>
-          <a:lstStyle/>
-          <a:p>
-            <a:r>
-              <a:rPr lang="zh-CN" altLang="en-US" sz="2400" b="0" dirty="0"/>
-              <a:t>提高可扩展性的目的</a:t>
-            </a:r>
-          </a:p>
-        </p:txBody>
-      </p:sp>
-      <p:sp>
-        <p:nvSpPr>
-          <p:cNvPr id="3" name="文本占位符 2"/>
-          <p:cNvSpPr>
-            <a:spLocks noGrp="1"/>
-          </p:cNvSpPr>
-          <p:nvPr>
-            <p:ph type="body" sz="quarter" idx="11"/>
-          </p:nvPr>
-        </p:nvSpPr>
-        <p:spPr>
-          <a:xfrm>
-            <a:off x="609601" y="1067696"/>
-            <a:ext cx="10162477" cy="1039901"/>
-          </a:xfrm>
-        </p:spPr>
-        <p:txBody>
-          <a:bodyPr>
-            <a:normAutofit/>
-          </a:bodyPr>
-          <a:lstStyle/>
-          <a:p>
-            <a:r>
-              <a:rPr lang="en-US" altLang="zh-CN" sz="1600" dirty="0"/>
-              <a:t>1. </a:t>
-            </a:r>
-            <a:r>
-              <a:rPr lang="zh-CN" altLang="en-US" sz="1600" dirty="0"/>
-              <a:t>面对需求变更，方便需求更改</a:t>
-            </a:r>
-            <a:r>
-              <a:rPr lang="zh-CN" altLang="en-US" sz="1600" dirty="0" smtClean="0"/>
-              <a:t>；</a:t>
-            </a:r>
-            <a:endParaRPr lang="en-US" altLang="zh-CN" sz="1600" dirty="0" smtClean="0"/>
-          </a:p>
-          <a:p>
-            <a:r>
-              <a:rPr lang="en-US" altLang="zh-CN" sz="1600" dirty="0" smtClean="0"/>
-              <a:t>2</a:t>
-            </a:r>
-            <a:r>
-              <a:rPr lang="en-US" altLang="zh-CN" sz="1600" dirty="0"/>
-              <a:t>. </a:t>
-            </a:r>
-            <a:r>
-              <a:rPr lang="zh-CN" altLang="en-US" sz="1600" dirty="0"/>
-              <a:t>减少代码修改的难度；</a:t>
-            </a:r>
-          </a:p>
-        </p:txBody>
-      </p:sp>
-      <p:sp>
-        <p:nvSpPr>
-          <p:cNvPr id="4" name="标题 1"/>
-          <p:cNvSpPr txBox="1">
-            <a:spLocks/>
-          </p:cNvSpPr>
+          <p:cNvPr id="6" name="TextBox 5"/>
+          <p:cNvSpPr txBox="1"/>
           <p:nvPr/>
         </p:nvSpPr>
         <p:spPr>
           <a:xfrm>
-            <a:off x="607485" y="2282409"/>
-            <a:ext cx="10972800" cy="1143000"/>
+            <a:off x="2399240" y="1869533"/>
+            <a:ext cx="3640667" cy="369332"/>
           </a:xfrm>
           <a:prstGeom prst="rect">
             <a:avLst/>
           </a:prstGeom>
+          <a:noFill/>
         </p:spPr>
         <p:txBody>
-          <a:bodyPr vert="horz" lIns="91440" tIns="45720" rIns="91440" bIns="45720" rtlCol="0" anchor="t">
-            <a:normAutofit/>
+          <a:bodyPr wrap="square" rtlCol="0">
+            <a:spAutoFit/>
           </a:bodyPr>
-          <a:lstStyle>
-            <a:lvl1pPr algn="l" defTabSz="609585" rtl="0" eaLnBrk="1" latinLnBrk="0" hangingPunct="1">
-              <a:spcBef>
-                <a:spcPct val="0"/>
-              </a:spcBef>
-              <a:buNone/>
-              <a:defRPr sz="3200" b="1" i="0" kern="1200">
-                <a:solidFill>
-                  <a:srgbClr val="1771EA"/>
-                </a:solidFill>
-                <a:latin typeface="微软雅黑" panose="020B0503020204020204" pitchFamily="34" charset="-122"/>
-                <a:ea typeface="微软雅黑" panose="020B0503020204020204" pitchFamily="34" charset="-122"/>
-                <a:cs typeface="Arial"/>
-              </a:defRPr>
-            </a:lvl1pPr>
-          </a:lstStyle>
-          <a:p>
-            <a:r>
-              <a:rPr lang="zh-CN" altLang="en-US" sz="2400" b="0" dirty="0" smtClean="0"/>
-              <a:t>什么是好的可扩展性</a:t>
-            </a:r>
-            <a:endParaRPr lang="zh-CN" altLang="en-US" sz="2400" b="0" dirty="0"/>
-          </a:p>
-        </p:txBody>
-      </p:sp>
-      <p:sp>
-        <p:nvSpPr>
-          <p:cNvPr id="5" name="文本占位符 2"/>
-          <p:cNvSpPr txBox="1">
-            <a:spLocks/>
-          </p:cNvSpPr>
-          <p:nvPr/>
-        </p:nvSpPr>
-        <p:spPr>
-          <a:xfrm>
-            <a:off x="607486" y="3275656"/>
-            <a:ext cx="10970684" cy="1463647"/>
-          </a:xfrm>
-          <a:prstGeom prst="rect">
-            <a:avLst/>
-          </a:prstGeom>
-        </p:spPr>
-        <p:txBody>
-          <a:bodyPr vert="horz" lIns="91440" tIns="45720" rIns="91440" bIns="45720" rtlCol="0">
-            <a:normAutofit/>
-          </a:bodyPr>
-          <a:lstStyle>
-            <a:lvl1pPr marL="457189" indent="-457189" algn="l" defTabSz="609585" rtl="0" eaLnBrk="1" latinLnBrk="0" hangingPunct="1">
-              <a:spcBef>
-                <a:spcPct val="20000"/>
-              </a:spcBef>
-              <a:buFont typeface="Arial"/>
-              <a:buChar char="•"/>
-              <a:defRPr sz="3200" b="0" i="0" kern="1200">
-                <a:solidFill>
-                  <a:schemeClr val="tx1">
-                    <a:lumMod val="85000"/>
-                    <a:lumOff val="15000"/>
-                  </a:schemeClr>
-                </a:solidFill>
-                <a:latin typeface="微软雅黑" panose="020B0503020204020204" pitchFamily="34" charset="-122"/>
-                <a:ea typeface="微软雅黑" panose="020B0503020204020204" pitchFamily="34" charset="-122"/>
-                <a:cs typeface="Arial"/>
-              </a:defRPr>
-            </a:lvl1pPr>
-            <a:lvl2pPr marL="990575" indent="-380990" algn="l" defTabSz="609585" rtl="0" eaLnBrk="1" latinLnBrk="0" hangingPunct="1">
-              <a:spcBef>
-                <a:spcPct val="20000"/>
-              </a:spcBef>
-              <a:buFont typeface="Arial"/>
-              <a:buChar char="–"/>
-              <a:defRPr sz="2667" b="0" i="0" kern="1200">
-                <a:solidFill>
-                  <a:schemeClr val="tx1">
-                    <a:lumMod val="85000"/>
-                    <a:lumOff val="15000"/>
-                  </a:schemeClr>
-                </a:solidFill>
-                <a:latin typeface="微软雅黑" panose="020B0503020204020204" pitchFamily="34" charset="-122"/>
-                <a:ea typeface="微软雅黑" panose="020B0503020204020204" pitchFamily="34" charset="-122"/>
-                <a:cs typeface="Arial"/>
-              </a:defRPr>
-            </a:lvl2pPr>
-            <a:lvl3pPr marL="1523962" indent="-304792" algn="l" defTabSz="609585" rtl="0" eaLnBrk="1" latinLnBrk="0" hangingPunct="1">
-              <a:spcBef>
-                <a:spcPct val="20000"/>
-              </a:spcBef>
-              <a:buFont typeface="Arial"/>
-              <a:buChar char="•"/>
-              <a:defRPr sz="2400" b="0" i="0" kern="1200">
-                <a:solidFill>
-                  <a:schemeClr val="tx1">
-                    <a:lumMod val="85000"/>
-                    <a:lumOff val="15000"/>
-                  </a:schemeClr>
-                </a:solidFill>
-                <a:latin typeface="微软雅黑" panose="020B0503020204020204" pitchFamily="34" charset="-122"/>
-                <a:ea typeface="微软雅黑" panose="020B0503020204020204" pitchFamily="34" charset="-122"/>
-                <a:cs typeface="Arial"/>
-              </a:defRPr>
-            </a:lvl3pPr>
-            <a:lvl4pPr marL="2133547" indent="-304792" algn="l" defTabSz="609585" rtl="0" eaLnBrk="1" latinLnBrk="0" hangingPunct="1">
-              <a:spcBef>
-                <a:spcPct val="20000"/>
-              </a:spcBef>
-              <a:buFont typeface="Arial"/>
-              <a:buChar char="–"/>
-              <a:defRPr sz="2133" b="0" i="0" kern="1200">
-                <a:solidFill>
-                  <a:schemeClr val="tx1">
-                    <a:lumMod val="85000"/>
-                    <a:lumOff val="15000"/>
-                  </a:schemeClr>
-                </a:solidFill>
-                <a:latin typeface="微软雅黑" panose="020B0503020204020204" pitchFamily="34" charset="-122"/>
-                <a:ea typeface="微软雅黑" panose="020B0503020204020204" pitchFamily="34" charset="-122"/>
-                <a:cs typeface="Arial"/>
-              </a:defRPr>
-            </a:lvl4pPr>
-            <a:lvl5pPr marL="2743131" indent="-304792" algn="l" defTabSz="609585" rtl="0" eaLnBrk="1" latinLnBrk="0" hangingPunct="1">
-              <a:spcBef>
-                <a:spcPct val="20000"/>
-              </a:spcBef>
-              <a:buFont typeface="Arial"/>
-              <a:buChar char="»"/>
-              <a:defRPr sz="2133" b="0" i="0" kern="1200">
-                <a:solidFill>
-                  <a:schemeClr val="tx1">
-                    <a:lumMod val="85000"/>
-                    <a:lumOff val="15000"/>
-                  </a:schemeClr>
-                </a:solidFill>
-                <a:latin typeface="微软雅黑" panose="020B0503020204020204" pitchFamily="34" charset="-122"/>
-                <a:ea typeface="微软雅黑" panose="020B0503020204020204" pitchFamily="34" charset="-122"/>
-                <a:cs typeface="Arial"/>
-              </a:defRPr>
-            </a:lvl5pPr>
-            <a:lvl6pPr marL="3352716" indent="-304792" algn="l" defTabSz="609585" rtl="0" eaLnBrk="1" latinLnBrk="0" hangingPunct="1">
-              <a:spcBef>
-                <a:spcPct val="20000"/>
-              </a:spcBef>
-              <a:buFont typeface="Arial"/>
-              <a:buChar char="•"/>
-              <a:defRPr sz="2667" kern="1200">
-                <a:solidFill>
-                  <a:schemeClr val="tx1"/>
-                </a:solidFill>
-                <a:latin typeface="+mn-lt"/>
-                <a:ea typeface="+mn-ea"/>
-                <a:cs typeface="+mn-cs"/>
-              </a:defRPr>
-            </a:lvl6pPr>
-            <a:lvl7pPr marL="3962301" indent="-304792" algn="l" defTabSz="609585" rtl="0" eaLnBrk="1" latinLnBrk="0" hangingPunct="1">
-              <a:spcBef>
-                <a:spcPct val="20000"/>
-              </a:spcBef>
-              <a:buFont typeface="Arial"/>
-              <a:buChar char="•"/>
-              <a:defRPr sz="2667" kern="1200">
-                <a:solidFill>
-                  <a:schemeClr val="tx1"/>
-                </a:solidFill>
-                <a:latin typeface="+mn-lt"/>
-                <a:ea typeface="+mn-ea"/>
-                <a:cs typeface="+mn-cs"/>
-              </a:defRPr>
-            </a:lvl7pPr>
-            <a:lvl8pPr marL="4571886" indent="-304792" algn="l" defTabSz="609585" rtl="0" eaLnBrk="1" latinLnBrk="0" hangingPunct="1">
-              <a:spcBef>
-                <a:spcPct val="20000"/>
-              </a:spcBef>
-              <a:buFont typeface="Arial"/>
-              <a:buChar char="•"/>
-              <a:defRPr sz="2667" kern="1200">
-                <a:solidFill>
-                  <a:schemeClr val="tx1"/>
-                </a:solidFill>
-                <a:latin typeface="+mn-lt"/>
-                <a:ea typeface="+mn-ea"/>
-                <a:cs typeface="+mn-cs"/>
-              </a:defRPr>
-            </a:lvl8pPr>
-            <a:lvl9pPr marL="5181470" indent="-304792" algn="l" defTabSz="609585" rtl="0" eaLnBrk="1" latinLnBrk="0" hangingPunct="1">
-              <a:spcBef>
-                <a:spcPct val="20000"/>
-              </a:spcBef>
-              <a:buFont typeface="Arial"/>
-              <a:buChar char="•"/>
-              <a:defRPr sz="2667" kern="1200">
-                <a:solidFill>
-                  <a:schemeClr val="tx1"/>
-                </a:solidFill>
-                <a:latin typeface="+mn-lt"/>
-                <a:ea typeface="+mn-ea"/>
-                <a:cs typeface="+mn-cs"/>
-              </a:defRPr>
-            </a:lvl9pPr>
-          </a:lstStyle>
-          <a:p>
-            <a:r>
-              <a:rPr lang="en-US" altLang="zh-CN" sz="1600" dirty="0" smtClean="0"/>
-              <a:t>1. </a:t>
-            </a:r>
-            <a:r>
-              <a:rPr lang="zh-CN" altLang="en-US" sz="1600" dirty="0" smtClean="0"/>
-              <a:t>需求的变更，不需要重写；</a:t>
-            </a:r>
-            <a:endParaRPr lang="en-US" altLang="zh-CN" sz="1600" dirty="0" smtClean="0"/>
-          </a:p>
-          <a:p>
-            <a:r>
-              <a:rPr lang="en-US" altLang="zh-CN" sz="1600" dirty="0" smtClean="0"/>
-              <a:t>2. </a:t>
-            </a:r>
-            <a:r>
-              <a:rPr lang="zh-CN" altLang="en-US" sz="1600" dirty="0" smtClean="0"/>
-              <a:t>代码修改不会引起大规模变动；</a:t>
-            </a:r>
-            <a:endParaRPr lang="en-US" altLang="zh-CN" sz="1600" dirty="0" smtClean="0"/>
-          </a:p>
-          <a:p>
-            <a:r>
-              <a:rPr lang="en-US" altLang="zh-CN" sz="1600" dirty="0" smtClean="0"/>
-              <a:t>3. </a:t>
-            </a:r>
-            <a:r>
-              <a:rPr lang="zh-CN" altLang="en-US" sz="1600" dirty="0" smtClean="0"/>
-              <a:t>方便加入新模块；</a:t>
-            </a:r>
-            <a:endParaRPr lang="zh-CN" altLang="en-US" sz="1600" dirty="0"/>
+          <a:lstStyle/>
+          <a:p>
+            <a:r>
+              <a:rPr lang="zh-CN" altLang="en-US" dirty="0" smtClean="0"/>
+              <a:t>我们写代码到底是在写什么？</a:t>
+            </a:r>
+            <a:endParaRPr lang="zh-CN" altLang="en-US" dirty="0"/>
           </a:p>
         </p:txBody>
       </p:sp>
     </p:spTree>
     <p:extLst>
       <p:ext uri="{BB962C8B-B14F-4D97-AF65-F5344CB8AC3E}">
-        <p14:creationId xmlns:p14="http://schemas.microsoft.com/office/powerpoint/2010/main" val="324889481"/>
+        <p14:creationId xmlns:p14="http://schemas.microsoft.com/office/powerpoint/2010/main" val="3845033406"/>
       </p:ext>
     </p:extLst>
   </p:cSld>
@@ -11302,7 +11036,121 @@
   <p:timing>
     <p:tnLst>
       <p:par>
-        <p:cTn id="1" dur="indefinite" restart="never" nodeType="tmRoot"/>
+        <p:cTn id="1" dur="indefinite" restart="never" nodeType="tmRoot">
+          <p:childTnLst>
+            <p:seq concurrent="1" nextAc="seek">
+              <p:cTn id="2" dur="indefinite" nodeType="mainSeq">
+                <p:childTnLst>
+                  <p:par>
+                    <p:cTn id="3" fill="hold">
+                      <p:stCondLst>
+                        <p:cond delay="indefinite"/>
+                      </p:stCondLst>
+                      <p:childTnLst>
+                        <p:par>
+                          <p:cTn id="4" fill="hold">
+                            <p:stCondLst>
+                              <p:cond delay="0"/>
+                            </p:stCondLst>
+                            <p:childTnLst>
+                              <p:par>
+                                <p:cTn id="5" presetID="2" presetClass="entr" presetSubtype="4" fill="hold" nodeType="clickEffect">
+                                  <p:stCondLst>
+                                    <p:cond delay="0"/>
+                                  </p:stCondLst>
+                                  <p:childTnLst>
+                                    <p:set>
+                                      <p:cBhvr>
+                                        <p:cTn id="6" dur="1" fill="hold">
+                                          <p:stCondLst>
+                                            <p:cond delay="0"/>
+                                          </p:stCondLst>
+                                        </p:cTn>
+                                        <p:tgtEl>
+                                          <p:spTgt spid="1026"/>
+                                        </p:tgtEl>
+                                        <p:attrNameLst>
+                                          <p:attrName>style.visibility</p:attrName>
+                                        </p:attrNameLst>
+                                      </p:cBhvr>
+                                      <p:to>
+                                        <p:strVal val="visible"/>
+                                      </p:to>
+                                    </p:set>
+                                    <p:anim calcmode="lin" valueType="num">
+                                      <p:cBhvr additive="base">
+                                        <p:cTn id="7" dur="500" fill="hold"/>
+                                        <p:tgtEl>
+                                          <p:spTgt spid="1026"/>
+                                        </p:tgtEl>
+                                        <p:attrNameLst>
+                                          <p:attrName>ppt_x</p:attrName>
+                                        </p:attrNameLst>
+                                      </p:cBhvr>
+                                      <p:tavLst>
+                                        <p:tav tm="0">
+                                          <p:val>
+                                            <p:strVal val="#ppt_x"/>
+                                          </p:val>
+                                        </p:tav>
+                                        <p:tav tm="100000">
+                                          <p:val>
+                                            <p:strVal val="#ppt_x"/>
+                                          </p:val>
+                                        </p:tav>
+                                      </p:tavLst>
+                                    </p:anim>
+                                    <p:anim calcmode="lin" valueType="num">
+                                      <p:cBhvr additive="base">
+                                        <p:cTn id="8" dur="500" fill="hold"/>
+                                        <p:tgtEl>
+                                          <p:spTgt spid="1026"/>
+                                        </p:tgtEl>
+                                        <p:attrNameLst>
+                                          <p:attrName>ppt_y</p:attrName>
+                                        </p:attrNameLst>
+                                      </p:cBhvr>
+                                      <p:tavLst>
+                                        <p:tav tm="0">
+                                          <p:val>
+                                            <p:strVal val="1+#ppt_h/2"/>
+                                          </p:val>
+                                        </p:tav>
+                                        <p:tav tm="100000">
+                                          <p:val>
+                                            <p:strVal val="#ppt_y"/>
+                                          </p:val>
+                                        </p:tav>
+                                      </p:tavLst>
+                                    </p:anim>
+                                  </p:childTnLst>
+                                </p:cTn>
+                              </p:par>
+                            </p:childTnLst>
+                          </p:cTn>
+                        </p:par>
+                      </p:childTnLst>
+                    </p:cTn>
+                  </p:par>
+                </p:childTnLst>
+              </p:cTn>
+              <p:prevCondLst>
+                <p:cond evt="onPrev" delay="0">
+                  <p:tgtEl>
+                    <p:sldTgt/>
+                  </p:tgtEl>
+                </p:cond>
+              </p:prevCondLst>
+              <p:nextCondLst>
+                <p:cond evt="onNext" delay="0">
+                  <p:tgtEl>
+                    <p:sldTgt/>
+                  </p:tgtEl>
+                </p:cond>
+              </p:nextCondLst>
+            </p:seq>
+          </p:childTnLst>
+        </p:cTn>
       </p:par>
     </p:tnLst>
   </p:timing>
@@ -11339,27 +11187,19 @@
         <p:spPr>
           <a:xfrm>
             <a:off x="609600" y="275167"/>
-            <a:ext cx="10966971" cy="750745"/>
+            <a:ext cx="10968570" cy="839955"/>
           </a:xfrm>
         </p:spPr>
         <p:txBody>
           <a:bodyPr>
-            <a:noAutofit/>
+            <a:normAutofit/>
           </a:bodyPr>
           <a:lstStyle/>
           <a:p>
             <a:r>
               <a:rPr lang="zh-CN" altLang="en-US" sz="2400" b="0" dirty="0"/>
-              <a:t>封装目的</a:t>
-            </a:r>
-            <a:r>
-              <a:rPr lang="zh-CN" altLang="en-US" sz="2400" dirty="0"/>
-              <a:t/>
-            </a:r>
-            <a:br>
-              <a:rPr lang="zh-CN" altLang="en-US" sz="2400" dirty="0"/>
-            </a:br>
-            <a:endParaRPr lang="zh-CN" altLang="en-US" sz="2400" dirty="0"/>
+              <a:t>提高可扩展性的目的</a:t>
+            </a:r>
           </a:p>
         </p:txBody>
       </p:sp>
@@ -11375,8 +11215,8 @@
         </p:nvSpPr>
         <p:spPr>
           <a:xfrm>
-            <a:off x="609601" y="1168055"/>
-            <a:ext cx="9984058" cy="1054823"/>
+            <a:off x="609601" y="1067696"/>
+            <a:ext cx="10162477" cy="1039901"/>
           </a:xfrm>
         </p:spPr>
         <p:txBody>
@@ -11391,7 +11231,7 @@
             </a:r>
             <a:r>
               <a:rPr lang="zh-CN" altLang="en-US" sz="1600" dirty="0"/>
-              <a:t>定义变量不会污染外部</a:t>
+              <a:t>面对需求变更，方便需求更改</a:t>
             </a:r>
             <a:r>
               <a:rPr lang="zh-CN" altLang="en-US" sz="1600" dirty="0" smtClean="0"/>
@@ -11410,26 +11250,7 @@
             </a:r>
             <a:r>
               <a:rPr lang="zh-CN" altLang="en-US" sz="1600" dirty="0"/>
-              <a:t>能够作为一个模块调用</a:t>
-            </a:r>
-            <a:r>
-              <a:rPr lang="zh-CN" altLang="en-US" sz="1600" dirty="0" smtClean="0"/>
-              <a:t>；</a:t>
-            </a:r>
-            <a:endParaRPr lang="en-US" altLang="zh-CN" sz="1600" dirty="0" smtClean="0"/>
-          </a:p>
-          <a:p>
-            <a:r>
-              <a:rPr lang="en-US" altLang="zh-CN" sz="1600" dirty="0" smtClean="0"/>
-              <a:t>3</a:t>
-            </a:r>
-            <a:r>
-              <a:rPr lang="en-US" altLang="zh-CN" sz="1600" dirty="0"/>
-              <a:t>. </a:t>
-            </a:r>
-            <a:r>
-              <a:rPr lang="zh-CN" altLang="en-US" sz="1600" dirty="0"/>
-              <a:t>遵循开闭原则；</a:t>
+              <a:t>减少代码修改的难度；</a:t>
             </a:r>
           </a:p>
         </p:txBody>
@@ -11444,8 +11265,8 @@
         </p:nvSpPr>
         <p:spPr>
           <a:xfrm>
-            <a:off x="605886" y="2936541"/>
-            <a:ext cx="11091743" cy="1022141"/>
+            <a:off x="607485" y="2282409"/>
+            <a:ext cx="10972800" cy="1143000"/>
           </a:xfrm>
           <a:prstGeom prst="rect">
             <a:avLst/>
@@ -11474,16 +11295,9 @@
           <a:p>
             <a:r>
               <a:rPr lang="zh-CN" altLang="en-US" sz="2400" b="0" dirty="0" smtClean="0"/>
-              <a:t>什么是好的封装</a:t>
-            </a:r>
-            <a:r>
-              <a:rPr lang="zh-CN" altLang="en-US" sz="2400" dirty="0" smtClean="0"/>
-              <a:t/>
-            </a:r>
-            <a:br>
-              <a:rPr lang="zh-CN" altLang="en-US" sz="2400" dirty="0" smtClean="0"/>
-            </a:br>
-            <a:endParaRPr lang="zh-CN" altLang="en-US" sz="2400" dirty="0"/>
+              <a:t>什么是好的可扩展性</a:t>
+            </a:r>
+            <a:endParaRPr lang="zh-CN" altLang="en-US" sz="2400" b="0" dirty="0"/>
           </a:p>
         </p:txBody>
       </p:sp>
@@ -11497,8 +11311,8 @@
         </p:nvSpPr>
         <p:spPr>
           <a:xfrm>
-            <a:off x="605887" y="3646449"/>
-            <a:ext cx="8906103" cy="1204331"/>
+            <a:off x="607486" y="3275656"/>
+            <a:ext cx="10970684" cy="1463647"/>
           </a:xfrm>
           <a:prstGeom prst="rect">
             <a:avLst/>
@@ -11667,7 +11481,7 @@
             </a:r>
             <a:r>
               <a:rPr lang="zh-CN" altLang="en-US" sz="1600" dirty="0" smtClean="0"/>
-              <a:t>变量外部不可见；</a:t>
+              <a:t>需求的变更，不需要重写；</a:t>
             </a:r>
             <a:endParaRPr lang="en-US" altLang="zh-CN" sz="1600" dirty="0" smtClean="0"/>
           </a:p>
@@ -11678,7 +11492,7 @@
             </a:r>
             <a:r>
               <a:rPr lang="zh-CN" altLang="en-US" sz="1600" dirty="0" smtClean="0"/>
-              <a:t>调用接口使用；</a:t>
+              <a:t>代码修改不会引起大规模变动；</a:t>
             </a:r>
             <a:endParaRPr lang="en-US" altLang="zh-CN" sz="1600" dirty="0" smtClean="0"/>
           </a:p>
@@ -11689,7 +11503,7 @@
             </a:r>
             <a:r>
               <a:rPr lang="zh-CN" altLang="en-US" sz="1600" dirty="0" smtClean="0"/>
-              <a:t>留出扩展接口；</a:t>
+              <a:t>方便加入新模块；</a:t>
             </a:r>
             <a:endParaRPr lang="zh-CN" altLang="en-US" sz="1600" dirty="0"/>
           </a:p>
@@ -11698,7 +11512,7 @@
     </p:spTree>
     <p:extLst>
       <p:ext uri="{BB962C8B-B14F-4D97-AF65-F5344CB8AC3E}">
-        <p14:creationId xmlns:p14="http://schemas.microsoft.com/office/powerpoint/2010/main" val="2339154929"/>
+        <p14:creationId xmlns:p14="http://schemas.microsoft.com/office/powerpoint/2010/main" val="324889481"/>
       </p:ext>
     </p:extLst>
   </p:cSld>
@@ -11742,6 +11556,412 @@
             <p:ph type="title"/>
           </p:nvPr>
         </p:nvSpPr>
+        <p:spPr>
+          <a:xfrm>
+            <a:off x="609600" y="275167"/>
+            <a:ext cx="10966971" cy="750745"/>
+          </a:xfrm>
+        </p:spPr>
+        <p:txBody>
+          <a:bodyPr>
+            <a:noAutofit/>
+          </a:bodyPr>
+          <a:lstStyle/>
+          <a:p>
+            <a:r>
+              <a:rPr lang="zh-CN" altLang="en-US" sz="2400" b="0" dirty="0"/>
+              <a:t>封装目的</a:t>
+            </a:r>
+            <a:r>
+              <a:rPr lang="zh-CN" altLang="en-US" sz="2400" dirty="0"/>
+              <a:t/>
+            </a:r>
+            <a:br>
+              <a:rPr lang="zh-CN" altLang="en-US" sz="2400" dirty="0"/>
+            </a:br>
+            <a:endParaRPr lang="zh-CN" altLang="en-US" sz="2400" dirty="0"/>
+          </a:p>
+        </p:txBody>
+      </p:sp>
+      <p:sp>
+        <p:nvSpPr>
+          <p:cNvPr id="3" name="文本占位符 2"/>
+          <p:cNvSpPr>
+            <a:spLocks noGrp="1"/>
+          </p:cNvSpPr>
+          <p:nvPr>
+            <p:ph type="body" sz="quarter" idx="11"/>
+          </p:nvPr>
+        </p:nvSpPr>
+        <p:spPr>
+          <a:xfrm>
+            <a:off x="609601" y="1168055"/>
+            <a:ext cx="9984058" cy="1054823"/>
+          </a:xfrm>
+        </p:spPr>
+        <p:txBody>
+          <a:bodyPr>
+            <a:normAutofit/>
+          </a:bodyPr>
+          <a:lstStyle/>
+          <a:p>
+            <a:r>
+              <a:rPr lang="en-US" altLang="zh-CN" sz="1600" dirty="0"/>
+              <a:t>1. </a:t>
+            </a:r>
+            <a:r>
+              <a:rPr lang="zh-CN" altLang="en-US" sz="1600" dirty="0"/>
+              <a:t>定义变量不会污染外部</a:t>
+            </a:r>
+            <a:r>
+              <a:rPr lang="zh-CN" altLang="en-US" sz="1600" dirty="0" smtClean="0"/>
+              <a:t>；</a:t>
+            </a:r>
+            <a:endParaRPr lang="en-US" altLang="zh-CN" sz="1600" dirty="0" smtClean="0"/>
+          </a:p>
+          <a:p>
+            <a:r>
+              <a:rPr lang="en-US" altLang="zh-CN" sz="1600" dirty="0" smtClean="0"/>
+              <a:t>2</a:t>
+            </a:r>
+            <a:r>
+              <a:rPr lang="en-US" altLang="zh-CN" sz="1600" dirty="0"/>
+              <a:t>. </a:t>
+            </a:r>
+            <a:r>
+              <a:rPr lang="zh-CN" altLang="en-US" sz="1600" dirty="0"/>
+              <a:t>能够作为一个模块调用</a:t>
+            </a:r>
+            <a:r>
+              <a:rPr lang="zh-CN" altLang="en-US" sz="1600" dirty="0" smtClean="0"/>
+              <a:t>；</a:t>
+            </a:r>
+            <a:endParaRPr lang="en-US" altLang="zh-CN" sz="1600" dirty="0" smtClean="0"/>
+          </a:p>
+          <a:p>
+            <a:r>
+              <a:rPr lang="en-US" altLang="zh-CN" sz="1600" dirty="0" smtClean="0"/>
+              <a:t>3</a:t>
+            </a:r>
+            <a:r>
+              <a:rPr lang="en-US" altLang="zh-CN" sz="1600" dirty="0"/>
+              <a:t>. </a:t>
+            </a:r>
+            <a:r>
+              <a:rPr lang="zh-CN" altLang="en-US" sz="1600" dirty="0"/>
+              <a:t>遵循开闭原则；</a:t>
+            </a:r>
+          </a:p>
+        </p:txBody>
+      </p:sp>
+      <p:sp>
+        <p:nvSpPr>
+          <p:cNvPr id="4" name="标题 1"/>
+          <p:cNvSpPr txBox="1">
+            <a:spLocks/>
+          </p:cNvSpPr>
+          <p:nvPr/>
+        </p:nvSpPr>
+        <p:spPr>
+          <a:xfrm>
+            <a:off x="605886" y="2936541"/>
+            <a:ext cx="11091743" cy="1022141"/>
+          </a:xfrm>
+          <a:prstGeom prst="rect">
+            <a:avLst/>
+          </a:prstGeom>
+        </p:spPr>
+        <p:txBody>
+          <a:bodyPr vert="horz" lIns="91440" tIns="45720" rIns="91440" bIns="45720" rtlCol="0" anchor="t">
+            <a:normAutofit/>
+          </a:bodyPr>
+          <a:lstStyle>
+            <a:lvl1pPr algn="l" defTabSz="609585" rtl="0" eaLnBrk="1" latinLnBrk="0" hangingPunct="1">
+              <a:spcBef>
+                <a:spcPct val="0"/>
+              </a:spcBef>
+              <a:buNone/>
+              <a:defRPr sz="3200" b="1" i="0" kern="1200">
+                <a:solidFill>
+                  <a:srgbClr val="1771EA"/>
+                </a:solidFill>
+                <a:latin typeface="微软雅黑" panose="020B0503020204020204" pitchFamily="34" charset="-122"/>
+                <a:ea typeface="微软雅黑" panose="020B0503020204020204" pitchFamily="34" charset="-122"/>
+                <a:cs typeface="Arial"/>
+              </a:defRPr>
+            </a:lvl1pPr>
+          </a:lstStyle>
+          <a:p>
+            <a:r>
+              <a:rPr lang="zh-CN" altLang="en-US" sz="2400" b="0" dirty="0" smtClean="0"/>
+              <a:t>什么是好的封装</a:t>
+            </a:r>
+            <a:r>
+              <a:rPr lang="zh-CN" altLang="en-US" sz="2400" dirty="0" smtClean="0"/>
+              <a:t/>
+            </a:r>
+            <a:br>
+              <a:rPr lang="zh-CN" altLang="en-US" sz="2400" dirty="0" smtClean="0"/>
+            </a:br>
+            <a:endParaRPr lang="zh-CN" altLang="en-US" sz="2400" dirty="0"/>
+          </a:p>
+        </p:txBody>
+      </p:sp>
+      <p:sp>
+        <p:nvSpPr>
+          <p:cNvPr id="5" name="文本占位符 2"/>
+          <p:cNvSpPr txBox="1">
+            <a:spLocks/>
+          </p:cNvSpPr>
+          <p:nvPr/>
+        </p:nvSpPr>
+        <p:spPr>
+          <a:xfrm>
+            <a:off x="605887" y="3646449"/>
+            <a:ext cx="8906103" cy="1204331"/>
+          </a:xfrm>
+          <a:prstGeom prst="rect">
+            <a:avLst/>
+          </a:prstGeom>
+        </p:spPr>
+        <p:txBody>
+          <a:bodyPr vert="horz" lIns="91440" tIns="45720" rIns="91440" bIns="45720" rtlCol="0">
+            <a:normAutofit/>
+          </a:bodyPr>
+          <a:lstStyle>
+            <a:lvl1pPr marL="457189" indent="-457189" algn="l" defTabSz="609585" rtl="0" eaLnBrk="1" latinLnBrk="0" hangingPunct="1">
+              <a:spcBef>
+                <a:spcPct val="20000"/>
+              </a:spcBef>
+              <a:buFont typeface="Arial"/>
+              <a:buChar char="•"/>
+              <a:defRPr sz="3200" b="0" i="0" kern="1200">
+                <a:solidFill>
+                  <a:schemeClr val="tx1">
+                    <a:lumMod val="85000"/>
+                    <a:lumOff val="15000"/>
+                  </a:schemeClr>
+                </a:solidFill>
+                <a:latin typeface="微软雅黑" panose="020B0503020204020204" pitchFamily="34" charset="-122"/>
+                <a:ea typeface="微软雅黑" panose="020B0503020204020204" pitchFamily="34" charset="-122"/>
+                <a:cs typeface="Arial"/>
+              </a:defRPr>
+            </a:lvl1pPr>
+            <a:lvl2pPr marL="990575" indent="-380990" algn="l" defTabSz="609585" rtl="0" eaLnBrk="1" latinLnBrk="0" hangingPunct="1">
+              <a:spcBef>
+                <a:spcPct val="20000"/>
+              </a:spcBef>
+              <a:buFont typeface="Arial"/>
+              <a:buChar char="–"/>
+              <a:defRPr sz="2667" b="0" i="0" kern="1200">
+                <a:solidFill>
+                  <a:schemeClr val="tx1">
+                    <a:lumMod val="85000"/>
+                    <a:lumOff val="15000"/>
+                  </a:schemeClr>
+                </a:solidFill>
+                <a:latin typeface="微软雅黑" panose="020B0503020204020204" pitchFamily="34" charset="-122"/>
+                <a:ea typeface="微软雅黑" panose="020B0503020204020204" pitchFamily="34" charset="-122"/>
+                <a:cs typeface="Arial"/>
+              </a:defRPr>
+            </a:lvl2pPr>
+            <a:lvl3pPr marL="1523962" indent="-304792" algn="l" defTabSz="609585" rtl="0" eaLnBrk="1" latinLnBrk="0" hangingPunct="1">
+              <a:spcBef>
+                <a:spcPct val="20000"/>
+              </a:spcBef>
+              <a:buFont typeface="Arial"/>
+              <a:buChar char="•"/>
+              <a:defRPr sz="2400" b="0" i="0" kern="1200">
+                <a:solidFill>
+                  <a:schemeClr val="tx1">
+                    <a:lumMod val="85000"/>
+                    <a:lumOff val="15000"/>
+                  </a:schemeClr>
+                </a:solidFill>
+                <a:latin typeface="微软雅黑" panose="020B0503020204020204" pitchFamily="34" charset="-122"/>
+                <a:ea typeface="微软雅黑" panose="020B0503020204020204" pitchFamily="34" charset="-122"/>
+                <a:cs typeface="Arial"/>
+              </a:defRPr>
+            </a:lvl3pPr>
+            <a:lvl4pPr marL="2133547" indent="-304792" algn="l" defTabSz="609585" rtl="0" eaLnBrk="1" latinLnBrk="0" hangingPunct="1">
+              <a:spcBef>
+                <a:spcPct val="20000"/>
+              </a:spcBef>
+              <a:buFont typeface="Arial"/>
+              <a:buChar char="–"/>
+              <a:defRPr sz="2133" b="0" i="0" kern="1200">
+                <a:solidFill>
+                  <a:schemeClr val="tx1">
+                    <a:lumMod val="85000"/>
+                    <a:lumOff val="15000"/>
+                  </a:schemeClr>
+                </a:solidFill>
+                <a:latin typeface="微软雅黑" panose="020B0503020204020204" pitchFamily="34" charset="-122"/>
+                <a:ea typeface="微软雅黑" panose="020B0503020204020204" pitchFamily="34" charset="-122"/>
+                <a:cs typeface="Arial"/>
+              </a:defRPr>
+            </a:lvl4pPr>
+            <a:lvl5pPr marL="2743131" indent="-304792" algn="l" defTabSz="609585" rtl="0" eaLnBrk="1" latinLnBrk="0" hangingPunct="1">
+              <a:spcBef>
+                <a:spcPct val="20000"/>
+              </a:spcBef>
+              <a:buFont typeface="Arial"/>
+              <a:buChar char="»"/>
+              <a:defRPr sz="2133" b="0" i="0" kern="1200">
+                <a:solidFill>
+                  <a:schemeClr val="tx1">
+                    <a:lumMod val="85000"/>
+                    <a:lumOff val="15000"/>
+                  </a:schemeClr>
+                </a:solidFill>
+                <a:latin typeface="微软雅黑" panose="020B0503020204020204" pitchFamily="34" charset="-122"/>
+                <a:ea typeface="微软雅黑" panose="020B0503020204020204" pitchFamily="34" charset="-122"/>
+                <a:cs typeface="Arial"/>
+              </a:defRPr>
+            </a:lvl5pPr>
+            <a:lvl6pPr marL="3352716" indent="-304792" algn="l" defTabSz="609585" rtl="0" eaLnBrk="1" latinLnBrk="0" hangingPunct="1">
+              <a:spcBef>
+                <a:spcPct val="20000"/>
+              </a:spcBef>
+              <a:buFont typeface="Arial"/>
+              <a:buChar char="•"/>
+              <a:defRPr sz="2667" kern="1200">
+                <a:solidFill>
+                  <a:schemeClr val="tx1"/>
+                </a:solidFill>
+                <a:latin typeface="+mn-lt"/>
+                <a:ea typeface="+mn-ea"/>
+                <a:cs typeface="+mn-cs"/>
+              </a:defRPr>
+            </a:lvl6pPr>
+            <a:lvl7pPr marL="3962301" indent="-304792" algn="l" defTabSz="609585" rtl="0" eaLnBrk="1" latinLnBrk="0" hangingPunct="1">
+              <a:spcBef>
+                <a:spcPct val="20000"/>
+              </a:spcBef>
+              <a:buFont typeface="Arial"/>
+              <a:buChar char="•"/>
+              <a:defRPr sz="2667" kern="1200">
+                <a:solidFill>
+                  <a:schemeClr val="tx1"/>
+                </a:solidFill>
+                <a:latin typeface="+mn-lt"/>
+                <a:ea typeface="+mn-ea"/>
+                <a:cs typeface="+mn-cs"/>
+              </a:defRPr>
+            </a:lvl7pPr>
+            <a:lvl8pPr marL="4571886" indent="-304792" algn="l" defTabSz="609585" rtl="0" eaLnBrk="1" latinLnBrk="0" hangingPunct="1">
+              <a:spcBef>
+                <a:spcPct val="20000"/>
+              </a:spcBef>
+              <a:buFont typeface="Arial"/>
+              <a:buChar char="•"/>
+              <a:defRPr sz="2667" kern="1200">
+                <a:solidFill>
+                  <a:schemeClr val="tx1"/>
+                </a:solidFill>
+                <a:latin typeface="+mn-lt"/>
+                <a:ea typeface="+mn-ea"/>
+                <a:cs typeface="+mn-cs"/>
+              </a:defRPr>
+            </a:lvl8pPr>
+            <a:lvl9pPr marL="5181470" indent="-304792" algn="l" defTabSz="609585" rtl="0" eaLnBrk="1" latinLnBrk="0" hangingPunct="1">
+              <a:spcBef>
+                <a:spcPct val="20000"/>
+              </a:spcBef>
+              <a:buFont typeface="Arial"/>
+              <a:buChar char="•"/>
+              <a:defRPr sz="2667" kern="1200">
+                <a:solidFill>
+                  <a:schemeClr val="tx1"/>
+                </a:solidFill>
+                <a:latin typeface="+mn-lt"/>
+                <a:ea typeface="+mn-ea"/>
+                <a:cs typeface="+mn-cs"/>
+              </a:defRPr>
+            </a:lvl9pPr>
+          </a:lstStyle>
+          <a:p>
+            <a:r>
+              <a:rPr lang="en-US" altLang="zh-CN" sz="1600" dirty="0" smtClean="0"/>
+              <a:t>1. </a:t>
+            </a:r>
+            <a:r>
+              <a:rPr lang="zh-CN" altLang="en-US" sz="1600" dirty="0" smtClean="0"/>
+              <a:t>变量外部不可见；</a:t>
+            </a:r>
+            <a:endParaRPr lang="en-US" altLang="zh-CN" sz="1600" dirty="0" smtClean="0"/>
+          </a:p>
+          <a:p>
+            <a:r>
+              <a:rPr lang="en-US" altLang="zh-CN" sz="1600" dirty="0" smtClean="0"/>
+              <a:t>2. </a:t>
+            </a:r>
+            <a:r>
+              <a:rPr lang="zh-CN" altLang="en-US" sz="1600" dirty="0" smtClean="0"/>
+              <a:t>调用接口使用；</a:t>
+            </a:r>
+            <a:endParaRPr lang="en-US" altLang="zh-CN" sz="1600" dirty="0" smtClean="0"/>
+          </a:p>
+          <a:p>
+            <a:r>
+              <a:rPr lang="en-US" altLang="zh-CN" sz="1600" dirty="0" smtClean="0"/>
+              <a:t>3. </a:t>
+            </a:r>
+            <a:r>
+              <a:rPr lang="zh-CN" altLang="en-US" sz="1600" dirty="0" smtClean="0"/>
+              <a:t>留出扩展接口；</a:t>
+            </a:r>
+            <a:endParaRPr lang="zh-CN" altLang="en-US" sz="1600" dirty="0"/>
+          </a:p>
+        </p:txBody>
+      </p:sp>
+    </p:spTree>
+    <p:extLst>
+      <p:ext uri="{BB962C8B-B14F-4D97-AF65-F5344CB8AC3E}">
+        <p14:creationId xmlns:p14="http://schemas.microsoft.com/office/powerpoint/2010/main" val="2339154929"/>
+      </p:ext>
+    </p:extLst>
+  </p:cSld>
+  <p:clrMapOvr>
+    <a:masterClrMapping/>
+  </p:clrMapOvr>
+  <p:timing>
+    <p:tnLst>
+      <p:par>
+        <p:cTn id="1" dur="indefinite" restart="never" nodeType="tmRoot"/>
+      </p:par>
+    </p:tnLst>
+  </p:timing>
+</p:sld>
+</file>
+
+<file path=ppt/slides/slide6.xml><?xml version="1.0" encoding="utf-8"?>
+<p:sld xmlns:a="http://schemas.openxmlformats.org/drawingml/2006/main" xmlns:r="http://schemas.openxmlformats.org/officeDocument/2006/relationships" xmlns:p="http://schemas.openxmlformats.org/presentationml/2006/main">
+  <p:cSld>
+    <p:spTree>
+      <p:nvGrpSpPr>
+        <p:cNvPr id="1" name=""/>
+        <p:cNvGrpSpPr/>
+        <p:nvPr/>
+      </p:nvGrpSpPr>
+      <p:grpSpPr>
+        <a:xfrm>
+          <a:off x="0" y="0"/>
+          <a:ext cx="0" cy="0"/>
+          <a:chOff x="0" y="0"/>
+          <a:chExt cx="0" cy="0"/>
+        </a:xfrm>
+      </p:grpSpPr>
+      <p:sp>
+        <p:nvSpPr>
+          <p:cNvPr id="2" name="标题 1"/>
+          <p:cNvSpPr>
+            <a:spLocks noGrp="1"/>
+          </p:cNvSpPr>
+          <p:nvPr>
+            <p:ph type="title"/>
+          </p:nvPr>
+        </p:nvSpPr>
         <p:spPr/>
         <p:txBody>
           <a:bodyPr>
@@ -11841,7 +12061,7 @@
 </p:sld>
 </file>
 
-<file path=ppt/slides/slide6.xml><?xml version="1.0" encoding="utf-8"?>
+<file path=ppt/slides/slide7.xml><?xml version="1.0" encoding="utf-8"?>
 <p:sld xmlns:a="http://schemas.openxmlformats.org/drawingml/2006/main" xmlns:r="http://schemas.openxmlformats.org/officeDocument/2006/relationships" xmlns:p="http://schemas.openxmlformats.org/presentationml/2006/main">
   <p:cSld>
     <p:spTree>
@@ -12030,139 +12250,6 @@
 </p:sld>
 </file>
 
-<file path=ppt/slides/slide7.xml><?xml version="1.0" encoding="utf-8"?>
-<p:sld xmlns:a="http://schemas.openxmlformats.org/drawingml/2006/main" xmlns:r="http://schemas.openxmlformats.org/officeDocument/2006/relationships" xmlns:p="http://schemas.openxmlformats.org/presentationml/2006/main">
-  <p:cSld>
-    <p:spTree>
-      <p:nvGrpSpPr>
-        <p:cNvPr id="1" name=""/>
-        <p:cNvGrpSpPr/>
-        <p:nvPr/>
-      </p:nvGrpSpPr>
-      <p:grpSpPr>
-        <a:xfrm>
-          <a:off x="0" y="0"/>
-          <a:ext cx="0" cy="0"/>
-          <a:chOff x="0" y="0"/>
-          <a:chExt cx="0" cy="0"/>
-        </a:xfrm>
-      </p:grpSpPr>
-      <p:sp>
-        <p:nvSpPr>
-          <p:cNvPr id="2" name="标题 1"/>
-          <p:cNvSpPr>
-            <a:spLocks noGrp="1"/>
-          </p:cNvSpPr>
-          <p:nvPr>
-            <p:ph type="title"/>
-          </p:nvPr>
-        </p:nvSpPr>
-        <p:spPr/>
-        <p:txBody>
-          <a:bodyPr/>
-          <a:lstStyle/>
-          <a:p>
-            <a:r>
-              <a:rPr lang="zh-CN" altLang="en-US" sz="2400" b="0" dirty="0"/>
-              <a:t>设计模式扮演的角色</a:t>
-            </a:r>
-            <a:r>
-              <a:rPr lang="zh-CN" altLang="en-US" dirty="0"/>
-              <a:t/>
-            </a:r>
-            <a:br>
-              <a:rPr lang="zh-CN" altLang="en-US" dirty="0"/>
-            </a:br>
-            <a:endParaRPr lang="zh-CN" altLang="en-US" dirty="0"/>
-          </a:p>
-        </p:txBody>
-      </p:sp>
-      <p:sp>
-        <p:nvSpPr>
-          <p:cNvPr id="3" name="文本占位符 2"/>
-          <p:cNvSpPr>
-            <a:spLocks noGrp="1"/>
-          </p:cNvSpPr>
-          <p:nvPr>
-            <p:ph type="body" sz="quarter" idx="11"/>
-          </p:nvPr>
-        </p:nvSpPr>
-        <p:spPr/>
-        <p:txBody>
-          <a:bodyPr>
-            <a:normAutofit/>
-          </a:bodyPr>
-          <a:lstStyle/>
-          <a:p>
-            <a:r>
-              <a:rPr lang="en-US" altLang="zh-CN" sz="1600" dirty="0"/>
-              <a:t>1. </a:t>
-            </a:r>
-            <a:r>
-              <a:rPr lang="zh-CN" altLang="en-US" sz="1600" dirty="0"/>
-              <a:t>帮助我们组织</a:t>
-            </a:r>
-            <a:r>
-              <a:rPr lang="zh-CN" altLang="en-US" sz="1600" dirty="0" smtClean="0"/>
-              <a:t>模块</a:t>
-            </a:r>
-            <a:endParaRPr lang="en-US" altLang="zh-CN" sz="1600" dirty="0" smtClean="0"/>
-          </a:p>
-          <a:p>
-            <a:r>
-              <a:rPr lang="en-US" altLang="zh-CN" sz="1600" dirty="0" smtClean="0"/>
-              <a:t>2</a:t>
-            </a:r>
-            <a:r>
-              <a:rPr lang="en-US" altLang="zh-CN" sz="1600" dirty="0"/>
-              <a:t>. </a:t>
-            </a:r>
-            <a:r>
-              <a:rPr lang="zh-CN" altLang="en-US" sz="1600" dirty="0"/>
-              <a:t>帮助我们设计</a:t>
-            </a:r>
-            <a:r>
-              <a:rPr lang="zh-CN" altLang="en-US" sz="1600" dirty="0" smtClean="0"/>
-              <a:t>沟通</a:t>
-            </a:r>
-            <a:endParaRPr lang="en-US" altLang="zh-CN" sz="1600" dirty="0" smtClean="0"/>
-          </a:p>
-          <a:p>
-            <a:r>
-              <a:rPr lang="en-US" altLang="zh-CN" sz="1600" dirty="0" smtClean="0"/>
-              <a:t>3</a:t>
-            </a:r>
-            <a:r>
-              <a:rPr lang="en-US" altLang="zh-CN" sz="1600" dirty="0"/>
-              <a:t>. </a:t>
-            </a:r>
-            <a:r>
-              <a:rPr lang="zh-CN" altLang="en-US" sz="1600" dirty="0"/>
-              <a:t>提高代码质量</a:t>
-            </a:r>
-          </a:p>
-        </p:txBody>
-      </p:sp>
-    </p:spTree>
-    <p:extLst>
-      <p:ext uri="{BB962C8B-B14F-4D97-AF65-F5344CB8AC3E}">
-        <p14:creationId xmlns:p14="http://schemas.microsoft.com/office/powerpoint/2010/main" val="3589471837"/>
-      </p:ext>
-    </p:extLst>
-  </p:cSld>
-  <p:clrMapOvr>
-    <a:masterClrMapping/>
-  </p:clrMapOvr>
-  <p:timing>
-    <p:tnLst>
-      <p:par>
-        <p:cTn id="1" dur="indefinite" restart="never" nodeType="tmRoot"/>
-      </p:par>
-    </p:tnLst>
-  </p:timing>
-</p:sld>
-</file>
-
 <file path=ppt/slides/slide8.xml><?xml version="1.0" encoding="utf-8"?>
 <p:sld xmlns:a="http://schemas.openxmlformats.org/drawingml/2006/main" xmlns:r="http://schemas.openxmlformats.org/officeDocument/2006/relationships" xmlns:p="http://schemas.openxmlformats.org/presentationml/2006/main">
   <p:cSld>
@@ -12196,16 +12283,8 @@
           <a:lstStyle/>
           <a:p>
             <a:r>
-              <a:rPr lang="en-US" altLang="zh-CN" sz="2400" b="0" dirty="0" smtClean="0"/>
-              <a:t>SOLID</a:t>
-            </a:r>
-            <a:r>
-              <a:rPr lang="zh-CN" altLang="en-US" sz="2400" b="0" dirty="0" smtClean="0"/>
-              <a:t>设计</a:t>
-            </a:r>
-            <a:r>
               <a:rPr lang="zh-CN" altLang="en-US" sz="2400" b="0" dirty="0"/>
-              <a:t>原则</a:t>
+              <a:t>设计模式扮演的角色</a:t>
             </a:r>
             <a:r>
               <a:rPr lang="zh-CN" altLang="en-US" dirty="0"/>
@@ -12237,52 +12316,22 @@
           <a:p>
             <a:r>
               <a:rPr lang="en-US" altLang="zh-CN" sz="1600" dirty="0"/>
-              <a:t>1</a:t>
-            </a:r>
+              <a:t>1. </a:t>
+            </a:r>
+            <a:r>
+              <a:rPr lang="zh-CN" altLang="en-US" sz="1600" dirty="0"/>
+              <a:t>帮助我们组织</a:t>
+            </a:r>
+            <a:r>
+              <a:rPr lang="zh-CN" altLang="en-US" sz="1600" dirty="0" smtClean="0"/>
+              <a:t>模块</a:t>
+            </a:r>
+            <a:endParaRPr lang="en-US" altLang="zh-CN" sz="1600" dirty="0" smtClean="0"/>
+          </a:p>
+          <a:p>
             <a:r>
               <a:rPr lang="en-US" altLang="zh-CN" sz="1600" dirty="0" smtClean="0"/>
-              <a:t>. </a:t>
-            </a:r>
-            <a:r>
-              <a:rPr lang="zh-CN" altLang="en-US" sz="1600" dirty="0" smtClean="0"/>
-              <a:t>单一</a:t>
-            </a:r>
-            <a:r>
-              <a:rPr lang="zh-CN" altLang="en-US" sz="1600" dirty="0"/>
-              <a:t>职责原则 </a:t>
-            </a:r>
-            <a:endParaRPr lang="en-US" altLang="zh-CN" sz="1600" dirty="0"/>
-          </a:p>
-          <a:p>
-            <a:r>
-              <a:rPr lang="en-US" altLang="zh-CN" sz="1600" dirty="0" smtClean="0"/>
-              <a:t>2. </a:t>
-            </a:r>
-            <a:r>
-              <a:rPr lang="zh-CN" altLang="en-US" sz="1600" dirty="0" smtClean="0"/>
-              <a:t>开闭原则 </a:t>
-            </a:r>
-            <a:endParaRPr lang="en-US" altLang="zh-CN" sz="1600" dirty="0" smtClean="0"/>
-          </a:p>
-          <a:p>
-            <a:r>
-              <a:rPr lang="en-US" altLang="zh-CN" sz="1600" dirty="0" smtClean="0"/>
-              <a:t>3. </a:t>
-            </a:r>
-            <a:r>
-              <a:rPr lang="zh-CN" altLang="en-US" sz="1600" dirty="0" smtClean="0"/>
-              <a:t>里</a:t>
-            </a:r>
-            <a:r>
-              <a:rPr lang="zh-CN" altLang="en-US" sz="1600" dirty="0"/>
-              <a:t>氏替换原则 </a:t>
-            </a:r>
-            <a:endParaRPr lang="en-US" altLang="zh-CN" sz="1600" dirty="0" smtClean="0"/>
-          </a:p>
-          <a:p>
-            <a:r>
-              <a:rPr lang="en-US" altLang="zh-CN" sz="1600" dirty="0" smtClean="0"/>
-              <a:t>4</a:t>
+              <a:t>2</a:t>
             </a:r>
             <a:r>
               <a:rPr lang="en-US" altLang="zh-CN" sz="1600" dirty="0"/>
@@ -12290,31 +12339,34 @@
             </a:r>
             <a:r>
               <a:rPr lang="zh-CN" altLang="en-US" sz="1600" dirty="0"/>
-              <a:t>接口隔离</a:t>
+              <a:t>帮助我们设计</a:t>
             </a:r>
             <a:r>
               <a:rPr lang="zh-CN" altLang="en-US" sz="1600" dirty="0" smtClean="0"/>
-              <a:t>原则 </a:t>
+              <a:t>沟通</a:t>
             </a:r>
             <a:endParaRPr lang="en-US" altLang="zh-CN" sz="1600" dirty="0" smtClean="0"/>
           </a:p>
           <a:p>
             <a:r>
+              <a:rPr lang="en-US" altLang="zh-CN" sz="1600" dirty="0" smtClean="0"/>
+              <a:t>3</a:t>
+            </a:r>
+            <a:r>
               <a:rPr lang="en-US" altLang="zh-CN" sz="1600" dirty="0"/>
-              <a:t>3. </a:t>
+              <a:t>. </a:t>
             </a:r>
             <a:r>
               <a:rPr lang="zh-CN" altLang="en-US" sz="1600" dirty="0"/>
-              <a:t>依赖倒置原则 </a:t>
-            </a:r>
-            <a:endParaRPr lang="en-US" altLang="zh-CN" sz="1600" dirty="0"/>
+              <a:t>提高代码质量</a:t>
+            </a:r>
           </a:p>
         </p:txBody>
       </p:sp>
     </p:spTree>
     <p:extLst>
       <p:ext uri="{BB962C8B-B14F-4D97-AF65-F5344CB8AC3E}">
-        <p14:creationId xmlns:p14="http://schemas.microsoft.com/office/powerpoint/2010/main" val="2519593610"/>
+        <p14:creationId xmlns:p14="http://schemas.microsoft.com/office/powerpoint/2010/main" val="3589471837"/>
       </p:ext>
     </p:extLst>
   </p:cSld>
@@ -12364,8 +12416,16 @@
           <a:lstStyle/>
           <a:p>
             <a:r>
+              <a:rPr lang="en-US" altLang="zh-CN" sz="2400" b="0" dirty="0" smtClean="0"/>
+              <a:t>SOLID</a:t>
+            </a:r>
+            <a:r>
+              <a:rPr lang="zh-CN" altLang="en-US" sz="2400" b="0" dirty="0" smtClean="0"/>
+              <a:t>设计</a:t>
+            </a:r>
+            <a:r>
               <a:rPr lang="zh-CN" altLang="en-US" sz="2400" b="0" dirty="0"/>
-              <a:t>设会模式分类</a:t>
+              <a:t>原则</a:t>
             </a:r>
             <a:r>
               <a:rPr lang="zh-CN" altLang="en-US" dirty="0"/>
@@ -12397,65 +12457,77 @@
           <a:p>
             <a:r>
               <a:rPr lang="en-US" altLang="zh-CN" sz="1600" dirty="0"/>
-              <a:t>1. </a:t>
+              <a:t>1</a:t>
+            </a:r>
+            <a:r>
+              <a:rPr lang="en-US" altLang="zh-CN" sz="1600" dirty="0" smtClean="0"/>
+              <a:t>. </a:t>
+            </a:r>
+            <a:r>
+              <a:rPr lang="zh-CN" altLang="en-US" sz="1600" dirty="0" smtClean="0"/>
+              <a:t>单一</a:t>
             </a:r>
             <a:r>
               <a:rPr lang="zh-CN" altLang="en-US" sz="1600" dirty="0"/>
-              <a:t>创建</a:t>
+              <a:t>职责原则 </a:t>
+            </a:r>
+            <a:endParaRPr lang="en-US" altLang="zh-CN" sz="1600" dirty="0"/>
+          </a:p>
+          <a:p>
+            <a:r>
+              <a:rPr lang="en-US" altLang="zh-CN" sz="1600" dirty="0" smtClean="0"/>
+              <a:t>2. </a:t>
             </a:r>
             <a:r>
               <a:rPr lang="zh-CN" altLang="en-US" sz="1600" dirty="0" smtClean="0"/>
-              <a:t>型</a:t>
+              <a:t>开闭原则 </a:t>
             </a:r>
             <a:endParaRPr lang="en-US" altLang="zh-CN" sz="1600" dirty="0" smtClean="0"/>
           </a:p>
           <a:p>
             <a:r>
               <a:rPr lang="en-US" altLang="zh-CN" sz="1600" dirty="0" smtClean="0"/>
-              <a:t>2</a:t>
+              <a:t>3. </a:t>
+            </a:r>
+            <a:r>
+              <a:rPr lang="zh-CN" altLang="en-US" sz="1600" dirty="0" smtClean="0"/>
+              <a:t>里</a:t>
+            </a:r>
+            <a:r>
+              <a:rPr lang="zh-CN" altLang="en-US" sz="1600" dirty="0"/>
+              <a:t>氏替换原则 </a:t>
+            </a:r>
+            <a:endParaRPr lang="en-US" altLang="zh-CN" sz="1600" dirty="0" smtClean="0"/>
+          </a:p>
+          <a:p>
+            <a:r>
+              <a:rPr lang="en-US" altLang="zh-CN" sz="1600" dirty="0" smtClean="0"/>
+              <a:t>4</a:t>
             </a:r>
             <a:r>
               <a:rPr lang="en-US" altLang="zh-CN" sz="1600" dirty="0"/>
               <a:t>. </a:t>
             </a:r>
             <a:r>
+              <a:rPr lang="zh-CN" altLang="en-US" sz="1600" dirty="0"/>
+              <a:t>接口隔离</a:t>
+            </a:r>
+            <a:r>
               <a:rPr lang="zh-CN" altLang="en-US" sz="1600" dirty="0" smtClean="0"/>
-              <a:t>结构型</a:t>
+              <a:t>原则 </a:t>
             </a:r>
             <a:endParaRPr lang="en-US" altLang="zh-CN" sz="1600" dirty="0" smtClean="0"/>
           </a:p>
           <a:p>
             <a:r>
-              <a:rPr lang="en-US" altLang="zh-CN" sz="1600" dirty="0" smtClean="0"/>
-              <a:t>3</a:t>
-            </a:r>
-            <a:r>
               <a:rPr lang="en-US" altLang="zh-CN" sz="1600" dirty="0"/>
-              <a:t>. </a:t>
+              <a:t>3. </a:t>
             </a:r>
             <a:r>
               <a:rPr lang="zh-CN" altLang="en-US" sz="1600" dirty="0"/>
-              <a:t>行为</a:t>
-            </a:r>
-            <a:r>
-              <a:rPr lang="zh-CN" altLang="en-US" sz="1600" dirty="0" smtClean="0"/>
-              <a:t>型</a:t>
-            </a:r>
-            <a:endParaRPr lang="en-US" altLang="zh-CN" sz="1600" dirty="0" smtClean="0"/>
-          </a:p>
-          <a:p>
-            <a:r>
-              <a:rPr lang="en-US" altLang="zh-CN" sz="1600" dirty="0" smtClean="0"/>
-              <a:t>4</a:t>
-            </a:r>
-            <a:r>
-              <a:rPr lang="en-US" altLang="zh-CN" sz="1600" dirty="0"/>
-              <a:t>. </a:t>
-            </a:r>
-            <a:r>
-              <a:rPr lang="zh-CN" altLang="en-US" sz="1600" dirty="0"/>
-              <a:t>技巧型</a:t>
-            </a:r>
+              <a:t>依赖倒置原则 </a:t>
+            </a:r>
+            <a:endParaRPr lang="en-US" altLang="zh-CN" sz="1600" dirty="0"/>
           </a:p>
         </p:txBody>
       </p:sp>
@@ -12798,7 +12870,7 @@
   <a:extraClrSchemeLst/>
   <a:extLst>
     <a:ext uri="{05A4C25C-085E-4340-85A3-A5531E510DB2}">
-      <thm15:themeFamily xmlns:thm15="http://schemas.microsoft.com/office/thememl/2012/main" xmlns="" name="20171024金蝶集团幻灯片模版（终稿）.pptx" id="{1EAF7BB3-9139-4CA9-B9C3-EDD8633D62AA}" vid="{D3470B15-9C50-4FF3-AB54-112F42EC039C}"/>
+      <thm15:themeFamily xmlns="" xmlns:thm15="http://schemas.microsoft.com/office/thememl/2012/main" name="20171024金蝶集团幻灯片模版（终稿）.pptx" id="{1EAF7BB3-9139-4CA9-B9C3-EDD8633D62AA}" vid="{D3470B15-9C50-4FF3-AB54-112F42EC039C}"/>
     </a:ext>
   </a:extLst>
 </a:theme>
